--- a/Phase_I/Dissertation_Phase1.pptx
+++ b/Phase_I/Dissertation_Phase1.pptx
@@ -271,7 +271,7 @@
           <a:p>
             <a:fld id="{2C38DC1F-B3A0-4880-B390-B7047C16692A}" type="datetimeFigureOut">
               <a:rPr lang="en-US" smtClean="0"/>
-              <a:t>11/7/2021</a:t>
+              <a:t>12/1/2021</a:t>
             </a:fld>
             <a:endParaRPr lang="en-US"/>
           </a:p>
@@ -441,7 +441,7 @@
           <a:p>
             <a:fld id="{2C38DC1F-B3A0-4880-B390-B7047C16692A}" type="datetimeFigureOut">
               <a:rPr lang="en-US" smtClean="0"/>
-              <a:t>11/7/2021</a:t>
+              <a:t>12/1/2021</a:t>
             </a:fld>
             <a:endParaRPr lang="en-US"/>
           </a:p>
@@ -621,7 +621,7 @@
           <a:p>
             <a:fld id="{2C38DC1F-B3A0-4880-B390-B7047C16692A}" type="datetimeFigureOut">
               <a:rPr lang="en-US" smtClean="0"/>
-              <a:t>11/7/2021</a:t>
+              <a:t>12/1/2021</a:t>
             </a:fld>
             <a:endParaRPr lang="en-US"/>
           </a:p>
@@ -791,7 +791,7 @@
           <a:p>
             <a:fld id="{2C38DC1F-B3A0-4880-B390-B7047C16692A}" type="datetimeFigureOut">
               <a:rPr lang="en-US" smtClean="0"/>
-              <a:t>11/7/2021</a:t>
+              <a:t>12/1/2021</a:t>
             </a:fld>
             <a:endParaRPr lang="en-US"/>
           </a:p>
@@ -1037,7 +1037,7 @@
           <a:p>
             <a:fld id="{2C38DC1F-B3A0-4880-B390-B7047C16692A}" type="datetimeFigureOut">
               <a:rPr lang="en-US" smtClean="0"/>
-              <a:t>11/7/2021</a:t>
+              <a:t>12/1/2021</a:t>
             </a:fld>
             <a:endParaRPr lang="en-US"/>
           </a:p>
@@ -1269,7 +1269,7 @@
           <a:p>
             <a:fld id="{2C38DC1F-B3A0-4880-B390-B7047C16692A}" type="datetimeFigureOut">
               <a:rPr lang="en-US" smtClean="0"/>
-              <a:t>11/7/2021</a:t>
+              <a:t>12/1/2021</a:t>
             </a:fld>
             <a:endParaRPr lang="en-US"/>
           </a:p>
@@ -1636,7 +1636,7 @@
           <a:p>
             <a:fld id="{2C38DC1F-B3A0-4880-B390-B7047C16692A}" type="datetimeFigureOut">
               <a:rPr lang="en-US" smtClean="0"/>
-              <a:t>11/7/2021</a:t>
+              <a:t>12/1/2021</a:t>
             </a:fld>
             <a:endParaRPr lang="en-US"/>
           </a:p>
@@ -1754,7 +1754,7 @@
           <a:p>
             <a:fld id="{2C38DC1F-B3A0-4880-B390-B7047C16692A}" type="datetimeFigureOut">
               <a:rPr lang="en-US" smtClean="0"/>
-              <a:t>11/7/2021</a:t>
+              <a:t>12/1/2021</a:t>
             </a:fld>
             <a:endParaRPr lang="en-US"/>
           </a:p>
@@ -1849,7 +1849,7 @@
           <a:p>
             <a:fld id="{2C38DC1F-B3A0-4880-B390-B7047C16692A}" type="datetimeFigureOut">
               <a:rPr lang="en-US" smtClean="0"/>
-              <a:t>11/7/2021</a:t>
+              <a:t>12/1/2021</a:t>
             </a:fld>
             <a:endParaRPr lang="en-US"/>
           </a:p>
@@ -2126,7 +2126,7 @@
           <a:p>
             <a:fld id="{2C38DC1F-B3A0-4880-B390-B7047C16692A}" type="datetimeFigureOut">
               <a:rPr lang="en-US" smtClean="0"/>
-              <a:t>11/7/2021</a:t>
+              <a:t>12/1/2021</a:t>
             </a:fld>
             <a:endParaRPr lang="en-US"/>
           </a:p>
@@ -2379,7 +2379,7 @@
           <a:p>
             <a:fld id="{2C38DC1F-B3A0-4880-B390-B7047C16692A}" type="datetimeFigureOut">
               <a:rPr lang="en-US" smtClean="0"/>
-              <a:t>11/7/2021</a:t>
+              <a:t>12/1/2021</a:t>
             </a:fld>
             <a:endParaRPr lang="en-US"/>
           </a:p>
@@ -2592,7 +2592,7 @@
           <a:p>
             <a:fld id="{2C38DC1F-B3A0-4880-B390-B7047C16692A}" type="datetimeFigureOut">
               <a:rPr lang="en-US" smtClean="0"/>
-              <a:t>11/7/2021</a:t>
+              <a:t>12/1/2021</a:t>
             </a:fld>
             <a:endParaRPr lang="en-US"/>
           </a:p>
@@ -3014,18 +3014,60 @@
           </a:xfrm>
         </p:spPr>
         <p:txBody>
-          <a:bodyPr/>
+          <a:bodyPr>
+            <a:noAutofit/>
+          </a:bodyPr>
           <a:lstStyle/>
           <a:p>
             <a:pPr algn="ctr"/>
             <a:r>
-              <a:rPr lang="en-US" dirty="0" smtClean="0">
-                <a:latin typeface="Times New Roman" panose="02020603050405020304" pitchFamily="18" charset="0"/>
-                <a:cs typeface="Times New Roman" panose="02020603050405020304" pitchFamily="18" charset="0"/>
-              </a:rPr>
-              <a:t>Pattern Recognition and Machine Learning</a:t>
-            </a:r>
-            <a:endParaRPr lang="en-US" dirty="0">
+              <a:rPr lang="en-US" sz="3600" dirty="0" smtClean="0">
+                <a:latin typeface="Times New Roman" panose="02020603050405020304" pitchFamily="18" charset="0"/>
+                <a:cs typeface="Times New Roman" panose="02020603050405020304" pitchFamily="18" charset="0"/>
+              </a:rPr>
+              <a:t>Pattern Recognition and Machine </a:t>
+            </a:r>
+            <a:r>
+              <a:rPr lang="en-US" sz="3600" dirty="0" smtClean="0">
+                <a:latin typeface="Times New Roman" panose="02020603050405020304" pitchFamily="18" charset="0"/>
+                <a:cs typeface="Times New Roman" panose="02020603050405020304" pitchFamily="18" charset="0"/>
+              </a:rPr>
+              <a:t>Learning</a:t>
+            </a:r>
+            <a:br>
+              <a:rPr lang="en-US" sz="3600" dirty="0" smtClean="0">
+                <a:latin typeface="Times New Roman" panose="02020603050405020304" pitchFamily="18" charset="0"/>
+                <a:cs typeface="Times New Roman" panose="02020603050405020304" pitchFamily="18" charset="0"/>
+              </a:rPr>
+            </a:br>
+            <a:r>
+              <a:rPr lang="en-US" sz="3600" dirty="0">
+                <a:latin typeface="Times New Roman" panose="02020603050405020304" pitchFamily="18" charset="0"/>
+                <a:cs typeface="Times New Roman" panose="02020603050405020304" pitchFamily="18" charset="0"/>
+              </a:rPr>
+              <a:t/>
+            </a:r>
+            <a:br>
+              <a:rPr lang="en-US" sz="3600" dirty="0">
+                <a:latin typeface="Times New Roman" panose="02020603050405020304" pitchFamily="18" charset="0"/>
+                <a:cs typeface="Times New Roman" panose="02020603050405020304" pitchFamily="18" charset="0"/>
+              </a:rPr>
+            </a:br>
+            <a:r>
+              <a:rPr lang="en-US" sz="3600" dirty="0" smtClean="0">
+                <a:latin typeface="Times New Roman" panose="02020603050405020304" pitchFamily="18" charset="0"/>
+                <a:cs typeface="Times New Roman" panose="02020603050405020304" pitchFamily="18" charset="0"/>
+              </a:rPr>
+              <a:t>Proposed Topic :</a:t>
+            </a:r>
+            <a:r>
+              <a:rPr lang="en-US" sz="3600" dirty="0">
+                <a:latin typeface="Times New Roman" panose="02020603050405020304" pitchFamily="18" charset="0"/>
+                <a:cs typeface="Times New Roman" panose="02020603050405020304" pitchFamily="18" charset="0"/>
+              </a:rPr>
+              <a:t>Bounding Box Refinement Agent for Overlapping Object Detection</a:t>
+            </a:r>
+            <a:endParaRPr lang="en-US" sz="3600" dirty="0">
               <a:latin typeface="Times New Roman" panose="02020603050405020304" pitchFamily="18" charset="0"/>
               <a:cs typeface="Times New Roman" panose="02020603050405020304" pitchFamily="18" charset="0"/>
             </a:endParaRPr>
@@ -9094,8 +9136,8 @@
           </a:p>
         </p:txBody>
       </p:sp>
-      <mc:AlternateContent xmlns:mc="http://schemas.openxmlformats.org/markup-compatibility/2006">
-        <mc:Choice xmlns:a14="http://schemas.microsoft.com/office/drawing/2010/main" Requires="a14">
+      <mc:AlternateContent xmlns:mc="http://schemas.openxmlformats.org/markup-compatibility/2006" xmlns:a14="http://schemas.microsoft.com/office/drawing/2010/main">
+        <mc:Choice Requires="a14">
           <p:sp>
             <p:nvSpPr>
               <p:cNvPr id="3" name="Content Placeholder 2"/>
@@ -9365,14 +9407,7 @@
                     <a:latin typeface="Times New Roman" panose="02020603050405020304" pitchFamily="18" charset="0"/>
                     <a:cs typeface="Times New Roman" panose="02020603050405020304" pitchFamily="18" charset="0"/>
                   </a:rPr>
-                  <a:t> </a:t>
-                </a:r>
-                <a:r>
-                  <a:rPr lang="en-US" sz="1800" dirty="0" smtClean="0">
-                    <a:latin typeface="Times New Roman" panose="02020603050405020304" pitchFamily="18" charset="0"/>
-                    <a:cs typeface="Times New Roman" panose="02020603050405020304" pitchFamily="18" charset="0"/>
-                  </a:rPr>
-                  <a:t>is </a:t>
+                  <a:t> is </a:t>
                 </a:r>
                 <a:r>
                   <a:rPr lang="en-US" sz="1800" dirty="0">
@@ -9400,14 +9435,7 @@
                     <a:latin typeface="Times New Roman" panose="02020603050405020304" pitchFamily="18" charset="0"/>
                     <a:cs typeface="Times New Roman" panose="02020603050405020304" pitchFamily="18" charset="0"/>
                   </a:rPr>
-                  <a:t> </a:t>
-                </a:r>
-                <a:r>
-                  <a:rPr lang="en-US" sz="1800" i="1" dirty="0" smtClean="0">
-                    <a:latin typeface="Times New Roman" panose="02020603050405020304" pitchFamily="18" charset="0"/>
-                    <a:cs typeface="Times New Roman" panose="02020603050405020304" pitchFamily="18" charset="0"/>
-                  </a:rPr>
-                  <a:t>R</a:t>
+                  <a:t> R</a:t>
                 </a:r>
                 <a:r>
                   <a:rPr lang="en-US" sz="1800" i="1" baseline="30000" dirty="0" smtClean="0">
@@ -9670,7 +9698,7 @@
             </p:txBody>
           </p:sp>
         </mc:Choice>
-        <mc:Fallback>
+        <mc:Fallback xmlns="">
           <p:sp>
             <p:nvSpPr>
               <p:cNvPr id="3" name="Content Placeholder 2"/>
@@ -10607,8 +10635,8 @@
           </a:p>
         </p:txBody>
       </p:sp>
-      <mc:AlternateContent xmlns:mc="http://schemas.openxmlformats.org/markup-compatibility/2006">
-        <mc:Choice xmlns:a14="http://schemas.microsoft.com/office/drawing/2010/main" Requires="a14">
+      <mc:AlternateContent xmlns:mc="http://schemas.openxmlformats.org/markup-compatibility/2006" xmlns:a14="http://schemas.microsoft.com/office/drawing/2010/main">
+        <mc:Choice Requires="a14">
           <p:sp>
             <p:nvSpPr>
               <p:cNvPr id="3" name="Content Placeholder 2"/>
@@ -10912,10 +10940,6 @@
                   </a:rPr>
                   <a:t>trajectory distribution</a:t>
                 </a:r>
-                <a:endParaRPr lang="en-US" dirty="0">
-                  <a:latin typeface="Times New Roman" panose="02020603050405020304" pitchFamily="18" charset="0"/>
-                  <a:cs typeface="Times New Roman" panose="02020603050405020304" pitchFamily="18" charset="0"/>
-                </a:endParaRPr>
               </a:p>
               <a:p>
                 <a:endParaRPr lang="en-US" sz="2000" dirty="0" smtClean="0">
@@ -10953,7 +10977,7 @@
             </p:txBody>
           </p:sp>
         </mc:Choice>
-        <mc:Fallback>
+        <mc:Fallback xmlns="">
           <p:sp>
             <p:nvSpPr>
               <p:cNvPr id="3" name="Content Placeholder 2"/>
@@ -11393,10 +11417,6 @@
               </a:rPr>
               <a:t>the Q values of the action.</a:t>
             </a:r>
-            <a:endParaRPr lang="en-US" sz="2000" dirty="0">
-              <a:latin typeface="Times New Roman" panose="02020603050405020304" pitchFamily="18" charset="0"/>
-              <a:cs typeface="Times New Roman" panose="02020603050405020304" pitchFamily="18" charset="0"/>
-            </a:endParaRPr>
           </a:p>
         </p:txBody>
       </p:sp>
@@ -11510,10 +11530,6 @@
               </a:rPr>
               <a:t>An illustration of Actor-Critic algorithm in two cases: </a:t>
             </a:r>
-            <a:endParaRPr lang="en-US" sz="2000" dirty="0">
-              <a:latin typeface="Times New Roman" panose="02020603050405020304" pitchFamily="18" charset="0"/>
-              <a:cs typeface="Times New Roman" panose="02020603050405020304" pitchFamily="18" charset="0"/>
-            </a:endParaRPr>
           </a:p>
           <a:p>
             <a:pPr algn="ctr"/>
@@ -11659,7 +11675,7 @@
             </p:spPr>
             <p:txBody>
               <a:bodyPr>
-                <a:normAutofit fontScale="92500" lnSpcReduction="10000"/>
+                <a:normAutofit lnSpcReduction="10000"/>
               </a:bodyPr>
               <a:lstStyle/>
               <a:p>
@@ -11993,168 +12009,133 @@
                   </a:rPr>
                   <a:t>. </a:t>
                 </a:r>
-                <a:r>
-                  <a:rPr lang="en-US" sz="2000" dirty="0">
-                    <a:latin typeface="Times New Roman" panose="02020603050405020304" pitchFamily="18" charset="0"/>
-                    <a:cs typeface="Times New Roman" panose="02020603050405020304" pitchFamily="18" charset="0"/>
-                  </a:rPr>
-                  <a:t>In the following, we will cover the most common </a:t>
-                </a:r>
-                <a:r>
-                  <a:rPr lang="en-US" sz="2000" dirty="0" smtClean="0">
-                    <a:latin typeface="Times New Roman" panose="02020603050405020304" pitchFamily="18" charset="0"/>
-                    <a:cs typeface="Times New Roman" panose="02020603050405020304" pitchFamily="18" charset="0"/>
-                  </a:rPr>
-                  <a:t>model-based DRL </a:t>
-                </a:r>
-                <a:r>
-                  <a:rPr lang="en-US" sz="2000" dirty="0">
-                    <a:latin typeface="Times New Roman" panose="02020603050405020304" pitchFamily="18" charset="0"/>
-                    <a:cs typeface="Times New Roman" panose="02020603050405020304" pitchFamily="18" charset="0"/>
-                  </a:rPr>
-                  <a:t>approaches including value function and policy search methods</a:t>
-                </a:r>
-                <a:r>
-                  <a:rPr lang="en-US" sz="2000" dirty="0" smtClean="0">
-                    <a:latin typeface="Times New Roman" panose="02020603050405020304" pitchFamily="18" charset="0"/>
-                    <a:cs typeface="Times New Roman" panose="02020603050405020304" pitchFamily="18" charset="0"/>
-                  </a:rPr>
-                  <a:t>.</a:t>
-                </a:r>
-              </a:p>
-              <a:p>
-                <a:r>
-                  <a:rPr lang="en-US" sz="2000" dirty="0">
-                    <a:latin typeface="Times New Roman" panose="02020603050405020304" pitchFamily="18" charset="0"/>
-                    <a:cs typeface="Times New Roman" panose="02020603050405020304" pitchFamily="18" charset="0"/>
-                  </a:rPr>
-                  <a:t>Value </a:t>
-                </a:r>
-                <a:r>
-                  <a:rPr lang="en-US" sz="2000" dirty="0" smtClean="0">
-                    <a:latin typeface="Times New Roman" panose="02020603050405020304" pitchFamily="18" charset="0"/>
-                    <a:cs typeface="Times New Roman" panose="02020603050405020304" pitchFamily="18" charset="0"/>
-                  </a:rPr>
-                  <a:t>function: We </a:t>
-                </a:r>
-                <a:r>
-                  <a:rPr lang="en-US" sz="2000" dirty="0">
-                    <a:latin typeface="Times New Roman" panose="02020603050405020304" pitchFamily="18" charset="0"/>
-                    <a:cs typeface="Times New Roman" panose="02020603050405020304" pitchFamily="18" charset="0"/>
-                  </a:rPr>
-                  <a:t>start this category with </a:t>
-                </a:r>
-                <a:r>
-                  <a:rPr lang="en-US" sz="2000" dirty="0" smtClean="0">
-                    <a:latin typeface="Times New Roman" panose="02020603050405020304" pitchFamily="18" charset="0"/>
-                    <a:cs typeface="Times New Roman" panose="02020603050405020304" pitchFamily="18" charset="0"/>
-                  </a:rPr>
-                  <a:t>DQN </a:t>
-                </a:r>
-                <a:r>
-                  <a:rPr lang="en-US" sz="2000" dirty="0">
-                    <a:latin typeface="Times New Roman" panose="02020603050405020304" pitchFamily="18" charset="0"/>
-                    <a:cs typeface="Times New Roman" panose="02020603050405020304" pitchFamily="18" charset="0"/>
-                  </a:rPr>
-                  <a:t>which has been successfully applied to classic </a:t>
-                </a:r>
-                <a:r>
-                  <a:rPr lang="en-US" sz="2000" dirty="0" smtClean="0">
-                    <a:latin typeface="Times New Roman" panose="02020603050405020304" pitchFamily="18" charset="0"/>
-                    <a:cs typeface="Times New Roman" panose="02020603050405020304" pitchFamily="18" charset="0"/>
-                  </a:rPr>
-                  <a:t>Atari. DQN </a:t>
-                </a:r>
-                <a:r>
-                  <a:rPr lang="en-US" sz="2000" dirty="0">
-                    <a:latin typeface="Times New Roman" panose="02020603050405020304" pitchFamily="18" charset="0"/>
-                    <a:cs typeface="Times New Roman" panose="02020603050405020304" pitchFamily="18" charset="0"/>
-                  </a:rPr>
-                  <a:t>uses CNNs to deal with high dimensional state space </a:t>
-                </a:r>
-                <a:r>
-                  <a:rPr lang="en-US" sz="2000" dirty="0" smtClean="0">
-                    <a:latin typeface="Times New Roman" panose="02020603050405020304" pitchFamily="18" charset="0"/>
-                    <a:cs typeface="Times New Roman" panose="02020603050405020304" pitchFamily="18" charset="0"/>
-                  </a:rPr>
-                  <a:t>like pixels</a:t>
-                </a:r>
-                <a:r>
-                  <a:rPr lang="en-US" sz="2000" dirty="0">
-                    <a:latin typeface="Times New Roman" panose="02020603050405020304" pitchFamily="18" charset="0"/>
-                    <a:cs typeface="Times New Roman" panose="02020603050405020304" pitchFamily="18" charset="0"/>
-                  </a:rPr>
-                  <a:t>, to approximate the Q-value function</a:t>
-                </a:r>
-                <a:r>
-                  <a:rPr lang="en-US" sz="2000" dirty="0" smtClean="0">
-                    <a:latin typeface="Times New Roman" panose="02020603050405020304" pitchFamily="18" charset="0"/>
-                    <a:cs typeface="Times New Roman" panose="02020603050405020304" pitchFamily="18" charset="0"/>
-                  </a:rPr>
-                  <a:t>.</a:t>
-                </a:r>
-              </a:p>
-              <a:p>
-                <a:r>
-                  <a:rPr lang="en-US" sz="2200" dirty="0">
-                    <a:latin typeface="Times New Roman" panose="02020603050405020304" pitchFamily="18" charset="0"/>
-                    <a:cs typeface="Times New Roman" panose="02020603050405020304" pitchFamily="18" charset="0"/>
-                  </a:rPr>
-                  <a:t>Policy </a:t>
-                </a:r>
-                <a:r>
-                  <a:rPr lang="en-US" sz="2200" dirty="0" smtClean="0">
-                    <a:latin typeface="Times New Roman" panose="02020603050405020304" pitchFamily="18" charset="0"/>
-                    <a:cs typeface="Times New Roman" panose="02020603050405020304" pitchFamily="18" charset="0"/>
-                  </a:rPr>
-                  <a:t>search: These methods </a:t>
-                </a:r>
-                <a:r>
-                  <a:rPr lang="en-US" sz="2200" dirty="0">
-                    <a:latin typeface="Times New Roman" panose="02020603050405020304" pitchFamily="18" charset="0"/>
-                    <a:cs typeface="Times New Roman" panose="02020603050405020304" pitchFamily="18" charset="0"/>
-                  </a:rPr>
-                  <a:t>aim to </a:t>
-                </a:r>
-                <a:r>
-                  <a:rPr lang="en-US" sz="2200">
-                    <a:latin typeface="Times New Roman" panose="02020603050405020304" pitchFamily="18" charset="0"/>
-                    <a:cs typeface="Times New Roman" panose="02020603050405020304" pitchFamily="18" charset="0"/>
-                  </a:rPr>
-                  <a:t>directly </a:t>
-                </a:r>
-                <a:r>
-                  <a:rPr lang="en-US" sz="2200" smtClean="0">
-                    <a:latin typeface="Times New Roman" panose="02020603050405020304" pitchFamily="18" charset="0"/>
-                    <a:cs typeface="Times New Roman" panose="02020603050405020304" pitchFamily="18" charset="0"/>
-                  </a:rPr>
-                  <a:t>find </a:t>
-                </a:r>
-                <a:r>
-                  <a:rPr lang="en-US" sz="2200" dirty="0">
-                    <a:latin typeface="Times New Roman" panose="02020603050405020304" pitchFamily="18" charset="0"/>
-                    <a:cs typeface="Times New Roman" panose="02020603050405020304" pitchFamily="18" charset="0"/>
-                  </a:rPr>
-                  <a:t>policies by means of gradient-free or </a:t>
-                </a:r>
-                <a:r>
-                  <a:rPr lang="en-US" sz="2200" dirty="0" smtClean="0">
-                    <a:latin typeface="Times New Roman" panose="02020603050405020304" pitchFamily="18" charset="0"/>
-                    <a:cs typeface="Times New Roman" panose="02020603050405020304" pitchFamily="18" charset="0"/>
-                  </a:rPr>
-                  <a:t>gradient based methods</a:t>
-                </a:r>
-                <a:r>
-                  <a:rPr lang="en-US" sz="2200" dirty="0">
-                    <a:latin typeface="Times New Roman" panose="02020603050405020304" pitchFamily="18" charset="0"/>
-                    <a:cs typeface="Times New Roman" panose="02020603050405020304" pitchFamily="18" charset="0"/>
-                  </a:rPr>
-                  <a:t>.</a:t>
-                </a:r>
-                <a:endParaRPr lang="en-US" sz="2200" dirty="0">
+                <a:endParaRPr lang="en-US" sz="2000" dirty="0" smtClean="0">
                   <a:latin typeface="Times New Roman" panose="02020603050405020304" pitchFamily="18" charset="0"/>
                   <a:cs typeface="Times New Roman" panose="02020603050405020304" pitchFamily="18" charset="0"/>
                 </a:endParaRPr>
+              </a:p>
+              <a:p>
+                <a:r>
+                  <a:rPr lang="en-US" sz="2000" dirty="0" smtClean="0">
+                    <a:latin typeface="Times New Roman" panose="02020603050405020304" pitchFamily="18" charset="0"/>
+                    <a:cs typeface="Times New Roman" panose="02020603050405020304" pitchFamily="18" charset="0"/>
+                  </a:rPr>
+                  <a:t>Value </a:t>
+                </a:r>
+                <a:r>
+                  <a:rPr lang="en-US" sz="2000" dirty="0" smtClean="0">
+                    <a:latin typeface="Times New Roman" panose="02020603050405020304" pitchFamily="18" charset="0"/>
+                    <a:cs typeface="Times New Roman" panose="02020603050405020304" pitchFamily="18" charset="0"/>
+                  </a:rPr>
+                  <a:t>function: We </a:t>
+                </a:r>
+                <a:r>
+                  <a:rPr lang="en-US" sz="2000" dirty="0">
+                    <a:latin typeface="Times New Roman" panose="02020603050405020304" pitchFamily="18" charset="0"/>
+                    <a:cs typeface="Times New Roman" panose="02020603050405020304" pitchFamily="18" charset="0"/>
+                  </a:rPr>
+                  <a:t>start this category with </a:t>
+                </a:r>
+                <a:r>
+                  <a:rPr lang="en-US" sz="2000" dirty="0" smtClean="0">
+                    <a:latin typeface="Times New Roman" panose="02020603050405020304" pitchFamily="18" charset="0"/>
+                    <a:cs typeface="Times New Roman" panose="02020603050405020304" pitchFamily="18" charset="0"/>
+                  </a:rPr>
+                  <a:t>DQN </a:t>
+                </a:r>
+                <a:r>
+                  <a:rPr lang="en-US" sz="2000" dirty="0">
+                    <a:latin typeface="Times New Roman" panose="02020603050405020304" pitchFamily="18" charset="0"/>
+                    <a:cs typeface="Times New Roman" panose="02020603050405020304" pitchFamily="18" charset="0"/>
+                  </a:rPr>
+                  <a:t>which has been successfully applied to classic </a:t>
+                </a:r>
+                <a:r>
+                  <a:rPr lang="en-US" sz="2000" dirty="0" smtClean="0">
+                    <a:latin typeface="Times New Roman" panose="02020603050405020304" pitchFamily="18" charset="0"/>
+                    <a:cs typeface="Times New Roman" panose="02020603050405020304" pitchFamily="18" charset="0"/>
+                  </a:rPr>
+                  <a:t>Atari. DQN </a:t>
+                </a:r>
+                <a:r>
+                  <a:rPr lang="en-US" sz="2000" dirty="0">
+                    <a:latin typeface="Times New Roman" panose="02020603050405020304" pitchFamily="18" charset="0"/>
+                    <a:cs typeface="Times New Roman" panose="02020603050405020304" pitchFamily="18" charset="0"/>
+                  </a:rPr>
+                  <a:t>uses CNNs to deal with high dimensional state space </a:t>
+                </a:r>
+                <a:r>
+                  <a:rPr lang="en-US" sz="2000" dirty="0" smtClean="0">
+                    <a:latin typeface="Times New Roman" panose="02020603050405020304" pitchFamily="18" charset="0"/>
+                    <a:cs typeface="Times New Roman" panose="02020603050405020304" pitchFamily="18" charset="0"/>
+                  </a:rPr>
+                  <a:t>like pixels</a:t>
+                </a:r>
+                <a:r>
+                  <a:rPr lang="en-US" sz="2000" dirty="0">
+                    <a:latin typeface="Times New Roman" panose="02020603050405020304" pitchFamily="18" charset="0"/>
+                    <a:cs typeface="Times New Roman" panose="02020603050405020304" pitchFamily="18" charset="0"/>
+                  </a:rPr>
+                  <a:t>, to approximate the Q-value function</a:t>
+                </a:r>
+                <a:r>
+                  <a:rPr lang="en-US" sz="2000" dirty="0" smtClean="0">
+                    <a:latin typeface="Times New Roman" panose="02020603050405020304" pitchFamily="18" charset="0"/>
+                    <a:cs typeface="Times New Roman" panose="02020603050405020304" pitchFamily="18" charset="0"/>
+                  </a:rPr>
+                  <a:t>.</a:t>
+                </a:r>
+              </a:p>
+              <a:p>
+                <a:r>
+                  <a:rPr lang="en-US" sz="2200" dirty="0">
+                    <a:latin typeface="Times New Roman" panose="02020603050405020304" pitchFamily="18" charset="0"/>
+                    <a:cs typeface="Times New Roman" panose="02020603050405020304" pitchFamily="18" charset="0"/>
+                  </a:rPr>
+                  <a:t>Policy </a:t>
+                </a:r>
+                <a:r>
+                  <a:rPr lang="en-US" sz="2200" dirty="0" smtClean="0">
+                    <a:latin typeface="Times New Roman" panose="02020603050405020304" pitchFamily="18" charset="0"/>
+                    <a:cs typeface="Times New Roman" panose="02020603050405020304" pitchFamily="18" charset="0"/>
+                  </a:rPr>
+                  <a:t>search: These methods </a:t>
+                </a:r>
+                <a:r>
+                  <a:rPr lang="en-US" sz="2200" dirty="0">
+                    <a:latin typeface="Times New Roman" panose="02020603050405020304" pitchFamily="18" charset="0"/>
+                    <a:cs typeface="Times New Roman" panose="02020603050405020304" pitchFamily="18" charset="0"/>
+                  </a:rPr>
+                  <a:t>aim to directly </a:t>
+                </a:r>
+                <a:r>
+                  <a:rPr lang="en-US" sz="2200" dirty="0" smtClean="0">
+                    <a:latin typeface="Times New Roman" panose="02020603050405020304" pitchFamily="18" charset="0"/>
+                    <a:cs typeface="Times New Roman" panose="02020603050405020304" pitchFamily="18" charset="0"/>
+                  </a:rPr>
+                  <a:t>find </a:t>
+                </a:r>
+                <a:r>
+                  <a:rPr lang="en-US" sz="2200" dirty="0">
+                    <a:latin typeface="Times New Roman" panose="02020603050405020304" pitchFamily="18" charset="0"/>
+                    <a:cs typeface="Times New Roman" panose="02020603050405020304" pitchFamily="18" charset="0"/>
+                  </a:rPr>
+                  <a:t>policies by means of gradient-free or </a:t>
+                </a:r>
+                <a:r>
+                  <a:rPr lang="en-US" sz="2200" dirty="0" smtClean="0">
+                    <a:latin typeface="Times New Roman" panose="02020603050405020304" pitchFamily="18" charset="0"/>
+                    <a:cs typeface="Times New Roman" panose="02020603050405020304" pitchFamily="18" charset="0"/>
+                  </a:rPr>
+                  <a:t>gradient based methods</a:t>
+                </a:r>
+                <a:r>
+                  <a:rPr lang="en-US" sz="2200" dirty="0">
+                    <a:latin typeface="Times New Roman" panose="02020603050405020304" pitchFamily="18" charset="0"/>
+                    <a:cs typeface="Times New Roman" panose="02020603050405020304" pitchFamily="18" charset="0"/>
+                  </a:rPr>
+                  <a:t>.</a:t>
+                </a:r>
               </a:p>
             </p:txBody>
           </p:sp>
@@ -12178,7 +12159,7 @@
               <a:blipFill>
                 <a:blip r:embed="rId2"/>
                 <a:stretch>
-                  <a:fillRect l="-522" t="-1609" r="-174"/>
+                  <a:fillRect l="-696" t="-1839" r="-580"/>
                 </a:stretch>
               </a:blipFill>
             </p:spPr>
@@ -12240,18 +12221,10 @@
         <p:spPr/>
         <p:txBody>
           <a:bodyPr>
-            <a:normAutofit fontScale="90000"/>
+            <a:normAutofit/>
           </a:bodyPr>
           <a:lstStyle/>
           <a:p>
-            <a:r>
-              <a:rPr lang="en-US" dirty="0" err="1" smtClean="0"/>
-              <a:t>ConTra</a:t>
-            </a:r>
-            <a:r>
-              <a:rPr lang="en-US" dirty="0" smtClean="0"/>
-              <a:t>: Continuous Translation Action Agent for Bounding Box Refinement</a:t>
-            </a:r>
             <a:endParaRPr lang="en-US" dirty="0"/>
           </a:p>
         </p:txBody>

--- a/Phase_I/Dissertation_Phase1.pptx
+++ b/Phase_I/Dissertation_Phase1.pptx
@@ -5,17 +5,17 @@
     <p:sldMasterId id="2147483648" r:id="rId1"/>
   </p:sldMasterIdLst>
   <p:sldIdLst>
-    <p:sldId id="257" r:id="rId2"/>
-    <p:sldId id="261" r:id="rId3"/>
-    <p:sldId id="260" r:id="rId4"/>
-    <p:sldId id="262" r:id="rId5"/>
-    <p:sldId id="263" r:id="rId6"/>
-    <p:sldId id="264" r:id="rId7"/>
-    <p:sldId id="265" r:id="rId8"/>
-    <p:sldId id="258" r:id="rId9"/>
-    <p:sldId id="266" r:id="rId10"/>
-    <p:sldId id="259" r:id="rId11"/>
-    <p:sldId id="267" r:id="rId12"/>
+    <p:sldId id="291" r:id="rId2"/>
+    <p:sldId id="257" r:id="rId3"/>
+    <p:sldId id="261" r:id="rId4"/>
+    <p:sldId id="260" r:id="rId5"/>
+    <p:sldId id="262" r:id="rId6"/>
+    <p:sldId id="263" r:id="rId7"/>
+    <p:sldId id="264" r:id="rId8"/>
+    <p:sldId id="265" r:id="rId9"/>
+    <p:sldId id="258" r:id="rId10"/>
+    <p:sldId id="267" r:id="rId11"/>
+    <p:sldId id="292" r:id="rId12"/>
     <p:sldId id="268" r:id="rId13"/>
     <p:sldId id="269" r:id="rId14"/>
     <p:sldId id="271" r:id="rId15"/>
@@ -33,7 +33,13 @@
     <p:sldId id="282" r:id="rId27"/>
     <p:sldId id="283" r:id="rId28"/>
     <p:sldId id="284" r:id="rId29"/>
-    <p:sldId id="256" r:id="rId30"/>
+    <p:sldId id="285" r:id="rId30"/>
+    <p:sldId id="256" r:id="rId31"/>
+    <p:sldId id="286" r:id="rId32"/>
+    <p:sldId id="287" r:id="rId33"/>
+    <p:sldId id="290" r:id="rId34"/>
+    <p:sldId id="288" r:id="rId35"/>
+    <p:sldId id="289" r:id="rId36"/>
   </p:sldIdLst>
   <p:sldSz cx="12192000" cy="6858000"/>
   <p:notesSz cx="6858000" cy="9144000"/>
@@ -140,6 +146,5267 @@
 </p:presentation>
 </file>
 
+<file path=ppt/charts/chart1.xml><?xml version="1.0" encoding="utf-8"?>
+<c:chartSpace xmlns:c="http://schemas.openxmlformats.org/drawingml/2006/chart" xmlns:a="http://schemas.openxmlformats.org/drawingml/2006/main" xmlns:r="http://schemas.openxmlformats.org/officeDocument/2006/relationships" xmlns:c16r2="http://schemas.microsoft.com/office/drawing/2015/06/chart">
+  <c:date1904 val="0"/>
+  <c:lang val="en-US"/>
+  <c:roundedCorners val="0"/>
+  <mc:AlternateContent xmlns:mc="http://schemas.openxmlformats.org/markup-compatibility/2006">
+    <mc:Choice xmlns:c14="http://schemas.microsoft.com/office/drawing/2007/8/2/chart" Requires="c14">
+      <c14:style val="102"/>
+    </mc:Choice>
+    <mc:Fallback>
+      <c:style val="2"/>
+    </mc:Fallback>
+  </mc:AlternateContent>
+  <c:chart>
+    <c:title>
+      <c:tx>
+        <c:rich>
+          <a:bodyPr rot="0" spcFirstLastPara="1" vertOverflow="ellipsis" vert="horz" wrap="square" anchor="ctr" anchorCtr="1"/>
+          <a:lstStyle/>
+          <a:p>
+            <a:pPr>
+              <a:defRPr sz="1400" b="0" i="0" u="none" strike="noStrike" kern="1200" spc="0" baseline="0">
+                <a:solidFill>
+                  <a:schemeClr val="tx1">
+                    <a:lumMod val="65000"/>
+                    <a:lumOff val="35000"/>
+                  </a:schemeClr>
+                </a:solidFill>
+                <a:latin typeface="+mn-lt"/>
+                <a:ea typeface="+mn-ea"/>
+                <a:cs typeface="+mn-cs"/>
+              </a:defRPr>
+            </a:pPr>
+            <a:r>
+              <a:rPr lang="en-US"/>
+              <a:t>009365.jpg</a:t>
+            </a:r>
+          </a:p>
+        </c:rich>
+      </c:tx>
+      <c:layout/>
+      <c:overlay val="0"/>
+      <c:spPr>
+        <a:noFill/>
+        <a:ln>
+          <a:noFill/>
+        </a:ln>
+        <a:effectLst/>
+      </c:spPr>
+      <c:txPr>
+        <a:bodyPr rot="0" spcFirstLastPara="1" vertOverflow="ellipsis" vert="horz" wrap="square" anchor="ctr" anchorCtr="1"/>
+        <a:lstStyle/>
+        <a:p>
+          <a:pPr>
+            <a:defRPr sz="1400" b="0" i="0" u="none" strike="noStrike" kern="1200" spc="0" baseline="0">
+              <a:solidFill>
+                <a:schemeClr val="tx1">
+                  <a:lumMod val="65000"/>
+                  <a:lumOff val="35000"/>
+                </a:schemeClr>
+              </a:solidFill>
+              <a:latin typeface="+mn-lt"/>
+              <a:ea typeface="+mn-ea"/>
+              <a:cs typeface="+mn-cs"/>
+            </a:defRPr>
+          </a:pPr>
+          <a:endParaRPr lang="en-US"/>
+        </a:p>
+      </c:txPr>
+    </c:title>
+    <c:autoTitleDeleted val="0"/>
+    <c:plotArea>
+      <c:layout/>
+      <c:lineChart>
+        <c:grouping val="standard"/>
+        <c:varyColors val="0"/>
+        <c:ser>
+          <c:idx val="0"/>
+          <c:order val="0"/>
+          <c:tx>
+            <c:strRef>
+              <c:f>Sheet1!$D$1</c:f>
+              <c:strCache>
+                <c:ptCount val="1"/>
+                <c:pt idx="0">
+                  <c:v>Initial IoU</c:v>
+                </c:pt>
+              </c:strCache>
+            </c:strRef>
+          </c:tx>
+          <c:spPr>
+            <a:ln w="28575" cap="rnd">
+              <a:solidFill>
+                <a:schemeClr val="accent1"/>
+              </a:solidFill>
+              <a:round/>
+            </a:ln>
+            <a:effectLst/>
+          </c:spPr>
+          <c:marker>
+            <c:symbol val="none"/>
+          </c:marker>
+          <c:val>
+            <c:numRef>
+              <c:f>Sheet1!$D$2:$D$13</c:f>
+              <c:numCache>
+                <c:formatCode>General</c:formatCode>
+                <c:ptCount val="12"/>
+                <c:pt idx="0">
+                  <c:v>0.36</c:v>
+                </c:pt>
+                <c:pt idx="1">
+                  <c:v>0.36</c:v>
+                </c:pt>
+                <c:pt idx="2">
+                  <c:v>0.36</c:v>
+                </c:pt>
+                <c:pt idx="3">
+                  <c:v>0.36</c:v>
+                </c:pt>
+                <c:pt idx="4">
+                  <c:v>0.36</c:v>
+                </c:pt>
+                <c:pt idx="5">
+                  <c:v>0.36</c:v>
+                </c:pt>
+                <c:pt idx="6">
+                  <c:v>0.36</c:v>
+                </c:pt>
+                <c:pt idx="7">
+                  <c:v>0.36</c:v>
+                </c:pt>
+                <c:pt idx="8">
+                  <c:v>0.36</c:v>
+                </c:pt>
+                <c:pt idx="9">
+                  <c:v>0.36</c:v>
+                </c:pt>
+                <c:pt idx="10">
+                  <c:v>0.36</c:v>
+                </c:pt>
+                <c:pt idx="11">
+                  <c:v>0.36</c:v>
+                </c:pt>
+              </c:numCache>
+            </c:numRef>
+          </c:val>
+          <c:smooth val="0"/>
+          <c:extLst>
+            <c:ext xmlns:c16="http://schemas.microsoft.com/office/drawing/2014/chart" uri="{C3380CC4-5D6E-409C-BE32-E72D297353CC}">
+              <c16:uniqueId val="{00000000-E221-455A-BE84-18339F9E225B}"/>
+            </c:ext>
+          </c:extLst>
+        </c:ser>
+        <c:ser>
+          <c:idx val="1"/>
+          <c:order val="1"/>
+          <c:tx>
+            <c:strRef>
+              <c:f>Sheet1!$E$1</c:f>
+              <c:strCache>
+                <c:ptCount val="1"/>
+                <c:pt idx="0">
+                  <c:v>Final IoU</c:v>
+                </c:pt>
+              </c:strCache>
+            </c:strRef>
+          </c:tx>
+          <c:spPr>
+            <a:ln w="28575" cap="rnd">
+              <a:solidFill>
+                <a:schemeClr val="accent2"/>
+              </a:solidFill>
+              <a:round/>
+            </a:ln>
+            <a:effectLst/>
+          </c:spPr>
+          <c:marker>
+            <c:symbol val="none"/>
+          </c:marker>
+          <c:val>
+            <c:numRef>
+              <c:f>Sheet1!$E$2:$E$13</c:f>
+              <c:numCache>
+                <c:formatCode>General</c:formatCode>
+                <c:ptCount val="12"/>
+                <c:pt idx="0">
+                  <c:v>0.33</c:v>
+                </c:pt>
+                <c:pt idx="1">
+                  <c:v>0.33</c:v>
+                </c:pt>
+                <c:pt idx="2">
+                  <c:v>0.33</c:v>
+                </c:pt>
+                <c:pt idx="3">
+                  <c:v>0.33</c:v>
+                </c:pt>
+                <c:pt idx="4">
+                  <c:v>0.33</c:v>
+                </c:pt>
+                <c:pt idx="5">
+                  <c:v>0.36</c:v>
+                </c:pt>
+                <c:pt idx="6">
+                  <c:v>0.33</c:v>
+                </c:pt>
+                <c:pt idx="7">
+                  <c:v>0.33</c:v>
+                </c:pt>
+                <c:pt idx="8">
+                  <c:v>0.48</c:v>
+                </c:pt>
+                <c:pt idx="9">
+                  <c:v>0.33</c:v>
+                </c:pt>
+                <c:pt idx="10">
+                  <c:v>0.33</c:v>
+                </c:pt>
+                <c:pt idx="11">
+                  <c:v>0.33</c:v>
+                </c:pt>
+              </c:numCache>
+            </c:numRef>
+          </c:val>
+          <c:smooth val="0"/>
+          <c:extLst>
+            <c:ext xmlns:c16="http://schemas.microsoft.com/office/drawing/2014/chart" uri="{C3380CC4-5D6E-409C-BE32-E72D297353CC}">
+              <c16:uniqueId val="{00000001-E221-455A-BE84-18339F9E225B}"/>
+            </c:ext>
+          </c:extLst>
+        </c:ser>
+        <c:ser>
+          <c:idx val="2"/>
+          <c:order val="2"/>
+          <c:tx>
+            <c:strRef>
+              <c:f>Sheet1!$F$1</c:f>
+              <c:strCache>
+                <c:ptCount val="1"/>
+                <c:pt idx="0">
+                  <c:v>Max IoU</c:v>
+                </c:pt>
+              </c:strCache>
+            </c:strRef>
+          </c:tx>
+          <c:spPr>
+            <a:ln w="28575" cap="rnd">
+              <a:solidFill>
+                <a:schemeClr val="accent3"/>
+              </a:solidFill>
+              <a:round/>
+            </a:ln>
+            <a:effectLst/>
+          </c:spPr>
+          <c:marker>
+            <c:symbol val="none"/>
+          </c:marker>
+          <c:val>
+            <c:numRef>
+              <c:f>Sheet1!$F$2:$F$13</c:f>
+              <c:numCache>
+                <c:formatCode>General</c:formatCode>
+                <c:ptCount val="12"/>
+                <c:pt idx="0">
+                  <c:v>0.4</c:v>
+                </c:pt>
+                <c:pt idx="1">
+                  <c:v>0.4</c:v>
+                </c:pt>
+                <c:pt idx="2">
+                  <c:v>0.4</c:v>
+                </c:pt>
+                <c:pt idx="3">
+                  <c:v>0.4</c:v>
+                </c:pt>
+                <c:pt idx="4">
+                  <c:v>0.4</c:v>
+                </c:pt>
+                <c:pt idx="5">
+                  <c:v>0.4</c:v>
+                </c:pt>
+                <c:pt idx="6">
+                  <c:v>0.4</c:v>
+                </c:pt>
+                <c:pt idx="7">
+                  <c:v>0.4</c:v>
+                </c:pt>
+                <c:pt idx="8">
+                  <c:v>0.48</c:v>
+                </c:pt>
+                <c:pt idx="9">
+                  <c:v>0.4</c:v>
+                </c:pt>
+                <c:pt idx="10">
+                  <c:v>0.4</c:v>
+                </c:pt>
+                <c:pt idx="11">
+                  <c:v>0.4</c:v>
+                </c:pt>
+              </c:numCache>
+            </c:numRef>
+          </c:val>
+          <c:smooth val="0"/>
+          <c:extLst>
+            <c:ext xmlns:c16="http://schemas.microsoft.com/office/drawing/2014/chart" uri="{C3380CC4-5D6E-409C-BE32-E72D297353CC}">
+              <c16:uniqueId val="{00000002-E221-455A-BE84-18339F9E225B}"/>
+            </c:ext>
+          </c:extLst>
+        </c:ser>
+        <c:dLbls>
+          <c:showLegendKey val="0"/>
+          <c:showVal val="0"/>
+          <c:showCatName val="0"/>
+          <c:showSerName val="0"/>
+          <c:showPercent val="0"/>
+          <c:showBubbleSize val="0"/>
+        </c:dLbls>
+        <c:smooth val="0"/>
+        <c:axId val="556541599"/>
+        <c:axId val="556544511"/>
+      </c:lineChart>
+      <c:catAx>
+        <c:axId val="556541599"/>
+        <c:scaling>
+          <c:orientation val="minMax"/>
+        </c:scaling>
+        <c:delete val="0"/>
+        <c:axPos val="b"/>
+        <c:majorTickMark val="none"/>
+        <c:minorTickMark val="none"/>
+        <c:tickLblPos val="nextTo"/>
+        <c:spPr>
+          <a:noFill/>
+          <a:ln w="9525" cap="flat" cmpd="sng" algn="ctr">
+            <a:solidFill>
+              <a:schemeClr val="tx1">
+                <a:lumMod val="15000"/>
+                <a:lumOff val="85000"/>
+              </a:schemeClr>
+            </a:solidFill>
+            <a:round/>
+          </a:ln>
+          <a:effectLst/>
+        </c:spPr>
+        <c:txPr>
+          <a:bodyPr rot="-60000000" spcFirstLastPara="1" vertOverflow="ellipsis" vert="horz" wrap="square" anchor="ctr" anchorCtr="1"/>
+          <a:lstStyle/>
+          <a:p>
+            <a:pPr>
+              <a:defRPr sz="900" b="0" i="0" u="none" strike="noStrike" kern="1200" baseline="0">
+                <a:solidFill>
+                  <a:schemeClr val="tx1">
+                    <a:lumMod val="65000"/>
+                    <a:lumOff val="35000"/>
+                  </a:schemeClr>
+                </a:solidFill>
+                <a:latin typeface="+mn-lt"/>
+                <a:ea typeface="+mn-ea"/>
+                <a:cs typeface="+mn-cs"/>
+              </a:defRPr>
+            </a:pPr>
+            <a:endParaRPr lang="en-US"/>
+          </a:p>
+        </c:txPr>
+        <c:crossAx val="556544511"/>
+        <c:crosses val="autoZero"/>
+        <c:auto val="1"/>
+        <c:lblAlgn val="ctr"/>
+        <c:lblOffset val="100"/>
+        <c:noMultiLvlLbl val="0"/>
+      </c:catAx>
+      <c:valAx>
+        <c:axId val="556544511"/>
+        <c:scaling>
+          <c:orientation val="minMax"/>
+        </c:scaling>
+        <c:delete val="0"/>
+        <c:axPos val="l"/>
+        <c:majorGridlines>
+          <c:spPr>
+            <a:ln w="9525" cap="flat" cmpd="sng" algn="ctr">
+              <a:solidFill>
+                <a:schemeClr val="tx1">
+                  <a:lumMod val="15000"/>
+                  <a:lumOff val="85000"/>
+                </a:schemeClr>
+              </a:solidFill>
+              <a:round/>
+            </a:ln>
+            <a:effectLst/>
+          </c:spPr>
+        </c:majorGridlines>
+        <c:numFmt formatCode="General" sourceLinked="1"/>
+        <c:majorTickMark val="none"/>
+        <c:minorTickMark val="none"/>
+        <c:tickLblPos val="nextTo"/>
+        <c:spPr>
+          <a:noFill/>
+          <a:ln>
+            <a:noFill/>
+          </a:ln>
+          <a:effectLst/>
+        </c:spPr>
+        <c:txPr>
+          <a:bodyPr rot="-60000000" spcFirstLastPara="1" vertOverflow="ellipsis" vert="horz" wrap="square" anchor="ctr" anchorCtr="1"/>
+          <a:lstStyle/>
+          <a:p>
+            <a:pPr>
+              <a:defRPr sz="900" b="0" i="0" u="none" strike="noStrike" kern="1200" baseline="0">
+                <a:solidFill>
+                  <a:schemeClr val="tx1">
+                    <a:lumMod val="65000"/>
+                    <a:lumOff val="35000"/>
+                  </a:schemeClr>
+                </a:solidFill>
+                <a:latin typeface="+mn-lt"/>
+                <a:ea typeface="+mn-ea"/>
+                <a:cs typeface="+mn-cs"/>
+              </a:defRPr>
+            </a:pPr>
+            <a:endParaRPr lang="en-US"/>
+          </a:p>
+        </c:txPr>
+        <c:crossAx val="556541599"/>
+        <c:crosses val="autoZero"/>
+        <c:crossBetween val="between"/>
+      </c:valAx>
+      <c:spPr>
+        <a:noFill/>
+        <a:ln>
+          <a:noFill/>
+        </a:ln>
+        <a:effectLst/>
+      </c:spPr>
+    </c:plotArea>
+    <c:legend>
+      <c:legendPos val="b"/>
+      <c:layout/>
+      <c:overlay val="0"/>
+      <c:spPr>
+        <a:noFill/>
+        <a:ln>
+          <a:noFill/>
+        </a:ln>
+        <a:effectLst/>
+      </c:spPr>
+      <c:txPr>
+        <a:bodyPr rot="0" spcFirstLastPara="1" vertOverflow="ellipsis" vert="horz" wrap="square" anchor="ctr" anchorCtr="1"/>
+        <a:lstStyle/>
+        <a:p>
+          <a:pPr>
+            <a:defRPr sz="900" b="0" i="0" u="none" strike="noStrike" kern="1200" baseline="0">
+              <a:solidFill>
+                <a:schemeClr val="tx1">
+                  <a:lumMod val="65000"/>
+                  <a:lumOff val="35000"/>
+                </a:schemeClr>
+              </a:solidFill>
+              <a:latin typeface="+mn-lt"/>
+              <a:ea typeface="+mn-ea"/>
+              <a:cs typeface="+mn-cs"/>
+            </a:defRPr>
+          </a:pPr>
+          <a:endParaRPr lang="en-US"/>
+        </a:p>
+      </c:txPr>
+    </c:legend>
+    <c:plotVisOnly val="1"/>
+    <c:dispBlanksAs val="gap"/>
+    <c:showDLblsOverMax val="0"/>
+  </c:chart>
+  <c:spPr>
+    <a:noFill/>
+    <a:ln>
+      <a:noFill/>
+    </a:ln>
+    <a:effectLst/>
+  </c:spPr>
+  <c:txPr>
+    <a:bodyPr/>
+    <a:lstStyle/>
+    <a:p>
+      <a:pPr>
+        <a:defRPr/>
+      </a:pPr>
+      <a:endParaRPr lang="en-US"/>
+    </a:p>
+  </c:txPr>
+  <c:externalData r:id="rId3">
+    <c:autoUpdate val="0"/>
+  </c:externalData>
+</c:chartSpace>
+</file>
+
+<file path=ppt/charts/chart2.xml><?xml version="1.0" encoding="utf-8"?>
+<c:chartSpace xmlns:c="http://schemas.openxmlformats.org/drawingml/2006/chart" xmlns:a="http://schemas.openxmlformats.org/drawingml/2006/main" xmlns:r="http://schemas.openxmlformats.org/officeDocument/2006/relationships" xmlns:c16r2="http://schemas.microsoft.com/office/drawing/2015/06/chart">
+  <c:date1904 val="0"/>
+  <c:lang val="en-US"/>
+  <c:roundedCorners val="0"/>
+  <mc:AlternateContent xmlns:mc="http://schemas.openxmlformats.org/markup-compatibility/2006">
+    <mc:Choice xmlns:c14="http://schemas.microsoft.com/office/drawing/2007/8/2/chart" Requires="c14">
+      <c14:style val="102"/>
+    </mc:Choice>
+    <mc:Fallback>
+      <c:style val="2"/>
+    </mc:Fallback>
+  </mc:AlternateContent>
+  <c:chart>
+    <c:title>
+      <c:tx>
+        <c:rich>
+          <a:bodyPr rot="0" spcFirstLastPara="1" vertOverflow="ellipsis" vert="horz" wrap="square" anchor="ctr" anchorCtr="1"/>
+          <a:lstStyle/>
+          <a:p>
+            <a:pPr>
+              <a:defRPr sz="1400" b="0" i="0" u="none" strike="noStrike" kern="1200" spc="0" baseline="0">
+                <a:solidFill>
+                  <a:schemeClr val="tx1">
+                    <a:lumMod val="65000"/>
+                    <a:lumOff val="35000"/>
+                  </a:schemeClr>
+                </a:solidFill>
+                <a:latin typeface="+mn-lt"/>
+                <a:ea typeface="+mn-ea"/>
+                <a:cs typeface="+mn-cs"/>
+              </a:defRPr>
+            </a:pPr>
+            <a:r>
+              <a:rPr lang="en-US"/>
+              <a:t>009461.jpg</a:t>
+            </a:r>
+          </a:p>
+        </c:rich>
+      </c:tx>
+      <c:layout/>
+      <c:overlay val="0"/>
+      <c:spPr>
+        <a:noFill/>
+        <a:ln>
+          <a:noFill/>
+        </a:ln>
+        <a:effectLst/>
+      </c:spPr>
+      <c:txPr>
+        <a:bodyPr rot="0" spcFirstLastPara="1" vertOverflow="ellipsis" vert="horz" wrap="square" anchor="ctr" anchorCtr="1"/>
+        <a:lstStyle/>
+        <a:p>
+          <a:pPr>
+            <a:defRPr sz="1400" b="0" i="0" u="none" strike="noStrike" kern="1200" spc="0" baseline="0">
+              <a:solidFill>
+                <a:schemeClr val="tx1">
+                  <a:lumMod val="65000"/>
+                  <a:lumOff val="35000"/>
+                </a:schemeClr>
+              </a:solidFill>
+              <a:latin typeface="+mn-lt"/>
+              <a:ea typeface="+mn-ea"/>
+              <a:cs typeface="+mn-cs"/>
+            </a:defRPr>
+          </a:pPr>
+          <a:endParaRPr lang="en-US"/>
+        </a:p>
+      </c:txPr>
+    </c:title>
+    <c:autoTitleDeleted val="0"/>
+    <c:plotArea>
+      <c:layout/>
+      <c:lineChart>
+        <c:grouping val="standard"/>
+        <c:varyColors val="0"/>
+        <c:ser>
+          <c:idx val="0"/>
+          <c:order val="0"/>
+          <c:tx>
+            <c:strRef>
+              <c:f>Sheet1!$J$14</c:f>
+              <c:strCache>
+                <c:ptCount val="1"/>
+                <c:pt idx="0">
+                  <c:v>Initial IoU</c:v>
+                </c:pt>
+              </c:strCache>
+            </c:strRef>
+          </c:tx>
+          <c:spPr>
+            <a:ln w="28575" cap="rnd">
+              <a:solidFill>
+                <a:schemeClr val="accent1"/>
+              </a:solidFill>
+              <a:round/>
+            </a:ln>
+            <a:effectLst/>
+          </c:spPr>
+          <c:marker>
+            <c:symbol val="none"/>
+          </c:marker>
+          <c:val>
+            <c:numRef>
+              <c:f>Sheet1!$J$15:$J$26</c:f>
+              <c:numCache>
+                <c:formatCode>General</c:formatCode>
+                <c:ptCount val="12"/>
+                <c:pt idx="0">
+                  <c:v>0</c:v>
+                </c:pt>
+                <c:pt idx="1">
+                  <c:v>0</c:v>
+                </c:pt>
+                <c:pt idx="2">
+                  <c:v>0</c:v>
+                </c:pt>
+                <c:pt idx="3">
+                  <c:v>0</c:v>
+                </c:pt>
+                <c:pt idx="4">
+                  <c:v>0</c:v>
+                </c:pt>
+                <c:pt idx="5">
+                  <c:v>0</c:v>
+                </c:pt>
+                <c:pt idx="6">
+                  <c:v>0</c:v>
+                </c:pt>
+                <c:pt idx="7">
+                  <c:v>0</c:v>
+                </c:pt>
+                <c:pt idx="8">
+                  <c:v>0</c:v>
+                </c:pt>
+                <c:pt idx="9">
+                  <c:v>0</c:v>
+                </c:pt>
+                <c:pt idx="10">
+                  <c:v>0</c:v>
+                </c:pt>
+                <c:pt idx="11">
+                  <c:v>0</c:v>
+                </c:pt>
+              </c:numCache>
+            </c:numRef>
+          </c:val>
+          <c:smooth val="0"/>
+          <c:extLst>
+            <c:ext xmlns:c16="http://schemas.microsoft.com/office/drawing/2014/chart" uri="{C3380CC4-5D6E-409C-BE32-E72D297353CC}">
+              <c16:uniqueId val="{00000000-1FFD-4180-A890-FC2F8BB8DFA1}"/>
+            </c:ext>
+          </c:extLst>
+        </c:ser>
+        <c:ser>
+          <c:idx val="1"/>
+          <c:order val="1"/>
+          <c:tx>
+            <c:strRef>
+              <c:f>Sheet1!$K$14</c:f>
+              <c:strCache>
+                <c:ptCount val="1"/>
+                <c:pt idx="0">
+                  <c:v>Final IoU</c:v>
+                </c:pt>
+              </c:strCache>
+            </c:strRef>
+          </c:tx>
+          <c:spPr>
+            <a:ln w="28575" cap="rnd">
+              <a:solidFill>
+                <a:schemeClr val="accent2"/>
+              </a:solidFill>
+              <a:round/>
+            </a:ln>
+            <a:effectLst/>
+          </c:spPr>
+          <c:marker>
+            <c:symbol val="none"/>
+          </c:marker>
+          <c:val>
+            <c:numRef>
+              <c:f>Sheet1!$K$15:$K$26</c:f>
+              <c:numCache>
+                <c:formatCode>General</c:formatCode>
+                <c:ptCount val="12"/>
+                <c:pt idx="0">
+                  <c:v>0</c:v>
+                </c:pt>
+                <c:pt idx="1">
+                  <c:v>0.03</c:v>
+                </c:pt>
+                <c:pt idx="2">
+                  <c:v>0.03</c:v>
+                </c:pt>
+                <c:pt idx="3">
+                  <c:v>0.03</c:v>
+                </c:pt>
+                <c:pt idx="4">
+                  <c:v>0.01</c:v>
+                </c:pt>
+                <c:pt idx="5">
+                  <c:v>0</c:v>
+                </c:pt>
+                <c:pt idx="6">
+                  <c:v>0</c:v>
+                </c:pt>
+                <c:pt idx="7">
+                  <c:v>0.03</c:v>
+                </c:pt>
+                <c:pt idx="8">
+                  <c:v>0.05</c:v>
+                </c:pt>
+                <c:pt idx="9">
+                  <c:v>0.03</c:v>
+                </c:pt>
+                <c:pt idx="10">
+                  <c:v>0.03</c:v>
+                </c:pt>
+                <c:pt idx="11">
+                  <c:v>0.03</c:v>
+                </c:pt>
+              </c:numCache>
+            </c:numRef>
+          </c:val>
+          <c:smooth val="0"/>
+          <c:extLst>
+            <c:ext xmlns:c16="http://schemas.microsoft.com/office/drawing/2014/chart" uri="{C3380CC4-5D6E-409C-BE32-E72D297353CC}">
+              <c16:uniqueId val="{00000001-1FFD-4180-A890-FC2F8BB8DFA1}"/>
+            </c:ext>
+          </c:extLst>
+        </c:ser>
+        <c:ser>
+          <c:idx val="2"/>
+          <c:order val="2"/>
+          <c:tx>
+            <c:strRef>
+              <c:f>Sheet1!$L$14</c:f>
+              <c:strCache>
+                <c:ptCount val="1"/>
+                <c:pt idx="0">
+                  <c:v>Max IoU</c:v>
+                </c:pt>
+              </c:strCache>
+            </c:strRef>
+          </c:tx>
+          <c:spPr>
+            <a:ln w="28575" cap="rnd">
+              <a:solidFill>
+                <a:schemeClr val="accent3"/>
+              </a:solidFill>
+              <a:round/>
+            </a:ln>
+            <a:effectLst/>
+          </c:spPr>
+          <c:marker>
+            <c:symbol val="none"/>
+          </c:marker>
+          <c:val>
+            <c:numRef>
+              <c:f>Sheet1!$L$15:$L$26</c:f>
+              <c:numCache>
+                <c:formatCode>General</c:formatCode>
+                <c:ptCount val="12"/>
+                <c:pt idx="0">
+                  <c:v>0</c:v>
+                </c:pt>
+                <c:pt idx="1">
+                  <c:v>0.03</c:v>
+                </c:pt>
+                <c:pt idx="2">
+                  <c:v>0.03</c:v>
+                </c:pt>
+                <c:pt idx="3">
+                  <c:v>0.03</c:v>
+                </c:pt>
+                <c:pt idx="4">
+                  <c:v>0.01</c:v>
+                </c:pt>
+                <c:pt idx="5">
+                  <c:v>0.01</c:v>
+                </c:pt>
+                <c:pt idx="6">
+                  <c:v>0</c:v>
+                </c:pt>
+                <c:pt idx="7">
+                  <c:v>0.03</c:v>
+                </c:pt>
+                <c:pt idx="8">
+                  <c:v>0.05</c:v>
+                </c:pt>
+                <c:pt idx="9">
+                  <c:v>0.03</c:v>
+                </c:pt>
+                <c:pt idx="10">
+                  <c:v>0.03</c:v>
+                </c:pt>
+                <c:pt idx="11">
+                  <c:v>0.03</c:v>
+                </c:pt>
+              </c:numCache>
+            </c:numRef>
+          </c:val>
+          <c:smooth val="0"/>
+          <c:extLst>
+            <c:ext xmlns:c16="http://schemas.microsoft.com/office/drawing/2014/chart" uri="{C3380CC4-5D6E-409C-BE32-E72D297353CC}">
+              <c16:uniqueId val="{00000002-1FFD-4180-A890-FC2F8BB8DFA1}"/>
+            </c:ext>
+          </c:extLst>
+        </c:ser>
+        <c:dLbls>
+          <c:showLegendKey val="0"/>
+          <c:showVal val="0"/>
+          <c:showCatName val="0"/>
+          <c:showSerName val="0"/>
+          <c:showPercent val="0"/>
+          <c:showBubbleSize val="0"/>
+        </c:dLbls>
+        <c:smooth val="0"/>
+        <c:axId val="644433215"/>
+        <c:axId val="644431967"/>
+      </c:lineChart>
+      <c:catAx>
+        <c:axId val="644433215"/>
+        <c:scaling>
+          <c:orientation val="minMax"/>
+        </c:scaling>
+        <c:delete val="0"/>
+        <c:axPos val="b"/>
+        <c:majorTickMark val="none"/>
+        <c:minorTickMark val="none"/>
+        <c:tickLblPos val="nextTo"/>
+        <c:spPr>
+          <a:noFill/>
+          <a:ln w="9525" cap="flat" cmpd="sng" algn="ctr">
+            <a:solidFill>
+              <a:schemeClr val="tx1">
+                <a:lumMod val="15000"/>
+                <a:lumOff val="85000"/>
+              </a:schemeClr>
+            </a:solidFill>
+            <a:round/>
+          </a:ln>
+          <a:effectLst/>
+        </c:spPr>
+        <c:txPr>
+          <a:bodyPr rot="-60000000" spcFirstLastPara="1" vertOverflow="ellipsis" vert="horz" wrap="square" anchor="ctr" anchorCtr="1"/>
+          <a:lstStyle/>
+          <a:p>
+            <a:pPr>
+              <a:defRPr sz="900" b="0" i="0" u="none" strike="noStrike" kern="1200" baseline="0">
+                <a:solidFill>
+                  <a:schemeClr val="tx1">
+                    <a:lumMod val="65000"/>
+                    <a:lumOff val="35000"/>
+                  </a:schemeClr>
+                </a:solidFill>
+                <a:latin typeface="+mn-lt"/>
+                <a:ea typeface="+mn-ea"/>
+                <a:cs typeface="+mn-cs"/>
+              </a:defRPr>
+            </a:pPr>
+            <a:endParaRPr lang="en-US"/>
+          </a:p>
+        </c:txPr>
+        <c:crossAx val="644431967"/>
+        <c:crosses val="autoZero"/>
+        <c:auto val="1"/>
+        <c:lblAlgn val="ctr"/>
+        <c:lblOffset val="100"/>
+        <c:noMultiLvlLbl val="0"/>
+      </c:catAx>
+      <c:valAx>
+        <c:axId val="644431967"/>
+        <c:scaling>
+          <c:orientation val="minMax"/>
+        </c:scaling>
+        <c:delete val="0"/>
+        <c:axPos val="l"/>
+        <c:majorGridlines>
+          <c:spPr>
+            <a:ln w="9525" cap="flat" cmpd="sng" algn="ctr">
+              <a:solidFill>
+                <a:schemeClr val="tx1">
+                  <a:lumMod val="15000"/>
+                  <a:lumOff val="85000"/>
+                </a:schemeClr>
+              </a:solidFill>
+              <a:round/>
+            </a:ln>
+            <a:effectLst/>
+          </c:spPr>
+        </c:majorGridlines>
+        <c:numFmt formatCode="General" sourceLinked="1"/>
+        <c:majorTickMark val="none"/>
+        <c:minorTickMark val="none"/>
+        <c:tickLblPos val="nextTo"/>
+        <c:spPr>
+          <a:noFill/>
+          <a:ln>
+            <a:noFill/>
+          </a:ln>
+          <a:effectLst/>
+        </c:spPr>
+        <c:txPr>
+          <a:bodyPr rot="-60000000" spcFirstLastPara="1" vertOverflow="ellipsis" vert="horz" wrap="square" anchor="ctr" anchorCtr="1"/>
+          <a:lstStyle/>
+          <a:p>
+            <a:pPr>
+              <a:defRPr sz="900" b="0" i="0" u="none" strike="noStrike" kern="1200" baseline="0">
+                <a:solidFill>
+                  <a:schemeClr val="tx1">
+                    <a:lumMod val="65000"/>
+                    <a:lumOff val="35000"/>
+                  </a:schemeClr>
+                </a:solidFill>
+                <a:latin typeface="+mn-lt"/>
+                <a:ea typeface="+mn-ea"/>
+                <a:cs typeface="+mn-cs"/>
+              </a:defRPr>
+            </a:pPr>
+            <a:endParaRPr lang="en-US"/>
+          </a:p>
+        </c:txPr>
+        <c:crossAx val="644433215"/>
+        <c:crosses val="autoZero"/>
+        <c:crossBetween val="between"/>
+      </c:valAx>
+      <c:spPr>
+        <a:noFill/>
+        <a:ln>
+          <a:noFill/>
+        </a:ln>
+        <a:effectLst/>
+      </c:spPr>
+    </c:plotArea>
+    <c:legend>
+      <c:legendPos val="b"/>
+      <c:layout/>
+      <c:overlay val="0"/>
+      <c:spPr>
+        <a:noFill/>
+        <a:ln>
+          <a:noFill/>
+        </a:ln>
+        <a:effectLst/>
+      </c:spPr>
+      <c:txPr>
+        <a:bodyPr rot="0" spcFirstLastPara="1" vertOverflow="ellipsis" vert="horz" wrap="square" anchor="ctr" anchorCtr="1"/>
+        <a:lstStyle/>
+        <a:p>
+          <a:pPr>
+            <a:defRPr sz="900" b="0" i="0" u="none" strike="noStrike" kern="1200" baseline="0">
+              <a:solidFill>
+                <a:schemeClr val="tx1">
+                  <a:lumMod val="65000"/>
+                  <a:lumOff val="35000"/>
+                </a:schemeClr>
+              </a:solidFill>
+              <a:latin typeface="+mn-lt"/>
+              <a:ea typeface="+mn-ea"/>
+              <a:cs typeface="+mn-cs"/>
+            </a:defRPr>
+          </a:pPr>
+          <a:endParaRPr lang="en-US"/>
+        </a:p>
+      </c:txPr>
+    </c:legend>
+    <c:plotVisOnly val="1"/>
+    <c:dispBlanksAs val="gap"/>
+    <c:showDLblsOverMax val="0"/>
+  </c:chart>
+  <c:spPr>
+    <a:noFill/>
+    <a:ln>
+      <a:noFill/>
+    </a:ln>
+    <a:effectLst/>
+  </c:spPr>
+  <c:txPr>
+    <a:bodyPr/>
+    <a:lstStyle/>
+    <a:p>
+      <a:pPr>
+        <a:defRPr/>
+      </a:pPr>
+      <a:endParaRPr lang="en-US"/>
+    </a:p>
+  </c:txPr>
+  <c:externalData r:id="rId3">
+    <c:autoUpdate val="0"/>
+  </c:externalData>
+</c:chartSpace>
+</file>
+
+<file path=ppt/charts/chart3.xml><?xml version="1.0" encoding="utf-8"?>
+<c:chartSpace xmlns:c="http://schemas.openxmlformats.org/drawingml/2006/chart" xmlns:a="http://schemas.openxmlformats.org/drawingml/2006/main" xmlns:r="http://schemas.openxmlformats.org/officeDocument/2006/relationships" xmlns:c16r2="http://schemas.microsoft.com/office/drawing/2015/06/chart">
+  <c:date1904 val="0"/>
+  <c:lang val="en-US"/>
+  <c:roundedCorners val="0"/>
+  <mc:AlternateContent xmlns:mc="http://schemas.openxmlformats.org/markup-compatibility/2006">
+    <mc:Choice xmlns:c14="http://schemas.microsoft.com/office/drawing/2007/8/2/chart" Requires="c14">
+      <c14:style val="102"/>
+    </mc:Choice>
+    <mc:Fallback>
+      <c:style val="2"/>
+    </mc:Fallback>
+  </mc:AlternateContent>
+  <c:chart>
+    <c:title>
+      <c:tx>
+        <c:rich>
+          <a:bodyPr rot="0" spcFirstLastPara="1" vertOverflow="ellipsis" vert="horz" wrap="square" anchor="ctr" anchorCtr="1"/>
+          <a:lstStyle/>
+          <a:p>
+            <a:pPr>
+              <a:defRPr sz="1400" b="0" i="0" u="none" strike="noStrike" kern="1200" spc="0" baseline="0">
+                <a:solidFill>
+                  <a:schemeClr val="tx1">
+                    <a:lumMod val="65000"/>
+                    <a:lumOff val="35000"/>
+                  </a:schemeClr>
+                </a:solidFill>
+                <a:latin typeface="+mn-lt"/>
+                <a:ea typeface="+mn-ea"/>
+                <a:cs typeface="+mn-cs"/>
+              </a:defRPr>
+            </a:pPr>
+            <a:r>
+              <a:rPr lang="en-US" dirty="0" smtClean="0"/>
+              <a:t>009480.j[</a:t>
+            </a:r>
+            <a:r>
+              <a:rPr lang="en-US" dirty="0" err="1" smtClean="0"/>
+              <a:t>pg</a:t>
+            </a:r>
+            <a:endParaRPr lang="en-US" dirty="0"/>
+          </a:p>
+        </c:rich>
+      </c:tx>
+      <c:layout/>
+      <c:overlay val="0"/>
+      <c:spPr>
+        <a:noFill/>
+        <a:ln>
+          <a:noFill/>
+        </a:ln>
+        <a:effectLst/>
+      </c:spPr>
+      <c:txPr>
+        <a:bodyPr rot="0" spcFirstLastPara="1" vertOverflow="ellipsis" vert="horz" wrap="square" anchor="ctr" anchorCtr="1"/>
+        <a:lstStyle/>
+        <a:p>
+          <a:pPr>
+            <a:defRPr sz="1400" b="0" i="0" u="none" strike="noStrike" kern="1200" spc="0" baseline="0">
+              <a:solidFill>
+                <a:schemeClr val="tx1">
+                  <a:lumMod val="65000"/>
+                  <a:lumOff val="35000"/>
+                </a:schemeClr>
+              </a:solidFill>
+              <a:latin typeface="+mn-lt"/>
+              <a:ea typeface="+mn-ea"/>
+              <a:cs typeface="+mn-cs"/>
+            </a:defRPr>
+          </a:pPr>
+          <a:endParaRPr lang="en-US"/>
+        </a:p>
+      </c:txPr>
+    </c:title>
+    <c:autoTitleDeleted val="0"/>
+    <c:plotArea>
+      <c:layout/>
+      <c:lineChart>
+        <c:grouping val="standard"/>
+        <c:varyColors val="0"/>
+        <c:ser>
+          <c:idx val="0"/>
+          <c:order val="0"/>
+          <c:tx>
+            <c:strRef>
+              <c:f>Sheet1!$J$36</c:f>
+              <c:strCache>
+                <c:ptCount val="1"/>
+                <c:pt idx="0">
+                  <c:v>Initial IoU</c:v>
+                </c:pt>
+              </c:strCache>
+            </c:strRef>
+          </c:tx>
+          <c:spPr>
+            <a:ln w="28575" cap="rnd">
+              <a:solidFill>
+                <a:schemeClr val="accent1"/>
+              </a:solidFill>
+              <a:round/>
+            </a:ln>
+            <a:effectLst/>
+          </c:spPr>
+          <c:marker>
+            <c:symbol val="none"/>
+          </c:marker>
+          <c:val>
+            <c:numRef>
+              <c:f>Sheet1!$J$37:$J$48</c:f>
+              <c:numCache>
+                <c:formatCode>General</c:formatCode>
+                <c:ptCount val="12"/>
+                <c:pt idx="0">
+                  <c:v>0.57999999999999996</c:v>
+                </c:pt>
+                <c:pt idx="1">
+                  <c:v>0.57999999999999996</c:v>
+                </c:pt>
+                <c:pt idx="2">
+                  <c:v>0.57999999999999996</c:v>
+                </c:pt>
+                <c:pt idx="3">
+                  <c:v>0.57999999999999996</c:v>
+                </c:pt>
+                <c:pt idx="4">
+                  <c:v>0.57999999999999996</c:v>
+                </c:pt>
+                <c:pt idx="5">
+                  <c:v>0.57999999999999996</c:v>
+                </c:pt>
+                <c:pt idx="6">
+                  <c:v>0.57999999999999996</c:v>
+                </c:pt>
+                <c:pt idx="7">
+                  <c:v>0.57999999999999996</c:v>
+                </c:pt>
+                <c:pt idx="8">
+                  <c:v>0.57999999999999996</c:v>
+                </c:pt>
+                <c:pt idx="9">
+                  <c:v>0.57999999999999996</c:v>
+                </c:pt>
+                <c:pt idx="10">
+                  <c:v>0.57999999999999996</c:v>
+                </c:pt>
+                <c:pt idx="11">
+                  <c:v>0.57999999999999996</c:v>
+                </c:pt>
+              </c:numCache>
+            </c:numRef>
+          </c:val>
+          <c:smooth val="0"/>
+          <c:extLst>
+            <c:ext xmlns:c16="http://schemas.microsoft.com/office/drawing/2014/chart" uri="{C3380CC4-5D6E-409C-BE32-E72D297353CC}">
+              <c16:uniqueId val="{00000000-7723-4C9E-8C73-1B7E54E17FD7}"/>
+            </c:ext>
+          </c:extLst>
+        </c:ser>
+        <c:ser>
+          <c:idx val="1"/>
+          <c:order val="1"/>
+          <c:tx>
+            <c:strRef>
+              <c:f>Sheet1!$K$36</c:f>
+              <c:strCache>
+                <c:ptCount val="1"/>
+                <c:pt idx="0">
+                  <c:v>Final IoU</c:v>
+                </c:pt>
+              </c:strCache>
+            </c:strRef>
+          </c:tx>
+          <c:spPr>
+            <a:ln w="28575" cap="rnd">
+              <a:solidFill>
+                <a:schemeClr val="accent2"/>
+              </a:solidFill>
+              <a:round/>
+            </a:ln>
+            <a:effectLst/>
+          </c:spPr>
+          <c:marker>
+            <c:symbol val="none"/>
+          </c:marker>
+          <c:val>
+            <c:numRef>
+              <c:f>Sheet1!$K$37:$K$48</c:f>
+              <c:numCache>
+                <c:formatCode>General</c:formatCode>
+                <c:ptCount val="12"/>
+                <c:pt idx="0">
+                  <c:v>0.73</c:v>
+                </c:pt>
+                <c:pt idx="1">
+                  <c:v>0.56000000000000005</c:v>
+                </c:pt>
+                <c:pt idx="2">
+                  <c:v>0.65</c:v>
+                </c:pt>
+                <c:pt idx="3">
+                  <c:v>0.48</c:v>
+                </c:pt>
+                <c:pt idx="4">
+                  <c:v>0.73</c:v>
+                </c:pt>
+                <c:pt idx="5">
+                  <c:v>0.53</c:v>
+                </c:pt>
+                <c:pt idx="6">
+                  <c:v>0.73</c:v>
+                </c:pt>
+                <c:pt idx="7">
+                  <c:v>0.48</c:v>
+                </c:pt>
+                <c:pt idx="8">
+                  <c:v>0.51</c:v>
+                </c:pt>
+                <c:pt idx="9">
+                  <c:v>0.57999999999999996</c:v>
+                </c:pt>
+                <c:pt idx="10">
+                  <c:v>0.54</c:v>
+                </c:pt>
+                <c:pt idx="11">
+                  <c:v>0.48</c:v>
+                </c:pt>
+              </c:numCache>
+            </c:numRef>
+          </c:val>
+          <c:smooth val="0"/>
+          <c:extLst>
+            <c:ext xmlns:c16="http://schemas.microsoft.com/office/drawing/2014/chart" uri="{C3380CC4-5D6E-409C-BE32-E72D297353CC}">
+              <c16:uniqueId val="{00000001-7723-4C9E-8C73-1B7E54E17FD7}"/>
+            </c:ext>
+          </c:extLst>
+        </c:ser>
+        <c:ser>
+          <c:idx val="2"/>
+          <c:order val="2"/>
+          <c:tx>
+            <c:strRef>
+              <c:f>Sheet1!$L$36</c:f>
+              <c:strCache>
+                <c:ptCount val="1"/>
+                <c:pt idx="0">
+                  <c:v>Max IoU</c:v>
+                </c:pt>
+              </c:strCache>
+            </c:strRef>
+          </c:tx>
+          <c:spPr>
+            <a:ln w="28575" cap="rnd">
+              <a:solidFill>
+                <a:schemeClr val="accent3"/>
+              </a:solidFill>
+              <a:round/>
+            </a:ln>
+            <a:effectLst/>
+          </c:spPr>
+          <c:marker>
+            <c:symbol val="none"/>
+          </c:marker>
+          <c:val>
+            <c:numRef>
+              <c:f>Sheet1!$L$37:$L$48</c:f>
+              <c:numCache>
+                <c:formatCode>General</c:formatCode>
+                <c:ptCount val="12"/>
+                <c:pt idx="0">
+                  <c:v>0.76</c:v>
+                </c:pt>
+                <c:pt idx="1">
+                  <c:v>0.6</c:v>
+                </c:pt>
+                <c:pt idx="2">
+                  <c:v>0.74</c:v>
+                </c:pt>
+                <c:pt idx="3">
+                  <c:v>0.6</c:v>
+                </c:pt>
+                <c:pt idx="4">
+                  <c:v>0.76</c:v>
+                </c:pt>
+                <c:pt idx="5">
+                  <c:v>0.6</c:v>
+                </c:pt>
+                <c:pt idx="6">
+                  <c:v>0.76</c:v>
+                </c:pt>
+                <c:pt idx="7">
+                  <c:v>0.6</c:v>
+                </c:pt>
+                <c:pt idx="8">
+                  <c:v>0.6</c:v>
+                </c:pt>
+                <c:pt idx="9">
+                  <c:v>0.57999999999999996</c:v>
+                </c:pt>
+                <c:pt idx="10">
+                  <c:v>0.6</c:v>
+                </c:pt>
+                <c:pt idx="11">
+                  <c:v>0.6</c:v>
+                </c:pt>
+              </c:numCache>
+            </c:numRef>
+          </c:val>
+          <c:smooth val="0"/>
+          <c:extLst>
+            <c:ext xmlns:c16="http://schemas.microsoft.com/office/drawing/2014/chart" uri="{C3380CC4-5D6E-409C-BE32-E72D297353CC}">
+              <c16:uniqueId val="{00000002-7723-4C9E-8C73-1B7E54E17FD7}"/>
+            </c:ext>
+          </c:extLst>
+        </c:ser>
+        <c:dLbls>
+          <c:showLegendKey val="0"/>
+          <c:showVal val="0"/>
+          <c:showCatName val="0"/>
+          <c:showSerName val="0"/>
+          <c:showPercent val="0"/>
+          <c:showBubbleSize val="0"/>
+        </c:dLbls>
+        <c:smooth val="0"/>
+        <c:axId val="642865119"/>
+        <c:axId val="642865535"/>
+      </c:lineChart>
+      <c:catAx>
+        <c:axId val="642865119"/>
+        <c:scaling>
+          <c:orientation val="minMax"/>
+        </c:scaling>
+        <c:delete val="0"/>
+        <c:axPos val="b"/>
+        <c:majorTickMark val="none"/>
+        <c:minorTickMark val="none"/>
+        <c:tickLblPos val="nextTo"/>
+        <c:spPr>
+          <a:noFill/>
+          <a:ln w="9525" cap="flat" cmpd="sng" algn="ctr">
+            <a:solidFill>
+              <a:schemeClr val="tx1">
+                <a:lumMod val="15000"/>
+                <a:lumOff val="85000"/>
+              </a:schemeClr>
+            </a:solidFill>
+            <a:round/>
+          </a:ln>
+          <a:effectLst/>
+        </c:spPr>
+        <c:txPr>
+          <a:bodyPr rot="-60000000" spcFirstLastPara="1" vertOverflow="ellipsis" vert="horz" wrap="square" anchor="ctr" anchorCtr="1"/>
+          <a:lstStyle/>
+          <a:p>
+            <a:pPr>
+              <a:defRPr sz="900" b="0" i="0" u="none" strike="noStrike" kern="1200" baseline="0">
+                <a:solidFill>
+                  <a:schemeClr val="tx1">
+                    <a:lumMod val="65000"/>
+                    <a:lumOff val="35000"/>
+                  </a:schemeClr>
+                </a:solidFill>
+                <a:latin typeface="+mn-lt"/>
+                <a:ea typeface="+mn-ea"/>
+                <a:cs typeface="+mn-cs"/>
+              </a:defRPr>
+            </a:pPr>
+            <a:endParaRPr lang="en-US"/>
+          </a:p>
+        </c:txPr>
+        <c:crossAx val="642865535"/>
+        <c:crosses val="autoZero"/>
+        <c:auto val="1"/>
+        <c:lblAlgn val="ctr"/>
+        <c:lblOffset val="100"/>
+        <c:noMultiLvlLbl val="0"/>
+      </c:catAx>
+      <c:valAx>
+        <c:axId val="642865535"/>
+        <c:scaling>
+          <c:orientation val="minMax"/>
+        </c:scaling>
+        <c:delete val="0"/>
+        <c:axPos val="l"/>
+        <c:majorGridlines>
+          <c:spPr>
+            <a:ln w="9525" cap="flat" cmpd="sng" algn="ctr">
+              <a:solidFill>
+                <a:schemeClr val="tx1">
+                  <a:lumMod val="15000"/>
+                  <a:lumOff val="85000"/>
+                </a:schemeClr>
+              </a:solidFill>
+              <a:round/>
+            </a:ln>
+            <a:effectLst/>
+          </c:spPr>
+        </c:majorGridlines>
+        <c:numFmt formatCode="General" sourceLinked="1"/>
+        <c:majorTickMark val="none"/>
+        <c:minorTickMark val="none"/>
+        <c:tickLblPos val="nextTo"/>
+        <c:spPr>
+          <a:noFill/>
+          <a:ln>
+            <a:noFill/>
+          </a:ln>
+          <a:effectLst/>
+        </c:spPr>
+        <c:txPr>
+          <a:bodyPr rot="-60000000" spcFirstLastPara="1" vertOverflow="ellipsis" vert="horz" wrap="square" anchor="ctr" anchorCtr="1"/>
+          <a:lstStyle/>
+          <a:p>
+            <a:pPr>
+              <a:defRPr sz="900" b="0" i="0" u="none" strike="noStrike" kern="1200" baseline="0">
+                <a:solidFill>
+                  <a:schemeClr val="tx1">
+                    <a:lumMod val="65000"/>
+                    <a:lumOff val="35000"/>
+                  </a:schemeClr>
+                </a:solidFill>
+                <a:latin typeface="+mn-lt"/>
+                <a:ea typeface="+mn-ea"/>
+                <a:cs typeface="+mn-cs"/>
+              </a:defRPr>
+            </a:pPr>
+            <a:endParaRPr lang="en-US"/>
+          </a:p>
+        </c:txPr>
+        <c:crossAx val="642865119"/>
+        <c:crosses val="autoZero"/>
+        <c:crossBetween val="between"/>
+      </c:valAx>
+      <c:spPr>
+        <a:noFill/>
+        <a:ln>
+          <a:noFill/>
+        </a:ln>
+        <a:effectLst/>
+      </c:spPr>
+    </c:plotArea>
+    <c:legend>
+      <c:legendPos val="b"/>
+      <c:layout/>
+      <c:overlay val="0"/>
+      <c:spPr>
+        <a:noFill/>
+        <a:ln>
+          <a:noFill/>
+        </a:ln>
+        <a:effectLst/>
+      </c:spPr>
+      <c:txPr>
+        <a:bodyPr rot="0" spcFirstLastPara="1" vertOverflow="ellipsis" vert="horz" wrap="square" anchor="ctr" anchorCtr="1"/>
+        <a:lstStyle/>
+        <a:p>
+          <a:pPr>
+            <a:defRPr sz="900" b="0" i="0" u="none" strike="noStrike" kern="1200" baseline="0">
+              <a:solidFill>
+                <a:schemeClr val="tx1">
+                  <a:lumMod val="65000"/>
+                  <a:lumOff val="35000"/>
+                </a:schemeClr>
+              </a:solidFill>
+              <a:latin typeface="+mn-lt"/>
+              <a:ea typeface="+mn-ea"/>
+              <a:cs typeface="+mn-cs"/>
+            </a:defRPr>
+          </a:pPr>
+          <a:endParaRPr lang="en-US"/>
+        </a:p>
+      </c:txPr>
+    </c:legend>
+    <c:plotVisOnly val="1"/>
+    <c:dispBlanksAs val="gap"/>
+    <c:showDLblsOverMax val="0"/>
+  </c:chart>
+  <c:spPr>
+    <a:noFill/>
+    <a:ln>
+      <a:noFill/>
+    </a:ln>
+    <a:effectLst/>
+  </c:spPr>
+  <c:txPr>
+    <a:bodyPr/>
+    <a:lstStyle/>
+    <a:p>
+      <a:pPr>
+        <a:defRPr/>
+      </a:pPr>
+      <a:endParaRPr lang="en-US"/>
+    </a:p>
+  </c:txPr>
+  <c:externalData r:id="rId3">
+    <c:autoUpdate val="0"/>
+  </c:externalData>
+</c:chartSpace>
+</file>
+
+<file path=ppt/charts/chart4.xml><?xml version="1.0" encoding="utf-8"?>
+<c:chartSpace xmlns:c="http://schemas.openxmlformats.org/drawingml/2006/chart" xmlns:a="http://schemas.openxmlformats.org/drawingml/2006/main" xmlns:r="http://schemas.openxmlformats.org/officeDocument/2006/relationships" xmlns:c16r2="http://schemas.microsoft.com/office/drawing/2015/06/chart">
+  <c:date1904 val="0"/>
+  <c:lang val="en-US"/>
+  <c:roundedCorners val="0"/>
+  <mc:AlternateContent xmlns:mc="http://schemas.openxmlformats.org/markup-compatibility/2006">
+    <mc:Choice xmlns:c14="http://schemas.microsoft.com/office/drawing/2007/8/2/chart" Requires="c14">
+      <c14:style val="102"/>
+    </mc:Choice>
+    <mc:Fallback>
+      <c:style val="2"/>
+    </mc:Fallback>
+  </mc:AlternateContent>
+  <c:chart>
+    <c:title>
+      <c:tx>
+        <c:rich>
+          <a:bodyPr rot="0" spcFirstLastPara="1" vertOverflow="ellipsis" vert="horz" wrap="square" anchor="ctr" anchorCtr="1"/>
+          <a:lstStyle/>
+          <a:p>
+            <a:pPr>
+              <a:defRPr sz="1400" b="0" i="0" u="none" strike="noStrike" kern="1200" spc="0" baseline="0">
+                <a:solidFill>
+                  <a:schemeClr val="tx1">
+                    <a:lumMod val="65000"/>
+                    <a:lumOff val="35000"/>
+                  </a:schemeClr>
+                </a:solidFill>
+                <a:latin typeface="+mn-lt"/>
+                <a:ea typeface="+mn-ea"/>
+                <a:cs typeface="+mn-cs"/>
+              </a:defRPr>
+            </a:pPr>
+            <a:r>
+              <a:rPr lang="en-US" dirty="0" smtClean="0"/>
+              <a:t>009615.jpg</a:t>
+            </a:r>
+            <a:endParaRPr lang="en-US" dirty="0"/>
+          </a:p>
+        </c:rich>
+      </c:tx>
+      <c:layout/>
+      <c:overlay val="0"/>
+      <c:spPr>
+        <a:noFill/>
+        <a:ln>
+          <a:noFill/>
+        </a:ln>
+        <a:effectLst/>
+      </c:spPr>
+      <c:txPr>
+        <a:bodyPr rot="0" spcFirstLastPara="1" vertOverflow="ellipsis" vert="horz" wrap="square" anchor="ctr" anchorCtr="1"/>
+        <a:lstStyle/>
+        <a:p>
+          <a:pPr>
+            <a:defRPr sz="1400" b="0" i="0" u="none" strike="noStrike" kern="1200" spc="0" baseline="0">
+              <a:solidFill>
+                <a:schemeClr val="tx1">
+                  <a:lumMod val="65000"/>
+                  <a:lumOff val="35000"/>
+                </a:schemeClr>
+              </a:solidFill>
+              <a:latin typeface="+mn-lt"/>
+              <a:ea typeface="+mn-ea"/>
+              <a:cs typeface="+mn-cs"/>
+            </a:defRPr>
+          </a:pPr>
+          <a:endParaRPr lang="en-US"/>
+        </a:p>
+      </c:txPr>
+    </c:title>
+    <c:autoTitleDeleted val="0"/>
+    <c:plotArea>
+      <c:layout/>
+      <c:lineChart>
+        <c:grouping val="standard"/>
+        <c:varyColors val="0"/>
+        <c:ser>
+          <c:idx val="0"/>
+          <c:order val="0"/>
+          <c:tx>
+            <c:strRef>
+              <c:f>Sheet1!$J$50</c:f>
+              <c:strCache>
+                <c:ptCount val="1"/>
+                <c:pt idx="0">
+                  <c:v>Initial IoU</c:v>
+                </c:pt>
+              </c:strCache>
+            </c:strRef>
+          </c:tx>
+          <c:spPr>
+            <a:ln w="28575" cap="rnd">
+              <a:solidFill>
+                <a:schemeClr val="accent1"/>
+              </a:solidFill>
+              <a:round/>
+            </a:ln>
+            <a:effectLst/>
+          </c:spPr>
+          <c:marker>
+            <c:symbol val="none"/>
+          </c:marker>
+          <c:val>
+            <c:numRef>
+              <c:f>Sheet1!$J$51:$J$62</c:f>
+              <c:numCache>
+                <c:formatCode>General</c:formatCode>
+                <c:ptCount val="12"/>
+                <c:pt idx="0">
+                  <c:v>0.91</c:v>
+                </c:pt>
+                <c:pt idx="1">
+                  <c:v>0.91</c:v>
+                </c:pt>
+                <c:pt idx="2">
+                  <c:v>0.91</c:v>
+                </c:pt>
+                <c:pt idx="3">
+                  <c:v>0.91</c:v>
+                </c:pt>
+                <c:pt idx="4">
+                  <c:v>0.91</c:v>
+                </c:pt>
+                <c:pt idx="5">
+                  <c:v>0.91</c:v>
+                </c:pt>
+                <c:pt idx="6">
+                  <c:v>0.91</c:v>
+                </c:pt>
+                <c:pt idx="7">
+                  <c:v>0.91</c:v>
+                </c:pt>
+                <c:pt idx="8">
+                  <c:v>0.91</c:v>
+                </c:pt>
+                <c:pt idx="9">
+                  <c:v>0.91</c:v>
+                </c:pt>
+                <c:pt idx="10">
+                  <c:v>0.91</c:v>
+                </c:pt>
+                <c:pt idx="11">
+                  <c:v>0.91</c:v>
+                </c:pt>
+              </c:numCache>
+            </c:numRef>
+          </c:val>
+          <c:smooth val="0"/>
+          <c:extLst>
+            <c:ext xmlns:c16="http://schemas.microsoft.com/office/drawing/2014/chart" uri="{C3380CC4-5D6E-409C-BE32-E72D297353CC}">
+              <c16:uniqueId val="{00000000-6728-4554-B9E6-B6380ADFE41E}"/>
+            </c:ext>
+          </c:extLst>
+        </c:ser>
+        <c:ser>
+          <c:idx val="1"/>
+          <c:order val="1"/>
+          <c:tx>
+            <c:strRef>
+              <c:f>Sheet1!$K$50</c:f>
+              <c:strCache>
+                <c:ptCount val="1"/>
+                <c:pt idx="0">
+                  <c:v>Final IoU</c:v>
+                </c:pt>
+              </c:strCache>
+            </c:strRef>
+          </c:tx>
+          <c:spPr>
+            <a:ln w="28575" cap="rnd">
+              <a:solidFill>
+                <a:schemeClr val="accent2"/>
+              </a:solidFill>
+              <a:round/>
+            </a:ln>
+            <a:effectLst/>
+          </c:spPr>
+          <c:marker>
+            <c:symbol val="none"/>
+          </c:marker>
+          <c:val>
+            <c:numRef>
+              <c:f>Sheet1!$K$51:$K$62</c:f>
+              <c:numCache>
+                <c:formatCode>General</c:formatCode>
+                <c:ptCount val="12"/>
+                <c:pt idx="0">
+                  <c:v>0.56000000000000005</c:v>
+                </c:pt>
+                <c:pt idx="1">
+                  <c:v>0.61</c:v>
+                </c:pt>
+                <c:pt idx="2">
+                  <c:v>0.56000000000000005</c:v>
+                </c:pt>
+                <c:pt idx="3">
+                  <c:v>0.9</c:v>
+                </c:pt>
+                <c:pt idx="4">
+                  <c:v>0.82</c:v>
+                </c:pt>
+                <c:pt idx="5">
+                  <c:v>0.61</c:v>
+                </c:pt>
+                <c:pt idx="6">
+                  <c:v>0.44</c:v>
+                </c:pt>
+                <c:pt idx="7">
+                  <c:v>0.82</c:v>
+                </c:pt>
+                <c:pt idx="8">
+                  <c:v>0.61</c:v>
+                </c:pt>
+                <c:pt idx="9">
+                  <c:v>0.9</c:v>
+                </c:pt>
+                <c:pt idx="10">
+                  <c:v>0.93</c:v>
+                </c:pt>
+                <c:pt idx="11">
+                  <c:v>0.75</c:v>
+                </c:pt>
+              </c:numCache>
+            </c:numRef>
+          </c:val>
+          <c:smooth val="0"/>
+          <c:extLst>
+            <c:ext xmlns:c16="http://schemas.microsoft.com/office/drawing/2014/chart" uri="{C3380CC4-5D6E-409C-BE32-E72D297353CC}">
+              <c16:uniqueId val="{00000001-6728-4554-B9E6-B6380ADFE41E}"/>
+            </c:ext>
+          </c:extLst>
+        </c:ser>
+        <c:ser>
+          <c:idx val="2"/>
+          <c:order val="2"/>
+          <c:tx>
+            <c:strRef>
+              <c:f>Sheet1!$L$50</c:f>
+              <c:strCache>
+                <c:ptCount val="1"/>
+                <c:pt idx="0">
+                  <c:v>Max IoU</c:v>
+                </c:pt>
+              </c:strCache>
+            </c:strRef>
+          </c:tx>
+          <c:spPr>
+            <a:ln w="28575" cap="rnd">
+              <a:solidFill>
+                <a:schemeClr val="accent3"/>
+              </a:solidFill>
+              <a:round/>
+            </a:ln>
+            <a:effectLst/>
+          </c:spPr>
+          <c:marker>
+            <c:symbol val="none"/>
+          </c:marker>
+          <c:val>
+            <c:numRef>
+              <c:f>Sheet1!$L$51:$L$62</c:f>
+              <c:numCache>
+                <c:formatCode>General</c:formatCode>
+                <c:ptCount val="12"/>
+                <c:pt idx="0">
+                  <c:v>0.91</c:v>
+                </c:pt>
+                <c:pt idx="1">
+                  <c:v>0.93</c:v>
+                </c:pt>
+                <c:pt idx="2">
+                  <c:v>0.91</c:v>
+                </c:pt>
+                <c:pt idx="3">
+                  <c:v>0.93</c:v>
+                </c:pt>
+                <c:pt idx="4">
+                  <c:v>0.91</c:v>
+                </c:pt>
+                <c:pt idx="5">
+                  <c:v>0.93</c:v>
+                </c:pt>
+                <c:pt idx="6">
+                  <c:v>0.93</c:v>
+                </c:pt>
+                <c:pt idx="7">
+                  <c:v>0.93</c:v>
+                </c:pt>
+                <c:pt idx="8">
+                  <c:v>0.93</c:v>
+                </c:pt>
+                <c:pt idx="9">
+                  <c:v>0.93</c:v>
+                </c:pt>
+                <c:pt idx="10">
+                  <c:v>0.93</c:v>
+                </c:pt>
+                <c:pt idx="11">
+                  <c:v>0.93</c:v>
+                </c:pt>
+              </c:numCache>
+            </c:numRef>
+          </c:val>
+          <c:smooth val="0"/>
+          <c:extLst>
+            <c:ext xmlns:c16="http://schemas.microsoft.com/office/drawing/2014/chart" uri="{C3380CC4-5D6E-409C-BE32-E72D297353CC}">
+              <c16:uniqueId val="{00000002-6728-4554-B9E6-B6380ADFE41E}"/>
+            </c:ext>
+          </c:extLst>
+        </c:ser>
+        <c:dLbls>
+          <c:showLegendKey val="0"/>
+          <c:showVal val="0"/>
+          <c:showCatName val="0"/>
+          <c:showSerName val="0"/>
+          <c:showPercent val="0"/>
+          <c:showBubbleSize val="0"/>
+        </c:dLbls>
+        <c:smooth val="0"/>
+        <c:axId val="649843711"/>
+        <c:axId val="649844127"/>
+      </c:lineChart>
+      <c:catAx>
+        <c:axId val="649843711"/>
+        <c:scaling>
+          <c:orientation val="minMax"/>
+        </c:scaling>
+        <c:delete val="0"/>
+        <c:axPos val="b"/>
+        <c:majorTickMark val="none"/>
+        <c:minorTickMark val="none"/>
+        <c:tickLblPos val="nextTo"/>
+        <c:spPr>
+          <a:noFill/>
+          <a:ln w="9525" cap="flat" cmpd="sng" algn="ctr">
+            <a:solidFill>
+              <a:schemeClr val="tx1">
+                <a:lumMod val="15000"/>
+                <a:lumOff val="85000"/>
+              </a:schemeClr>
+            </a:solidFill>
+            <a:round/>
+          </a:ln>
+          <a:effectLst/>
+        </c:spPr>
+        <c:txPr>
+          <a:bodyPr rot="-60000000" spcFirstLastPara="1" vertOverflow="ellipsis" vert="horz" wrap="square" anchor="ctr" anchorCtr="1"/>
+          <a:lstStyle/>
+          <a:p>
+            <a:pPr>
+              <a:defRPr sz="900" b="0" i="0" u="none" strike="noStrike" kern="1200" baseline="0">
+                <a:solidFill>
+                  <a:schemeClr val="tx1">
+                    <a:lumMod val="65000"/>
+                    <a:lumOff val="35000"/>
+                  </a:schemeClr>
+                </a:solidFill>
+                <a:latin typeface="+mn-lt"/>
+                <a:ea typeface="+mn-ea"/>
+                <a:cs typeface="+mn-cs"/>
+              </a:defRPr>
+            </a:pPr>
+            <a:endParaRPr lang="en-US"/>
+          </a:p>
+        </c:txPr>
+        <c:crossAx val="649844127"/>
+        <c:crosses val="autoZero"/>
+        <c:auto val="1"/>
+        <c:lblAlgn val="ctr"/>
+        <c:lblOffset val="100"/>
+        <c:noMultiLvlLbl val="0"/>
+      </c:catAx>
+      <c:valAx>
+        <c:axId val="649844127"/>
+        <c:scaling>
+          <c:orientation val="minMax"/>
+        </c:scaling>
+        <c:delete val="0"/>
+        <c:axPos val="l"/>
+        <c:majorGridlines>
+          <c:spPr>
+            <a:ln w="9525" cap="flat" cmpd="sng" algn="ctr">
+              <a:solidFill>
+                <a:schemeClr val="tx1">
+                  <a:lumMod val="15000"/>
+                  <a:lumOff val="85000"/>
+                </a:schemeClr>
+              </a:solidFill>
+              <a:round/>
+            </a:ln>
+            <a:effectLst/>
+          </c:spPr>
+        </c:majorGridlines>
+        <c:numFmt formatCode="General" sourceLinked="1"/>
+        <c:majorTickMark val="none"/>
+        <c:minorTickMark val="none"/>
+        <c:tickLblPos val="nextTo"/>
+        <c:spPr>
+          <a:noFill/>
+          <a:ln>
+            <a:noFill/>
+          </a:ln>
+          <a:effectLst/>
+        </c:spPr>
+        <c:txPr>
+          <a:bodyPr rot="-60000000" spcFirstLastPara="1" vertOverflow="ellipsis" vert="horz" wrap="square" anchor="ctr" anchorCtr="1"/>
+          <a:lstStyle/>
+          <a:p>
+            <a:pPr>
+              <a:defRPr sz="900" b="0" i="0" u="none" strike="noStrike" kern="1200" baseline="0">
+                <a:solidFill>
+                  <a:schemeClr val="tx1">
+                    <a:lumMod val="65000"/>
+                    <a:lumOff val="35000"/>
+                  </a:schemeClr>
+                </a:solidFill>
+                <a:latin typeface="+mn-lt"/>
+                <a:ea typeface="+mn-ea"/>
+                <a:cs typeface="+mn-cs"/>
+              </a:defRPr>
+            </a:pPr>
+            <a:endParaRPr lang="en-US"/>
+          </a:p>
+        </c:txPr>
+        <c:crossAx val="649843711"/>
+        <c:crosses val="autoZero"/>
+        <c:crossBetween val="between"/>
+      </c:valAx>
+      <c:spPr>
+        <a:noFill/>
+        <a:ln>
+          <a:noFill/>
+        </a:ln>
+        <a:effectLst/>
+      </c:spPr>
+    </c:plotArea>
+    <c:legend>
+      <c:legendPos val="b"/>
+      <c:layout/>
+      <c:overlay val="0"/>
+      <c:spPr>
+        <a:noFill/>
+        <a:ln>
+          <a:noFill/>
+        </a:ln>
+        <a:effectLst/>
+      </c:spPr>
+      <c:txPr>
+        <a:bodyPr rot="0" spcFirstLastPara="1" vertOverflow="ellipsis" vert="horz" wrap="square" anchor="ctr" anchorCtr="1"/>
+        <a:lstStyle/>
+        <a:p>
+          <a:pPr>
+            <a:defRPr sz="900" b="0" i="0" u="none" strike="noStrike" kern="1200" baseline="0">
+              <a:solidFill>
+                <a:schemeClr val="tx1">
+                  <a:lumMod val="65000"/>
+                  <a:lumOff val="35000"/>
+                </a:schemeClr>
+              </a:solidFill>
+              <a:latin typeface="+mn-lt"/>
+              <a:ea typeface="+mn-ea"/>
+              <a:cs typeface="+mn-cs"/>
+            </a:defRPr>
+          </a:pPr>
+          <a:endParaRPr lang="en-US"/>
+        </a:p>
+      </c:txPr>
+    </c:legend>
+    <c:plotVisOnly val="1"/>
+    <c:dispBlanksAs val="gap"/>
+    <c:showDLblsOverMax val="0"/>
+  </c:chart>
+  <c:spPr>
+    <a:noFill/>
+    <a:ln>
+      <a:noFill/>
+    </a:ln>
+    <a:effectLst/>
+  </c:spPr>
+  <c:txPr>
+    <a:bodyPr/>
+    <a:lstStyle/>
+    <a:p>
+      <a:pPr>
+        <a:defRPr/>
+      </a:pPr>
+      <a:endParaRPr lang="en-US"/>
+    </a:p>
+  </c:txPr>
+  <c:externalData r:id="rId3">
+    <c:autoUpdate val="0"/>
+  </c:externalData>
+</c:chartSpace>
+</file>
+
+<file path=ppt/charts/chart5.xml><?xml version="1.0" encoding="utf-8"?>
+<c:chartSpace xmlns:c="http://schemas.openxmlformats.org/drawingml/2006/chart" xmlns:a="http://schemas.openxmlformats.org/drawingml/2006/main" xmlns:r="http://schemas.openxmlformats.org/officeDocument/2006/relationships" xmlns:c16r2="http://schemas.microsoft.com/office/drawing/2015/06/chart">
+  <c:date1904 val="0"/>
+  <c:lang val="en-US"/>
+  <c:roundedCorners val="0"/>
+  <mc:AlternateContent xmlns:mc="http://schemas.openxmlformats.org/markup-compatibility/2006">
+    <mc:Choice xmlns:c14="http://schemas.microsoft.com/office/drawing/2007/8/2/chart" Requires="c14">
+      <c14:style val="102"/>
+    </mc:Choice>
+    <mc:Fallback>
+      <c:style val="2"/>
+    </mc:Fallback>
+  </mc:AlternateContent>
+  <c:chart>
+    <c:title>
+      <c:tx>
+        <c:rich>
+          <a:bodyPr rot="0" spcFirstLastPara="1" vertOverflow="ellipsis" vert="horz" wrap="square" anchor="ctr" anchorCtr="1"/>
+          <a:lstStyle/>
+          <a:p>
+            <a:pPr>
+              <a:defRPr sz="1400" b="0" i="0" u="none" strike="noStrike" kern="1200" spc="0" baseline="0">
+                <a:solidFill>
+                  <a:schemeClr val="tx1">
+                    <a:lumMod val="65000"/>
+                    <a:lumOff val="35000"/>
+                  </a:schemeClr>
+                </a:solidFill>
+                <a:latin typeface="+mn-lt"/>
+                <a:ea typeface="+mn-ea"/>
+                <a:cs typeface="+mn-cs"/>
+              </a:defRPr>
+            </a:pPr>
+            <a:r>
+              <a:rPr lang="en-US"/>
+              <a:t>009705.jpg</a:t>
+            </a:r>
+          </a:p>
+        </c:rich>
+      </c:tx>
+      <c:layout/>
+      <c:overlay val="0"/>
+      <c:spPr>
+        <a:noFill/>
+        <a:ln>
+          <a:noFill/>
+        </a:ln>
+        <a:effectLst/>
+      </c:spPr>
+      <c:txPr>
+        <a:bodyPr rot="0" spcFirstLastPara="1" vertOverflow="ellipsis" vert="horz" wrap="square" anchor="ctr" anchorCtr="1"/>
+        <a:lstStyle/>
+        <a:p>
+          <a:pPr>
+            <a:defRPr sz="1400" b="0" i="0" u="none" strike="noStrike" kern="1200" spc="0" baseline="0">
+              <a:solidFill>
+                <a:schemeClr val="tx1">
+                  <a:lumMod val="65000"/>
+                  <a:lumOff val="35000"/>
+                </a:schemeClr>
+              </a:solidFill>
+              <a:latin typeface="+mn-lt"/>
+              <a:ea typeface="+mn-ea"/>
+              <a:cs typeface="+mn-cs"/>
+            </a:defRPr>
+          </a:pPr>
+          <a:endParaRPr lang="en-US"/>
+        </a:p>
+      </c:txPr>
+    </c:title>
+    <c:autoTitleDeleted val="0"/>
+    <c:plotArea>
+      <c:layout/>
+      <c:lineChart>
+        <c:grouping val="standard"/>
+        <c:varyColors val="0"/>
+        <c:ser>
+          <c:idx val="0"/>
+          <c:order val="0"/>
+          <c:tx>
+            <c:strRef>
+              <c:f>Sheet1!$D$53</c:f>
+              <c:strCache>
+                <c:ptCount val="1"/>
+                <c:pt idx="0">
+                  <c:v>Initial IoU</c:v>
+                </c:pt>
+              </c:strCache>
+            </c:strRef>
+          </c:tx>
+          <c:spPr>
+            <a:ln w="28575" cap="rnd">
+              <a:solidFill>
+                <a:schemeClr val="accent1"/>
+              </a:solidFill>
+              <a:round/>
+            </a:ln>
+            <a:effectLst/>
+          </c:spPr>
+          <c:marker>
+            <c:symbol val="none"/>
+          </c:marker>
+          <c:val>
+            <c:numRef>
+              <c:f>Sheet1!$D$54:$D$65</c:f>
+              <c:numCache>
+                <c:formatCode>General</c:formatCode>
+                <c:ptCount val="12"/>
+                <c:pt idx="0">
+                  <c:v>0.04</c:v>
+                </c:pt>
+                <c:pt idx="1">
+                  <c:v>0.04</c:v>
+                </c:pt>
+                <c:pt idx="2">
+                  <c:v>0.04</c:v>
+                </c:pt>
+                <c:pt idx="3">
+                  <c:v>0.04</c:v>
+                </c:pt>
+                <c:pt idx="4">
+                  <c:v>0.04</c:v>
+                </c:pt>
+                <c:pt idx="5">
+                  <c:v>0.04</c:v>
+                </c:pt>
+                <c:pt idx="6">
+                  <c:v>0.04</c:v>
+                </c:pt>
+                <c:pt idx="7">
+                  <c:v>0.04</c:v>
+                </c:pt>
+                <c:pt idx="8">
+                  <c:v>0.04</c:v>
+                </c:pt>
+                <c:pt idx="9">
+                  <c:v>0.04</c:v>
+                </c:pt>
+                <c:pt idx="10">
+                  <c:v>0.04</c:v>
+                </c:pt>
+                <c:pt idx="11">
+                  <c:v>0.04</c:v>
+                </c:pt>
+              </c:numCache>
+            </c:numRef>
+          </c:val>
+          <c:smooth val="0"/>
+          <c:extLst>
+            <c:ext xmlns:c16="http://schemas.microsoft.com/office/drawing/2014/chart" uri="{C3380CC4-5D6E-409C-BE32-E72D297353CC}">
+              <c16:uniqueId val="{00000000-713E-46EF-B724-2F20EF77C34C}"/>
+            </c:ext>
+          </c:extLst>
+        </c:ser>
+        <c:ser>
+          <c:idx val="1"/>
+          <c:order val="1"/>
+          <c:tx>
+            <c:strRef>
+              <c:f>Sheet1!$E$53</c:f>
+              <c:strCache>
+                <c:ptCount val="1"/>
+                <c:pt idx="0">
+                  <c:v>Final IoU</c:v>
+                </c:pt>
+              </c:strCache>
+            </c:strRef>
+          </c:tx>
+          <c:spPr>
+            <a:ln w="28575" cap="rnd">
+              <a:solidFill>
+                <a:schemeClr val="accent2"/>
+              </a:solidFill>
+              <a:round/>
+            </a:ln>
+            <a:effectLst/>
+          </c:spPr>
+          <c:marker>
+            <c:symbol val="none"/>
+          </c:marker>
+          <c:val>
+            <c:numRef>
+              <c:f>Sheet1!$E$54:$E$65</c:f>
+              <c:numCache>
+                <c:formatCode>General</c:formatCode>
+                <c:ptCount val="12"/>
+                <c:pt idx="0">
+                  <c:v>0.02</c:v>
+                </c:pt>
+                <c:pt idx="1">
+                  <c:v>0.03</c:v>
+                </c:pt>
+                <c:pt idx="2">
+                  <c:v>0.03</c:v>
+                </c:pt>
+                <c:pt idx="3">
+                  <c:v>0.03</c:v>
+                </c:pt>
+                <c:pt idx="4">
+                  <c:v>0.02</c:v>
+                </c:pt>
+                <c:pt idx="5">
+                  <c:v>0.05</c:v>
+                </c:pt>
+                <c:pt idx="6">
+                  <c:v>0.02</c:v>
+                </c:pt>
+                <c:pt idx="7">
+                  <c:v>0.03</c:v>
+                </c:pt>
+                <c:pt idx="8">
+                  <c:v>0.05</c:v>
+                </c:pt>
+                <c:pt idx="9">
+                  <c:v>0.03</c:v>
+                </c:pt>
+                <c:pt idx="10">
+                  <c:v>0.03</c:v>
+                </c:pt>
+                <c:pt idx="11">
+                  <c:v>0.03</c:v>
+                </c:pt>
+              </c:numCache>
+            </c:numRef>
+          </c:val>
+          <c:smooth val="0"/>
+          <c:extLst>
+            <c:ext xmlns:c16="http://schemas.microsoft.com/office/drawing/2014/chart" uri="{C3380CC4-5D6E-409C-BE32-E72D297353CC}">
+              <c16:uniqueId val="{00000001-713E-46EF-B724-2F20EF77C34C}"/>
+            </c:ext>
+          </c:extLst>
+        </c:ser>
+        <c:ser>
+          <c:idx val="2"/>
+          <c:order val="2"/>
+          <c:tx>
+            <c:strRef>
+              <c:f>Sheet1!$F$53</c:f>
+              <c:strCache>
+                <c:ptCount val="1"/>
+                <c:pt idx="0">
+                  <c:v>Max IoU</c:v>
+                </c:pt>
+              </c:strCache>
+            </c:strRef>
+          </c:tx>
+          <c:spPr>
+            <a:ln w="28575" cap="rnd">
+              <a:solidFill>
+                <a:schemeClr val="accent3"/>
+              </a:solidFill>
+              <a:round/>
+            </a:ln>
+            <a:effectLst/>
+          </c:spPr>
+          <c:marker>
+            <c:symbol val="none"/>
+          </c:marker>
+          <c:val>
+            <c:numRef>
+              <c:f>Sheet1!$F$54:$F$65</c:f>
+              <c:numCache>
+                <c:formatCode>General</c:formatCode>
+                <c:ptCount val="12"/>
+                <c:pt idx="0">
+                  <c:v>0.04</c:v>
+                </c:pt>
+                <c:pt idx="1">
+                  <c:v>0.04</c:v>
+                </c:pt>
+                <c:pt idx="2">
+                  <c:v>0.04</c:v>
+                </c:pt>
+                <c:pt idx="3">
+                  <c:v>0.04</c:v>
+                </c:pt>
+                <c:pt idx="4">
+                  <c:v>0.04</c:v>
+                </c:pt>
+                <c:pt idx="5">
+                  <c:v>0.05</c:v>
+                </c:pt>
+                <c:pt idx="6">
+                  <c:v>0.04</c:v>
+                </c:pt>
+                <c:pt idx="7">
+                  <c:v>0.04</c:v>
+                </c:pt>
+                <c:pt idx="8">
+                  <c:v>0.05</c:v>
+                </c:pt>
+                <c:pt idx="9">
+                  <c:v>0.04</c:v>
+                </c:pt>
+                <c:pt idx="10">
+                  <c:v>0.04</c:v>
+                </c:pt>
+                <c:pt idx="11">
+                  <c:v>0.04</c:v>
+                </c:pt>
+              </c:numCache>
+            </c:numRef>
+          </c:val>
+          <c:smooth val="0"/>
+          <c:extLst>
+            <c:ext xmlns:c16="http://schemas.microsoft.com/office/drawing/2014/chart" uri="{C3380CC4-5D6E-409C-BE32-E72D297353CC}">
+              <c16:uniqueId val="{00000002-713E-46EF-B724-2F20EF77C34C}"/>
+            </c:ext>
+          </c:extLst>
+        </c:ser>
+        <c:dLbls>
+          <c:showLegendKey val="0"/>
+          <c:showVal val="0"/>
+          <c:showCatName val="0"/>
+          <c:showSerName val="0"/>
+          <c:showPercent val="0"/>
+          <c:showBubbleSize val="0"/>
+        </c:dLbls>
+        <c:smooth val="0"/>
+        <c:axId val="649840799"/>
+        <c:axId val="649842463"/>
+      </c:lineChart>
+      <c:catAx>
+        <c:axId val="649840799"/>
+        <c:scaling>
+          <c:orientation val="minMax"/>
+        </c:scaling>
+        <c:delete val="0"/>
+        <c:axPos val="b"/>
+        <c:majorTickMark val="none"/>
+        <c:minorTickMark val="none"/>
+        <c:tickLblPos val="nextTo"/>
+        <c:spPr>
+          <a:noFill/>
+          <a:ln w="9525" cap="flat" cmpd="sng" algn="ctr">
+            <a:solidFill>
+              <a:schemeClr val="tx1">
+                <a:lumMod val="15000"/>
+                <a:lumOff val="85000"/>
+              </a:schemeClr>
+            </a:solidFill>
+            <a:round/>
+          </a:ln>
+          <a:effectLst/>
+        </c:spPr>
+        <c:txPr>
+          <a:bodyPr rot="-60000000" spcFirstLastPara="1" vertOverflow="ellipsis" vert="horz" wrap="square" anchor="ctr" anchorCtr="1"/>
+          <a:lstStyle/>
+          <a:p>
+            <a:pPr>
+              <a:defRPr sz="900" b="0" i="0" u="none" strike="noStrike" kern="1200" baseline="0">
+                <a:solidFill>
+                  <a:schemeClr val="tx1">
+                    <a:lumMod val="65000"/>
+                    <a:lumOff val="35000"/>
+                  </a:schemeClr>
+                </a:solidFill>
+                <a:latin typeface="+mn-lt"/>
+                <a:ea typeface="+mn-ea"/>
+                <a:cs typeface="+mn-cs"/>
+              </a:defRPr>
+            </a:pPr>
+            <a:endParaRPr lang="en-US"/>
+          </a:p>
+        </c:txPr>
+        <c:crossAx val="649842463"/>
+        <c:crosses val="autoZero"/>
+        <c:auto val="1"/>
+        <c:lblAlgn val="ctr"/>
+        <c:lblOffset val="100"/>
+        <c:noMultiLvlLbl val="0"/>
+      </c:catAx>
+      <c:valAx>
+        <c:axId val="649842463"/>
+        <c:scaling>
+          <c:orientation val="minMax"/>
+        </c:scaling>
+        <c:delete val="0"/>
+        <c:axPos val="l"/>
+        <c:majorGridlines>
+          <c:spPr>
+            <a:ln w="9525" cap="flat" cmpd="sng" algn="ctr">
+              <a:solidFill>
+                <a:schemeClr val="tx1">
+                  <a:lumMod val="15000"/>
+                  <a:lumOff val="85000"/>
+                </a:schemeClr>
+              </a:solidFill>
+              <a:round/>
+            </a:ln>
+            <a:effectLst/>
+          </c:spPr>
+        </c:majorGridlines>
+        <c:numFmt formatCode="General" sourceLinked="1"/>
+        <c:majorTickMark val="none"/>
+        <c:minorTickMark val="none"/>
+        <c:tickLblPos val="nextTo"/>
+        <c:spPr>
+          <a:noFill/>
+          <a:ln>
+            <a:noFill/>
+          </a:ln>
+          <a:effectLst/>
+        </c:spPr>
+        <c:txPr>
+          <a:bodyPr rot="-60000000" spcFirstLastPara="1" vertOverflow="ellipsis" vert="horz" wrap="square" anchor="ctr" anchorCtr="1"/>
+          <a:lstStyle/>
+          <a:p>
+            <a:pPr>
+              <a:defRPr sz="900" b="0" i="0" u="none" strike="noStrike" kern="1200" baseline="0">
+                <a:solidFill>
+                  <a:schemeClr val="tx1">
+                    <a:lumMod val="65000"/>
+                    <a:lumOff val="35000"/>
+                  </a:schemeClr>
+                </a:solidFill>
+                <a:latin typeface="+mn-lt"/>
+                <a:ea typeface="+mn-ea"/>
+                <a:cs typeface="+mn-cs"/>
+              </a:defRPr>
+            </a:pPr>
+            <a:endParaRPr lang="en-US"/>
+          </a:p>
+        </c:txPr>
+        <c:crossAx val="649840799"/>
+        <c:crosses val="autoZero"/>
+        <c:crossBetween val="between"/>
+      </c:valAx>
+      <c:spPr>
+        <a:noFill/>
+        <a:ln>
+          <a:noFill/>
+        </a:ln>
+        <a:effectLst/>
+      </c:spPr>
+    </c:plotArea>
+    <c:legend>
+      <c:legendPos val="b"/>
+      <c:layout/>
+      <c:overlay val="0"/>
+      <c:spPr>
+        <a:noFill/>
+        <a:ln>
+          <a:noFill/>
+        </a:ln>
+        <a:effectLst/>
+      </c:spPr>
+      <c:txPr>
+        <a:bodyPr rot="0" spcFirstLastPara="1" vertOverflow="ellipsis" vert="horz" wrap="square" anchor="ctr" anchorCtr="1"/>
+        <a:lstStyle/>
+        <a:p>
+          <a:pPr>
+            <a:defRPr sz="900" b="0" i="0" u="none" strike="noStrike" kern="1200" baseline="0">
+              <a:solidFill>
+                <a:schemeClr val="tx1">
+                  <a:lumMod val="65000"/>
+                  <a:lumOff val="35000"/>
+                </a:schemeClr>
+              </a:solidFill>
+              <a:latin typeface="+mn-lt"/>
+              <a:ea typeface="+mn-ea"/>
+              <a:cs typeface="+mn-cs"/>
+            </a:defRPr>
+          </a:pPr>
+          <a:endParaRPr lang="en-US"/>
+        </a:p>
+      </c:txPr>
+    </c:legend>
+    <c:plotVisOnly val="1"/>
+    <c:dispBlanksAs val="gap"/>
+    <c:showDLblsOverMax val="0"/>
+  </c:chart>
+  <c:spPr>
+    <a:noFill/>
+    <a:ln>
+      <a:noFill/>
+    </a:ln>
+    <a:effectLst/>
+  </c:spPr>
+  <c:txPr>
+    <a:bodyPr/>
+    <a:lstStyle/>
+    <a:p>
+      <a:pPr>
+        <a:defRPr/>
+      </a:pPr>
+      <a:endParaRPr lang="en-US"/>
+    </a:p>
+  </c:txPr>
+  <c:externalData r:id="rId3">
+    <c:autoUpdate val="0"/>
+  </c:externalData>
+</c:chartSpace>
+</file>
+
+<file path=ppt/charts/colors1.xml><?xml version="1.0" encoding="utf-8"?>
+<cs:colorStyle xmlns:cs="http://schemas.microsoft.com/office/drawing/2012/chartStyle" xmlns:a="http://schemas.openxmlformats.org/drawingml/2006/main" meth="cycle" id="10">
+  <a:schemeClr val="accent1"/>
+  <a:schemeClr val="accent2"/>
+  <a:schemeClr val="accent3"/>
+  <a:schemeClr val="accent4"/>
+  <a:schemeClr val="accent5"/>
+  <a:schemeClr val="accent6"/>
+  <cs:variation/>
+  <cs:variation>
+    <a:lumMod val="60000"/>
+  </cs:variation>
+  <cs:variation>
+    <a:lumMod val="80000"/>
+    <a:lumOff val="20000"/>
+  </cs:variation>
+  <cs:variation>
+    <a:lumMod val="80000"/>
+  </cs:variation>
+  <cs:variation>
+    <a:lumMod val="60000"/>
+    <a:lumOff val="40000"/>
+  </cs:variation>
+  <cs:variation>
+    <a:lumMod val="50000"/>
+  </cs:variation>
+  <cs:variation>
+    <a:lumMod val="70000"/>
+    <a:lumOff val="30000"/>
+  </cs:variation>
+  <cs:variation>
+    <a:lumMod val="70000"/>
+  </cs:variation>
+  <cs:variation>
+    <a:lumMod val="50000"/>
+    <a:lumOff val="50000"/>
+  </cs:variation>
+</cs:colorStyle>
+</file>
+
+<file path=ppt/charts/colors2.xml><?xml version="1.0" encoding="utf-8"?>
+<cs:colorStyle xmlns:cs="http://schemas.microsoft.com/office/drawing/2012/chartStyle" xmlns:a="http://schemas.openxmlformats.org/drawingml/2006/main" meth="cycle" id="10">
+  <a:schemeClr val="accent1"/>
+  <a:schemeClr val="accent2"/>
+  <a:schemeClr val="accent3"/>
+  <a:schemeClr val="accent4"/>
+  <a:schemeClr val="accent5"/>
+  <a:schemeClr val="accent6"/>
+  <cs:variation/>
+  <cs:variation>
+    <a:lumMod val="60000"/>
+  </cs:variation>
+  <cs:variation>
+    <a:lumMod val="80000"/>
+    <a:lumOff val="20000"/>
+  </cs:variation>
+  <cs:variation>
+    <a:lumMod val="80000"/>
+  </cs:variation>
+  <cs:variation>
+    <a:lumMod val="60000"/>
+    <a:lumOff val="40000"/>
+  </cs:variation>
+  <cs:variation>
+    <a:lumMod val="50000"/>
+  </cs:variation>
+  <cs:variation>
+    <a:lumMod val="70000"/>
+    <a:lumOff val="30000"/>
+  </cs:variation>
+  <cs:variation>
+    <a:lumMod val="70000"/>
+  </cs:variation>
+  <cs:variation>
+    <a:lumMod val="50000"/>
+    <a:lumOff val="50000"/>
+  </cs:variation>
+</cs:colorStyle>
+</file>
+
+<file path=ppt/charts/colors3.xml><?xml version="1.0" encoding="utf-8"?>
+<cs:colorStyle xmlns:cs="http://schemas.microsoft.com/office/drawing/2012/chartStyle" xmlns:a="http://schemas.openxmlformats.org/drawingml/2006/main" meth="cycle" id="10">
+  <a:schemeClr val="accent1"/>
+  <a:schemeClr val="accent2"/>
+  <a:schemeClr val="accent3"/>
+  <a:schemeClr val="accent4"/>
+  <a:schemeClr val="accent5"/>
+  <a:schemeClr val="accent6"/>
+  <cs:variation/>
+  <cs:variation>
+    <a:lumMod val="60000"/>
+  </cs:variation>
+  <cs:variation>
+    <a:lumMod val="80000"/>
+    <a:lumOff val="20000"/>
+  </cs:variation>
+  <cs:variation>
+    <a:lumMod val="80000"/>
+  </cs:variation>
+  <cs:variation>
+    <a:lumMod val="60000"/>
+    <a:lumOff val="40000"/>
+  </cs:variation>
+  <cs:variation>
+    <a:lumMod val="50000"/>
+  </cs:variation>
+  <cs:variation>
+    <a:lumMod val="70000"/>
+    <a:lumOff val="30000"/>
+  </cs:variation>
+  <cs:variation>
+    <a:lumMod val="70000"/>
+  </cs:variation>
+  <cs:variation>
+    <a:lumMod val="50000"/>
+    <a:lumOff val="50000"/>
+  </cs:variation>
+</cs:colorStyle>
+</file>
+
+<file path=ppt/charts/colors4.xml><?xml version="1.0" encoding="utf-8"?>
+<cs:colorStyle xmlns:cs="http://schemas.microsoft.com/office/drawing/2012/chartStyle" xmlns:a="http://schemas.openxmlformats.org/drawingml/2006/main" meth="cycle" id="10">
+  <a:schemeClr val="accent1"/>
+  <a:schemeClr val="accent2"/>
+  <a:schemeClr val="accent3"/>
+  <a:schemeClr val="accent4"/>
+  <a:schemeClr val="accent5"/>
+  <a:schemeClr val="accent6"/>
+  <cs:variation/>
+  <cs:variation>
+    <a:lumMod val="60000"/>
+  </cs:variation>
+  <cs:variation>
+    <a:lumMod val="80000"/>
+    <a:lumOff val="20000"/>
+  </cs:variation>
+  <cs:variation>
+    <a:lumMod val="80000"/>
+  </cs:variation>
+  <cs:variation>
+    <a:lumMod val="60000"/>
+    <a:lumOff val="40000"/>
+  </cs:variation>
+  <cs:variation>
+    <a:lumMod val="50000"/>
+  </cs:variation>
+  <cs:variation>
+    <a:lumMod val="70000"/>
+    <a:lumOff val="30000"/>
+  </cs:variation>
+  <cs:variation>
+    <a:lumMod val="70000"/>
+  </cs:variation>
+  <cs:variation>
+    <a:lumMod val="50000"/>
+    <a:lumOff val="50000"/>
+  </cs:variation>
+</cs:colorStyle>
+</file>
+
+<file path=ppt/charts/colors5.xml><?xml version="1.0" encoding="utf-8"?>
+<cs:colorStyle xmlns:cs="http://schemas.microsoft.com/office/drawing/2012/chartStyle" xmlns:a="http://schemas.openxmlformats.org/drawingml/2006/main" meth="cycle" id="10">
+  <a:schemeClr val="accent1"/>
+  <a:schemeClr val="accent2"/>
+  <a:schemeClr val="accent3"/>
+  <a:schemeClr val="accent4"/>
+  <a:schemeClr val="accent5"/>
+  <a:schemeClr val="accent6"/>
+  <cs:variation/>
+  <cs:variation>
+    <a:lumMod val="60000"/>
+  </cs:variation>
+  <cs:variation>
+    <a:lumMod val="80000"/>
+    <a:lumOff val="20000"/>
+  </cs:variation>
+  <cs:variation>
+    <a:lumMod val="80000"/>
+  </cs:variation>
+  <cs:variation>
+    <a:lumMod val="60000"/>
+    <a:lumOff val="40000"/>
+  </cs:variation>
+  <cs:variation>
+    <a:lumMod val="50000"/>
+  </cs:variation>
+  <cs:variation>
+    <a:lumMod val="70000"/>
+    <a:lumOff val="30000"/>
+  </cs:variation>
+  <cs:variation>
+    <a:lumMod val="70000"/>
+  </cs:variation>
+  <cs:variation>
+    <a:lumMod val="50000"/>
+    <a:lumOff val="50000"/>
+  </cs:variation>
+</cs:colorStyle>
+</file>
+
+<file path=ppt/charts/style1.xml><?xml version="1.0" encoding="utf-8"?>
+<cs:chartStyle xmlns:cs="http://schemas.microsoft.com/office/drawing/2012/chartStyle" xmlns:a="http://schemas.openxmlformats.org/drawingml/2006/main" id="227">
+  <cs:axisTitle>
+    <cs:lnRef idx="0"/>
+    <cs:fillRef idx="0"/>
+    <cs:effectRef idx="0"/>
+    <cs:fontRef idx="minor">
+      <a:schemeClr val="tx1">
+        <a:lumMod val="65000"/>
+        <a:lumOff val="35000"/>
+      </a:schemeClr>
+    </cs:fontRef>
+    <cs:defRPr sz="1000" kern="1200"/>
+  </cs:axisTitle>
+  <cs:categoryAxis>
+    <cs:lnRef idx="0"/>
+    <cs:fillRef idx="0"/>
+    <cs:effectRef idx="0"/>
+    <cs:fontRef idx="minor">
+      <a:schemeClr val="tx1">
+        <a:lumMod val="65000"/>
+        <a:lumOff val="35000"/>
+      </a:schemeClr>
+    </cs:fontRef>
+    <cs:spPr>
+      <a:ln w="9525" cap="flat" cmpd="sng" algn="ctr">
+        <a:solidFill>
+          <a:schemeClr val="tx1">
+            <a:lumMod val="15000"/>
+            <a:lumOff val="85000"/>
+          </a:schemeClr>
+        </a:solidFill>
+        <a:round/>
+      </a:ln>
+    </cs:spPr>
+    <cs:defRPr sz="900" kern="1200"/>
+  </cs:categoryAxis>
+  <cs:chartArea mods="allowNoFillOverride allowNoLineOverride">
+    <cs:lnRef idx="0"/>
+    <cs:fillRef idx="0"/>
+    <cs:effectRef idx="0"/>
+    <cs:fontRef idx="minor">
+      <a:schemeClr val="tx1"/>
+    </cs:fontRef>
+    <cs:spPr>
+      <a:solidFill>
+        <a:schemeClr val="bg1"/>
+      </a:solidFill>
+      <a:ln w="9525" cap="flat" cmpd="sng" algn="ctr">
+        <a:solidFill>
+          <a:schemeClr val="tx1">
+            <a:lumMod val="15000"/>
+            <a:lumOff val="85000"/>
+          </a:schemeClr>
+        </a:solidFill>
+        <a:round/>
+      </a:ln>
+    </cs:spPr>
+    <cs:defRPr sz="1000" kern="1200"/>
+  </cs:chartArea>
+  <cs:dataLabel>
+    <cs:lnRef idx="0"/>
+    <cs:fillRef idx="0"/>
+    <cs:effectRef idx="0"/>
+    <cs:fontRef idx="minor">
+      <a:schemeClr val="tx1">
+        <a:lumMod val="75000"/>
+        <a:lumOff val="25000"/>
+      </a:schemeClr>
+    </cs:fontRef>
+    <cs:defRPr sz="900" kern="1200"/>
+  </cs:dataLabel>
+  <cs:dataLabelCallout>
+    <cs:lnRef idx="0"/>
+    <cs:fillRef idx="0"/>
+    <cs:effectRef idx="0"/>
+    <cs:fontRef idx="minor">
+      <a:schemeClr val="dk1">
+        <a:lumMod val="65000"/>
+        <a:lumOff val="35000"/>
+      </a:schemeClr>
+    </cs:fontRef>
+    <cs:spPr>
+      <a:solidFill>
+        <a:schemeClr val="lt1"/>
+      </a:solidFill>
+      <a:ln>
+        <a:solidFill>
+          <a:schemeClr val="dk1">
+            <a:lumMod val="25000"/>
+            <a:lumOff val="75000"/>
+          </a:schemeClr>
+        </a:solidFill>
+      </a:ln>
+    </cs:spPr>
+    <cs:defRPr sz="900" kern="1200"/>
+    <cs:bodyPr rot="0" spcFirstLastPara="1" vertOverflow="clip" horzOverflow="clip" vert="horz" wrap="square" lIns="36576" tIns="18288" rIns="36576" bIns="18288" anchor="ctr" anchorCtr="1">
+      <a:spAutoFit/>
+    </cs:bodyPr>
+  </cs:dataLabelCallout>
+  <cs:dataPoint>
+    <cs:lnRef idx="0"/>
+    <cs:fillRef idx="1">
+      <cs:styleClr val="auto"/>
+    </cs:fillRef>
+    <cs:effectRef idx="0"/>
+    <cs:fontRef idx="minor">
+      <a:schemeClr val="tx1"/>
+    </cs:fontRef>
+    <cs:spPr>
+      <a:solidFill>
+        <a:schemeClr val="phClr"/>
+      </a:solidFill>
+    </cs:spPr>
+  </cs:dataPoint>
+  <cs:dataPoint3D>
+    <cs:lnRef idx="0"/>
+    <cs:fillRef idx="1">
+      <cs:styleClr val="auto"/>
+    </cs:fillRef>
+    <cs:effectRef idx="0"/>
+    <cs:fontRef idx="minor">
+      <a:schemeClr val="tx1"/>
+    </cs:fontRef>
+    <cs:spPr>
+      <a:solidFill>
+        <a:schemeClr val="phClr"/>
+      </a:solidFill>
+    </cs:spPr>
+  </cs:dataPoint3D>
+  <cs:dataPointLine>
+    <cs:lnRef idx="0">
+      <cs:styleClr val="auto"/>
+    </cs:lnRef>
+    <cs:fillRef idx="1"/>
+    <cs:effectRef idx="0"/>
+    <cs:fontRef idx="minor">
+      <a:schemeClr val="tx1"/>
+    </cs:fontRef>
+    <cs:spPr>
+      <a:ln w="28575" cap="rnd">
+        <a:solidFill>
+          <a:schemeClr val="phClr"/>
+        </a:solidFill>
+        <a:round/>
+      </a:ln>
+    </cs:spPr>
+  </cs:dataPointLine>
+  <cs:dataPointMarker>
+    <cs:lnRef idx="0">
+      <cs:styleClr val="auto"/>
+    </cs:lnRef>
+    <cs:fillRef idx="1">
+      <cs:styleClr val="auto"/>
+    </cs:fillRef>
+    <cs:effectRef idx="0"/>
+    <cs:fontRef idx="minor">
+      <a:schemeClr val="tx1"/>
+    </cs:fontRef>
+    <cs:spPr>
+      <a:solidFill>
+        <a:schemeClr val="phClr"/>
+      </a:solidFill>
+      <a:ln w="9525">
+        <a:solidFill>
+          <a:schemeClr val="phClr"/>
+        </a:solidFill>
+      </a:ln>
+    </cs:spPr>
+  </cs:dataPointMarker>
+  <cs:dataPointMarkerLayout symbol="circle" size="5"/>
+  <cs:dataPointWireframe>
+    <cs:lnRef idx="0">
+      <cs:styleClr val="auto"/>
+    </cs:lnRef>
+    <cs:fillRef idx="1"/>
+    <cs:effectRef idx="0"/>
+    <cs:fontRef idx="minor">
+      <a:schemeClr val="tx1"/>
+    </cs:fontRef>
+    <cs:spPr>
+      <a:ln w="9525" cap="rnd">
+        <a:solidFill>
+          <a:schemeClr val="phClr"/>
+        </a:solidFill>
+        <a:round/>
+      </a:ln>
+    </cs:spPr>
+  </cs:dataPointWireframe>
+  <cs:dataTable>
+    <cs:lnRef idx="0"/>
+    <cs:fillRef idx="0"/>
+    <cs:effectRef idx="0"/>
+    <cs:fontRef idx="minor">
+      <a:schemeClr val="tx1">
+        <a:lumMod val="65000"/>
+        <a:lumOff val="35000"/>
+      </a:schemeClr>
+    </cs:fontRef>
+    <cs:spPr>
+      <a:noFill/>
+      <a:ln w="9525" cap="flat" cmpd="sng" algn="ctr">
+        <a:solidFill>
+          <a:schemeClr val="tx1">
+            <a:lumMod val="15000"/>
+            <a:lumOff val="85000"/>
+          </a:schemeClr>
+        </a:solidFill>
+        <a:round/>
+      </a:ln>
+    </cs:spPr>
+    <cs:defRPr sz="900" kern="1200"/>
+  </cs:dataTable>
+  <cs:downBar>
+    <cs:lnRef idx="0"/>
+    <cs:fillRef idx="0"/>
+    <cs:effectRef idx="0"/>
+    <cs:fontRef idx="minor">
+      <a:schemeClr val="dk1"/>
+    </cs:fontRef>
+    <cs:spPr>
+      <a:solidFill>
+        <a:schemeClr val="dk1">
+          <a:lumMod val="65000"/>
+          <a:lumOff val="35000"/>
+        </a:schemeClr>
+      </a:solidFill>
+      <a:ln w="9525">
+        <a:solidFill>
+          <a:schemeClr val="tx1">
+            <a:lumMod val="65000"/>
+            <a:lumOff val="35000"/>
+          </a:schemeClr>
+        </a:solidFill>
+      </a:ln>
+    </cs:spPr>
+  </cs:downBar>
+  <cs:dropLine>
+    <cs:lnRef idx="0"/>
+    <cs:fillRef idx="0"/>
+    <cs:effectRef idx="0"/>
+    <cs:fontRef idx="minor">
+      <a:schemeClr val="tx1"/>
+    </cs:fontRef>
+    <cs:spPr>
+      <a:ln w="9525" cap="flat" cmpd="sng" algn="ctr">
+        <a:solidFill>
+          <a:schemeClr val="tx1">
+            <a:lumMod val="35000"/>
+            <a:lumOff val="65000"/>
+          </a:schemeClr>
+        </a:solidFill>
+        <a:round/>
+      </a:ln>
+    </cs:spPr>
+  </cs:dropLine>
+  <cs:errorBar>
+    <cs:lnRef idx="0"/>
+    <cs:fillRef idx="0"/>
+    <cs:effectRef idx="0"/>
+    <cs:fontRef idx="minor">
+      <a:schemeClr val="tx1"/>
+    </cs:fontRef>
+    <cs:spPr>
+      <a:ln w="9525" cap="flat" cmpd="sng" algn="ctr">
+        <a:solidFill>
+          <a:schemeClr val="tx1">
+            <a:lumMod val="65000"/>
+            <a:lumOff val="35000"/>
+          </a:schemeClr>
+        </a:solidFill>
+        <a:round/>
+      </a:ln>
+    </cs:spPr>
+  </cs:errorBar>
+  <cs:floor>
+    <cs:lnRef idx="0"/>
+    <cs:fillRef idx="0"/>
+    <cs:effectRef idx="0"/>
+    <cs:fontRef idx="minor">
+      <a:schemeClr val="tx1"/>
+    </cs:fontRef>
+    <cs:spPr>
+      <a:noFill/>
+      <a:ln>
+        <a:noFill/>
+      </a:ln>
+    </cs:spPr>
+  </cs:floor>
+  <cs:gridlineMajor>
+    <cs:lnRef idx="0"/>
+    <cs:fillRef idx="0"/>
+    <cs:effectRef idx="0"/>
+    <cs:fontRef idx="minor">
+      <a:schemeClr val="tx1"/>
+    </cs:fontRef>
+    <cs:spPr>
+      <a:ln w="9525" cap="flat" cmpd="sng" algn="ctr">
+        <a:solidFill>
+          <a:schemeClr val="tx1">
+            <a:lumMod val="15000"/>
+            <a:lumOff val="85000"/>
+          </a:schemeClr>
+        </a:solidFill>
+        <a:round/>
+      </a:ln>
+    </cs:spPr>
+  </cs:gridlineMajor>
+  <cs:gridlineMinor>
+    <cs:lnRef idx="0"/>
+    <cs:fillRef idx="0"/>
+    <cs:effectRef idx="0"/>
+    <cs:fontRef idx="minor">
+      <a:schemeClr val="tx1"/>
+    </cs:fontRef>
+    <cs:spPr>
+      <a:ln w="9525" cap="flat" cmpd="sng" algn="ctr">
+        <a:solidFill>
+          <a:schemeClr val="tx1">
+            <a:lumMod val="5000"/>
+            <a:lumOff val="95000"/>
+          </a:schemeClr>
+        </a:solidFill>
+        <a:round/>
+      </a:ln>
+    </cs:spPr>
+  </cs:gridlineMinor>
+  <cs:hiLoLine>
+    <cs:lnRef idx="0"/>
+    <cs:fillRef idx="0"/>
+    <cs:effectRef idx="0"/>
+    <cs:fontRef idx="minor">
+      <a:schemeClr val="tx1"/>
+    </cs:fontRef>
+    <cs:spPr>
+      <a:ln w="9525" cap="flat" cmpd="sng" algn="ctr">
+        <a:solidFill>
+          <a:schemeClr val="tx1">
+            <a:lumMod val="75000"/>
+            <a:lumOff val="25000"/>
+          </a:schemeClr>
+        </a:solidFill>
+        <a:round/>
+      </a:ln>
+    </cs:spPr>
+  </cs:hiLoLine>
+  <cs:leaderLine>
+    <cs:lnRef idx="0"/>
+    <cs:fillRef idx="0"/>
+    <cs:effectRef idx="0"/>
+    <cs:fontRef idx="minor">
+      <a:schemeClr val="tx1"/>
+    </cs:fontRef>
+    <cs:spPr>
+      <a:ln w="9525" cap="flat" cmpd="sng" algn="ctr">
+        <a:solidFill>
+          <a:schemeClr val="tx1">
+            <a:lumMod val="35000"/>
+            <a:lumOff val="65000"/>
+          </a:schemeClr>
+        </a:solidFill>
+        <a:round/>
+      </a:ln>
+    </cs:spPr>
+  </cs:leaderLine>
+  <cs:legend>
+    <cs:lnRef idx="0"/>
+    <cs:fillRef idx="0"/>
+    <cs:effectRef idx="0"/>
+    <cs:fontRef idx="minor">
+      <a:schemeClr val="tx1">
+        <a:lumMod val="65000"/>
+        <a:lumOff val="35000"/>
+      </a:schemeClr>
+    </cs:fontRef>
+    <cs:defRPr sz="900" kern="1200"/>
+  </cs:legend>
+  <cs:plotArea mods="allowNoFillOverride allowNoLineOverride">
+    <cs:lnRef idx="0"/>
+    <cs:fillRef idx="0"/>
+    <cs:effectRef idx="0"/>
+    <cs:fontRef idx="minor">
+      <a:schemeClr val="tx1"/>
+    </cs:fontRef>
+  </cs:plotArea>
+  <cs:plotArea3D mods="allowNoFillOverride allowNoLineOverride">
+    <cs:lnRef idx="0"/>
+    <cs:fillRef idx="0"/>
+    <cs:effectRef idx="0"/>
+    <cs:fontRef idx="minor">
+      <a:schemeClr val="tx1"/>
+    </cs:fontRef>
+  </cs:plotArea3D>
+  <cs:seriesAxis>
+    <cs:lnRef idx="0"/>
+    <cs:fillRef idx="0"/>
+    <cs:effectRef idx="0"/>
+    <cs:fontRef idx="minor">
+      <a:schemeClr val="tx1">
+        <a:lumMod val="65000"/>
+        <a:lumOff val="35000"/>
+      </a:schemeClr>
+    </cs:fontRef>
+    <cs:defRPr sz="900" kern="1200"/>
+  </cs:seriesAxis>
+  <cs:seriesLine>
+    <cs:lnRef idx="0"/>
+    <cs:fillRef idx="0"/>
+    <cs:effectRef idx="0"/>
+    <cs:fontRef idx="minor">
+      <a:schemeClr val="tx1"/>
+    </cs:fontRef>
+    <cs:spPr>
+      <a:ln w="9525" cap="flat" cmpd="sng" algn="ctr">
+        <a:solidFill>
+          <a:schemeClr val="tx1">
+            <a:lumMod val="35000"/>
+            <a:lumOff val="65000"/>
+          </a:schemeClr>
+        </a:solidFill>
+        <a:round/>
+      </a:ln>
+    </cs:spPr>
+  </cs:seriesLine>
+  <cs:title>
+    <cs:lnRef idx="0"/>
+    <cs:fillRef idx="0"/>
+    <cs:effectRef idx="0"/>
+    <cs:fontRef idx="minor">
+      <a:schemeClr val="tx1">
+        <a:lumMod val="65000"/>
+        <a:lumOff val="35000"/>
+      </a:schemeClr>
+    </cs:fontRef>
+    <cs:defRPr sz="1400" b="0" kern="1200" spc="0" baseline="0"/>
+  </cs:title>
+  <cs:trendline>
+    <cs:lnRef idx="0">
+      <cs:styleClr val="auto"/>
+    </cs:lnRef>
+    <cs:fillRef idx="0"/>
+    <cs:effectRef idx="0"/>
+    <cs:fontRef idx="minor">
+      <a:schemeClr val="tx1"/>
+    </cs:fontRef>
+    <cs:spPr>
+      <a:ln w="19050" cap="rnd">
+        <a:solidFill>
+          <a:schemeClr val="phClr"/>
+        </a:solidFill>
+        <a:prstDash val="sysDot"/>
+      </a:ln>
+    </cs:spPr>
+  </cs:trendline>
+  <cs:trendlineLabel>
+    <cs:lnRef idx="0"/>
+    <cs:fillRef idx="0"/>
+    <cs:effectRef idx="0"/>
+    <cs:fontRef idx="minor">
+      <a:schemeClr val="tx1">
+        <a:lumMod val="65000"/>
+        <a:lumOff val="35000"/>
+      </a:schemeClr>
+    </cs:fontRef>
+    <cs:defRPr sz="900" kern="1200"/>
+  </cs:trendlineLabel>
+  <cs:upBar>
+    <cs:lnRef idx="0"/>
+    <cs:fillRef idx="0"/>
+    <cs:effectRef idx="0"/>
+    <cs:fontRef idx="minor">
+      <a:schemeClr val="dk1"/>
+    </cs:fontRef>
+    <cs:spPr>
+      <a:solidFill>
+        <a:schemeClr val="lt1"/>
+      </a:solidFill>
+      <a:ln w="9525">
+        <a:solidFill>
+          <a:schemeClr val="tx1">
+            <a:lumMod val="15000"/>
+            <a:lumOff val="85000"/>
+          </a:schemeClr>
+        </a:solidFill>
+      </a:ln>
+    </cs:spPr>
+  </cs:upBar>
+  <cs:valueAxis>
+    <cs:lnRef idx="0"/>
+    <cs:fillRef idx="0"/>
+    <cs:effectRef idx="0"/>
+    <cs:fontRef idx="minor">
+      <a:schemeClr val="tx1">
+        <a:lumMod val="65000"/>
+        <a:lumOff val="35000"/>
+      </a:schemeClr>
+    </cs:fontRef>
+    <cs:defRPr sz="900" kern="1200"/>
+  </cs:valueAxis>
+  <cs:wall>
+    <cs:lnRef idx="0"/>
+    <cs:fillRef idx="0"/>
+    <cs:effectRef idx="0"/>
+    <cs:fontRef idx="minor">
+      <a:schemeClr val="tx1"/>
+    </cs:fontRef>
+    <cs:spPr>
+      <a:noFill/>
+      <a:ln>
+        <a:noFill/>
+      </a:ln>
+    </cs:spPr>
+  </cs:wall>
+</cs:chartStyle>
+</file>
+
+<file path=ppt/charts/style2.xml><?xml version="1.0" encoding="utf-8"?>
+<cs:chartStyle xmlns:cs="http://schemas.microsoft.com/office/drawing/2012/chartStyle" xmlns:a="http://schemas.openxmlformats.org/drawingml/2006/main" id="227">
+  <cs:axisTitle>
+    <cs:lnRef idx="0"/>
+    <cs:fillRef idx="0"/>
+    <cs:effectRef idx="0"/>
+    <cs:fontRef idx="minor">
+      <a:schemeClr val="tx1">
+        <a:lumMod val="65000"/>
+        <a:lumOff val="35000"/>
+      </a:schemeClr>
+    </cs:fontRef>
+    <cs:defRPr sz="1000" kern="1200"/>
+  </cs:axisTitle>
+  <cs:categoryAxis>
+    <cs:lnRef idx="0"/>
+    <cs:fillRef idx="0"/>
+    <cs:effectRef idx="0"/>
+    <cs:fontRef idx="minor">
+      <a:schemeClr val="tx1">
+        <a:lumMod val="65000"/>
+        <a:lumOff val="35000"/>
+      </a:schemeClr>
+    </cs:fontRef>
+    <cs:spPr>
+      <a:ln w="9525" cap="flat" cmpd="sng" algn="ctr">
+        <a:solidFill>
+          <a:schemeClr val="tx1">
+            <a:lumMod val="15000"/>
+            <a:lumOff val="85000"/>
+          </a:schemeClr>
+        </a:solidFill>
+        <a:round/>
+      </a:ln>
+    </cs:spPr>
+    <cs:defRPr sz="900" kern="1200"/>
+  </cs:categoryAxis>
+  <cs:chartArea mods="allowNoFillOverride allowNoLineOverride">
+    <cs:lnRef idx="0"/>
+    <cs:fillRef idx="0"/>
+    <cs:effectRef idx="0"/>
+    <cs:fontRef idx="minor">
+      <a:schemeClr val="tx1"/>
+    </cs:fontRef>
+    <cs:spPr>
+      <a:solidFill>
+        <a:schemeClr val="bg1"/>
+      </a:solidFill>
+      <a:ln w="9525" cap="flat" cmpd="sng" algn="ctr">
+        <a:solidFill>
+          <a:schemeClr val="tx1">
+            <a:lumMod val="15000"/>
+            <a:lumOff val="85000"/>
+          </a:schemeClr>
+        </a:solidFill>
+        <a:round/>
+      </a:ln>
+    </cs:spPr>
+    <cs:defRPr sz="1000" kern="1200"/>
+  </cs:chartArea>
+  <cs:dataLabel>
+    <cs:lnRef idx="0"/>
+    <cs:fillRef idx="0"/>
+    <cs:effectRef idx="0"/>
+    <cs:fontRef idx="minor">
+      <a:schemeClr val="tx1">
+        <a:lumMod val="75000"/>
+        <a:lumOff val="25000"/>
+      </a:schemeClr>
+    </cs:fontRef>
+    <cs:defRPr sz="900" kern="1200"/>
+  </cs:dataLabel>
+  <cs:dataLabelCallout>
+    <cs:lnRef idx="0"/>
+    <cs:fillRef idx="0"/>
+    <cs:effectRef idx="0"/>
+    <cs:fontRef idx="minor">
+      <a:schemeClr val="dk1">
+        <a:lumMod val="65000"/>
+        <a:lumOff val="35000"/>
+      </a:schemeClr>
+    </cs:fontRef>
+    <cs:spPr>
+      <a:solidFill>
+        <a:schemeClr val="lt1"/>
+      </a:solidFill>
+      <a:ln>
+        <a:solidFill>
+          <a:schemeClr val="dk1">
+            <a:lumMod val="25000"/>
+            <a:lumOff val="75000"/>
+          </a:schemeClr>
+        </a:solidFill>
+      </a:ln>
+    </cs:spPr>
+    <cs:defRPr sz="900" kern="1200"/>
+    <cs:bodyPr rot="0" spcFirstLastPara="1" vertOverflow="clip" horzOverflow="clip" vert="horz" wrap="square" lIns="36576" tIns="18288" rIns="36576" bIns="18288" anchor="ctr" anchorCtr="1">
+      <a:spAutoFit/>
+    </cs:bodyPr>
+  </cs:dataLabelCallout>
+  <cs:dataPoint>
+    <cs:lnRef idx="0"/>
+    <cs:fillRef idx="1">
+      <cs:styleClr val="auto"/>
+    </cs:fillRef>
+    <cs:effectRef idx="0"/>
+    <cs:fontRef idx="minor">
+      <a:schemeClr val="tx1"/>
+    </cs:fontRef>
+    <cs:spPr>
+      <a:solidFill>
+        <a:schemeClr val="phClr"/>
+      </a:solidFill>
+    </cs:spPr>
+  </cs:dataPoint>
+  <cs:dataPoint3D>
+    <cs:lnRef idx="0"/>
+    <cs:fillRef idx="1">
+      <cs:styleClr val="auto"/>
+    </cs:fillRef>
+    <cs:effectRef idx="0"/>
+    <cs:fontRef idx="minor">
+      <a:schemeClr val="tx1"/>
+    </cs:fontRef>
+    <cs:spPr>
+      <a:solidFill>
+        <a:schemeClr val="phClr"/>
+      </a:solidFill>
+    </cs:spPr>
+  </cs:dataPoint3D>
+  <cs:dataPointLine>
+    <cs:lnRef idx="0">
+      <cs:styleClr val="auto"/>
+    </cs:lnRef>
+    <cs:fillRef idx="1"/>
+    <cs:effectRef idx="0"/>
+    <cs:fontRef idx="minor">
+      <a:schemeClr val="tx1"/>
+    </cs:fontRef>
+    <cs:spPr>
+      <a:ln w="28575" cap="rnd">
+        <a:solidFill>
+          <a:schemeClr val="phClr"/>
+        </a:solidFill>
+        <a:round/>
+      </a:ln>
+    </cs:spPr>
+  </cs:dataPointLine>
+  <cs:dataPointMarker>
+    <cs:lnRef idx="0">
+      <cs:styleClr val="auto"/>
+    </cs:lnRef>
+    <cs:fillRef idx="1">
+      <cs:styleClr val="auto"/>
+    </cs:fillRef>
+    <cs:effectRef idx="0"/>
+    <cs:fontRef idx="minor">
+      <a:schemeClr val="tx1"/>
+    </cs:fontRef>
+    <cs:spPr>
+      <a:solidFill>
+        <a:schemeClr val="phClr"/>
+      </a:solidFill>
+      <a:ln w="9525">
+        <a:solidFill>
+          <a:schemeClr val="phClr"/>
+        </a:solidFill>
+      </a:ln>
+    </cs:spPr>
+  </cs:dataPointMarker>
+  <cs:dataPointMarkerLayout symbol="circle" size="5"/>
+  <cs:dataPointWireframe>
+    <cs:lnRef idx="0">
+      <cs:styleClr val="auto"/>
+    </cs:lnRef>
+    <cs:fillRef idx="1"/>
+    <cs:effectRef idx="0"/>
+    <cs:fontRef idx="minor">
+      <a:schemeClr val="tx1"/>
+    </cs:fontRef>
+    <cs:spPr>
+      <a:ln w="9525" cap="rnd">
+        <a:solidFill>
+          <a:schemeClr val="phClr"/>
+        </a:solidFill>
+        <a:round/>
+      </a:ln>
+    </cs:spPr>
+  </cs:dataPointWireframe>
+  <cs:dataTable>
+    <cs:lnRef idx="0"/>
+    <cs:fillRef idx="0"/>
+    <cs:effectRef idx="0"/>
+    <cs:fontRef idx="minor">
+      <a:schemeClr val="tx1">
+        <a:lumMod val="65000"/>
+        <a:lumOff val="35000"/>
+      </a:schemeClr>
+    </cs:fontRef>
+    <cs:spPr>
+      <a:noFill/>
+      <a:ln w="9525" cap="flat" cmpd="sng" algn="ctr">
+        <a:solidFill>
+          <a:schemeClr val="tx1">
+            <a:lumMod val="15000"/>
+            <a:lumOff val="85000"/>
+          </a:schemeClr>
+        </a:solidFill>
+        <a:round/>
+      </a:ln>
+    </cs:spPr>
+    <cs:defRPr sz="900" kern="1200"/>
+  </cs:dataTable>
+  <cs:downBar>
+    <cs:lnRef idx="0"/>
+    <cs:fillRef idx="0"/>
+    <cs:effectRef idx="0"/>
+    <cs:fontRef idx="minor">
+      <a:schemeClr val="dk1"/>
+    </cs:fontRef>
+    <cs:spPr>
+      <a:solidFill>
+        <a:schemeClr val="dk1">
+          <a:lumMod val="65000"/>
+          <a:lumOff val="35000"/>
+        </a:schemeClr>
+      </a:solidFill>
+      <a:ln w="9525">
+        <a:solidFill>
+          <a:schemeClr val="tx1">
+            <a:lumMod val="65000"/>
+            <a:lumOff val="35000"/>
+          </a:schemeClr>
+        </a:solidFill>
+      </a:ln>
+    </cs:spPr>
+  </cs:downBar>
+  <cs:dropLine>
+    <cs:lnRef idx="0"/>
+    <cs:fillRef idx="0"/>
+    <cs:effectRef idx="0"/>
+    <cs:fontRef idx="minor">
+      <a:schemeClr val="tx1"/>
+    </cs:fontRef>
+    <cs:spPr>
+      <a:ln w="9525" cap="flat" cmpd="sng" algn="ctr">
+        <a:solidFill>
+          <a:schemeClr val="tx1">
+            <a:lumMod val="35000"/>
+            <a:lumOff val="65000"/>
+          </a:schemeClr>
+        </a:solidFill>
+        <a:round/>
+      </a:ln>
+    </cs:spPr>
+  </cs:dropLine>
+  <cs:errorBar>
+    <cs:lnRef idx="0"/>
+    <cs:fillRef idx="0"/>
+    <cs:effectRef idx="0"/>
+    <cs:fontRef idx="minor">
+      <a:schemeClr val="tx1"/>
+    </cs:fontRef>
+    <cs:spPr>
+      <a:ln w="9525" cap="flat" cmpd="sng" algn="ctr">
+        <a:solidFill>
+          <a:schemeClr val="tx1">
+            <a:lumMod val="65000"/>
+            <a:lumOff val="35000"/>
+          </a:schemeClr>
+        </a:solidFill>
+        <a:round/>
+      </a:ln>
+    </cs:spPr>
+  </cs:errorBar>
+  <cs:floor>
+    <cs:lnRef idx="0"/>
+    <cs:fillRef idx="0"/>
+    <cs:effectRef idx="0"/>
+    <cs:fontRef idx="minor">
+      <a:schemeClr val="tx1"/>
+    </cs:fontRef>
+    <cs:spPr>
+      <a:noFill/>
+      <a:ln>
+        <a:noFill/>
+      </a:ln>
+    </cs:spPr>
+  </cs:floor>
+  <cs:gridlineMajor>
+    <cs:lnRef idx="0"/>
+    <cs:fillRef idx="0"/>
+    <cs:effectRef idx="0"/>
+    <cs:fontRef idx="minor">
+      <a:schemeClr val="tx1"/>
+    </cs:fontRef>
+    <cs:spPr>
+      <a:ln w="9525" cap="flat" cmpd="sng" algn="ctr">
+        <a:solidFill>
+          <a:schemeClr val="tx1">
+            <a:lumMod val="15000"/>
+            <a:lumOff val="85000"/>
+          </a:schemeClr>
+        </a:solidFill>
+        <a:round/>
+      </a:ln>
+    </cs:spPr>
+  </cs:gridlineMajor>
+  <cs:gridlineMinor>
+    <cs:lnRef idx="0"/>
+    <cs:fillRef idx="0"/>
+    <cs:effectRef idx="0"/>
+    <cs:fontRef idx="minor">
+      <a:schemeClr val="tx1"/>
+    </cs:fontRef>
+    <cs:spPr>
+      <a:ln w="9525" cap="flat" cmpd="sng" algn="ctr">
+        <a:solidFill>
+          <a:schemeClr val="tx1">
+            <a:lumMod val="5000"/>
+            <a:lumOff val="95000"/>
+          </a:schemeClr>
+        </a:solidFill>
+        <a:round/>
+      </a:ln>
+    </cs:spPr>
+  </cs:gridlineMinor>
+  <cs:hiLoLine>
+    <cs:lnRef idx="0"/>
+    <cs:fillRef idx="0"/>
+    <cs:effectRef idx="0"/>
+    <cs:fontRef idx="minor">
+      <a:schemeClr val="tx1"/>
+    </cs:fontRef>
+    <cs:spPr>
+      <a:ln w="9525" cap="flat" cmpd="sng" algn="ctr">
+        <a:solidFill>
+          <a:schemeClr val="tx1">
+            <a:lumMod val="75000"/>
+            <a:lumOff val="25000"/>
+          </a:schemeClr>
+        </a:solidFill>
+        <a:round/>
+      </a:ln>
+    </cs:spPr>
+  </cs:hiLoLine>
+  <cs:leaderLine>
+    <cs:lnRef idx="0"/>
+    <cs:fillRef idx="0"/>
+    <cs:effectRef idx="0"/>
+    <cs:fontRef idx="minor">
+      <a:schemeClr val="tx1"/>
+    </cs:fontRef>
+    <cs:spPr>
+      <a:ln w="9525" cap="flat" cmpd="sng" algn="ctr">
+        <a:solidFill>
+          <a:schemeClr val="tx1">
+            <a:lumMod val="35000"/>
+            <a:lumOff val="65000"/>
+          </a:schemeClr>
+        </a:solidFill>
+        <a:round/>
+      </a:ln>
+    </cs:spPr>
+  </cs:leaderLine>
+  <cs:legend>
+    <cs:lnRef idx="0"/>
+    <cs:fillRef idx="0"/>
+    <cs:effectRef idx="0"/>
+    <cs:fontRef idx="minor">
+      <a:schemeClr val="tx1">
+        <a:lumMod val="65000"/>
+        <a:lumOff val="35000"/>
+      </a:schemeClr>
+    </cs:fontRef>
+    <cs:defRPr sz="900" kern="1200"/>
+  </cs:legend>
+  <cs:plotArea mods="allowNoFillOverride allowNoLineOverride">
+    <cs:lnRef idx="0"/>
+    <cs:fillRef idx="0"/>
+    <cs:effectRef idx="0"/>
+    <cs:fontRef idx="minor">
+      <a:schemeClr val="tx1"/>
+    </cs:fontRef>
+  </cs:plotArea>
+  <cs:plotArea3D mods="allowNoFillOverride allowNoLineOverride">
+    <cs:lnRef idx="0"/>
+    <cs:fillRef idx="0"/>
+    <cs:effectRef idx="0"/>
+    <cs:fontRef idx="minor">
+      <a:schemeClr val="tx1"/>
+    </cs:fontRef>
+  </cs:plotArea3D>
+  <cs:seriesAxis>
+    <cs:lnRef idx="0"/>
+    <cs:fillRef idx="0"/>
+    <cs:effectRef idx="0"/>
+    <cs:fontRef idx="minor">
+      <a:schemeClr val="tx1">
+        <a:lumMod val="65000"/>
+        <a:lumOff val="35000"/>
+      </a:schemeClr>
+    </cs:fontRef>
+    <cs:defRPr sz="900" kern="1200"/>
+  </cs:seriesAxis>
+  <cs:seriesLine>
+    <cs:lnRef idx="0"/>
+    <cs:fillRef idx="0"/>
+    <cs:effectRef idx="0"/>
+    <cs:fontRef idx="minor">
+      <a:schemeClr val="tx1"/>
+    </cs:fontRef>
+    <cs:spPr>
+      <a:ln w="9525" cap="flat" cmpd="sng" algn="ctr">
+        <a:solidFill>
+          <a:schemeClr val="tx1">
+            <a:lumMod val="35000"/>
+            <a:lumOff val="65000"/>
+          </a:schemeClr>
+        </a:solidFill>
+        <a:round/>
+      </a:ln>
+    </cs:spPr>
+  </cs:seriesLine>
+  <cs:title>
+    <cs:lnRef idx="0"/>
+    <cs:fillRef idx="0"/>
+    <cs:effectRef idx="0"/>
+    <cs:fontRef idx="minor">
+      <a:schemeClr val="tx1">
+        <a:lumMod val="65000"/>
+        <a:lumOff val="35000"/>
+      </a:schemeClr>
+    </cs:fontRef>
+    <cs:defRPr sz="1400" b="0" kern="1200" spc="0" baseline="0"/>
+  </cs:title>
+  <cs:trendline>
+    <cs:lnRef idx="0">
+      <cs:styleClr val="auto"/>
+    </cs:lnRef>
+    <cs:fillRef idx="0"/>
+    <cs:effectRef idx="0"/>
+    <cs:fontRef idx="minor">
+      <a:schemeClr val="tx1"/>
+    </cs:fontRef>
+    <cs:spPr>
+      <a:ln w="19050" cap="rnd">
+        <a:solidFill>
+          <a:schemeClr val="phClr"/>
+        </a:solidFill>
+        <a:prstDash val="sysDot"/>
+      </a:ln>
+    </cs:spPr>
+  </cs:trendline>
+  <cs:trendlineLabel>
+    <cs:lnRef idx="0"/>
+    <cs:fillRef idx="0"/>
+    <cs:effectRef idx="0"/>
+    <cs:fontRef idx="minor">
+      <a:schemeClr val="tx1">
+        <a:lumMod val="65000"/>
+        <a:lumOff val="35000"/>
+      </a:schemeClr>
+    </cs:fontRef>
+    <cs:defRPr sz="900" kern="1200"/>
+  </cs:trendlineLabel>
+  <cs:upBar>
+    <cs:lnRef idx="0"/>
+    <cs:fillRef idx="0"/>
+    <cs:effectRef idx="0"/>
+    <cs:fontRef idx="minor">
+      <a:schemeClr val="dk1"/>
+    </cs:fontRef>
+    <cs:spPr>
+      <a:solidFill>
+        <a:schemeClr val="lt1"/>
+      </a:solidFill>
+      <a:ln w="9525">
+        <a:solidFill>
+          <a:schemeClr val="tx1">
+            <a:lumMod val="15000"/>
+            <a:lumOff val="85000"/>
+          </a:schemeClr>
+        </a:solidFill>
+      </a:ln>
+    </cs:spPr>
+  </cs:upBar>
+  <cs:valueAxis>
+    <cs:lnRef idx="0"/>
+    <cs:fillRef idx="0"/>
+    <cs:effectRef idx="0"/>
+    <cs:fontRef idx="minor">
+      <a:schemeClr val="tx1">
+        <a:lumMod val="65000"/>
+        <a:lumOff val="35000"/>
+      </a:schemeClr>
+    </cs:fontRef>
+    <cs:defRPr sz="900" kern="1200"/>
+  </cs:valueAxis>
+  <cs:wall>
+    <cs:lnRef idx="0"/>
+    <cs:fillRef idx="0"/>
+    <cs:effectRef idx="0"/>
+    <cs:fontRef idx="minor">
+      <a:schemeClr val="tx1"/>
+    </cs:fontRef>
+    <cs:spPr>
+      <a:noFill/>
+      <a:ln>
+        <a:noFill/>
+      </a:ln>
+    </cs:spPr>
+  </cs:wall>
+</cs:chartStyle>
+</file>
+
+<file path=ppt/charts/style3.xml><?xml version="1.0" encoding="utf-8"?>
+<cs:chartStyle xmlns:cs="http://schemas.microsoft.com/office/drawing/2012/chartStyle" xmlns:a="http://schemas.openxmlformats.org/drawingml/2006/main" id="227">
+  <cs:axisTitle>
+    <cs:lnRef idx="0"/>
+    <cs:fillRef idx="0"/>
+    <cs:effectRef idx="0"/>
+    <cs:fontRef idx="minor">
+      <a:schemeClr val="tx1">
+        <a:lumMod val="65000"/>
+        <a:lumOff val="35000"/>
+      </a:schemeClr>
+    </cs:fontRef>
+    <cs:defRPr sz="1000" kern="1200"/>
+  </cs:axisTitle>
+  <cs:categoryAxis>
+    <cs:lnRef idx="0"/>
+    <cs:fillRef idx="0"/>
+    <cs:effectRef idx="0"/>
+    <cs:fontRef idx="minor">
+      <a:schemeClr val="tx1">
+        <a:lumMod val="65000"/>
+        <a:lumOff val="35000"/>
+      </a:schemeClr>
+    </cs:fontRef>
+    <cs:spPr>
+      <a:ln w="9525" cap="flat" cmpd="sng" algn="ctr">
+        <a:solidFill>
+          <a:schemeClr val="tx1">
+            <a:lumMod val="15000"/>
+            <a:lumOff val="85000"/>
+          </a:schemeClr>
+        </a:solidFill>
+        <a:round/>
+      </a:ln>
+    </cs:spPr>
+    <cs:defRPr sz="900" kern="1200"/>
+  </cs:categoryAxis>
+  <cs:chartArea mods="allowNoFillOverride allowNoLineOverride">
+    <cs:lnRef idx="0"/>
+    <cs:fillRef idx="0"/>
+    <cs:effectRef idx="0"/>
+    <cs:fontRef idx="minor">
+      <a:schemeClr val="tx1"/>
+    </cs:fontRef>
+    <cs:spPr>
+      <a:solidFill>
+        <a:schemeClr val="bg1"/>
+      </a:solidFill>
+      <a:ln w="9525" cap="flat" cmpd="sng" algn="ctr">
+        <a:solidFill>
+          <a:schemeClr val="tx1">
+            <a:lumMod val="15000"/>
+            <a:lumOff val="85000"/>
+          </a:schemeClr>
+        </a:solidFill>
+        <a:round/>
+      </a:ln>
+    </cs:spPr>
+    <cs:defRPr sz="1000" kern="1200"/>
+  </cs:chartArea>
+  <cs:dataLabel>
+    <cs:lnRef idx="0"/>
+    <cs:fillRef idx="0"/>
+    <cs:effectRef idx="0"/>
+    <cs:fontRef idx="minor">
+      <a:schemeClr val="tx1">
+        <a:lumMod val="75000"/>
+        <a:lumOff val="25000"/>
+      </a:schemeClr>
+    </cs:fontRef>
+    <cs:defRPr sz="900" kern="1200"/>
+  </cs:dataLabel>
+  <cs:dataLabelCallout>
+    <cs:lnRef idx="0"/>
+    <cs:fillRef idx="0"/>
+    <cs:effectRef idx="0"/>
+    <cs:fontRef idx="minor">
+      <a:schemeClr val="dk1">
+        <a:lumMod val="65000"/>
+        <a:lumOff val="35000"/>
+      </a:schemeClr>
+    </cs:fontRef>
+    <cs:spPr>
+      <a:solidFill>
+        <a:schemeClr val="lt1"/>
+      </a:solidFill>
+      <a:ln>
+        <a:solidFill>
+          <a:schemeClr val="dk1">
+            <a:lumMod val="25000"/>
+            <a:lumOff val="75000"/>
+          </a:schemeClr>
+        </a:solidFill>
+      </a:ln>
+    </cs:spPr>
+    <cs:defRPr sz="900" kern="1200"/>
+    <cs:bodyPr rot="0" spcFirstLastPara="1" vertOverflow="clip" horzOverflow="clip" vert="horz" wrap="square" lIns="36576" tIns="18288" rIns="36576" bIns="18288" anchor="ctr" anchorCtr="1">
+      <a:spAutoFit/>
+    </cs:bodyPr>
+  </cs:dataLabelCallout>
+  <cs:dataPoint>
+    <cs:lnRef idx="0"/>
+    <cs:fillRef idx="1">
+      <cs:styleClr val="auto"/>
+    </cs:fillRef>
+    <cs:effectRef idx="0"/>
+    <cs:fontRef idx="minor">
+      <a:schemeClr val="tx1"/>
+    </cs:fontRef>
+    <cs:spPr>
+      <a:solidFill>
+        <a:schemeClr val="phClr"/>
+      </a:solidFill>
+    </cs:spPr>
+  </cs:dataPoint>
+  <cs:dataPoint3D>
+    <cs:lnRef idx="0"/>
+    <cs:fillRef idx="1">
+      <cs:styleClr val="auto"/>
+    </cs:fillRef>
+    <cs:effectRef idx="0"/>
+    <cs:fontRef idx="minor">
+      <a:schemeClr val="tx1"/>
+    </cs:fontRef>
+    <cs:spPr>
+      <a:solidFill>
+        <a:schemeClr val="phClr"/>
+      </a:solidFill>
+    </cs:spPr>
+  </cs:dataPoint3D>
+  <cs:dataPointLine>
+    <cs:lnRef idx="0">
+      <cs:styleClr val="auto"/>
+    </cs:lnRef>
+    <cs:fillRef idx="1"/>
+    <cs:effectRef idx="0"/>
+    <cs:fontRef idx="minor">
+      <a:schemeClr val="tx1"/>
+    </cs:fontRef>
+    <cs:spPr>
+      <a:ln w="28575" cap="rnd">
+        <a:solidFill>
+          <a:schemeClr val="phClr"/>
+        </a:solidFill>
+        <a:round/>
+      </a:ln>
+    </cs:spPr>
+  </cs:dataPointLine>
+  <cs:dataPointMarker>
+    <cs:lnRef idx="0">
+      <cs:styleClr val="auto"/>
+    </cs:lnRef>
+    <cs:fillRef idx="1">
+      <cs:styleClr val="auto"/>
+    </cs:fillRef>
+    <cs:effectRef idx="0"/>
+    <cs:fontRef idx="minor">
+      <a:schemeClr val="tx1"/>
+    </cs:fontRef>
+    <cs:spPr>
+      <a:solidFill>
+        <a:schemeClr val="phClr"/>
+      </a:solidFill>
+      <a:ln w="9525">
+        <a:solidFill>
+          <a:schemeClr val="phClr"/>
+        </a:solidFill>
+      </a:ln>
+    </cs:spPr>
+  </cs:dataPointMarker>
+  <cs:dataPointMarkerLayout symbol="circle" size="5"/>
+  <cs:dataPointWireframe>
+    <cs:lnRef idx="0">
+      <cs:styleClr val="auto"/>
+    </cs:lnRef>
+    <cs:fillRef idx="1"/>
+    <cs:effectRef idx="0"/>
+    <cs:fontRef idx="minor">
+      <a:schemeClr val="tx1"/>
+    </cs:fontRef>
+    <cs:spPr>
+      <a:ln w="9525" cap="rnd">
+        <a:solidFill>
+          <a:schemeClr val="phClr"/>
+        </a:solidFill>
+        <a:round/>
+      </a:ln>
+    </cs:spPr>
+  </cs:dataPointWireframe>
+  <cs:dataTable>
+    <cs:lnRef idx="0"/>
+    <cs:fillRef idx="0"/>
+    <cs:effectRef idx="0"/>
+    <cs:fontRef idx="minor">
+      <a:schemeClr val="tx1">
+        <a:lumMod val="65000"/>
+        <a:lumOff val="35000"/>
+      </a:schemeClr>
+    </cs:fontRef>
+    <cs:spPr>
+      <a:noFill/>
+      <a:ln w="9525" cap="flat" cmpd="sng" algn="ctr">
+        <a:solidFill>
+          <a:schemeClr val="tx1">
+            <a:lumMod val="15000"/>
+            <a:lumOff val="85000"/>
+          </a:schemeClr>
+        </a:solidFill>
+        <a:round/>
+      </a:ln>
+    </cs:spPr>
+    <cs:defRPr sz="900" kern="1200"/>
+  </cs:dataTable>
+  <cs:downBar>
+    <cs:lnRef idx="0"/>
+    <cs:fillRef idx="0"/>
+    <cs:effectRef idx="0"/>
+    <cs:fontRef idx="minor">
+      <a:schemeClr val="dk1"/>
+    </cs:fontRef>
+    <cs:spPr>
+      <a:solidFill>
+        <a:schemeClr val="dk1">
+          <a:lumMod val="65000"/>
+          <a:lumOff val="35000"/>
+        </a:schemeClr>
+      </a:solidFill>
+      <a:ln w="9525">
+        <a:solidFill>
+          <a:schemeClr val="tx1">
+            <a:lumMod val="65000"/>
+            <a:lumOff val="35000"/>
+          </a:schemeClr>
+        </a:solidFill>
+      </a:ln>
+    </cs:spPr>
+  </cs:downBar>
+  <cs:dropLine>
+    <cs:lnRef idx="0"/>
+    <cs:fillRef idx="0"/>
+    <cs:effectRef idx="0"/>
+    <cs:fontRef idx="minor">
+      <a:schemeClr val="tx1"/>
+    </cs:fontRef>
+    <cs:spPr>
+      <a:ln w="9525" cap="flat" cmpd="sng" algn="ctr">
+        <a:solidFill>
+          <a:schemeClr val="tx1">
+            <a:lumMod val="35000"/>
+            <a:lumOff val="65000"/>
+          </a:schemeClr>
+        </a:solidFill>
+        <a:round/>
+      </a:ln>
+    </cs:spPr>
+  </cs:dropLine>
+  <cs:errorBar>
+    <cs:lnRef idx="0"/>
+    <cs:fillRef idx="0"/>
+    <cs:effectRef idx="0"/>
+    <cs:fontRef idx="minor">
+      <a:schemeClr val="tx1"/>
+    </cs:fontRef>
+    <cs:spPr>
+      <a:ln w="9525" cap="flat" cmpd="sng" algn="ctr">
+        <a:solidFill>
+          <a:schemeClr val="tx1">
+            <a:lumMod val="65000"/>
+            <a:lumOff val="35000"/>
+          </a:schemeClr>
+        </a:solidFill>
+        <a:round/>
+      </a:ln>
+    </cs:spPr>
+  </cs:errorBar>
+  <cs:floor>
+    <cs:lnRef idx="0"/>
+    <cs:fillRef idx="0"/>
+    <cs:effectRef idx="0"/>
+    <cs:fontRef idx="minor">
+      <a:schemeClr val="tx1"/>
+    </cs:fontRef>
+    <cs:spPr>
+      <a:noFill/>
+      <a:ln>
+        <a:noFill/>
+      </a:ln>
+    </cs:spPr>
+  </cs:floor>
+  <cs:gridlineMajor>
+    <cs:lnRef idx="0"/>
+    <cs:fillRef idx="0"/>
+    <cs:effectRef idx="0"/>
+    <cs:fontRef idx="minor">
+      <a:schemeClr val="tx1"/>
+    </cs:fontRef>
+    <cs:spPr>
+      <a:ln w="9525" cap="flat" cmpd="sng" algn="ctr">
+        <a:solidFill>
+          <a:schemeClr val="tx1">
+            <a:lumMod val="15000"/>
+            <a:lumOff val="85000"/>
+          </a:schemeClr>
+        </a:solidFill>
+        <a:round/>
+      </a:ln>
+    </cs:spPr>
+  </cs:gridlineMajor>
+  <cs:gridlineMinor>
+    <cs:lnRef idx="0"/>
+    <cs:fillRef idx="0"/>
+    <cs:effectRef idx="0"/>
+    <cs:fontRef idx="minor">
+      <a:schemeClr val="tx1"/>
+    </cs:fontRef>
+    <cs:spPr>
+      <a:ln w="9525" cap="flat" cmpd="sng" algn="ctr">
+        <a:solidFill>
+          <a:schemeClr val="tx1">
+            <a:lumMod val="5000"/>
+            <a:lumOff val="95000"/>
+          </a:schemeClr>
+        </a:solidFill>
+        <a:round/>
+      </a:ln>
+    </cs:spPr>
+  </cs:gridlineMinor>
+  <cs:hiLoLine>
+    <cs:lnRef idx="0"/>
+    <cs:fillRef idx="0"/>
+    <cs:effectRef idx="0"/>
+    <cs:fontRef idx="minor">
+      <a:schemeClr val="tx1"/>
+    </cs:fontRef>
+    <cs:spPr>
+      <a:ln w="9525" cap="flat" cmpd="sng" algn="ctr">
+        <a:solidFill>
+          <a:schemeClr val="tx1">
+            <a:lumMod val="75000"/>
+            <a:lumOff val="25000"/>
+          </a:schemeClr>
+        </a:solidFill>
+        <a:round/>
+      </a:ln>
+    </cs:spPr>
+  </cs:hiLoLine>
+  <cs:leaderLine>
+    <cs:lnRef idx="0"/>
+    <cs:fillRef idx="0"/>
+    <cs:effectRef idx="0"/>
+    <cs:fontRef idx="minor">
+      <a:schemeClr val="tx1"/>
+    </cs:fontRef>
+    <cs:spPr>
+      <a:ln w="9525" cap="flat" cmpd="sng" algn="ctr">
+        <a:solidFill>
+          <a:schemeClr val="tx1">
+            <a:lumMod val="35000"/>
+            <a:lumOff val="65000"/>
+          </a:schemeClr>
+        </a:solidFill>
+        <a:round/>
+      </a:ln>
+    </cs:spPr>
+  </cs:leaderLine>
+  <cs:legend>
+    <cs:lnRef idx="0"/>
+    <cs:fillRef idx="0"/>
+    <cs:effectRef idx="0"/>
+    <cs:fontRef idx="minor">
+      <a:schemeClr val="tx1">
+        <a:lumMod val="65000"/>
+        <a:lumOff val="35000"/>
+      </a:schemeClr>
+    </cs:fontRef>
+    <cs:defRPr sz="900" kern="1200"/>
+  </cs:legend>
+  <cs:plotArea mods="allowNoFillOverride allowNoLineOverride">
+    <cs:lnRef idx="0"/>
+    <cs:fillRef idx="0"/>
+    <cs:effectRef idx="0"/>
+    <cs:fontRef idx="minor">
+      <a:schemeClr val="tx1"/>
+    </cs:fontRef>
+  </cs:plotArea>
+  <cs:plotArea3D mods="allowNoFillOverride allowNoLineOverride">
+    <cs:lnRef idx="0"/>
+    <cs:fillRef idx="0"/>
+    <cs:effectRef idx="0"/>
+    <cs:fontRef idx="minor">
+      <a:schemeClr val="tx1"/>
+    </cs:fontRef>
+  </cs:plotArea3D>
+  <cs:seriesAxis>
+    <cs:lnRef idx="0"/>
+    <cs:fillRef idx="0"/>
+    <cs:effectRef idx="0"/>
+    <cs:fontRef idx="minor">
+      <a:schemeClr val="tx1">
+        <a:lumMod val="65000"/>
+        <a:lumOff val="35000"/>
+      </a:schemeClr>
+    </cs:fontRef>
+    <cs:defRPr sz="900" kern="1200"/>
+  </cs:seriesAxis>
+  <cs:seriesLine>
+    <cs:lnRef idx="0"/>
+    <cs:fillRef idx="0"/>
+    <cs:effectRef idx="0"/>
+    <cs:fontRef idx="minor">
+      <a:schemeClr val="tx1"/>
+    </cs:fontRef>
+    <cs:spPr>
+      <a:ln w="9525" cap="flat" cmpd="sng" algn="ctr">
+        <a:solidFill>
+          <a:schemeClr val="tx1">
+            <a:lumMod val="35000"/>
+            <a:lumOff val="65000"/>
+          </a:schemeClr>
+        </a:solidFill>
+        <a:round/>
+      </a:ln>
+    </cs:spPr>
+  </cs:seriesLine>
+  <cs:title>
+    <cs:lnRef idx="0"/>
+    <cs:fillRef idx="0"/>
+    <cs:effectRef idx="0"/>
+    <cs:fontRef idx="minor">
+      <a:schemeClr val="tx1">
+        <a:lumMod val="65000"/>
+        <a:lumOff val="35000"/>
+      </a:schemeClr>
+    </cs:fontRef>
+    <cs:defRPr sz="1400" b="0" kern="1200" spc="0" baseline="0"/>
+  </cs:title>
+  <cs:trendline>
+    <cs:lnRef idx="0">
+      <cs:styleClr val="auto"/>
+    </cs:lnRef>
+    <cs:fillRef idx="0"/>
+    <cs:effectRef idx="0"/>
+    <cs:fontRef idx="minor">
+      <a:schemeClr val="tx1"/>
+    </cs:fontRef>
+    <cs:spPr>
+      <a:ln w="19050" cap="rnd">
+        <a:solidFill>
+          <a:schemeClr val="phClr"/>
+        </a:solidFill>
+        <a:prstDash val="sysDot"/>
+      </a:ln>
+    </cs:spPr>
+  </cs:trendline>
+  <cs:trendlineLabel>
+    <cs:lnRef idx="0"/>
+    <cs:fillRef idx="0"/>
+    <cs:effectRef idx="0"/>
+    <cs:fontRef idx="minor">
+      <a:schemeClr val="tx1">
+        <a:lumMod val="65000"/>
+        <a:lumOff val="35000"/>
+      </a:schemeClr>
+    </cs:fontRef>
+    <cs:defRPr sz="900" kern="1200"/>
+  </cs:trendlineLabel>
+  <cs:upBar>
+    <cs:lnRef idx="0"/>
+    <cs:fillRef idx="0"/>
+    <cs:effectRef idx="0"/>
+    <cs:fontRef idx="minor">
+      <a:schemeClr val="dk1"/>
+    </cs:fontRef>
+    <cs:spPr>
+      <a:solidFill>
+        <a:schemeClr val="lt1"/>
+      </a:solidFill>
+      <a:ln w="9525">
+        <a:solidFill>
+          <a:schemeClr val="tx1">
+            <a:lumMod val="15000"/>
+            <a:lumOff val="85000"/>
+          </a:schemeClr>
+        </a:solidFill>
+      </a:ln>
+    </cs:spPr>
+  </cs:upBar>
+  <cs:valueAxis>
+    <cs:lnRef idx="0"/>
+    <cs:fillRef idx="0"/>
+    <cs:effectRef idx="0"/>
+    <cs:fontRef idx="minor">
+      <a:schemeClr val="tx1">
+        <a:lumMod val="65000"/>
+        <a:lumOff val="35000"/>
+      </a:schemeClr>
+    </cs:fontRef>
+    <cs:defRPr sz="900" kern="1200"/>
+  </cs:valueAxis>
+  <cs:wall>
+    <cs:lnRef idx="0"/>
+    <cs:fillRef idx="0"/>
+    <cs:effectRef idx="0"/>
+    <cs:fontRef idx="minor">
+      <a:schemeClr val="tx1"/>
+    </cs:fontRef>
+    <cs:spPr>
+      <a:noFill/>
+      <a:ln>
+        <a:noFill/>
+      </a:ln>
+    </cs:spPr>
+  </cs:wall>
+</cs:chartStyle>
+</file>
+
+<file path=ppt/charts/style4.xml><?xml version="1.0" encoding="utf-8"?>
+<cs:chartStyle xmlns:cs="http://schemas.microsoft.com/office/drawing/2012/chartStyle" xmlns:a="http://schemas.openxmlformats.org/drawingml/2006/main" id="227">
+  <cs:axisTitle>
+    <cs:lnRef idx="0"/>
+    <cs:fillRef idx="0"/>
+    <cs:effectRef idx="0"/>
+    <cs:fontRef idx="minor">
+      <a:schemeClr val="tx1">
+        <a:lumMod val="65000"/>
+        <a:lumOff val="35000"/>
+      </a:schemeClr>
+    </cs:fontRef>
+    <cs:defRPr sz="1000" kern="1200"/>
+  </cs:axisTitle>
+  <cs:categoryAxis>
+    <cs:lnRef idx="0"/>
+    <cs:fillRef idx="0"/>
+    <cs:effectRef idx="0"/>
+    <cs:fontRef idx="minor">
+      <a:schemeClr val="tx1">
+        <a:lumMod val="65000"/>
+        <a:lumOff val="35000"/>
+      </a:schemeClr>
+    </cs:fontRef>
+    <cs:spPr>
+      <a:ln w="9525" cap="flat" cmpd="sng" algn="ctr">
+        <a:solidFill>
+          <a:schemeClr val="tx1">
+            <a:lumMod val="15000"/>
+            <a:lumOff val="85000"/>
+          </a:schemeClr>
+        </a:solidFill>
+        <a:round/>
+      </a:ln>
+    </cs:spPr>
+    <cs:defRPr sz="900" kern="1200"/>
+  </cs:categoryAxis>
+  <cs:chartArea mods="allowNoFillOverride allowNoLineOverride">
+    <cs:lnRef idx="0"/>
+    <cs:fillRef idx="0"/>
+    <cs:effectRef idx="0"/>
+    <cs:fontRef idx="minor">
+      <a:schemeClr val="tx1"/>
+    </cs:fontRef>
+    <cs:spPr>
+      <a:solidFill>
+        <a:schemeClr val="bg1"/>
+      </a:solidFill>
+      <a:ln w="9525" cap="flat" cmpd="sng" algn="ctr">
+        <a:solidFill>
+          <a:schemeClr val="tx1">
+            <a:lumMod val="15000"/>
+            <a:lumOff val="85000"/>
+          </a:schemeClr>
+        </a:solidFill>
+        <a:round/>
+      </a:ln>
+    </cs:spPr>
+    <cs:defRPr sz="1000" kern="1200"/>
+  </cs:chartArea>
+  <cs:dataLabel>
+    <cs:lnRef idx="0"/>
+    <cs:fillRef idx="0"/>
+    <cs:effectRef idx="0"/>
+    <cs:fontRef idx="minor">
+      <a:schemeClr val="tx1">
+        <a:lumMod val="75000"/>
+        <a:lumOff val="25000"/>
+      </a:schemeClr>
+    </cs:fontRef>
+    <cs:defRPr sz="900" kern="1200"/>
+  </cs:dataLabel>
+  <cs:dataLabelCallout>
+    <cs:lnRef idx="0"/>
+    <cs:fillRef idx="0"/>
+    <cs:effectRef idx="0"/>
+    <cs:fontRef idx="minor">
+      <a:schemeClr val="dk1">
+        <a:lumMod val="65000"/>
+        <a:lumOff val="35000"/>
+      </a:schemeClr>
+    </cs:fontRef>
+    <cs:spPr>
+      <a:solidFill>
+        <a:schemeClr val="lt1"/>
+      </a:solidFill>
+      <a:ln>
+        <a:solidFill>
+          <a:schemeClr val="dk1">
+            <a:lumMod val="25000"/>
+            <a:lumOff val="75000"/>
+          </a:schemeClr>
+        </a:solidFill>
+      </a:ln>
+    </cs:spPr>
+    <cs:defRPr sz="900" kern="1200"/>
+    <cs:bodyPr rot="0" spcFirstLastPara="1" vertOverflow="clip" horzOverflow="clip" vert="horz" wrap="square" lIns="36576" tIns="18288" rIns="36576" bIns="18288" anchor="ctr" anchorCtr="1">
+      <a:spAutoFit/>
+    </cs:bodyPr>
+  </cs:dataLabelCallout>
+  <cs:dataPoint>
+    <cs:lnRef idx="0"/>
+    <cs:fillRef idx="1">
+      <cs:styleClr val="auto"/>
+    </cs:fillRef>
+    <cs:effectRef idx="0"/>
+    <cs:fontRef idx="minor">
+      <a:schemeClr val="tx1"/>
+    </cs:fontRef>
+    <cs:spPr>
+      <a:solidFill>
+        <a:schemeClr val="phClr"/>
+      </a:solidFill>
+    </cs:spPr>
+  </cs:dataPoint>
+  <cs:dataPoint3D>
+    <cs:lnRef idx="0"/>
+    <cs:fillRef idx="1">
+      <cs:styleClr val="auto"/>
+    </cs:fillRef>
+    <cs:effectRef idx="0"/>
+    <cs:fontRef idx="minor">
+      <a:schemeClr val="tx1"/>
+    </cs:fontRef>
+    <cs:spPr>
+      <a:solidFill>
+        <a:schemeClr val="phClr"/>
+      </a:solidFill>
+    </cs:spPr>
+  </cs:dataPoint3D>
+  <cs:dataPointLine>
+    <cs:lnRef idx="0">
+      <cs:styleClr val="auto"/>
+    </cs:lnRef>
+    <cs:fillRef idx="1"/>
+    <cs:effectRef idx="0"/>
+    <cs:fontRef idx="minor">
+      <a:schemeClr val="tx1"/>
+    </cs:fontRef>
+    <cs:spPr>
+      <a:ln w="28575" cap="rnd">
+        <a:solidFill>
+          <a:schemeClr val="phClr"/>
+        </a:solidFill>
+        <a:round/>
+      </a:ln>
+    </cs:spPr>
+  </cs:dataPointLine>
+  <cs:dataPointMarker>
+    <cs:lnRef idx="0">
+      <cs:styleClr val="auto"/>
+    </cs:lnRef>
+    <cs:fillRef idx="1">
+      <cs:styleClr val="auto"/>
+    </cs:fillRef>
+    <cs:effectRef idx="0"/>
+    <cs:fontRef idx="minor">
+      <a:schemeClr val="tx1"/>
+    </cs:fontRef>
+    <cs:spPr>
+      <a:solidFill>
+        <a:schemeClr val="phClr"/>
+      </a:solidFill>
+      <a:ln w="9525">
+        <a:solidFill>
+          <a:schemeClr val="phClr"/>
+        </a:solidFill>
+      </a:ln>
+    </cs:spPr>
+  </cs:dataPointMarker>
+  <cs:dataPointMarkerLayout symbol="circle" size="5"/>
+  <cs:dataPointWireframe>
+    <cs:lnRef idx="0">
+      <cs:styleClr val="auto"/>
+    </cs:lnRef>
+    <cs:fillRef idx="1"/>
+    <cs:effectRef idx="0"/>
+    <cs:fontRef idx="minor">
+      <a:schemeClr val="tx1"/>
+    </cs:fontRef>
+    <cs:spPr>
+      <a:ln w="9525" cap="rnd">
+        <a:solidFill>
+          <a:schemeClr val="phClr"/>
+        </a:solidFill>
+        <a:round/>
+      </a:ln>
+    </cs:spPr>
+  </cs:dataPointWireframe>
+  <cs:dataTable>
+    <cs:lnRef idx="0"/>
+    <cs:fillRef idx="0"/>
+    <cs:effectRef idx="0"/>
+    <cs:fontRef idx="minor">
+      <a:schemeClr val="tx1">
+        <a:lumMod val="65000"/>
+        <a:lumOff val="35000"/>
+      </a:schemeClr>
+    </cs:fontRef>
+    <cs:spPr>
+      <a:noFill/>
+      <a:ln w="9525" cap="flat" cmpd="sng" algn="ctr">
+        <a:solidFill>
+          <a:schemeClr val="tx1">
+            <a:lumMod val="15000"/>
+            <a:lumOff val="85000"/>
+          </a:schemeClr>
+        </a:solidFill>
+        <a:round/>
+      </a:ln>
+    </cs:spPr>
+    <cs:defRPr sz="900" kern="1200"/>
+  </cs:dataTable>
+  <cs:downBar>
+    <cs:lnRef idx="0"/>
+    <cs:fillRef idx="0"/>
+    <cs:effectRef idx="0"/>
+    <cs:fontRef idx="minor">
+      <a:schemeClr val="dk1"/>
+    </cs:fontRef>
+    <cs:spPr>
+      <a:solidFill>
+        <a:schemeClr val="dk1">
+          <a:lumMod val="65000"/>
+          <a:lumOff val="35000"/>
+        </a:schemeClr>
+      </a:solidFill>
+      <a:ln w="9525">
+        <a:solidFill>
+          <a:schemeClr val="tx1">
+            <a:lumMod val="65000"/>
+            <a:lumOff val="35000"/>
+          </a:schemeClr>
+        </a:solidFill>
+      </a:ln>
+    </cs:spPr>
+  </cs:downBar>
+  <cs:dropLine>
+    <cs:lnRef idx="0"/>
+    <cs:fillRef idx="0"/>
+    <cs:effectRef idx="0"/>
+    <cs:fontRef idx="minor">
+      <a:schemeClr val="tx1"/>
+    </cs:fontRef>
+    <cs:spPr>
+      <a:ln w="9525" cap="flat" cmpd="sng" algn="ctr">
+        <a:solidFill>
+          <a:schemeClr val="tx1">
+            <a:lumMod val="35000"/>
+            <a:lumOff val="65000"/>
+          </a:schemeClr>
+        </a:solidFill>
+        <a:round/>
+      </a:ln>
+    </cs:spPr>
+  </cs:dropLine>
+  <cs:errorBar>
+    <cs:lnRef idx="0"/>
+    <cs:fillRef idx="0"/>
+    <cs:effectRef idx="0"/>
+    <cs:fontRef idx="minor">
+      <a:schemeClr val="tx1"/>
+    </cs:fontRef>
+    <cs:spPr>
+      <a:ln w="9525" cap="flat" cmpd="sng" algn="ctr">
+        <a:solidFill>
+          <a:schemeClr val="tx1">
+            <a:lumMod val="65000"/>
+            <a:lumOff val="35000"/>
+          </a:schemeClr>
+        </a:solidFill>
+        <a:round/>
+      </a:ln>
+    </cs:spPr>
+  </cs:errorBar>
+  <cs:floor>
+    <cs:lnRef idx="0"/>
+    <cs:fillRef idx="0"/>
+    <cs:effectRef idx="0"/>
+    <cs:fontRef idx="minor">
+      <a:schemeClr val="tx1"/>
+    </cs:fontRef>
+    <cs:spPr>
+      <a:noFill/>
+      <a:ln>
+        <a:noFill/>
+      </a:ln>
+    </cs:spPr>
+  </cs:floor>
+  <cs:gridlineMajor>
+    <cs:lnRef idx="0"/>
+    <cs:fillRef idx="0"/>
+    <cs:effectRef idx="0"/>
+    <cs:fontRef idx="minor">
+      <a:schemeClr val="tx1"/>
+    </cs:fontRef>
+    <cs:spPr>
+      <a:ln w="9525" cap="flat" cmpd="sng" algn="ctr">
+        <a:solidFill>
+          <a:schemeClr val="tx1">
+            <a:lumMod val="15000"/>
+            <a:lumOff val="85000"/>
+          </a:schemeClr>
+        </a:solidFill>
+        <a:round/>
+      </a:ln>
+    </cs:spPr>
+  </cs:gridlineMajor>
+  <cs:gridlineMinor>
+    <cs:lnRef idx="0"/>
+    <cs:fillRef idx="0"/>
+    <cs:effectRef idx="0"/>
+    <cs:fontRef idx="minor">
+      <a:schemeClr val="tx1"/>
+    </cs:fontRef>
+    <cs:spPr>
+      <a:ln w="9525" cap="flat" cmpd="sng" algn="ctr">
+        <a:solidFill>
+          <a:schemeClr val="tx1">
+            <a:lumMod val="5000"/>
+            <a:lumOff val="95000"/>
+          </a:schemeClr>
+        </a:solidFill>
+        <a:round/>
+      </a:ln>
+    </cs:spPr>
+  </cs:gridlineMinor>
+  <cs:hiLoLine>
+    <cs:lnRef idx="0"/>
+    <cs:fillRef idx="0"/>
+    <cs:effectRef idx="0"/>
+    <cs:fontRef idx="minor">
+      <a:schemeClr val="tx1"/>
+    </cs:fontRef>
+    <cs:spPr>
+      <a:ln w="9525" cap="flat" cmpd="sng" algn="ctr">
+        <a:solidFill>
+          <a:schemeClr val="tx1">
+            <a:lumMod val="75000"/>
+            <a:lumOff val="25000"/>
+          </a:schemeClr>
+        </a:solidFill>
+        <a:round/>
+      </a:ln>
+    </cs:spPr>
+  </cs:hiLoLine>
+  <cs:leaderLine>
+    <cs:lnRef idx="0"/>
+    <cs:fillRef idx="0"/>
+    <cs:effectRef idx="0"/>
+    <cs:fontRef idx="minor">
+      <a:schemeClr val="tx1"/>
+    </cs:fontRef>
+    <cs:spPr>
+      <a:ln w="9525" cap="flat" cmpd="sng" algn="ctr">
+        <a:solidFill>
+          <a:schemeClr val="tx1">
+            <a:lumMod val="35000"/>
+            <a:lumOff val="65000"/>
+          </a:schemeClr>
+        </a:solidFill>
+        <a:round/>
+      </a:ln>
+    </cs:spPr>
+  </cs:leaderLine>
+  <cs:legend>
+    <cs:lnRef idx="0"/>
+    <cs:fillRef idx="0"/>
+    <cs:effectRef idx="0"/>
+    <cs:fontRef idx="minor">
+      <a:schemeClr val="tx1">
+        <a:lumMod val="65000"/>
+        <a:lumOff val="35000"/>
+      </a:schemeClr>
+    </cs:fontRef>
+    <cs:defRPr sz="900" kern="1200"/>
+  </cs:legend>
+  <cs:plotArea mods="allowNoFillOverride allowNoLineOverride">
+    <cs:lnRef idx="0"/>
+    <cs:fillRef idx="0"/>
+    <cs:effectRef idx="0"/>
+    <cs:fontRef idx="minor">
+      <a:schemeClr val="tx1"/>
+    </cs:fontRef>
+  </cs:plotArea>
+  <cs:plotArea3D mods="allowNoFillOverride allowNoLineOverride">
+    <cs:lnRef idx="0"/>
+    <cs:fillRef idx="0"/>
+    <cs:effectRef idx="0"/>
+    <cs:fontRef idx="minor">
+      <a:schemeClr val="tx1"/>
+    </cs:fontRef>
+  </cs:plotArea3D>
+  <cs:seriesAxis>
+    <cs:lnRef idx="0"/>
+    <cs:fillRef idx="0"/>
+    <cs:effectRef idx="0"/>
+    <cs:fontRef idx="minor">
+      <a:schemeClr val="tx1">
+        <a:lumMod val="65000"/>
+        <a:lumOff val="35000"/>
+      </a:schemeClr>
+    </cs:fontRef>
+    <cs:defRPr sz="900" kern="1200"/>
+  </cs:seriesAxis>
+  <cs:seriesLine>
+    <cs:lnRef idx="0"/>
+    <cs:fillRef idx="0"/>
+    <cs:effectRef idx="0"/>
+    <cs:fontRef idx="minor">
+      <a:schemeClr val="tx1"/>
+    </cs:fontRef>
+    <cs:spPr>
+      <a:ln w="9525" cap="flat" cmpd="sng" algn="ctr">
+        <a:solidFill>
+          <a:schemeClr val="tx1">
+            <a:lumMod val="35000"/>
+            <a:lumOff val="65000"/>
+          </a:schemeClr>
+        </a:solidFill>
+        <a:round/>
+      </a:ln>
+    </cs:spPr>
+  </cs:seriesLine>
+  <cs:title>
+    <cs:lnRef idx="0"/>
+    <cs:fillRef idx="0"/>
+    <cs:effectRef idx="0"/>
+    <cs:fontRef idx="minor">
+      <a:schemeClr val="tx1">
+        <a:lumMod val="65000"/>
+        <a:lumOff val="35000"/>
+      </a:schemeClr>
+    </cs:fontRef>
+    <cs:defRPr sz="1400" b="0" kern="1200" spc="0" baseline="0"/>
+  </cs:title>
+  <cs:trendline>
+    <cs:lnRef idx="0">
+      <cs:styleClr val="auto"/>
+    </cs:lnRef>
+    <cs:fillRef idx="0"/>
+    <cs:effectRef idx="0"/>
+    <cs:fontRef idx="minor">
+      <a:schemeClr val="tx1"/>
+    </cs:fontRef>
+    <cs:spPr>
+      <a:ln w="19050" cap="rnd">
+        <a:solidFill>
+          <a:schemeClr val="phClr"/>
+        </a:solidFill>
+        <a:prstDash val="sysDot"/>
+      </a:ln>
+    </cs:spPr>
+  </cs:trendline>
+  <cs:trendlineLabel>
+    <cs:lnRef idx="0"/>
+    <cs:fillRef idx="0"/>
+    <cs:effectRef idx="0"/>
+    <cs:fontRef idx="minor">
+      <a:schemeClr val="tx1">
+        <a:lumMod val="65000"/>
+        <a:lumOff val="35000"/>
+      </a:schemeClr>
+    </cs:fontRef>
+    <cs:defRPr sz="900" kern="1200"/>
+  </cs:trendlineLabel>
+  <cs:upBar>
+    <cs:lnRef idx="0"/>
+    <cs:fillRef idx="0"/>
+    <cs:effectRef idx="0"/>
+    <cs:fontRef idx="minor">
+      <a:schemeClr val="dk1"/>
+    </cs:fontRef>
+    <cs:spPr>
+      <a:solidFill>
+        <a:schemeClr val="lt1"/>
+      </a:solidFill>
+      <a:ln w="9525">
+        <a:solidFill>
+          <a:schemeClr val="tx1">
+            <a:lumMod val="15000"/>
+            <a:lumOff val="85000"/>
+          </a:schemeClr>
+        </a:solidFill>
+      </a:ln>
+    </cs:spPr>
+  </cs:upBar>
+  <cs:valueAxis>
+    <cs:lnRef idx="0"/>
+    <cs:fillRef idx="0"/>
+    <cs:effectRef idx="0"/>
+    <cs:fontRef idx="minor">
+      <a:schemeClr val="tx1">
+        <a:lumMod val="65000"/>
+        <a:lumOff val="35000"/>
+      </a:schemeClr>
+    </cs:fontRef>
+    <cs:defRPr sz="900" kern="1200"/>
+  </cs:valueAxis>
+  <cs:wall>
+    <cs:lnRef idx="0"/>
+    <cs:fillRef idx="0"/>
+    <cs:effectRef idx="0"/>
+    <cs:fontRef idx="minor">
+      <a:schemeClr val="tx1"/>
+    </cs:fontRef>
+    <cs:spPr>
+      <a:noFill/>
+      <a:ln>
+        <a:noFill/>
+      </a:ln>
+    </cs:spPr>
+  </cs:wall>
+</cs:chartStyle>
+</file>
+
+<file path=ppt/charts/style5.xml><?xml version="1.0" encoding="utf-8"?>
+<cs:chartStyle xmlns:cs="http://schemas.microsoft.com/office/drawing/2012/chartStyle" xmlns:a="http://schemas.openxmlformats.org/drawingml/2006/main" id="227">
+  <cs:axisTitle>
+    <cs:lnRef idx="0"/>
+    <cs:fillRef idx="0"/>
+    <cs:effectRef idx="0"/>
+    <cs:fontRef idx="minor">
+      <a:schemeClr val="tx1">
+        <a:lumMod val="65000"/>
+        <a:lumOff val="35000"/>
+      </a:schemeClr>
+    </cs:fontRef>
+    <cs:defRPr sz="1000" kern="1200"/>
+  </cs:axisTitle>
+  <cs:categoryAxis>
+    <cs:lnRef idx="0"/>
+    <cs:fillRef idx="0"/>
+    <cs:effectRef idx="0"/>
+    <cs:fontRef idx="minor">
+      <a:schemeClr val="tx1">
+        <a:lumMod val="65000"/>
+        <a:lumOff val="35000"/>
+      </a:schemeClr>
+    </cs:fontRef>
+    <cs:spPr>
+      <a:ln w="9525" cap="flat" cmpd="sng" algn="ctr">
+        <a:solidFill>
+          <a:schemeClr val="tx1">
+            <a:lumMod val="15000"/>
+            <a:lumOff val="85000"/>
+          </a:schemeClr>
+        </a:solidFill>
+        <a:round/>
+      </a:ln>
+    </cs:spPr>
+    <cs:defRPr sz="900" kern="1200"/>
+  </cs:categoryAxis>
+  <cs:chartArea mods="allowNoFillOverride allowNoLineOverride">
+    <cs:lnRef idx="0"/>
+    <cs:fillRef idx="0"/>
+    <cs:effectRef idx="0"/>
+    <cs:fontRef idx="minor">
+      <a:schemeClr val="tx1"/>
+    </cs:fontRef>
+    <cs:spPr>
+      <a:solidFill>
+        <a:schemeClr val="bg1"/>
+      </a:solidFill>
+      <a:ln w="9525" cap="flat" cmpd="sng" algn="ctr">
+        <a:solidFill>
+          <a:schemeClr val="tx1">
+            <a:lumMod val="15000"/>
+            <a:lumOff val="85000"/>
+          </a:schemeClr>
+        </a:solidFill>
+        <a:round/>
+      </a:ln>
+    </cs:spPr>
+    <cs:defRPr sz="1000" kern="1200"/>
+  </cs:chartArea>
+  <cs:dataLabel>
+    <cs:lnRef idx="0"/>
+    <cs:fillRef idx="0"/>
+    <cs:effectRef idx="0"/>
+    <cs:fontRef idx="minor">
+      <a:schemeClr val="tx1">
+        <a:lumMod val="75000"/>
+        <a:lumOff val="25000"/>
+      </a:schemeClr>
+    </cs:fontRef>
+    <cs:defRPr sz="900" kern="1200"/>
+  </cs:dataLabel>
+  <cs:dataLabelCallout>
+    <cs:lnRef idx="0"/>
+    <cs:fillRef idx="0"/>
+    <cs:effectRef idx="0"/>
+    <cs:fontRef idx="minor">
+      <a:schemeClr val="dk1">
+        <a:lumMod val="65000"/>
+        <a:lumOff val="35000"/>
+      </a:schemeClr>
+    </cs:fontRef>
+    <cs:spPr>
+      <a:solidFill>
+        <a:schemeClr val="lt1"/>
+      </a:solidFill>
+      <a:ln>
+        <a:solidFill>
+          <a:schemeClr val="dk1">
+            <a:lumMod val="25000"/>
+            <a:lumOff val="75000"/>
+          </a:schemeClr>
+        </a:solidFill>
+      </a:ln>
+    </cs:spPr>
+    <cs:defRPr sz="900" kern="1200"/>
+    <cs:bodyPr rot="0" spcFirstLastPara="1" vertOverflow="clip" horzOverflow="clip" vert="horz" wrap="square" lIns="36576" tIns="18288" rIns="36576" bIns="18288" anchor="ctr" anchorCtr="1">
+      <a:spAutoFit/>
+    </cs:bodyPr>
+  </cs:dataLabelCallout>
+  <cs:dataPoint>
+    <cs:lnRef idx="0"/>
+    <cs:fillRef idx="1">
+      <cs:styleClr val="auto"/>
+    </cs:fillRef>
+    <cs:effectRef idx="0"/>
+    <cs:fontRef idx="minor">
+      <a:schemeClr val="tx1"/>
+    </cs:fontRef>
+    <cs:spPr>
+      <a:solidFill>
+        <a:schemeClr val="phClr"/>
+      </a:solidFill>
+    </cs:spPr>
+  </cs:dataPoint>
+  <cs:dataPoint3D>
+    <cs:lnRef idx="0"/>
+    <cs:fillRef idx="1">
+      <cs:styleClr val="auto"/>
+    </cs:fillRef>
+    <cs:effectRef idx="0"/>
+    <cs:fontRef idx="minor">
+      <a:schemeClr val="tx1"/>
+    </cs:fontRef>
+    <cs:spPr>
+      <a:solidFill>
+        <a:schemeClr val="phClr"/>
+      </a:solidFill>
+    </cs:spPr>
+  </cs:dataPoint3D>
+  <cs:dataPointLine>
+    <cs:lnRef idx="0">
+      <cs:styleClr val="auto"/>
+    </cs:lnRef>
+    <cs:fillRef idx="1"/>
+    <cs:effectRef idx="0"/>
+    <cs:fontRef idx="minor">
+      <a:schemeClr val="tx1"/>
+    </cs:fontRef>
+    <cs:spPr>
+      <a:ln w="28575" cap="rnd">
+        <a:solidFill>
+          <a:schemeClr val="phClr"/>
+        </a:solidFill>
+        <a:round/>
+      </a:ln>
+    </cs:spPr>
+  </cs:dataPointLine>
+  <cs:dataPointMarker>
+    <cs:lnRef idx="0">
+      <cs:styleClr val="auto"/>
+    </cs:lnRef>
+    <cs:fillRef idx="1">
+      <cs:styleClr val="auto"/>
+    </cs:fillRef>
+    <cs:effectRef idx="0"/>
+    <cs:fontRef idx="minor">
+      <a:schemeClr val="tx1"/>
+    </cs:fontRef>
+    <cs:spPr>
+      <a:solidFill>
+        <a:schemeClr val="phClr"/>
+      </a:solidFill>
+      <a:ln w="9525">
+        <a:solidFill>
+          <a:schemeClr val="phClr"/>
+        </a:solidFill>
+      </a:ln>
+    </cs:spPr>
+  </cs:dataPointMarker>
+  <cs:dataPointMarkerLayout symbol="circle" size="5"/>
+  <cs:dataPointWireframe>
+    <cs:lnRef idx="0">
+      <cs:styleClr val="auto"/>
+    </cs:lnRef>
+    <cs:fillRef idx="1"/>
+    <cs:effectRef idx="0"/>
+    <cs:fontRef idx="minor">
+      <a:schemeClr val="tx1"/>
+    </cs:fontRef>
+    <cs:spPr>
+      <a:ln w="9525" cap="rnd">
+        <a:solidFill>
+          <a:schemeClr val="phClr"/>
+        </a:solidFill>
+        <a:round/>
+      </a:ln>
+    </cs:spPr>
+  </cs:dataPointWireframe>
+  <cs:dataTable>
+    <cs:lnRef idx="0"/>
+    <cs:fillRef idx="0"/>
+    <cs:effectRef idx="0"/>
+    <cs:fontRef idx="minor">
+      <a:schemeClr val="tx1">
+        <a:lumMod val="65000"/>
+        <a:lumOff val="35000"/>
+      </a:schemeClr>
+    </cs:fontRef>
+    <cs:spPr>
+      <a:noFill/>
+      <a:ln w="9525" cap="flat" cmpd="sng" algn="ctr">
+        <a:solidFill>
+          <a:schemeClr val="tx1">
+            <a:lumMod val="15000"/>
+            <a:lumOff val="85000"/>
+          </a:schemeClr>
+        </a:solidFill>
+        <a:round/>
+      </a:ln>
+    </cs:spPr>
+    <cs:defRPr sz="900" kern="1200"/>
+  </cs:dataTable>
+  <cs:downBar>
+    <cs:lnRef idx="0"/>
+    <cs:fillRef idx="0"/>
+    <cs:effectRef idx="0"/>
+    <cs:fontRef idx="minor">
+      <a:schemeClr val="dk1"/>
+    </cs:fontRef>
+    <cs:spPr>
+      <a:solidFill>
+        <a:schemeClr val="dk1">
+          <a:lumMod val="65000"/>
+          <a:lumOff val="35000"/>
+        </a:schemeClr>
+      </a:solidFill>
+      <a:ln w="9525">
+        <a:solidFill>
+          <a:schemeClr val="tx1">
+            <a:lumMod val="65000"/>
+            <a:lumOff val="35000"/>
+          </a:schemeClr>
+        </a:solidFill>
+      </a:ln>
+    </cs:spPr>
+  </cs:downBar>
+  <cs:dropLine>
+    <cs:lnRef idx="0"/>
+    <cs:fillRef idx="0"/>
+    <cs:effectRef idx="0"/>
+    <cs:fontRef idx="minor">
+      <a:schemeClr val="tx1"/>
+    </cs:fontRef>
+    <cs:spPr>
+      <a:ln w="9525" cap="flat" cmpd="sng" algn="ctr">
+        <a:solidFill>
+          <a:schemeClr val="tx1">
+            <a:lumMod val="35000"/>
+            <a:lumOff val="65000"/>
+          </a:schemeClr>
+        </a:solidFill>
+        <a:round/>
+      </a:ln>
+    </cs:spPr>
+  </cs:dropLine>
+  <cs:errorBar>
+    <cs:lnRef idx="0"/>
+    <cs:fillRef idx="0"/>
+    <cs:effectRef idx="0"/>
+    <cs:fontRef idx="minor">
+      <a:schemeClr val="tx1"/>
+    </cs:fontRef>
+    <cs:spPr>
+      <a:ln w="9525" cap="flat" cmpd="sng" algn="ctr">
+        <a:solidFill>
+          <a:schemeClr val="tx1">
+            <a:lumMod val="65000"/>
+            <a:lumOff val="35000"/>
+          </a:schemeClr>
+        </a:solidFill>
+        <a:round/>
+      </a:ln>
+    </cs:spPr>
+  </cs:errorBar>
+  <cs:floor>
+    <cs:lnRef idx="0"/>
+    <cs:fillRef idx="0"/>
+    <cs:effectRef idx="0"/>
+    <cs:fontRef idx="minor">
+      <a:schemeClr val="tx1"/>
+    </cs:fontRef>
+    <cs:spPr>
+      <a:noFill/>
+      <a:ln>
+        <a:noFill/>
+      </a:ln>
+    </cs:spPr>
+  </cs:floor>
+  <cs:gridlineMajor>
+    <cs:lnRef idx="0"/>
+    <cs:fillRef idx="0"/>
+    <cs:effectRef idx="0"/>
+    <cs:fontRef idx="minor">
+      <a:schemeClr val="tx1"/>
+    </cs:fontRef>
+    <cs:spPr>
+      <a:ln w="9525" cap="flat" cmpd="sng" algn="ctr">
+        <a:solidFill>
+          <a:schemeClr val="tx1">
+            <a:lumMod val="15000"/>
+            <a:lumOff val="85000"/>
+          </a:schemeClr>
+        </a:solidFill>
+        <a:round/>
+      </a:ln>
+    </cs:spPr>
+  </cs:gridlineMajor>
+  <cs:gridlineMinor>
+    <cs:lnRef idx="0"/>
+    <cs:fillRef idx="0"/>
+    <cs:effectRef idx="0"/>
+    <cs:fontRef idx="minor">
+      <a:schemeClr val="tx1"/>
+    </cs:fontRef>
+    <cs:spPr>
+      <a:ln w="9525" cap="flat" cmpd="sng" algn="ctr">
+        <a:solidFill>
+          <a:schemeClr val="tx1">
+            <a:lumMod val="5000"/>
+            <a:lumOff val="95000"/>
+          </a:schemeClr>
+        </a:solidFill>
+        <a:round/>
+      </a:ln>
+    </cs:spPr>
+  </cs:gridlineMinor>
+  <cs:hiLoLine>
+    <cs:lnRef idx="0"/>
+    <cs:fillRef idx="0"/>
+    <cs:effectRef idx="0"/>
+    <cs:fontRef idx="minor">
+      <a:schemeClr val="tx1"/>
+    </cs:fontRef>
+    <cs:spPr>
+      <a:ln w="9525" cap="flat" cmpd="sng" algn="ctr">
+        <a:solidFill>
+          <a:schemeClr val="tx1">
+            <a:lumMod val="75000"/>
+            <a:lumOff val="25000"/>
+          </a:schemeClr>
+        </a:solidFill>
+        <a:round/>
+      </a:ln>
+    </cs:spPr>
+  </cs:hiLoLine>
+  <cs:leaderLine>
+    <cs:lnRef idx="0"/>
+    <cs:fillRef idx="0"/>
+    <cs:effectRef idx="0"/>
+    <cs:fontRef idx="minor">
+      <a:schemeClr val="tx1"/>
+    </cs:fontRef>
+    <cs:spPr>
+      <a:ln w="9525" cap="flat" cmpd="sng" algn="ctr">
+        <a:solidFill>
+          <a:schemeClr val="tx1">
+            <a:lumMod val="35000"/>
+            <a:lumOff val="65000"/>
+          </a:schemeClr>
+        </a:solidFill>
+        <a:round/>
+      </a:ln>
+    </cs:spPr>
+  </cs:leaderLine>
+  <cs:legend>
+    <cs:lnRef idx="0"/>
+    <cs:fillRef idx="0"/>
+    <cs:effectRef idx="0"/>
+    <cs:fontRef idx="minor">
+      <a:schemeClr val="tx1">
+        <a:lumMod val="65000"/>
+        <a:lumOff val="35000"/>
+      </a:schemeClr>
+    </cs:fontRef>
+    <cs:defRPr sz="900" kern="1200"/>
+  </cs:legend>
+  <cs:plotArea mods="allowNoFillOverride allowNoLineOverride">
+    <cs:lnRef idx="0"/>
+    <cs:fillRef idx="0"/>
+    <cs:effectRef idx="0"/>
+    <cs:fontRef idx="minor">
+      <a:schemeClr val="tx1"/>
+    </cs:fontRef>
+  </cs:plotArea>
+  <cs:plotArea3D mods="allowNoFillOverride allowNoLineOverride">
+    <cs:lnRef idx="0"/>
+    <cs:fillRef idx="0"/>
+    <cs:effectRef idx="0"/>
+    <cs:fontRef idx="minor">
+      <a:schemeClr val="tx1"/>
+    </cs:fontRef>
+  </cs:plotArea3D>
+  <cs:seriesAxis>
+    <cs:lnRef idx="0"/>
+    <cs:fillRef idx="0"/>
+    <cs:effectRef idx="0"/>
+    <cs:fontRef idx="minor">
+      <a:schemeClr val="tx1">
+        <a:lumMod val="65000"/>
+        <a:lumOff val="35000"/>
+      </a:schemeClr>
+    </cs:fontRef>
+    <cs:defRPr sz="900" kern="1200"/>
+  </cs:seriesAxis>
+  <cs:seriesLine>
+    <cs:lnRef idx="0"/>
+    <cs:fillRef idx="0"/>
+    <cs:effectRef idx="0"/>
+    <cs:fontRef idx="minor">
+      <a:schemeClr val="tx1"/>
+    </cs:fontRef>
+    <cs:spPr>
+      <a:ln w="9525" cap="flat" cmpd="sng" algn="ctr">
+        <a:solidFill>
+          <a:schemeClr val="tx1">
+            <a:lumMod val="35000"/>
+            <a:lumOff val="65000"/>
+          </a:schemeClr>
+        </a:solidFill>
+        <a:round/>
+      </a:ln>
+    </cs:spPr>
+  </cs:seriesLine>
+  <cs:title>
+    <cs:lnRef idx="0"/>
+    <cs:fillRef idx="0"/>
+    <cs:effectRef idx="0"/>
+    <cs:fontRef idx="minor">
+      <a:schemeClr val="tx1">
+        <a:lumMod val="65000"/>
+        <a:lumOff val="35000"/>
+      </a:schemeClr>
+    </cs:fontRef>
+    <cs:defRPr sz="1400" b="0" kern="1200" spc="0" baseline="0"/>
+  </cs:title>
+  <cs:trendline>
+    <cs:lnRef idx="0">
+      <cs:styleClr val="auto"/>
+    </cs:lnRef>
+    <cs:fillRef idx="0"/>
+    <cs:effectRef idx="0"/>
+    <cs:fontRef idx="minor">
+      <a:schemeClr val="tx1"/>
+    </cs:fontRef>
+    <cs:spPr>
+      <a:ln w="19050" cap="rnd">
+        <a:solidFill>
+          <a:schemeClr val="phClr"/>
+        </a:solidFill>
+        <a:prstDash val="sysDot"/>
+      </a:ln>
+    </cs:spPr>
+  </cs:trendline>
+  <cs:trendlineLabel>
+    <cs:lnRef idx="0"/>
+    <cs:fillRef idx="0"/>
+    <cs:effectRef idx="0"/>
+    <cs:fontRef idx="minor">
+      <a:schemeClr val="tx1">
+        <a:lumMod val="65000"/>
+        <a:lumOff val="35000"/>
+      </a:schemeClr>
+    </cs:fontRef>
+    <cs:defRPr sz="900" kern="1200"/>
+  </cs:trendlineLabel>
+  <cs:upBar>
+    <cs:lnRef idx="0"/>
+    <cs:fillRef idx="0"/>
+    <cs:effectRef idx="0"/>
+    <cs:fontRef idx="minor">
+      <a:schemeClr val="dk1"/>
+    </cs:fontRef>
+    <cs:spPr>
+      <a:solidFill>
+        <a:schemeClr val="lt1"/>
+      </a:solidFill>
+      <a:ln w="9525">
+        <a:solidFill>
+          <a:schemeClr val="tx1">
+            <a:lumMod val="15000"/>
+            <a:lumOff val="85000"/>
+          </a:schemeClr>
+        </a:solidFill>
+      </a:ln>
+    </cs:spPr>
+  </cs:upBar>
+  <cs:valueAxis>
+    <cs:lnRef idx="0"/>
+    <cs:fillRef idx="0"/>
+    <cs:effectRef idx="0"/>
+    <cs:fontRef idx="minor">
+      <a:schemeClr val="tx1">
+        <a:lumMod val="65000"/>
+        <a:lumOff val="35000"/>
+      </a:schemeClr>
+    </cs:fontRef>
+    <cs:defRPr sz="900" kern="1200"/>
+  </cs:valueAxis>
+  <cs:wall>
+    <cs:lnRef idx="0"/>
+    <cs:fillRef idx="0"/>
+    <cs:effectRef idx="0"/>
+    <cs:fontRef idx="minor">
+      <a:schemeClr val="tx1"/>
+    </cs:fontRef>
+    <cs:spPr>
+      <a:noFill/>
+      <a:ln>
+        <a:noFill/>
+      </a:ln>
+    </cs:spPr>
+  </cs:wall>
+</cs:chartStyle>
+</file>
+
 <file path=ppt/slideLayouts/slideLayout1.xml><?xml version="1.0" encoding="utf-8"?>
 <p:sldLayout xmlns:a="http://schemas.openxmlformats.org/drawingml/2006/main" xmlns:r="http://schemas.openxmlformats.org/officeDocument/2006/relationships" xmlns:p="http://schemas.openxmlformats.org/presentationml/2006/main" type="title" preserve="1">
   <p:cSld name="Title Slide">
@@ -271,7 +5538,7 @@
           <a:p>
             <a:fld id="{2C38DC1F-B3A0-4880-B390-B7047C16692A}" type="datetimeFigureOut">
               <a:rPr lang="en-US" smtClean="0"/>
-              <a:t>12/1/2021</a:t>
+              <a:t>12/3/2021</a:t>
             </a:fld>
             <a:endParaRPr lang="en-US"/>
           </a:p>
@@ -441,7 +5708,7 @@
           <a:p>
             <a:fld id="{2C38DC1F-B3A0-4880-B390-B7047C16692A}" type="datetimeFigureOut">
               <a:rPr lang="en-US" smtClean="0"/>
-              <a:t>12/1/2021</a:t>
+              <a:t>12/3/2021</a:t>
             </a:fld>
             <a:endParaRPr lang="en-US"/>
           </a:p>
@@ -621,7 +5888,7 @@
           <a:p>
             <a:fld id="{2C38DC1F-B3A0-4880-B390-B7047C16692A}" type="datetimeFigureOut">
               <a:rPr lang="en-US" smtClean="0"/>
-              <a:t>12/1/2021</a:t>
+              <a:t>12/3/2021</a:t>
             </a:fld>
             <a:endParaRPr lang="en-US"/>
           </a:p>
@@ -791,7 +6058,7 @@
           <a:p>
             <a:fld id="{2C38DC1F-B3A0-4880-B390-B7047C16692A}" type="datetimeFigureOut">
               <a:rPr lang="en-US" smtClean="0"/>
-              <a:t>12/1/2021</a:t>
+              <a:t>12/3/2021</a:t>
             </a:fld>
             <a:endParaRPr lang="en-US"/>
           </a:p>
@@ -1037,7 +6304,7 @@
           <a:p>
             <a:fld id="{2C38DC1F-B3A0-4880-B390-B7047C16692A}" type="datetimeFigureOut">
               <a:rPr lang="en-US" smtClean="0"/>
-              <a:t>12/1/2021</a:t>
+              <a:t>12/3/2021</a:t>
             </a:fld>
             <a:endParaRPr lang="en-US"/>
           </a:p>
@@ -1269,7 +6536,7 @@
           <a:p>
             <a:fld id="{2C38DC1F-B3A0-4880-B390-B7047C16692A}" type="datetimeFigureOut">
               <a:rPr lang="en-US" smtClean="0"/>
-              <a:t>12/1/2021</a:t>
+              <a:t>12/3/2021</a:t>
             </a:fld>
             <a:endParaRPr lang="en-US"/>
           </a:p>
@@ -1636,7 +6903,7 @@
           <a:p>
             <a:fld id="{2C38DC1F-B3A0-4880-B390-B7047C16692A}" type="datetimeFigureOut">
               <a:rPr lang="en-US" smtClean="0"/>
-              <a:t>12/1/2021</a:t>
+              <a:t>12/3/2021</a:t>
             </a:fld>
             <a:endParaRPr lang="en-US"/>
           </a:p>
@@ -1754,7 +7021,7 @@
           <a:p>
             <a:fld id="{2C38DC1F-B3A0-4880-B390-B7047C16692A}" type="datetimeFigureOut">
               <a:rPr lang="en-US" smtClean="0"/>
-              <a:t>12/1/2021</a:t>
+              <a:t>12/3/2021</a:t>
             </a:fld>
             <a:endParaRPr lang="en-US"/>
           </a:p>
@@ -1849,7 +7116,7 @@
           <a:p>
             <a:fld id="{2C38DC1F-B3A0-4880-B390-B7047C16692A}" type="datetimeFigureOut">
               <a:rPr lang="en-US" smtClean="0"/>
-              <a:t>12/1/2021</a:t>
+              <a:t>12/3/2021</a:t>
             </a:fld>
             <a:endParaRPr lang="en-US"/>
           </a:p>
@@ -2126,7 +7393,7 @@
           <a:p>
             <a:fld id="{2C38DC1F-B3A0-4880-B390-B7047C16692A}" type="datetimeFigureOut">
               <a:rPr lang="en-US" smtClean="0"/>
-              <a:t>12/1/2021</a:t>
+              <a:t>12/3/2021</a:t>
             </a:fld>
             <a:endParaRPr lang="en-US"/>
           </a:p>
@@ -2379,7 +7646,7 @@
           <a:p>
             <a:fld id="{2C38DC1F-B3A0-4880-B390-B7047C16692A}" type="datetimeFigureOut">
               <a:rPr lang="en-US" smtClean="0"/>
-              <a:t>12/1/2021</a:t>
+              <a:t>12/3/2021</a:t>
             </a:fld>
             <a:endParaRPr lang="en-US"/>
           </a:p>
@@ -2592,7 +7859,7 @@
           <a:p>
             <a:fld id="{2C38DC1F-B3A0-4880-B390-B7047C16692A}" type="datetimeFigureOut">
               <a:rPr lang="en-US" smtClean="0"/>
-              <a:t>12/1/2021</a:t>
+              <a:t>12/3/2021</a:t>
             </a:fld>
             <a:endParaRPr lang="en-US"/>
           </a:p>
@@ -3004,70 +8271,217 @@
             <a:spLocks noGrp="1"/>
           </p:cNvSpPr>
           <p:nvPr>
-            <p:ph type="title"/>
+            <p:ph type="ctrTitle"/>
           </p:nvPr>
         </p:nvSpPr>
         <p:spPr>
           <a:xfrm>
-            <a:off x="994954" y="2315845"/>
-            <a:ext cx="10515600" cy="1325563"/>
+            <a:off x="1593669" y="-636768"/>
+            <a:ext cx="9144000" cy="2387600"/>
           </a:xfrm>
         </p:spPr>
         <p:txBody>
           <a:bodyPr>
-            <a:noAutofit/>
+            <a:normAutofit/>
           </a:bodyPr>
           <a:lstStyle/>
           <a:p>
+            <a:r>
+              <a:rPr lang="en-US" sz="5400" dirty="0" smtClean="0">
+                <a:latin typeface="Times New Roman" panose="02020603050405020304" pitchFamily="18" charset="0"/>
+                <a:ea typeface="Tahoma" panose="020B0604030504040204" pitchFamily="34" charset="0"/>
+                <a:cs typeface="Times New Roman" panose="02020603050405020304" pitchFamily="18" charset="0"/>
+              </a:rPr>
+              <a:t>Mid-Semester Dissertation</a:t>
+            </a:r>
+            <a:br>
+              <a:rPr lang="en-US" sz="5400" dirty="0" smtClean="0">
+                <a:latin typeface="Times New Roman" panose="02020603050405020304" pitchFamily="18" charset="0"/>
+                <a:ea typeface="Tahoma" panose="020B0604030504040204" pitchFamily="34" charset="0"/>
+                <a:cs typeface="Times New Roman" panose="02020603050405020304" pitchFamily="18" charset="0"/>
+              </a:rPr>
+            </a:br>
+            <a:r>
+              <a:rPr lang="en-US" sz="5400" dirty="0" smtClean="0">
+                <a:latin typeface="Times New Roman" panose="02020603050405020304" pitchFamily="18" charset="0"/>
+                <a:ea typeface="Tahoma" panose="020B0604030504040204" pitchFamily="34" charset="0"/>
+                <a:cs typeface="Times New Roman" panose="02020603050405020304" pitchFamily="18" charset="0"/>
+              </a:rPr>
+              <a:t>Evaluation 2021-22</a:t>
+            </a:r>
+            <a:endParaRPr lang="en-US" sz="5400" dirty="0">
+              <a:latin typeface="Times New Roman" panose="02020603050405020304" pitchFamily="18" charset="0"/>
+              <a:ea typeface="Tahoma" panose="020B0604030504040204" pitchFamily="34" charset="0"/>
+              <a:cs typeface="Times New Roman" panose="02020603050405020304" pitchFamily="18" charset="0"/>
+            </a:endParaRPr>
+          </a:p>
+        </p:txBody>
+      </p:sp>
+      <p:sp>
+        <p:nvSpPr>
+          <p:cNvPr id="3" name="Subtitle 2"/>
+          <p:cNvSpPr>
+            <a:spLocks noGrp="1"/>
+          </p:cNvSpPr>
+          <p:nvPr>
+            <p:ph type="subTitle" idx="1"/>
+          </p:nvPr>
+        </p:nvSpPr>
+        <p:spPr>
+          <a:xfrm>
+            <a:off x="1593669" y="1816781"/>
+            <a:ext cx="9144000" cy="1655762"/>
+          </a:xfrm>
+        </p:spPr>
+        <p:txBody>
+          <a:bodyPr/>
+          <a:lstStyle/>
+          <a:p>
+            <a:r>
+              <a:rPr lang="en-US" dirty="0" smtClean="0">
+                <a:latin typeface="Times New Roman" panose="02020603050405020304" pitchFamily="18" charset="0"/>
+                <a:cs typeface="Times New Roman" panose="02020603050405020304" pitchFamily="18" charset="0"/>
+              </a:rPr>
+              <a:t>Presented By: Anindya Ghosal</a:t>
+            </a:r>
+          </a:p>
+          <a:p>
+            <a:r>
+              <a:rPr lang="en-US" dirty="0" smtClean="0">
+                <a:latin typeface="Times New Roman" panose="02020603050405020304" pitchFamily="18" charset="0"/>
+                <a:cs typeface="Times New Roman" panose="02020603050405020304" pitchFamily="18" charset="0"/>
+              </a:rPr>
+              <a:t>Roll No: 2020PSP3007</a:t>
+            </a:r>
+          </a:p>
+          <a:p>
+            <a:r>
+              <a:rPr lang="en-US" dirty="0" smtClean="0">
+                <a:latin typeface="Times New Roman" panose="02020603050405020304" pitchFamily="18" charset="0"/>
+                <a:cs typeface="Times New Roman" panose="02020603050405020304" pitchFamily="18" charset="0"/>
+              </a:rPr>
+              <a:t>Branch: </a:t>
+            </a:r>
+            <a:r>
+              <a:rPr lang="en-US" dirty="0" err="1" smtClean="0">
+                <a:latin typeface="Times New Roman" panose="02020603050405020304" pitchFamily="18" charset="0"/>
+                <a:cs typeface="Times New Roman" panose="02020603050405020304" pitchFamily="18" charset="0"/>
+              </a:rPr>
+              <a:t>MTech</a:t>
+            </a:r>
+            <a:r>
+              <a:rPr lang="en-US" dirty="0" smtClean="0">
+                <a:latin typeface="Times New Roman" panose="02020603050405020304" pitchFamily="18" charset="0"/>
+                <a:cs typeface="Times New Roman" panose="02020603050405020304" pitchFamily="18" charset="0"/>
+              </a:rPr>
+              <a:t> (Signal Processing)</a:t>
+            </a:r>
+            <a:endParaRPr lang="en-US" dirty="0">
+              <a:latin typeface="Times New Roman" panose="02020603050405020304" pitchFamily="18" charset="0"/>
+              <a:cs typeface="Times New Roman" panose="02020603050405020304" pitchFamily="18" charset="0"/>
+            </a:endParaRPr>
+          </a:p>
+        </p:txBody>
+      </p:sp>
+      <p:sp>
+        <p:nvSpPr>
+          <p:cNvPr id="5" name="TextBox 4"/>
+          <p:cNvSpPr txBox="1"/>
+          <p:nvPr/>
+        </p:nvSpPr>
+        <p:spPr>
+          <a:xfrm>
+            <a:off x="3431177" y="3239589"/>
+            <a:ext cx="6122126" cy="461665"/>
+          </a:xfrm>
+          <a:prstGeom prst="rect">
+            <a:avLst/>
+          </a:prstGeom>
+          <a:noFill/>
+        </p:spPr>
+        <p:txBody>
+          <a:bodyPr wrap="square" rtlCol="0">
+            <a:spAutoFit/>
+          </a:bodyPr>
+          <a:lstStyle/>
+          <a:p>
+            <a:r>
+              <a:rPr lang="en-US" sz="2400" dirty="0" smtClean="0">
+                <a:latin typeface="Times New Roman" panose="02020603050405020304" pitchFamily="18" charset="0"/>
+                <a:cs typeface="Times New Roman" panose="02020603050405020304" pitchFamily="18" charset="0"/>
+              </a:rPr>
+              <a:t>         Supervisor: Prof. Jyotsna Singh</a:t>
+            </a:r>
+            <a:endParaRPr lang="en-US" sz="2400" dirty="0">
+              <a:latin typeface="Times New Roman" panose="02020603050405020304" pitchFamily="18" charset="0"/>
+              <a:cs typeface="Times New Roman" panose="02020603050405020304" pitchFamily="18" charset="0"/>
+            </a:endParaRPr>
+          </a:p>
+        </p:txBody>
+      </p:sp>
+      <p:pic>
+        <p:nvPicPr>
+          <p:cNvPr id="6" name="image1.jpeg"/>
+          <p:cNvPicPr/>
+          <p:nvPr/>
+        </p:nvPicPr>
+        <p:blipFill>
+          <a:blip r:embed="rId2" cstate="print"/>
+          <a:stretch>
+            <a:fillRect/>
+          </a:stretch>
+        </p:blipFill>
+        <p:spPr>
+          <a:xfrm>
+            <a:off x="5155067" y="3701254"/>
+            <a:ext cx="1672454" cy="1637100"/>
+          </a:xfrm>
+          <a:prstGeom prst="rect">
+            <a:avLst/>
+          </a:prstGeom>
+        </p:spPr>
+      </p:pic>
+      <p:sp>
+        <p:nvSpPr>
+          <p:cNvPr id="7" name="TextBox 6"/>
+          <p:cNvSpPr txBox="1"/>
+          <p:nvPr/>
+        </p:nvSpPr>
+        <p:spPr>
+          <a:xfrm>
+            <a:off x="3605349" y="5338354"/>
+            <a:ext cx="4771890" cy="1323439"/>
+          </a:xfrm>
+          <a:prstGeom prst="rect">
+            <a:avLst/>
+          </a:prstGeom>
+          <a:noFill/>
+        </p:spPr>
+        <p:txBody>
+          <a:bodyPr wrap="square" rtlCol="0">
+            <a:spAutoFit/>
+          </a:bodyPr>
+          <a:lstStyle/>
+          <a:p>
             <a:pPr algn="ctr"/>
             <a:r>
-              <a:rPr lang="en-US" sz="3600" dirty="0" smtClean="0">
-                <a:latin typeface="Times New Roman" panose="02020603050405020304" pitchFamily="18" charset="0"/>
-                <a:cs typeface="Times New Roman" panose="02020603050405020304" pitchFamily="18" charset="0"/>
-              </a:rPr>
-              <a:t>Pattern Recognition and Machine </a:t>
-            </a:r>
-            <a:r>
-              <a:rPr lang="en-US" sz="3600" dirty="0" smtClean="0">
-                <a:latin typeface="Times New Roman" panose="02020603050405020304" pitchFamily="18" charset="0"/>
-                <a:cs typeface="Times New Roman" panose="02020603050405020304" pitchFamily="18" charset="0"/>
-              </a:rPr>
-              <a:t>Learning</a:t>
-            </a:r>
-            <a:br>
-              <a:rPr lang="en-US" sz="3600" dirty="0" smtClean="0">
-                <a:latin typeface="Times New Roman" panose="02020603050405020304" pitchFamily="18" charset="0"/>
-                <a:cs typeface="Times New Roman" panose="02020603050405020304" pitchFamily="18" charset="0"/>
-              </a:rPr>
-            </a:br>
-            <a:r>
-              <a:rPr lang="en-US" sz="3600" dirty="0">
-                <a:latin typeface="Times New Roman" panose="02020603050405020304" pitchFamily="18" charset="0"/>
-                <a:cs typeface="Times New Roman" panose="02020603050405020304" pitchFamily="18" charset="0"/>
-              </a:rPr>
-              <a:t/>
-            </a:r>
-            <a:br>
-              <a:rPr lang="en-US" sz="3600" dirty="0">
-                <a:latin typeface="Times New Roman" panose="02020603050405020304" pitchFamily="18" charset="0"/>
-                <a:cs typeface="Times New Roman" panose="02020603050405020304" pitchFamily="18" charset="0"/>
-              </a:rPr>
-            </a:br>
-            <a:r>
-              <a:rPr lang="en-US" sz="3600" dirty="0" smtClean="0">
-                <a:latin typeface="Times New Roman" panose="02020603050405020304" pitchFamily="18" charset="0"/>
-                <a:cs typeface="Times New Roman" panose="02020603050405020304" pitchFamily="18" charset="0"/>
-              </a:rPr>
-              <a:t>Proposed Topic :</a:t>
-            </a:r>
-            <a:r>
-              <a:rPr lang="en-US" sz="3600" dirty="0">
-                <a:latin typeface="Times New Roman" panose="02020603050405020304" pitchFamily="18" charset="0"/>
-                <a:cs typeface="Times New Roman" panose="02020603050405020304" pitchFamily="18" charset="0"/>
-              </a:rPr>
-              <a:t>Bounding Box Refinement Agent for Overlapping Object Detection</a:t>
-            </a:r>
-            <a:endParaRPr lang="en-US" sz="3600" dirty="0">
+              <a:rPr lang="en-US" sz="2000" dirty="0">
+                <a:latin typeface="Times New Roman" panose="02020603050405020304" pitchFamily="18" charset="0"/>
+                <a:cs typeface="Times New Roman" panose="02020603050405020304" pitchFamily="18" charset="0"/>
+              </a:rPr>
+              <a:t>Division of Electronics &amp; Communication Engineering NETAJI SUBHAS UNIVERSITY OFTECHNOLOGY</a:t>
+            </a:r>
+          </a:p>
+          <a:p>
+            <a:pPr algn="ctr"/>
+            <a:r>
+              <a:rPr lang="en-US" sz="2000" dirty="0">
+                <a:latin typeface="Times New Roman" panose="02020603050405020304" pitchFamily="18" charset="0"/>
+                <a:cs typeface="Times New Roman" panose="02020603050405020304" pitchFamily="18" charset="0"/>
+              </a:rPr>
+              <a:t>(Formerly NSIT) NEW DELHI-110078</a:t>
+            </a:r>
+            <a:endParaRPr lang="en-US" sz="2000" dirty="0">
               <a:latin typeface="Times New Roman" panose="02020603050405020304" pitchFamily="18" charset="0"/>
               <a:cs typeface="Times New Roman" panose="02020603050405020304" pitchFamily="18" charset="0"/>
             </a:endParaRPr>
@@ -3077,7 +8491,7 @@
     </p:spTree>
     <p:extLst>
       <p:ext uri="{BB962C8B-B14F-4D97-AF65-F5344CB8AC3E}">
-        <p14:creationId xmlns:p14="http://schemas.microsoft.com/office/powerpoint/2010/main" val="744190618"/>
+        <p14:creationId xmlns:p14="http://schemas.microsoft.com/office/powerpoint/2010/main" val="683439561"/>
       </p:ext>
     </p:extLst>
   </p:cSld>
@@ -3124,7 +8538,7 @@
                 <a:latin typeface="Times New Roman" panose="02020603050405020304" pitchFamily="18" charset="0"/>
                 <a:cs typeface="Times New Roman" panose="02020603050405020304" pitchFamily="18" charset="0"/>
               </a:rPr>
-              <a:t>What is Classification and Clustering?</a:t>
+              <a:t>Some Terminologies:</a:t>
             </a:r>
             <a:endParaRPr lang="en-US" dirty="0">
               <a:latin typeface="Times New Roman" panose="02020603050405020304" pitchFamily="18" charset="0"/>
@@ -3146,150 +8560,152 @@
         <p:spPr/>
         <p:txBody>
           <a:bodyPr>
-            <a:normAutofit/>
+            <a:normAutofit fontScale="55000" lnSpcReduction="20000"/>
           </a:bodyPr>
           <a:lstStyle/>
           <a:p>
-            <a:pPr algn="just"/>
-            <a:r>
-              <a:rPr lang="en-US" sz="2000" dirty="0">
-                <a:latin typeface="Times New Roman" panose="02020603050405020304" pitchFamily="18" charset="0"/>
-                <a:cs typeface="Times New Roman" panose="02020603050405020304" pitchFamily="18" charset="0"/>
-              </a:rPr>
-              <a:t>In classification, an appropriate class label is assigned to a pattern based on an abstraction that is generated using a set of training patterns or domain knowledge. Classification is used in supervised learning.</a:t>
-            </a:r>
-          </a:p>
-          <a:p>
-            <a:pPr algn="just"/>
-            <a:r>
-              <a:rPr lang="en-US" sz="2000" dirty="0">
-                <a:latin typeface="Times New Roman" panose="02020603050405020304" pitchFamily="18" charset="0"/>
-                <a:cs typeface="Times New Roman" panose="02020603050405020304" pitchFamily="18" charset="0"/>
-              </a:rPr>
-              <a:t>Clustering </a:t>
-            </a:r>
-            <a:r>
-              <a:rPr lang="en-US" sz="2000" dirty="0" smtClean="0">
-                <a:latin typeface="Times New Roman" panose="02020603050405020304" pitchFamily="18" charset="0"/>
-                <a:cs typeface="Times New Roman" panose="02020603050405020304" pitchFamily="18" charset="0"/>
-              </a:rPr>
-              <a:t>creates </a:t>
-            </a:r>
-            <a:r>
-              <a:rPr lang="en-US" sz="2000" dirty="0">
-                <a:latin typeface="Times New Roman" panose="02020603050405020304" pitchFamily="18" charset="0"/>
-                <a:cs typeface="Times New Roman" panose="02020603050405020304" pitchFamily="18" charset="0"/>
-              </a:rPr>
-              <a:t>a partition of the data which helps decision making, the specific decision-making activity of interest to us. Clustering is used in unsupervised learning.</a:t>
-            </a:r>
-          </a:p>
-          <a:p>
-            <a:pPr algn="just" fontAlgn="base"/>
-            <a:r>
-              <a:rPr lang="en-US" sz="2000" b="1" dirty="0">
-                <a:latin typeface="Times New Roman" panose="02020603050405020304" pitchFamily="18" charset="0"/>
-                <a:cs typeface="Times New Roman" panose="02020603050405020304" pitchFamily="18" charset="0"/>
-              </a:rPr>
-              <a:t>Features</a:t>
-            </a:r>
-            <a:r>
-              <a:rPr lang="en-US" sz="2000" dirty="0">
-                <a:latin typeface="Times New Roman" panose="02020603050405020304" pitchFamily="18" charset="0"/>
-                <a:cs typeface="Times New Roman" panose="02020603050405020304" pitchFamily="18" charset="0"/>
-              </a:rPr>
-              <a:t> may be represented as continuous, discrete, or discrete binary variables. A feature is a function of one or more measurements, computed so that it quantifies some significant characteristics of the object. </a:t>
-            </a:r>
-          </a:p>
-          <a:p>
-            <a:pPr algn="just" fontAlgn="base"/>
-            <a:r>
-              <a:rPr lang="en-US" sz="2000" b="1" dirty="0">
-                <a:latin typeface="Times New Roman" panose="02020603050405020304" pitchFamily="18" charset="0"/>
-                <a:cs typeface="Times New Roman" panose="02020603050405020304" pitchFamily="18" charset="0"/>
-              </a:rPr>
-              <a:t>Example:</a:t>
-            </a:r>
-            <a:r>
-              <a:rPr lang="en-US" sz="2000" dirty="0">
-                <a:latin typeface="Times New Roman" panose="02020603050405020304" pitchFamily="18" charset="0"/>
-                <a:cs typeface="Times New Roman" panose="02020603050405020304" pitchFamily="18" charset="0"/>
-              </a:rPr>
-              <a:t> consider our face then eyes, ears, nose, </a:t>
-            </a:r>
-            <a:r>
-              <a:rPr lang="en-US" sz="2000" dirty="0" err="1">
-                <a:latin typeface="Times New Roman" panose="02020603050405020304" pitchFamily="18" charset="0"/>
-                <a:cs typeface="Times New Roman" panose="02020603050405020304" pitchFamily="18" charset="0"/>
-              </a:rPr>
-              <a:t>etc</a:t>
-            </a:r>
-            <a:r>
-              <a:rPr lang="en-US" sz="2000" dirty="0">
-                <a:latin typeface="Times New Roman" panose="02020603050405020304" pitchFamily="18" charset="0"/>
-                <a:cs typeface="Times New Roman" panose="02020603050405020304" pitchFamily="18" charset="0"/>
-              </a:rPr>
-              <a:t> are features of the face. </a:t>
-            </a:r>
-            <a:br>
-              <a:rPr lang="en-US" sz="2000" dirty="0">
-                <a:latin typeface="Times New Roman" panose="02020603050405020304" pitchFamily="18" charset="0"/>
-                <a:cs typeface="Times New Roman" panose="02020603050405020304" pitchFamily="18" charset="0"/>
-              </a:rPr>
-            </a:br>
-            <a:r>
-              <a:rPr lang="en-US" sz="2000" dirty="0">
-                <a:latin typeface="Times New Roman" panose="02020603050405020304" pitchFamily="18" charset="0"/>
-                <a:cs typeface="Times New Roman" panose="02020603050405020304" pitchFamily="18" charset="0"/>
-              </a:rPr>
-              <a:t>A set of features that are taken together, forms the </a:t>
-            </a:r>
-            <a:r>
-              <a:rPr lang="en-US" sz="2000" b="1" dirty="0">
-                <a:latin typeface="Times New Roman" panose="02020603050405020304" pitchFamily="18" charset="0"/>
-                <a:cs typeface="Times New Roman" panose="02020603050405020304" pitchFamily="18" charset="0"/>
-              </a:rPr>
-              <a:t>features vector</a:t>
-            </a:r>
-            <a:r>
-              <a:rPr lang="en-US" sz="2000" dirty="0">
-                <a:latin typeface="Times New Roman" panose="02020603050405020304" pitchFamily="18" charset="0"/>
-                <a:cs typeface="Times New Roman" panose="02020603050405020304" pitchFamily="18" charset="0"/>
-              </a:rPr>
-              <a:t>. </a:t>
-            </a:r>
-            <a:endParaRPr lang="en-US" sz="2000" dirty="0" smtClean="0">
-              <a:latin typeface="Times New Roman" panose="02020603050405020304" pitchFamily="18" charset="0"/>
-              <a:cs typeface="Times New Roman" panose="02020603050405020304" pitchFamily="18" charset="0"/>
-            </a:endParaRPr>
-          </a:p>
-          <a:p>
-            <a:pPr algn="just" fontAlgn="base"/>
-            <a:r>
-              <a:rPr lang="en-US" sz="2000" dirty="0">
-                <a:latin typeface="Times New Roman" panose="02020603050405020304" pitchFamily="18" charset="0"/>
-                <a:cs typeface="Times New Roman" panose="02020603050405020304" pitchFamily="18" charset="0"/>
-              </a:rPr>
-              <a:t>In the above example of a face, if all the features (eyes, ears, nose, </a:t>
-            </a:r>
-            <a:r>
-              <a:rPr lang="en-US" sz="2000" dirty="0" err="1">
-                <a:latin typeface="Times New Roman" panose="02020603050405020304" pitchFamily="18" charset="0"/>
-                <a:cs typeface="Times New Roman" panose="02020603050405020304" pitchFamily="18" charset="0"/>
-              </a:rPr>
-              <a:t>etc</a:t>
-            </a:r>
-            <a:r>
-              <a:rPr lang="en-US" sz="2000" dirty="0">
-                <a:latin typeface="Times New Roman" panose="02020603050405020304" pitchFamily="18" charset="0"/>
-                <a:cs typeface="Times New Roman" panose="02020603050405020304" pitchFamily="18" charset="0"/>
-              </a:rPr>
-              <a:t>) are taken together then the sequence is a feature vector([eyes, ears, nose]). The feature vector is the sequence of a feature represented as a d-dimensional column vector.</a:t>
-            </a:r>
-          </a:p>
-          <a:p>
-            <a:pPr marL="0" indent="0">
-              <a:buNone/>
-            </a:pPr>
+            <a:r>
+              <a:rPr lang="en-US" sz="3200" b="1" dirty="0">
+                <a:latin typeface="Times New Roman" panose="02020603050405020304" pitchFamily="18" charset="0"/>
+                <a:cs typeface="Times New Roman" panose="02020603050405020304" pitchFamily="18" charset="0"/>
+              </a:rPr>
+              <a:t>Model</a:t>
+            </a:r>
+            <a:r>
+              <a:rPr lang="en-US" sz="3200" dirty="0">
+                <a:latin typeface="Times New Roman" panose="02020603050405020304" pitchFamily="18" charset="0"/>
+                <a:cs typeface="Times New Roman" panose="02020603050405020304" pitchFamily="18" charset="0"/>
+              </a:rPr>
+              <a:t>: Also known as “hypothesis”, a machine learning model is the mathematical representation of a real-world process. A machine learning algorithm along with the training data builds a machine learning model.</a:t>
+            </a:r>
+          </a:p>
+          <a:p>
+            <a:r>
+              <a:rPr lang="en-US" sz="3200" b="1" dirty="0">
+                <a:latin typeface="Times New Roman" panose="02020603050405020304" pitchFamily="18" charset="0"/>
+                <a:cs typeface="Times New Roman" panose="02020603050405020304" pitchFamily="18" charset="0"/>
+              </a:rPr>
+              <a:t>Feature</a:t>
+            </a:r>
+            <a:r>
+              <a:rPr lang="en-US" sz="3200" dirty="0">
+                <a:latin typeface="Times New Roman" panose="02020603050405020304" pitchFamily="18" charset="0"/>
+                <a:cs typeface="Times New Roman" panose="02020603050405020304" pitchFamily="18" charset="0"/>
+              </a:rPr>
+              <a:t>: A feature is a measurable property or parameter of the data-set.</a:t>
+            </a:r>
+          </a:p>
+          <a:p>
+            <a:r>
+              <a:rPr lang="en-US" sz="3200" b="1" dirty="0">
+                <a:latin typeface="Times New Roman" panose="02020603050405020304" pitchFamily="18" charset="0"/>
+                <a:cs typeface="Times New Roman" panose="02020603050405020304" pitchFamily="18" charset="0"/>
+              </a:rPr>
+              <a:t>Feature Vector</a:t>
+            </a:r>
+            <a:r>
+              <a:rPr lang="en-US" sz="3200" dirty="0">
+                <a:latin typeface="Times New Roman" panose="02020603050405020304" pitchFamily="18" charset="0"/>
+                <a:cs typeface="Times New Roman" panose="02020603050405020304" pitchFamily="18" charset="0"/>
+              </a:rPr>
+              <a:t>: It is a set of multiple numeric features. We use it as an input to the machine learning model for training and prediction purposes.</a:t>
+            </a:r>
+          </a:p>
+          <a:p>
+            <a:r>
+              <a:rPr lang="en-US" sz="3200" b="1" dirty="0">
+                <a:latin typeface="Times New Roman" panose="02020603050405020304" pitchFamily="18" charset="0"/>
+                <a:cs typeface="Times New Roman" panose="02020603050405020304" pitchFamily="18" charset="0"/>
+              </a:rPr>
+              <a:t>Training</a:t>
+            </a:r>
+            <a:r>
+              <a:rPr lang="en-US" sz="3200" dirty="0">
+                <a:latin typeface="Times New Roman" panose="02020603050405020304" pitchFamily="18" charset="0"/>
+                <a:cs typeface="Times New Roman" panose="02020603050405020304" pitchFamily="18" charset="0"/>
+              </a:rPr>
+              <a:t>: An algorithm takes a set of data known as “training data” as input. The learning algorithm finds patterns in the input data and trains the model for expected results (target). The output of the training process is the machine learning model.</a:t>
+            </a:r>
+          </a:p>
+          <a:p>
+            <a:r>
+              <a:rPr lang="en-US" sz="3200" b="1" dirty="0">
+                <a:latin typeface="Times New Roman" panose="02020603050405020304" pitchFamily="18" charset="0"/>
+                <a:cs typeface="Times New Roman" panose="02020603050405020304" pitchFamily="18" charset="0"/>
+              </a:rPr>
+              <a:t>Prediction</a:t>
+            </a:r>
+            <a:r>
+              <a:rPr lang="en-US" sz="3200" dirty="0">
+                <a:latin typeface="Times New Roman" panose="02020603050405020304" pitchFamily="18" charset="0"/>
+                <a:cs typeface="Times New Roman" panose="02020603050405020304" pitchFamily="18" charset="0"/>
+              </a:rPr>
+              <a:t>: Once the machine learning model is ready, it can be fed with input data to provide a predicted output.</a:t>
+            </a:r>
+          </a:p>
+          <a:p>
+            <a:r>
+              <a:rPr lang="en-US" sz="3200" b="1" dirty="0">
+                <a:latin typeface="Times New Roman" panose="02020603050405020304" pitchFamily="18" charset="0"/>
+                <a:cs typeface="Times New Roman" panose="02020603050405020304" pitchFamily="18" charset="0"/>
+              </a:rPr>
+              <a:t>Target (Label)</a:t>
+            </a:r>
+            <a:r>
+              <a:rPr lang="en-US" sz="3200" dirty="0">
+                <a:latin typeface="Times New Roman" panose="02020603050405020304" pitchFamily="18" charset="0"/>
+                <a:cs typeface="Times New Roman" panose="02020603050405020304" pitchFamily="18" charset="0"/>
+              </a:rPr>
+              <a:t>: The value that the machine learning model has to predict is called the target or label.</a:t>
+            </a:r>
+          </a:p>
+          <a:p>
+            <a:r>
+              <a:rPr lang="en-US" sz="3200" b="1" dirty="0">
+                <a:latin typeface="Times New Roman" panose="02020603050405020304" pitchFamily="18" charset="0"/>
+                <a:cs typeface="Times New Roman" panose="02020603050405020304" pitchFamily="18" charset="0"/>
+              </a:rPr>
+              <a:t>Overfitting</a:t>
+            </a:r>
+            <a:r>
+              <a:rPr lang="en-US" sz="3200" dirty="0">
+                <a:latin typeface="Times New Roman" panose="02020603050405020304" pitchFamily="18" charset="0"/>
+                <a:cs typeface="Times New Roman" panose="02020603050405020304" pitchFamily="18" charset="0"/>
+              </a:rPr>
+              <a:t>: When a massive amount of data trains a machine learning model, it tends to learn from the noise and inaccurate data entries. Here the model fails to </a:t>
+            </a:r>
+            <a:r>
+              <a:rPr lang="en-US" sz="3200" dirty="0" smtClean="0">
+                <a:latin typeface="Times New Roman" panose="02020603050405020304" pitchFamily="18" charset="0"/>
+                <a:cs typeface="Times New Roman" panose="02020603050405020304" pitchFamily="18" charset="0"/>
+              </a:rPr>
+              <a:t>characterize </a:t>
+            </a:r>
+            <a:r>
+              <a:rPr lang="en-US" sz="3200" dirty="0">
+                <a:latin typeface="Times New Roman" panose="02020603050405020304" pitchFamily="18" charset="0"/>
+                <a:cs typeface="Times New Roman" panose="02020603050405020304" pitchFamily="18" charset="0"/>
+              </a:rPr>
+              <a:t>the data correctly.</a:t>
+            </a:r>
+          </a:p>
+          <a:p>
+            <a:r>
+              <a:rPr lang="en-US" sz="3200" b="1" dirty="0" err="1">
+                <a:latin typeface="Times New Roman" panose="02020603050405020304" pitchFamily="18" charset="0"/>
+                <a:cs typeface="Times New Roman" panose="02020603050405020304" pitchFamily="18" charset="0"/>
+              </a:rPr>
+              <a:t>Underfitting</a:t>
+            </a:r>
+            <a:r>
+              <a:rPr lang="en-US" sz="3200" dirty="0">
+                <a:latin typeface="Times New Roman" panose="02020603050405020304" pitchFamily="18" charset="0"/>
+                <a:cs typeface="Times New Roman" panose="02020603050405020304" pitchFamily="18" charset="0"/>
+              </a:rPr>
+              <a:t>: It is the scenario when the model fails to decipher the underlying trend in the input data. It destroys the accuracy of the machine learning model. In simple terms, the model or the algorithm does not fit the data well enough.</a:t>
+            </a:r>
+          </a:p>
+          <a:p>
             <a:endParaRPr lang="en-US" dirty="0"/>
           </a:p>
         </p:txBody>
@@ -3297,7 +8713,7 @@
     </p:spTree>
     <p:extLst>
       <p:ext uri="{BB962C8B-B14F-4D97-AF65-F5344CB8AC3E}">
-        <p14:creationId xmlns:p14="http://schemas.microsoft.com/office/powerpoint/2010/main" val="3431882244"/>
+        <p14:creationId xmlns:p14="http://schemas.microsoft.com/office/powerpoint/2010/main" val="212948309"/>
       </p:ext>
     </p:extLst>
   </p:cSld>
@@ -3336,17 +8752,19 @@
         </p:nvSpPr>
         <p:spPr/>
         <p:txBody>
-          <a:bodyPr/>
+          <a:bodyPr>
+            <a:normAutofit/>
+          </a:bodyPr>
           <a:lstStyle/>
           <a:p>
             <a:r>
-              <a:rPr lang="en-US" dirty="0" smtClean="0">
-                <a:latin typeface="Times New Roman" panose="02020603050405020304" pitchFamily="18" charset="0"/>
-                <a:cs typeface="Times New Roman" panose="02020603050405020304" pitchFamily="18" charset="0"/>
-              </a:rPr>
-              <a:t>Some Terminologies:</a:t>
-            </a:r>
-            <a:endParaRPr lang="en-US" dirty="0">
+              <a:rPr lang="en-US" sz="3200" dirty="0" smtClean="0">
+                <a:latin typeface="Times New Roman" panose="02020603050405020304" pitchFamily="18" charset="0"/>
+                <a:cs typeface="Times New Roman" panose="02020603050405020304" pitchFamily="18" charset="0"/>
+              </a:rPr>
+              <a:t>How is Reinforcement Learning different from traditional machine learning algorithms?</a:t>
+            </a:r>
+            <a:endParaRPr lang="en-US" sz="3200" dirty="0">
               <a:latin typeface="Times New Roman" panose="02020603050405020304" pitchFamily="18" charset="0"/>
               <a:cs typeface="Times New Roman" panose="02020603050405020304" pitchFamily="18" charset="0"/>
             </a:endParaRPr>
@@ -3366,160 +8784,118 @@
         <p:spPr/>
         <p:txBody>
           <a:bodyPr>
-            <a:normAutofit fontScale="55000" lnSpcReduction="20000"/>
+            <a:normAutofit/>
           </a:bodyPr>
           <a:lstStyle/>
           <a:p>
-            <a:r>
-              <a:rPr lang="en-US" sz="3200" b="1" dirty="0">
-                <a:latin typeface="Times New Roman" panose="02020603050405020304" pitchFamily="18" charset="0"/>
-                <a:cs typeface="Times New Roman" panose="02020603050405020304" pitchFamily="18" charset="0"/>
-              </a:rPr>
-              <a:t>Model</a:t>
-            </a:r>
-            <a:r>
-              <a:rPr lang="en-US" sz="3200" dirty="0">
-                <a:latin typeface="Times New Roman" panose="02020603050405020304" pitchFamily="18" charset="0"/>
-                <a:cs typeface="Times New Roman" panose="02020603050405020304" pitchFamily="18" charset="0"/>
-              </a:rPr>
-              <a:t>: Also known as “hypothesis”, a machine learning model is the mathematical representation of a real-world process. A machine learning algorithm along with the training data builds a machine learning model.</a:t>
-            </a:r>
-          </a:p>
-          <a:p>
-            <a:r>
-              <a:rPr lang="en-US" sz="3200" b="1" dirty="0">
-                <a:latin typeface="Times New Roman" panose="02020603050405020304" pitchFamily="18" charset="0"/>
-                <a:cs typeface="Times New Roman" panose="02020603050405020304" pitchFamily="18" charset="0"/>
-              </a:rPr>
-              <a:t>Feature</a:t>
-            </a:r>
-            <a:r>
-              <a:rPr lang="en-US" sz="3200" dirty="0">
-                <a:latin typeface="Times New Roman" panose="02020603050405020304" pitchFamily="18" charset="0"/>
-                <a:cs typeface="Times New Roman" panose="02020603050405020304" pitchFamily="18" charset="0"/>
-              </a:rPr>
-              <a:t>: A feature is a measurable property or parameter of the data-set.</a:t>
-            </a:r>
-          </a:p>
-          <a:p>
-            <a:r>
-              <a:rPr lang="en-US" sz="3200" b="1" dirty="0">
-                <a:latin typeface="Times New Roman" panose="02020603050405020304" pitchFamily="18" charset="0"/>
-                <a:cs typeface="Times New Roman" panose="02020603050405020304" pitchFamily="18" charset="0"/>
-              </a:rPr>
-              <a:t>Feature Vector</a:t>
-            </a:r>
-            <a:r>
-              <a:rPr lang="en-US" sz="3200" dirty="0">
-                <a:latin typeface="Times New Roman" panose="02020603050405020304" pitchFamily="18" charset="0"/>
-                <a:cs typeface="Times New Roman" panose="02020603050405020304" pitchFamily="18" charset="0"/>
-              </a:rPr>
-              <a:t>: It is a set of multiple numeric features. We use it as an input to the machine learning model for training and prediction purposes.</a:t>
-            </a:r>
-          </a:p>
-          <a:p>
-            <a:r>
-              <a:rPr lang="en-US" sz="3200" b="1" dirty="0">
-                <a:latin typeface="Times New Roman" panose="02020603050405020304" pitchFamily="18" charset="0"/>
-                <a:cs typeface="Times New Roman" panose="02020603050405020304" pitchFamily="18" charset="0"/>
-              </a:rPr>
-              <a:t>Training</a:t>
-            </a:r>
-            <a:r>
-              <a:rPr lang="en-US" sz="3200" dirty="0">
-                <a:latin typeface="Times New Roman" panose="02020603050405020304" pitchFamily="18" charset="0"/>
-                <a:cs typeface="Times New Roman" panose="02020603050405020304" pitchFamily="18" charset="0"/>
-              </a:rPr>
-              <a:t>: An algorithm takes a set of data known as “training data” as input. The learning algorithm finds patterns in the input data and trains the model for expected results (target). The output of the training process is the machine learning model.</a:t>
-            </a:r>
-          </a:p>
-          <a:p>
-            <a:r>
-              <a:rPr lang="en-US" sz="3200" b="1" dirty="0">
-                <a:latin typeface="Times New Roman" panose="02020603050405020304" pitchFamily="18" charset="0"/>
-                <a:cs typeface="Times New Roman" panose="02020603050405020304" pitchFamily="18" charset="0"/>
-              </a:rPr>
-              <a:t>Prediction</a:t>
-            </a:r>
-            <a:r>
-              <a:rPr lang="en-US" sz="3200" dirty="0">
-                <a:latin typeface="Times New Roman" panose="02020603050405020304" pitchFamily="18" charset="0"/>
-                <a:cs typeface="Times New Roman" panose="02020603050405020304" pitchFamily="18" charset="0"/>
-              </a:rPr>
-              <a:t>: Once the machine learning model is ready, it can be fed with input data to provide a predicted output.</a:t>
-            </a:r>
-          </a:p>
-          <a:p>
-            <a:r>
-              <a:rPr lang="en-US" sz="3200" b="1" dirty="0">
-                <a:latin typeface="Times New Roman" panose="02020603050405020304" pitchFamily="18" charset="0"/>
-                <a:cs typeface="Times New Roman" panose="02020603050405020304" pitchFamily="18" charset="0"/>
-              </a:rPr>
-              <a:t>Target (Label)</a:t>
-            </a:r>
-            <a:r>
-              <a:rPr lang="en-US" sz="3200" dirty="0">
-                <a:latin typeface="Times New Roman" panose="02020603050405020304" pitchFamily="18" charset="0"/>
-                <a:cs typeface="Times New Roman" panose="02020603050405020304" pitchFamily="18" charset="0"/>
-              </a:rPr>
-              <a:t>: The value that the machine learning model has to predict is called the target or label.</a:t>
-            </a:r>
-          </a:p>
-          <a:p>
-            <a:r>
-              <a:rPr lang="en-US" sz="3200" b="1" dirty="0">
-                <a:latin typeface="Times New Roman" panose="02020603050405020304" pitchFamily="18" charset="0"/>
-                <a:cs typeface="Times New Roman" panose="02020603050405020304" pitchFamily="18" charset="0"/>
-              </a:rPr>
-              <a:t>Overfitting</a:t>
-            </a:r>
-            <a:r>
-              <a:rPr lang="en-US" sz="3200" dirty="0">
-                <a:latin typeface="Times New Roman" panose="02020603050405020304" pitchFamily="18" charset="0"/>
-                <a:cs typeface="Times New Roman" panose="02020603050405020304" pitchFamily="18" charset="0"/>
-              </a:rPr>
-              <a:t>: When a massive amount of data trains a machine learning model, it tends to learn from the noise and inaccurate data entries. Here the model fails to </a:t>
-            </a:r>
-            <a:r>
-              <a:rPr lang="en-US" sz="3200" dirty="0" smtClean="0">
-                <a:latin typeface="Times New Roman" panose="02020603050405020304" pitchFamily="18" charset="0"/>
-                <a:cs typeface="Times New Roman" panose="02020603050405020304" pitchFamily="18" charset="0"/>
-              </a:rPr>
-              <a:t>characterize </a:t>
-            </a:r>
-            <a:r>
-              <a:rPr lang="en-US" sz="3200" dirty="0">
-                <a:latin typeface="Times New Roman" panose="02020603050405020304" pitchFamily="18" charset="0"/>
-                <a:cs typeface="Times New Roman" panose="02020603050405020304" pitchFamily="18" charset="0"/>
-              </a:rPr>
-              <a:t>the data correctly.</a:t>
-            </a:r>
-          </a:p>
-          <a:p>
-            <a:r>
-              <a:rPr lang="en-US" sz="3200" b="1" dirty="0" err="1">
-                <a:latin typeface="Times New Roman" panose="02020603050405020304" pitchFamily="18" charset="0"/>
-                <a:cs typeface="Times New Roman" panose="02020603050405020304" pitchFamily="18" charset="0"/>
-              </a:rPr>
-              <a:t>Underfitting</a:t>
-            </a:r>
-            <a:r>
-              <a:rPr lang="en-US" sz="3200" dirty="0">
-                <a:latin typeface="Times New Roman" panose="02020603050405020304" pitchFamily="18" charset="0"/>
-                <a:cs typeface="Times New Roman" panose="02020603050405020304" pitchFamily="18" charset="0"/>
-              </a:rPr>
-              <a:t>: It is the scenario when the model fails to decipher the underlying trend in the input data. It destroys the accuracy of the machine learning model. In simple terms, the model or the algorithm does not fit the data well enough.</a:t>
-            </a:r>
-          </a:p>
-          <a:p>
-            <a:endParaRPr lang="en-US" dirty="0"/>
+            <a:pPr algn="just"/>
+            <a:r>
+              <a:rPr lang="en-US" sz="2000" dirty="0" smtClean="0">
+                <a:latin typeface="Times New Roman" panose="02020603050405020304" pitchFamily="18" charset="0"/>
+                <a:cs typeface="Times New Roman" panose="02020603050405020304" pitchFamily="18" charset="0"/>
+              </a:rPr>
+              <a:t>Unsupervised </a:t>
+            </a:r>
+            <a:r>
+              <a:rPr lang="en-US" sz="2000" dirty="0">
+                <a:latin typeface="Times New Roman" panose="02020603050405020304" pitchFamily="18" charset="0"/>
+                <a:cs typeface="Times New Roman" panose="02020603050405020304" pitchFamily="18" charset="0"/>
+              </a:rPr>
+              <a:t>learning </a:t>
+            </a:r>
+            <a:r>
+              <a:rPr lang="en-US" sz="2000" dirty="0" smtClean="0">
+                <a:latin typeface="Times New Roman" panose="02020603050405020304" pitchFamily="18" charset="0"/>
+                <a:cs typeface="Times New Roman" panose="02020603050405020304" pitchFamily="18" charset="0"/>
+              </a:rPr>
+              <a:t>is </a:t>
+            </a:r>
+            <a:r>
+              <a:rPr lang="en-US" sz="2000" dirty="0">
+                <a:latin typeface="Times New Roman" panose="02020603050405020304" pitchFamily="18" charset="0"/>
+                <a:cs typeface="Times New Roman" panose="02020603050405020304" pitchFamily="18" charset="0"/>
+              </a:rPr>
+              <a:t>a geometric problem. Meaning, it tries to understand the structure of the problem in order to discover how to partition the data meaningfully.</a:t>
+            </a:r>
+          </a:p>
+          <a:p>
+            <a:pPr algn="just"/>
+            <a:r>
+              <a:rPr lang="en-US" sz="2000" dirty="0">
+                <a:latin typeface="Times New Roman" panose="02020603050405020304" pitchFamily="18" charset="0"/>
+                <a:cs typeface="Times New Roman" panose="02020603050405020304" pitchFamily="18" charset="0"/>
+              </a:rPr>
+              <a:t>Supervised learning </a:t>
+            </a:r>
+            <a:r>
+              <a:rPr lang="en-US" sz="2000" dirty="0" smtClean="0">
+                <a:latin typeface="Times New Roman" panose="02020603050405020304" pitchFamily="18" charset="0"/>
+                <a:cs typeface="Times New Roman" panose="02020603050405020304" pitchFamily="18" charset="0"/>
+              </a:rPr>
+              <a:t>is </a:t>
+            </a:r>
+            <a:r>
+              <a:rPr lang="en-US" sz="2000" dirty="0">
+                <a:latin typeface="Times New Roman" panose="02020603050405020304" pitchFamily="18" charset="0"/>
+                <a:cs typeface="Times New Roman" panose="02020603050405020304" pitchFamily="18" charset="0"/>
+              </a:rPr>
+              <a:t>all about how to partition the data based on labels. In a sense, the structure is much less important, and the labels are the critical hints of how we should partition the data.</a:t>
+            </a:r>
+          </a:p>
+          <a:p>
+            <a:pPr algn="just"/>
+            <a:r>
+              <a:rPr lang="en-US" sz="2000" dirty="0" smtClean="0">
+                <a:latin typeface="Times New Roman" panose="02020603050405020304" pitchFamily="18" charset="0"/>
+                <a:cs typeface="Times New Roman" panose="02020603050405020304" pitchFamily="18" charset="0"/>
+              </a:rPr>
+              <a:t>Reinforcement </a:t>
+            </a:r>
+            <a:r>
+              <a:rPr lang="en-US" sz="2000" dirty="0">
+                <a:latin typeface="Times New Roman" panose="02020603050405020304" pitchFamily="18" charset="0"/>
+                <a:cs typeface="Times New Roman" panose="02020603050405020304" pitchFamily="18" charset="0"/>
+              </a:rPr>
+              <a:t>learning (RL) is something different. It involves feedback from the environment, depend on the previous states. It doesn’t necessarily involves labels, and you may get the reward well after the actions were taken</a:t>
+            </a:r>
+            <a:r>
+              <a:rPr lang="en-US" sz="2000" dirty="0" smtClean="0">
+                <a:latin typeface="Times New Roman" panose="02020603050405020304" pitchFamily="18" charset="0"/>
+                <a:cs typeface="Times New Roman" panose="02020603050405020304" pitchFamily="18" charset="0"/>
+              </a:rPr>
+              <a:t>.</a:t>
+            </a:r>
+          </a:p>
+          <a:p>
+            <a:pPr algn="just"/>
+            <a:r>
+              <a:rPr lang="en-US" sz="2000" dirty="0" smtClean="0">
+                <a:latin typeface="Times New Roman" panose="02020603050405020304" pitchFamily="18" charset="0"/>
+                <a:cs typeface="Times New Roman" panose="02020603050405020304" pitchFamily="18" charset="0"/>
+              </a:rPr>
+              <a:t>These points differentiate reinforcement learning totally from run of the mill supervised and unsupervised learning:</a:t>
+            </a:r>
+          </a:p>
+          <a:p>
+            <a:pPr lvl="2" algn="just"/>
+            <a:r>
+              <a:rPr lang="en-US" dirty="0" smtClean="0">
+                <a:latin typeface="Times New Roman" panose="02020603050405020304" pitchFamily="18" charset="0"/>
+                <a:cs typeface="Times New Roman" panose="02020603050405020304" pitchFamily="18" charset="0"/>
+              </a:rPr>
+              <a:t>It works on interacting with the environment, no predefined data, Exploration V/s Exploitation, no supervision, with the aim of learning a series of action.</a:t>
+            </a:r>
+            <a:endParaRPr lang="en-US" dirty="0">
+              <a:latin typeface="Times New Roman" panose="02020603050405020304" pitchFamily="18" charset="0"/>
+              <a:cs typeface="Times New Roman" panose="02020603050405020304" pitchFamily="18" charset="0"/>
+            </a:endParaRPr>
           </a:p>
         </p:txBody>
       </p:sp>
     </p:spTree>
     <p:extLst>
       <p:ext uri="{BB962C8B-B14F-4D97-AF65-F5344CB8AC3E}">
-        <p14:creationId xmlns:p14="http://schemas.microsoft.com/office/powerpoint/2010/main" val="212948309"/>
+        <p14:creationId xmlns:p14="http://schemas.microsoft.com/office/powerpoint/2010/main" val="952739204"/>
       </p:ext>
     </p:extLst>
   </p:cSld>
@@ -4881,18 +10257,25 @@
                   <a:t> chooses an </a:t>
                 </a:r>
                 <a:r>
-                  <a:rPr lang="en-US" sz="2000" i="1" dirty="0">
+                  <a:rPr lang="en-US" sz="2000" i="1" dirty="0" smtClean="0">
                     <a:latin typeface="Times New Roman" panose="02020603050405020304" pitchFamily="18" charset="0"/>
                     <a:cs typeface="Times New Roman" panose="02020603050405020304" pitchFamily="18" charset="0"/>
                   </a:rPr>
                   <a:t>action</a:t>
                 </a:r>
                 <a:r>
+                  <a:rPr lang="en-US" sz="2000" dirty="0" smtClean="0">
+                    <a:latin typeface="Times New Roman" panose="02020603050405020304" pitchFamily="18" charset="0"/>
+                    <a:cs typeface="Times New Roman" panose="02020603050405020304" pitchFamily="18" charset="0"/>
+                  </a:rPr>
+                  <a:t> </a:t>
+                </a:r>
+                <a:r>
                   <a:rPr lang="en-US" sz="2000" dirty="0">
                     <a:latin typeface="Times New Roman" panose="02020603050405020304" pitchFamily="18" charset="0"/>
                     <a:cs typeface="Times New Roman" panose="02020603050405020304" pitchFamily="18" charset="0"/>
                   </a:rPr>
-                  <a:t> at according to the </a:t>
+                  <a:t>according to the </a:t>
                 </a:r>
                 <a:r>
                   <a:rPr lang="en-US" sz="2000" i="1" dirty="0" smtClean="0">
@@ -8024,182 +13407,77 @@
             <p:ph type="title"/>
           </p:nvPr>
         </p:nvSpPr>
-        <p:spPr/>
+        <p:spPr>
+          <a:xfrm>
+            <a:off x="994954" y="2315845"/>
+            <a:ext cx="10515600" cy="1325563"/>
+          </a:xfrm>
+        </p:spPr>
         <p:txBody>
-          <a:bodyPr/>
+          <a:bodyPr>
+            <a:noAutofit/>
+          </a:bodyPr>
           <a:lstStyle/>
           <a:p>
-            <a:r>
-              <a:rPr lang="en-US" dirty="0" smtClean="0">
-                <a:latin typeface="Times New Roman" panose="02020603050405020304" pitchFamily="18" charset="0"/>
-                <a:cs typeface="Times New Roman" panose="02020603050405020304" pitchFamily="18" charset="0"/>
-              </a:rPr>
-              <a:t>What is Machine Learning?</a:t>
-            </a:r>
-            <a:endParaRPr lang="en-US" dirty="0">
+            <a:pPr algn="ctr"/>
+            <a:r>
+              <a:rPr lang="en-US" sz="3600" dirty="0" smtClean="0">
+                <a:latin typeface="Times New Roman" panose="02020603050405020304" pitchFamily="18" charset="0"/>
+                <a:cs typeface="Times New Roman" panose="02020603050405020304" pitchFamily="18" charset="0"/>
+              </a:rPr>
+              <a:t>Pattern Recognition and Machine Learning</a:t>
+            </a:r>
+            <a:br>
+              <a:rPr lang="en-US" sz="3600" dirty="0" smtClean="0">
+                <a:latin typeface="Times New Roman" panose="02020603050405020304" pitchFamily="18" charset="0"/>
+                <a:cs typeface="Times New Roman" panose="02020603050405020304" pitchFamily="18" charset="0"/>
+              </a:rPr>
+            </a:br>
+            <a:r>
+              <a:rPr lang="en-US" sz="3600" dirty="0">
+                <a:latin typeface="Times New Roman" panose="02020603050405020304" pitchFamily="18" charset="0"/>
+                <a:cs typeface="Times New Roman" panose="02020603050405020304" pitchFamily="18" charset="0"/>
+              </a:rPr>
+              <a:t/>
+            </a:r>
+            <a:br>
+              <a:rPr lang="en-US" sz="3600" dirty="0">
+                <a:latin typeface="Times New Roman" panose="02020603050405020304" pitchFamily="18" charset="0"/>
+                <a:cs typeface="Times New Roman" panose="02020603050405020304" pitchFamily="18" charset="0"/>
+              </a:rPr>
+            </a:br>
+            <a:r>
+              <a:rPr lang="en-US" sz="3600" dirty="0" smtClean="0">
+                <a:latin typeface="Times New Roman" panose="02020603050405020304" pitchFamily="18" charset="0"/>
+                <a:cs typeface="Times New Roman" panose="02020603050405020304" pitchFamily="18" charset="0"/>
+              </a:rPr>
+              <a:t>Proposed Topic :</a:t>
+            </a:r>
+            <a:r>
+              <a:rPr lang="en-US" sz="3600" dirty="0">
+                <a:latin typeface="Times New Roman" panose="02020603050405020304" pitchFamily="18" charset="0"/>
+                <a:cs typeface="Times New Roman" panose="02020603050405020304" pitchFamily="18" charset="0"/>
+              </a:rPr>
+              <a:t>Bounding Box Refinement Agent for Overlapping </a:t>
+            </a:r>
+            <a:r>
+              <a:rPr lang="en-US" sz="3600" dirty="0" smtClean="0">
+                <a:latin typeface="Times New Roman" panose="02020603050405020304" pitchFamily="18" charset="0"/>
+                <a:cs typeface="Times New Roman" panose="02020603050405020304" pitchFamily="18" charset="0"/>
+              </a:rPr>
+              <a:t>Objects</a:t>
+            </a:r>
+            <a:endParaRPr lang="en-US" sz="3600" dirty="0">
               <a:latin typeface="Times New Roman" panose="02020603050405020304" pitchFamily="18" charset="0"/>
               <a:cs typeface="Times New Roman" panose="02020603050405020304" pitchFamily="18" charset="0"/>
             </a:endParaRPr>
-          </a:p>
-        </p:txBody>
-      </p:sp>
-      <p:pic>
-        <p:nvPicPr>
-          <p:cNvPr id="4" name="Content Placeholder 3"/>
-          <p:cNvPicPr>
-            <a:picLocks noGrp="1" noChangeAspect="1"/>
-          </p:cNvPicPr>
-          <p:nvPr>
-            <p:ph idx="1"/>
-          </p:nvPr>
-        </p:nvPicPr>
-        <p:blipFill>
-          <a:blip r:embed="rId2">
-            <a:extLst>
-              <a:ext uri="{28A0092B-C50C-407E-A947-70E740481C1C}">
-                <a14:useLocalDpi xmlns:a14="http://schemas.microsoft.com/office/drawing/2010/main" val="0"/>
-              </a:ext>
-            </a:extLst>
-          </a:blip>
-          <a:stretch>
-            <a:fillRect/>
-          </a:stretch>
-        </p:blipFill>
-        <p:spPr>
-          <a:xfrm>
-            <a:off x="838200" y="1690688"/>
-            <a:ext cx="4351338" cy="4351338"/>
-          </a:xfrm>
-        </p:spPr>
-      </p:pic>
-      <p:sp>
-        <p:nvSpPr>
-          <p:cNvPr id="5" name="TextBox 4"/>
-          <p:cNvSpPr txBox="1"/>
-          <p:nvPr/>
-        </p:nvSpPr>
-        <p:spPr>
-          <a:xfrm>
-            <a:off x="5495109" y="2158197"/>
-            <a:ext cx="6392091" cy="3416320"/>
-          </a:xfrm>
-          <a:prstGeom prst="rect">
-            <a:avLst/>
-          </a:prstGeom>
-          <a:noFill/>
-        </p:spPr>
-        <p:txBody>
-          <a:bodyPr wrap="square" rtlCol="0">
-            <a:spAutoFit/>
-          </a:bodyPr>
-          <a:lstStyle/>
-          <a:p>
-            <a:pPr marL="285750" indent="-285750">
-              <a:buFont typeface="Arial" panose="020B0604020202020204" pitchFamily="34" charset="0"/>
-              <a:buChar char="•"/>
-            </a:pPr>
-            <a:r>
-              <a:rPr lang="en-US" dirty="0">
-                <a:latin typeface="Times New Roman" panose="02020603050405020304" pitchFamily="18" charset="0"/>
-                <a:cs typeface="Times New Roman" panose="02020603050405020304" pitchFamily="18" charset="0"/>
-              </a:rPr>
-              <a:t>Machine Learning is an application of Artificial Intelligence (AI) it gives devices the ability to learn from their experiences and improve their self without doing any coding. </a:t>
-            </a:r>
-            <a:endParaRPr lang="en-US" dirty="0" smtClean="0">
-              <a:latin typeface="Times New Roman" panose="02020603050405020304" pitchFamily="18" charset="0"/>
-              <a:cs typeface="Times New Roman" panose="02020603050405020304" pitchFamily="18" charset="0"/>
-            </a:endParaRPr>
-          </a:p>
-          <a:p>
-            <a:pPr marL="285750" indent="-285750">
-              <a:buFont typeface="Arial" panose="020B0604020202020204" pitchFamily="34" charset="0"/>
-              <a:buChar char="•"/>
-            </a:pPr>
-            <a:r>
-              <a:rPr lang="en-US" dirty="0" smtClean="0">
-                <a:latin typeface="Times New Roman" panose="02020603050405020304" pitchFamily="18" charset="0"/>
-                <a:cs typeface="Times New Roman" panose="02020603050405020304" pitchFamily="18" charset="0"/>
-              </a:rPr>
-              <a:t>For </a:t>
-            </a:r>
-            <a:r>
-              <a:rPr lang="en-US" dirty="0">
-                <a:latin typeface="Times New Roman" panose="02020603050405020304" pitchFamily="18" charset="0"/>
-                <a:cs typeface="Times New Roman" panose="02020603050405020304" pitchFamily="18" charset="0"/>
-              </a:rPr>
-              <a:t>Example, when you shop from any website it’s shows related search like:- People who bought also saw this.</a:t>
-            </a:r>
-          </a:p>
-          <a:p>
-            <a:pPr marL="285750" indent="-285750">
-              <a:buFont typeface="Arial" panose="020B0604020202020204" pitchFamily="34" charset="0"/>
-              <a:buChar char="•"/>
-            </a:pPr>
-            <a:r>
-              <a:rPr lang="en-US" dirty="0">
-                <a:latin typeface="Times New Roman" panose="02020603050405020304" pitchFamily="18" charset="0"/>
-                <a:cs typeface="Times New Roman" panose="02020603050405020304" pitchFamily="18" charset="0"/>
-              </a:rPr>
-              <a:t>Arthur Samuel coined the term Machine Learning in the year 1959. </a:t>
-            </a:r>
-            <a:endParaRPr lang="en-US" dirty="0" smtClean="0">
-              <a:latin typeface="Times New Roman" panose="02020603050405020304" pitchFamily="18" charset="0"/>
-              <a:cs typeface="Times New Roman" panose="02020603050405020304" pitchFamily="18" charset="0"/>
-            </a:endParaRPr>
-          </a:p>
-          <a:p>
-            <a:pPr marL="285750" indent="-285750">
-              <a:buFont typeface="Arial" panose="020B0604020202020204" pitchFamily="34" charset="0"/>
-              <a:buChar char="•"/>
-            </a:pPr>
-            <a:r>
-              <a:rPr lang="en-US" dirty="0" smtClean="0">
-                <a:latin typeface="Times New Roman" panose="02020603050405020304" pitchFamily="18" charset="0"/>
-                <a:cs typeface="Times New Roman" panose="02020603050405020304" pitchFamily="18" charset="0"/>
-              </a:rPr>
-              <a:t>He </a:t>
-            </a:r>
-            <a:r>
-              <a:rPr lang="en-US" dirty="0">
-                <a:latin typeface="Times New Roman" panose="02020603050405020304" pitchFamily="18" charset="0"/>
-                <a:cs typeface="Times New Roman" panose="02020603050405020304" pitchFamily="18" charset="0"/>
-              </a:rPr>
-              <a:t>defined Machine Learning as “</a:t>
-            </a:r>
-            <a:r>
-              <a:rPr lang="en-US" b="1" dirty="0">
-                <a:latin typeface="Times New Roman" panose="02020603050405020304" pitchFamily="18" charset="0"/>
-                <a:cs typeface="Times New Roman" panose="02020603050405020304" pitchFamily="18" charset="0"/>
-              </a:rPr>
-              <a:t>Field of study that gives computers the capability to learn without being explicitly programmed</a:t>
-            </a:r>
-            <a:r>
-              <a:rPr lang="en-US" b="1" dirty="0" smtClean="0">
-                <a:latin typeface="Times New Roman" panose="02020603050405020304" pitchFamily="18" charset="0"/>
-                <a:cs typeface="Times New Roman" panose="02020603050405020304" pitchFamily="18" charset="0"/>
-              </a:rPr>
-              <a:t>”.</a:t>
-            </a:r>
-          </a:p>
-          <a:p>
-            <a:endParaRPr lang="en-US" b="1" dirty="0">
-              <a:latin typeface="Times New Roman" panose="02020603050405020304" pitchFamily="18" charset="0"/>
-              <a:cs typeface="Times New Roman" panose="02020603050405020304" pitchFamily="18" charset="0"/>
-            </a:endParaRPr>
-          </a:p>
-          <a:p>
-            <a:pPr marL="285750" indent="-285750">
-              <a:buFont typeface="Arial" panose="020B0604020202020204" pitchFamily="34" charset="0"/>
-              <a:buChar char="•"/>
-            </a:pPr>
-            <a:endParaRPr lang="en-US" dirty="0"/>
           </a:p>
         </p:txBody>
       </p:sp>
     </p:spTree>
     <p:extLst>
       <p:ext uri="{BB962C8B-B14F-4D97-AF65-F5344CB8AC3E}">
-        <p14:creationId xmlns:p14="http://schemas.microsoft.com/office/powerpoint/2010/main" val="3479745172"/>
+        <p14:creationId xmlns:p14="http://schemas.microsoft.com/office/powerpoint/2010/main" val="744190618"/>
       </p:ext>
     </p:extLst>
   </p:cSld>
@@ -11655,8 +16933,8 @@
           </a:p>
         </p:txBody>
       </p:sp>
-      <mc:AlternateContent xmlns:mc="http://schemas.openxmlformats.org/markup-compatibility/2006">
-        <mc:Choice xmlns:a14="http://schemas.microsoft.com/office/drawing/2010/main" Requires="a14">
+      <mc:AlternateContent xmlns:mc="http://schemas.openxmlformats.org/markup-compatibility/2006" xmlns:a14="http://schemas.microsoft.com/office/drawing/2010/main">
+        <mc:Choice Requires="a14">
           <p:sp>
             <p:nvSpPr>
               <p:cNvPr id="3" name="Content Placeholder 2"/>
@@ -12009,10 +17287,6 @@
                   </a:rPr>
                   <a:t>. </a:t>
                 </a:r>
-                <a:endParaRPr lang="en-US" sz="2000" dirty="0" smtClean="0">
-                  <a:latin typeface="Times New Roman" panose="02020603050405020304" pitchFamily="18" charset="0"/>
-                  <a:cs typeface="Times New Roman" panose="02020603050405020304" pitchFamily="18" charset="0"/>
-                </a:endParaRPr>
               </a:p>
               <a:p>
                 <a:r>
@@ -12020,14 +17294,7 @@
                     <a:latin typeface="Times New Roman" panose="02020603050405020304" pitchFamily="18" charset="0"/>
                     <a:cs typeface="Times New Roman" panose="02020603050405020304" pitchFamily="18" charset="0"/>
                   </a:rPr>
-                  <a:t>Value </a:t>
-                </a:r>
-                <a:r>
-                  <a:rPr lang="en-US" sz="2000" dirty="0" smtClean="0">
-                    <a:latin typeface="Times New Roman" panose="02020603050405020304" pitchFamily="18" charset="0"/>
-                    <a:cs typeface="Times New Roman" panose="02020603050405020304" pitchFamily="18" charset="0"/>
-                  </a:rPr>
-                  <a:t>function: We </a:t>
+                  <a:t>Value function: We </a:t>
                 </a:r>
                 <a:r>
                   <a:rPr lang="en-US" sz="2000" dirty="0">
@@ -12140,7 +17407,7 @@
             </p:txBody>
           </p:sp>
         </mc:Choice>
-        <mc:Fallback>
+        <mc:Fallback xmlns="">
           <p:sp>
             <p:nvSpPr>
               <p:cNvPr id="3" name="Content Placeholder 2"/>
@@ -12215,7 +17482,7 @@
             <a:spLocks noGrp="1"/>
           </p:cNvSpPr>
           <p:nvPr>
-            <p:ph type="ctrTitle"/>
+            <p:ph type="title"/>
           </p:nvPr>
         </p:nvSpPr>
         <p:spPr/>
@@ -12225,14 +17492,185 @@
           </a:bodyPr>
           <a:lstStyle/>
           <a:p>
-            <a:endParaRPr lang="en-US" dirty="0"/>
+            <a:r>
+              <a:rPr lang="en-US" dirty="0" smtClean="0">
+                <a:latin typeface="Times New Roman" panose="02020603050405020304" pitchFamily="18" charset="0"/>
+                <a:cs typeface="Times New Roman" panose="02020603050405020304" pitchFamily="18" charset="0"/>
+              </a:rPr>
+              <a:t>Problem Statement</a:t>
+            </a:r>
+            <a:endParaRPr lang="en-US" dirty="0">
+              <a:latin typeface="Times New Roman" panose="02020603050405020304" pitchFamily="18" charset="0"/>
+              <a:cs typeface="Times New Roman" panose="02020603050405020304" pitchFamily="18" charset="0"/>
+            </a:endParaRPr>
           </a:p>
         </p:txBody>
       </p:sp>
+      <p:sp>
+        <p:nvSpPr>
+          <p:cNvPr id="3" name="Content Placeholder 2"/>
+          <p:cNvSpPr>
+            <a:spLocks noGrp="1"/>
+          </p:cNvSpPr>
+          <p:nvPr>
+            <p:ph idx="1"/>
+          </p:nvPr>
+        </p:nvSpPr>
+        <p:spPr>
+          <a:xfrm>
+            <a:off x="838200" y="1375954"/>
+            <a:ext cx="10515600" cy="4801009"/>
+          </a:xfrm>
+        </p:spPr>
+        <p:txBody>
+          <a:bodyPr>
+            <a:normAutofit/>
+          </a:bodyPr>
+          <a:lstStyle/>
+          <a:p>
+            <a:r>
+              <a:rPr lang="en-US" sz="2000" dirty="0" smtClean="0">
+                <a:latin typeface="Times New Roman" panose="02020603050405020304" pitchFamily="18" charset="0"/>
+                <a:cs typeface="Times New Roman" panose="02020603050405020304" pitchFamily="18" charset="0"/>
+              </a:rPr>
+              <a:t>All the existing literature just tends to create bounding boxes around the image but no approach has been taken to actually improve those bounding boxes. Bounding boxes might be very important in a industrial setting or even medical field. Incorrect bounding boxes might hamper the goal that we are trying to reach</a:t>
+            </a:r>
+          </a:p>
+          <a:p>
+            <a:r>
+              <a:rPr lang="en-US" sz="2000" dirty="0" smtClean="0">
+                <a:latin typeface="Times New Roman" panose="02020603050405020304" pitchFamily="18" charset="0"/>
+                <a:cs typeface="Times New Roman" panose="02020603050405020304" pitchFamily="18" charset="0"/>
+              </a:rPr>
+              <a:t>So my main literature tends to solve that problem by using a DRL agent to actually correct those bounding boxes and save precious human work to relabel the images.</a:t>
+            </a:r>
+          </a:p>
+          <a:p>
+            <a:r>
+              <a:rPr lang="en-US" sz="2000" dirty="0" smtClean="0">
+                <a:latin typeface="Times New Roman" panose="02020603050405020304" pitchFamily="18" charset="0"/>
+                <a:cs typeface="Times New Roman" panose="02020603050405020304" pitchFamily="18" charset="0"/>
+              </a:rPr>
+              <a:t>The criteria used for evaluating the ability of the agent to actually correct those bounding boxes is Intersection Over Union (</a:t>
+            </a:r>
+            <a:r>
+              <a:rPr lang="en-US" sz="2000" dirty="0" err="1" smtClean="0">
+                <a:latin typeface="Times New Roman" panose="02020603050405020304" pitchFamily="18" charset="0"/>
+                <a:cs typeface="Times New Roman" panose="02020603050405020304" pitchFamily="18" charset="0"/>
+              </a:rPr>
+              <a:t>IoU</a:t>
+            </a:r>
+            <a:r>
+              <a:rPr lang="en-US" sz="2000" dirty="0" smtClean="0">
+                <a:latin typeface="Times New Roman" panose="02020603050405020304" pitchFamily="18" charset="0"/>
+                <a:cs typeface="Times New Roman" panose="02020603050405020304" pitchFamily="18" charset="0"/>
+              </a:rPr>
+              <a:t>) or in other words known as </a:t>
+            </a:r>
+            <a:r>
+              <a:rPr lang="en-US" sz="2000" dirty="0" err="1" smtClean="0">
+                <a:latin typeface="Times New Roman" panose="02020603050405020304" pitchFamily="18" charset="0"/>
+                <a:cs typeface="Times New Roman" panose="02020603050405020304" pitchFamily="18" charset="0"/>
+              </a:rPr>
+              <a:t>Jaccard</a:t>
+            </a:r>
+            <a:r>
+              <a:rPr lang="en-US" sz="2000" dirty="0" smtClean="0">
+                <a:latin typeface="Times New Roman" panose="02020603050405020304" pitchFamily="18" charset="0"/>
+                <a:cs typeface="Times New Roman" panose="02020603050405020304" pitchFamily="18" charset="0"/>
+              </a:rPr>
+              <a:t> Index.</a:t>
+            </a:r>
+          </a:p>
+          <a:p>
+            <a:r>
+              <a:rPr lang="en-US" sz="2000" dirty="0">
+                <a:latin typeface="Times New Roman" panose="02020603050405020304" pitchFamily="18" charset="0"/>
+                <a:cs typeface="Times New Roman" panose="02020603050405020304" pitchFamily="18" charset="0"/>
+              </a:rPr>
+              <a:t>The </a:t>
+            </a:r>
+            <a:r>
+              <a:rPr lang="en-US" sz="2000" dirty="0" err="1">
+                <a:latin typeface="Times New Roman" panose="02020603050405020304" pitchFamily="18" charset="0"/>
+                <a:cs typeface="Times New Roman" panose="02020603050405020304" pitchFamily="18" charset="0"/>
+              </a:rPr>
+              <a:t>IoU</a:t>
+            </a:r>
+            <a:r>
+              <a:rPr lang="en-US" sz="2000" dirty="0">
+                <a:latin typeface="Times New Roman" panose="02020603050405020304" pitchFamily="18" charset="0"/>
+                <a:cs typeface="Times New Roman" panose="02020603050405020304" pitchFamily="18" charset="0"/>
+              </a:rPr>
+              <a:t> formula is given by </a:t>
+            </a:r>
+          </a:p>
+          <a:p>
+            <a:endParaRPr lang="en-US" sz="2000" dirty="0" smtClean="0">
+              <a:latin typeface="Times New Roman" panose="02020603050405020304" pitchFamily="18" charset="0"/>
+              <a:cs typeface="Times New Roman" panose="02020603050405020304" pitchFamily="18" charset="0"/>
+            </a:endParaRPr>
+          </a:p>
+          <a:p>
+            <a:endParaRPr lang="en-US" sz="2000" dirty="0">
+              <a:latin typeface="Times New Roman" panose="02020603050405020304" pitchFamily="18" charset="0"/>
+              <a:cs typeface="Times New Roman" panose="02020603050405020304" pitchFamily="18" charset="0"/>
+            </a:endParaRPr>
+          </a:p>
+          <a:p>
+            <a:endParaRPr lang="en-US" sz="2000" dirty="0" smtClean="0">
+              <a:latin typeface="Times New Roman" panose="02020603050405020304" pitchFamily="18" charset="0"/>
+              <a:cs typeface="Times New Roman" panose="02020603050405020304" pitchFamily="18" charset="0"/>
+            </a:endParaRPr>
+          </a:p>
+          <a:p>
+            <a:endParaRPr lang="en-US" sz="2000" dirty="0">
+              <a:latin typeface="Times New Roman" panose="02020603050405020304" pitchFamily="18" charset="0"/>
+              <a:cs typeface="Times New Roman" panose="02020603050405020304" pitchFamily="18" charset="0"/>
+            </a:endParaRPr>
+          </a:p>
+          <a:p>
+            <a:endParaRPr lang="en-US" sz="2000" dirty="0" smtClean="0">
+              <a:latin typeface="Times New Roman" panose="02020603050405020304" pitchFamily="18" charset="0"/>
+              <a:cs typeface="Times New Roman" panose="02020603050405020304" pitchFamily="18" charset="0"/>
+            </a:endParaRPr>
+          </a:p>
+        </p:txBody>
+      </p:sp>
+      <p:pic>
+        <p:nvPicPr>
+          <p:cNvPr id="6" name="Picture 5"/>
+          <p:cNvPicPr>
+            <a:picLocks noChangeAspect="1"/>
+          </p:cNvPicPr>
+          <p:nvPr/>
+        </p:nvPicPr>
+        <p:blipFill>
+          <a:blip r:embed="rId2">
+            <a:extLst>
+              <a:ext uri="{28A0092B-C50C-407E-A947-70E740481C1C}">
+                <a14:useLocalDpi xmlns:a14="http://schemas.microsoft.com/office/drawing/2010/main" val="0"/>
+              </a:ext>
+            </a:extLst>
+          </a:blip>
+          <a:stretch>
+            <a:fillRect/>
+          </a:stretch>
+        </p:blipFill>
+        <p:spPr>
+          <a:xfrm>
+            <a:off x="3501866" y="4639809"/>
+            <a:ext cx="5188268" cy="643800"/>
+          </a:xfrm>
+          <a:prstGeom prst="rect">
+            <a:avLst/>
+          </a:prstGeom>
+        </p:spPr>
+      </p:pic>
     </p:spTree>
     <p:extLst>
       <p:ext uri="{BB962C8B-B14F-4D97-AF65-F5344CB8AC3E}">
-        <p14:creationId xmlns:p14="http://schemas.microsoft.com/office/powerpoint/2010/main" val="875810349"/>
+        <p14:creationId xmlns:p14="http://schemas.microsoft.com/office/powerpoint/2010/main" val="2574124704"/>
       </p:ext>
     </p:extLst>
   </p:cSld>
@@ -12269,6 +17707,1300 @@
             <p:ph type="title"/>
           </p:nvPr>
         </p:nvSpPr>
+        <p:spPr/>
+        <p:txBody>
+          <a:bodyPr/>
+          <a:lstStyle/>
+          <a:p>
+            <a:r>
+              <a:rPr lang="en-US" dirty="0" smtClean="0">
+                <a:latin typeface="Times New Roman" panose="02020603050405020304" pitchFamily="18" charset="0"/>
+                <a:cs typeface="Times New Roman" panose="02020603050405020304" pitchFamily="18" charset="0"/>
+              </a:rPr>
+              <a:t>What is Machine Learning?</a:t>
+            </a:r>
+            <a:endParaRPr lang="en-US" dirty="0">
+              <a:latin typeface="Times New Roman" panose="02020603050405020304" pitchFamily="18" charset="0"/>
+              <a:cs typeface="Times New Roman" panose="02020603050405020304" pitchFamily="18" charset="0"/>
+            </a:endParaRPr>
+          </a:p>
+        </p:txBody>
+      </p:sp>
+      <p:pic>
+        <p:nvPicPr>
+          <p:cNvPr id="4" name="Content Placeholder 3"/>
+          <p:cNvPicPr>
+            <a:picLocks noGrp="1" noChangeAspect="1"/>
+          </p:cNvPicPr>
+          <p:nvPr>
+            <p:ph idx="1"/>
+          </p:nvPr>
+        </p:nvPicPr>
+        <p:blipFill>
+          <a:blip r:embed="rId2">
+            <a:extLst>
+              <a:ext uri="{28A0092B-C50C-407E-A947-70E740481C1C}">
+                <a14:useLocalDpi xmlns:a14="http://schemas.microsoft.com/office/drawing/2010/main" val="0"/>
+              </a:ext>
+            </a:extLst>
+          </a:blip>
+          <a:stretch>
+            <a:fillRect/>
+          </a:stretch>
+        </p:blipFill>
+        <p:spPr>
+          <a:xfrm>
+            <a:off x="838200" y="1690688"/>
+            <a:ext cx="4351338" cy="4351338"/>
+          </a:xfrm>
+        </p:spPr>
+      </p:pic>
+      <p:sp>
+        <p:nvSpPr>
+          <p:cNvPr id="5" name="TextBox 4"/>
+          <p:cNvSpPr txBox="1"/>
+          <p:nvPr/>
+        </p:nvSpPr>
+        <p:spPr>
+          <a:xfrm>
+            <a:off x="5495109" y="2158197"/>
+            <a:ext cx="6392091" cy="3416320"/>
+          </a:xfrm>
+          <a:prstGeom prst="rect">
+            <a:avLst/>
+          </a:prstGeom>
+          <a:noFill/>
+        </p:spPr>
+        <p:txBody>
+          <a:bodyPr wrap="square" rtlCol="0">
+            <a:spAutoFit/>
+          </a:bodyPr>
+          <a:lstStyle/>
+          <a:p>
+            <a:pPr marL="285750" indent="-285750">
+              <a:buFont typeface="Arial" panose="020B0604020202020204" pitchFamily="34" charset="0"/>
+              <a:buChar char="•"/>
+            </a:pPr>
+            <a:r>
+              <a:rPr lang="en-US" dirty="0">
+                <a:latin typeface="Times New Roman" panose="02020603050405020304" pitchFamily="18" charset="0"/>
+                <a:cs typeface="Times New Roman" panose="02020603050405020304" pitchFamily="18" charset="0"/>
+              </a:rPr>
+              <a:t>Machine Learning is an application of Artificial Intelligence (AI) it gives devices the ability to learn from their experiences and improve their self without doing any coding. </a:t>
+            </a:r>
+            <a:endParaRPr lang="en-US" dirty="0" smtClean="0">
+              <a:latin typeface="Times New Roman" panose="02020603050405020304" pitchFamily="18" charset="0"/>
+              <a:cs typeface="Times New Roman" panose="02020603050405020304" pitchFamily="18" charset="0"/>
+            </a:endParaRPr>
+          </a:p>
+          <a:p>
+            <a:pPr marL="285750" indent="-285750">
+              <a:buFont typeface="Arial" panose="020B0604020202020204" pitchFamily="34" charset="0"/>
+              <a:buChar char="•"/>
+            </a:pPr>
+            <a:r>
+              <a:rPr lang="en-US" dirty="0" smtClean="0">
+                <a:latin typeface="Times New Roman" panose="02020603050405020304" pitchFamily="18" charset="0"/>
+                <a:cs typeface="Times New Roman" panose="02020603050405020304" pitchFamily="18" charset="0"/>
+              </a:rPr>
+              <a:t>For </a:t>
+            </a:r>
+            <a:r>
+              <a:rPr lang="en-US" dirty="0">
+                <a:latin typeface="Times New Roman" panose="02020603050405020304" pitchFamily="18" charset="0"/>
+                <a:cs typeface="Times New Roman" panose="02020603050405020304" pitchFamily="18" charset="0"/>
+              </a:rPr>
+              <a:t>Example, when you shop from any website it’s shows related search like:- People who bought also saw this.</a:t>
+            </a:r>
+          </a:p>
+          <a:p>
+            <a:pPr marL="285750" indent="-285750">
+              <a:buFont typeface="Arial" panose="020B0604020202020204" pitchFamily="34" charset="0"/>
+              <a:buChar char="•"/>
+            </a:pPr>
+            <a:r>
+              <a:rPr lang="en-US" dirty="0">
+                <a:latin typeface="Times New Roman" panose="02020603050405020304" pitchFamily="18" charset="0"/>
+                <a:cs typeface="Times New Roman" panose="02020603050405020304" pitchFamily="18" charset="0"/>
+              </a:rPr>
+              <a:t>Arthur Samuel coined the term Machine Learning in the year 1959. </a:t>
+            </a:r>
+            <a:endParaRPr lang="en-US" dirty="0" smtClean="0">
+              <a:latin typeface="Times New Roman" panose="02020603050405020304" pitchFamily="18" charset="0"/>
+              <a:cs typeface="Times New Roman" panose="02020603050405020304" pitchFamily="18" charset="0"/>
+            </a:endParaRPr>
+          </a:p>
+          <a:p>
+            <a:pPr marL="285750" indent="-285750">
+              <a:buFont typeface="Arial" panose="020B0604020202020204" pitchFamily="34" charset="0"/>
+              <a:buChar char="•"/>
+            </a:pPr>
+            <a:r>
+              <a:rPr lang="en-US" dirty="0" smtClean="0">
+                <a:latin typeface="Times New Roman" panose="02020603050405020304" pitchFamily="18" charset="0"/>
+                <a:cs typeface="Times New Roman" panose="02020603050405020304" pitchFamily="18" charset="0"/>
+              </a:rPr>
+              <a:t>He </a:t>
+            </a:r>
+            <a:r>
+              <a:rPr lang="en-US" dirty="0">
+                <a:latin typeface="Times New Roman" panose="02020603050405020304" pitchFamily="18" charset="0"/>
+                <a:cs typeface="Times New Roman" panose="02020603050405020304" pitchFamily="18" charset="0"/>
+              </a:rPr>
+              <a:t>defined Machine Learning as “</a:t>
+            </a:r>
+            <a:r>
+              <a:rPr lang="en-US" b="1" dirty="0">
+                <a:latin typeface="Times New Roman" panose="02020603050405020304" pitchFamily="18" charset="0"/>
+                <a:cs typeface="Times New Roman" panose="02020603050405020304" pitchFamily="18" charset="0"/>
+              </a:rPr>
+              <a:t>Field of study that gives computers the capability to learn without being explicitly programmed</a:t>
+            </a:r>
+            <a:r>
+              <a:rPr lang="en-US" b="1" dirty="0" smtClean="0">
+                <a:latin typeface="Times New Roman" panose="02020603050405020304" pitchFamily="18" charset="0"/>
+                <a:cs typeface="Times New Roman" panose="02020603050405020304" pitchFamily="18" charset="0"/>
+              </a:rPr>
+              <a:t>”.</a:t>
+            </a:r>
+          </a:p>
+          <a:p>
+            <a:endParaRPr lang="en-US" b="1" dirty="0">
+              <a:latin typeface="Times New Roman" panose="02020603050405020304" pitchFamily="18" charset="0"/>
+              <a:cs typeface="Times New Roman" panose="02020603050405020304" pitchFamily="18" charset="0"/>
+            </a:endParaRPr>
+          </a:p>
+          <a:p>
+            <a:pPr marL="285750" indent="-285750">
+              <a:buFont typeface="Arial" panose="020B0604020202020204" pitchFamily="34" charset="0"/>
+              <a:buChar char="•"/>
+            </a:pPr>
+            <a:endParaRPr lang="en-US" dirty="0"/>
+          </a:p>
+        </p:txBody>
+      </p:sp>
+    </p:spTree>
+    <p:extLst>
+      <p:ext uri="{BB962C8B-B14F-4D97-AF65-F5344CB8AC3E}">
+        <p14:creationId xmlns:p14="http://schemas.microsoft.com/office/powerpoint/2010/main" val="3479745172"/>
+      </p:ext>
+    </p:extLst>
+  </p:cSld>
+  <p:clrMapOvr>
+    <a:masterClrMapping/>
+  </p:clrMapOvr>
+</p:sld>
+</file>
+
+<file path=ppt/slides/slide30.xml><?xml version="1.0" encoding="utf-8"?>
+<p:sld xmlns:a="http://schemas.openxmlformats.org/drawingml/2006/main" xmlns:r="http://schemas.openxmlformats.org/officeDocument/2006/relationships" xmlns:p="http://schemas.openxmlformats.org/presentationml/2006/main">
+  <p:cSld>
+    <p:spTree>
+      <p:nvGrpSpPr>
+        <p:cNvPr id="1" name=""/>
+        <p:cNvGrpSpPr/>
+        <p:nvPr/>
+      </p:nvGrpSpPr>
+      <p:grpSpPr>
+        <a:xfrm>
+          <a:off x="0" y="0"/>
+          <a:ext cx="0" cy="0"/>
+          <a:chOff x="0" y="0"/>
+          <a:chExt cx="0" cy="0"/>
+        </a:xfrm>
+      </p:grpSpPr>
+      <p:pic>
+        <p:nvPicPr>
+          <p:cNvPr id="3" name="Picture 2"/>
+          <p:cNvPicPr>
+            <a:picLocks noChangeAspect="1"/>
+          </p:cNvPicPr>
+          <p:nvPr/>
+        </p:nvPicPr>
+        <p:blipFill>
+          <a:blip r:embed="rId2">
+            <a:extLst>
+              <a:ext uri="{28A0092B-C50C-407E-A947-70E740481C1C}">
+                <a14:useLocalDpi xmlns:a14="http://schemas.microsoft.com/office/drawing/2010/main" val="0"/>
+              </a:ext>
+            </a:extLst>
+          </a:blip>
+          <a:stretch>
+            <a:fillRect/>
+          </a:stretch>
+        </p:blipFill>
+        <p:spPr>
+          <a:xfrm>
+            <a:off x="296634" y="696686"/>
+            <a:ext cx="5907653" cy="4763588"/>
+          </a:xfrm>
+          <a:prstGeom prst="rect">
+            <a:avLst/>
+          </a:prstGeom>
+        </p:spPr>
+      </p:pic>
+      <p:pic>
+        <p:nvPicPr>
+          <p:cNvPr id="6" name="Picture 5"/>
+          <p:cNvPicPr>
+            <a:picLocks noChangeAspect="1"/>
+          </p:cNvPicPr>
+          <p:nvPr/>
+        </p:nvPicPr>
+        <p:blipFill>
+          <a:blip r:embed="rId3">
+            <a:extLst>
+              <a:ext uri="{28A0092B-C50C-407E-A947-70E740481C1C}">
+                <a14:useLocalDpi xmlns:a14="http://schemas.microsoft.com/office/drawing/2010/main" val="0"/>
+              </a:ext>
+            </a:extLst>
+          </a:blip>
+          <a:stretch>
+            <a:fillRect/>
+          </a:stretch>
+        </p:blipFill>
+        <p:spPr>
+          <a:xfrm>
+            <a:off x="6051369" y="66675"/>
+            <a:ext cx="5461362" cy="4096022"/>
+          </a:xfrm>
+          <a:prstGeom prst="rect">
+            <a:avLst/>
+          </a:prstGeom>
+        </p:spPr>
+      </p:pic>
+      <p:pic>
+        <p:nvPicPr>
+          <p:cNvPr id="7" name="Picture 6"/>
+          <p:cNvPicPr>
+            <a:picLocks noChangeAspect="1"/>
+          </p:cNvPicPr>
+          <p:nvPr/>
+        </p:nvPicPr>
+        <p:blipFill>
+          <a:blip r:embed="rId4">
+            <a:extLst>
+              <a:ext uri="{28A0092B-C50C-407E-A947-70E740481C1C}">
+                <a14:useLocalDpi xmlns:a14="http://schemas.microsoft.com/office/drawing/2010/main" val="0"/>
+              </a:ext>
+            </a:extLst>
+          </a:blip>
+          <a:stretch>
+            <a:fillRect/>
+          </a:stretch>
+        </p:blipFill>
+        <p:spPr>
+          <a:xfrm>
+            <a:off x="6164580" y="4162697"/>
+            <a:ext cx="5348151" cy="2210569"/>
+          </a:xfrm>
+          <a:prstGeom prst="rect">
+            <a:avLst/>
+          </a:prstGeom>
+        </p:spPr>
+      </p:pic>
+    </p:spTree>
+    <p:extLst>
+      <p:ext uri="{BB962C8B-B14F-4D97-AF65-F5344CB8AC3E}">
+        <p14:creationId xmlns:p14="http://schemas.microsoft.com/office/powerpoint/2010/main" val="875810349"/>
+      </p:ext>
+    </p:extLst>
+  </p:cSld>
+  <p:clrMapOvr>
+    <a:masterClrMapping/>
+  </p:clrMapOvr>
+</p:sld>
+</file>
+
+<file path=ppt/slides/slide31.xml><?xml version="1.0" encoding="utf-8"?>
+<p:sld xmlns:a="http://schemas.openxmlformats.org/drawingml/2006/main" xmlns:r="http://schemas.openxmlformats.org/officeDocument/2006/relationships" xmlns:p="http://schemas.openxmlformats.org/presentationml/2006/main">
+  <p:cSld>
+    <p:spTree>
+      <p:nvGrpSpPr>
+        <p:cNvPr id="1" name=""/>
+        <p:cNvGrpSpPr/>
+        <p:nvPr/>
+      </p:nvGrpSpPr>
+      <p:grpSpPr>
+        <a:xfrm>
+          <a:off x="0" y="0"/>
+          <a:ext cx="0" cy="0"/>
+          <a:chOff x="0" y="0"/>
+          <a:chExt cx="0" cy="0"/>
+        </a:xfrm>
+      </p:grpSpPr>
+      <p:sp>
+        <p:nvSpPr>
+          <p:cNvPr id="3" name="Content Placeholder 2"/>
+          <p:cNvSpPr>
+            <a:spLocks noGrp="1"/>
+          </p:cNvSpPr>
+          <p:nvPr>
+            <p:ph idx="1"/>
+          </p:nvPr>
+        </p:nvSpPr>
+        <p:spPr>
+          <a:xfrm>
+            <a:off x="838200" y="365760"/>
+            <a:ext cx="10515600" cy="5811203"/>
+          </a:xfrm>
+        </p:spPr>
+        <p:txBody>
+          <a:bodyPr>
+            <a:normAutofit/>
+          </a:bodyPr>
+          <a:lstStyle/>
+          <a:p>
+            <a:pPr algn="just"/>
+            <a:r>
+              <a:rPr lang="en-US" sz="2000" dirty="0" smtClean="0">
+                <a:latin typeface="Times New Roman" panose="02020603050405020304" pitchFamily="18" charset="0"/>
+                <a:cs typeface="Times New Roman" panose="02020603050405020304" pitchFamily="18" charset="0"/>
+              </a:rPr>
+              <a:t>Now this sort of approach works extremely well when having just one item in a particular image or a frame of reference.</a:t>
+            </a:r>
+          </a:p>
+          <a:p>
+            <a:pPr algn="just"/>
+            <a:r>
+              <a:rPr lang="en-US" sz="2000" dirty="0" smtClean="0">
+                <a:latin typeface="Times New Roman" panose="02020603050405020304" pitchFamily="18" charset="0"/>
+                <a:cs typeface="Times New Roman" panose="02020603050405020304" pitchFamily="18" charset="0"/>
+              </a:rPr>
+              <a:t>What happens if there are multiple items in a particular image? What happens if there are overlapping images in a particular frame?</a:t>
+            </a:r>
+          </a:p>
+          <a:p>
+            <a:pPr algn="just"/>
+            <a:r>
+              <a:rPr lang="en-US" sz="2000" dirty="0" smtClean="0">
+                <a:latin typeface="Times New Roman" panose="02020603050405020304" pitchFamily="18" charset="0"/>
+                <a:cs typeface="Times New Roman" panose="02020603050405020304" pitchFamily="18" charset="0"/>
+              </a:rPr>
+              <a:t>That is the question that I has ventured on to find out. My aim is to try and figure out how to actually generate bounding boxes for multiple objects, how to generate bounding boxes for multiple overlapping objects and then try to actually refine the incorrect bounding boxes.</a:t>
+            </a:r>
+          </a:p>
+          <a:p>
+            <a:pPr algn="just"/>
+            <a:r>
+              <a:rPr lang="en-US" sz="2000" dirty="0" smtClean="0">
+                <a:latin typeface="Times New Roman" panose="02020603050405020304" pitchFamily="18" charset="0"/>
+                <a:cs typeface="Times New Roman" panose="02020603050405020304" pitchFamily="18" charset="0"/>
+              </a:rPr>
+              <a:t>So formally defining my problem statement, it is </a:t>
+            </a:r>
+            <a:r>
+              <a:rPr lang="en-US" sz="2000" b="1" i="1" u="sng" dirty="0" smtClean="0">
+                <a:latin typeface="Times New Roman" panose="02020603050405020304" pitchFamily="18" charset="0"/>
+                <a:cs typeface="Times New Roman" panose="02020603050405020304" pitchFamily="18" charset="0"/>
+              </a:rPr>
+              <a:t>“Bounding Box Refinement Agent for Overlapping Objects”</a:t>
+            </a:r>
+            <a:r>
+              <a:rPr lang="en-US" sz="2000" dirty="0" smtClean="0">
+                <a:latin typeface="Times New Roman" panose="02020603050405020304" pitchFamily="18" charset="0"/>
+                <a:cs typeface="Times New Roman" panose="02020603050405020304" pitchFamily="18" charset="0"/>
+              </a:rPr>
+              <a:t>.</a:t>
+            </a:r>
+            <a:endParaRPr lang="en-US" sz="2000" b="1" i="1" u="sng" dirty="0" smtClean="0">
+              <a:latin typeface="Times New Roman" panose="02020603050405020304" pitchFamily="18" charset="0"/>
+              <a:cs typeface="Times New Roman" panose="02020603050405020304" pitchFamily="18" charset="0"/>
+            </a:endParaRPr>
+          </a:p>
+        </p:txBody>
+      </p:sp>
+    </p:spTree>
+    <p:extLst>
+      <p:ext uri="{BB962C8B-B14F-4D97-AF65-F5344CB8AC3E}">
+        <p14:creationId xmlns:p14="http://schemas.microsoft.com/office/powerpoint/2010/main" val="3883605960"/>
+      </p:ext>
+    </p:extLst>
+  </p:cSld>
+  <p:clrMapOvr>
+    <a:masterClrMapping/>
+  </p:clrMapOvr>
+</p:sld>
+</file>
+
+<file path=ppt/slides/slide32.xml><?xml version="1.0" encoding="utf-8"?>
+<p:sld xmlns:a="http://schemas.openxmlformats.org/drawingml/2006/main" xmlns:r="http://schemas.openxmlformats.org/officeDocument/2006/relationships" xmlns:p="http://schemas.openxmlformats.org/presentationml/2006/main">
+  <p:cSld>
+    <p:spTree>
+      <p:nvGrpSpPr>
+        <p:cNvPr id="1" name=""/>
+        <p:cNvGrpSpPr/>
+        <p:nvPr/>
+      </p:nvGrpSpPr>
+      <p:grpSpPr>
+        <a:xfrm>
+          <a:off x="0" y="0"/>
+          <a:ext cx="0" cy="0"/>
+          <a:chOff x="0" y="0"/>
+          <a:chExt cx="0" cy="0"/>
+        </a:xfrm>
+      </p:grpSpPr>
+      <p:sp>
+        <p:nvSpPr>
+          <p:cNvPr id="2" name="Title 1"/>
+          <p:cNvSpPr>
+            <a:spLocks noGrp="1"/>
+          </p:cNvSpPr>
+          <p:nvPr>
+            <p:ph type="title"/>
+          </p:nvPr>
+        </p:nvSpPr>
+        <p:spPr>
+          <a:xfrm>
+            <a:off x="838200" y="0"/>
+            <a:ext cx="10515600" cy="1325563"/>
+          </a:xfrm>
+        </p:spPr>
+        <p:txBody>
+          <a:bodyPr>
+            <a:normAutofit/>
+          </a:bodyPr>
+          <a:lstStyle/>
+          <a:p>
+            <a:r>
+              <a:rPr lang="en-US" sz="3600" dirty="0" smtClean="0">
+                <a:latin typeface="Times New Roman" panose="02020603050405020304" pitchFamily="18" charset="0"/>
+                <a:cs typeface="Times New Roman" panose="02020603050405020304" pitchFamily="18" charset="0"/>
+              </a:rPr>
+              <a:t>Work done till now</a:t>
+            </a:r>
+            <a:endParaRPr lang="en-US" sz="3600" dirty="0">
+              <a:latin typeface="Times New Roman" panose="02020603050405020304" pitchFamily="18" charset="0"/>
+              <a:cs typeface="Times New Roman" panose="02020603050405020304" pitchFamily="18" charset="0"/>
+            </a:endParaRPr>
+          </a:p>
+        </p:txBody>
+      </p:sp>
+      <p:sp>
+        <p:nvSpPr>
+          <p:cNvPr id="3" name="Content Placeholder 2"/>
+          <p:cNvSpPr>
+            <a:spLocks noGrp="1"/>
+          </p:cNvSpPr>
+          <p:nvPr>
+            <p:ph idx="1"/>
+          </p:nvPr>
+        </p:nvSpPr>
+        <p:spPr>
+          <a:xfrm>
+            <a:off x="838199" y="946058"/>
+            <a:ext cx="10787743" cy="5419907"/>
+          </a:xfrm>
+        </p:spPr>
+        <p:txBody>
+          <a:bodyPr>
+            <a:normAutofit/>
+          </a:bodyPr>
+          <a:lstStyle/>
+          <a:p>
+            <a:r>
+              <a:rPr lang="en-US" sz="2000" dirty="0" smtClean="0">
+                <a:latin typeface="Times New Roman" panose="02020603050405020304" pitchFamily="18" charset="0"/>
+                <a:cs typeface="Times New Roman" panose="02020603050405020304" pitchFamily="18" charset="0"/>
+              </a:rPr>
+              <a:t>For work done, the following progress was done as mentioned in the said paper. </a:t>
+            </a:r>
+          </a:p>
+          <a:p>
+            <a:pPr lvl="2" algn="just"/>
+            <a:r>
+              <a:rPr lang="en-US" dirty="0" smtClean="0">
+                <a:latin typeface="Times New Roman" panose="02020603050405020304" pitchFamily="18" charset="0"/>
+                <a:cs typeface="Times New Roman" panose="02020603050405020304" pitchFamily="18" charset="0"/>
+              </a:rPr>
+              <a:t>The initial paper is trained on a private dataset. So a workaround that is done my replacing the initial private dataset by just one class from the PACAL VOC 2007 dataset.</a:t>
+            </a:r>
+          </a:p>
+          <a:p>
+            <a:pPr lvl="2" algn="just"/>
+            <a:r>
+              <a:rPr lang="en-US" dirty="0" smtClean="0">
+                <a:latin typeface="Times New Roman" panose="02020603050405020304" pitchFamily="18" charset="0"/>
+                <a:cs typeface="Times New Roman" panose="02020603050405020304" pitchFamily="18" charset="0"/>
+              </a:rPr>
+              <a:t>20 images of “</a:t>
+            </a:r>
+            <a:r>
+              <a:rPr lang="en-US" dirty="0" err="1" smtClean="0">
+                <a:latin typeface="Times New Roman" panose="02020603050405020304" pitchFamily="18" charset="0"/>
+                <a:cs typeface="Times New Roman" panose="02020603050405020304" pitchFamily="18" charset="0"/>
+              </a:rPr>
+              <a:t>aeroplane</a:t>
+            </a:r>
+            <a:r>
+              <a:rPr lang="en-US" dirty="0" smtClean="0">
+                <a:latin typeface="Times New Roman" panose="02020603050405020304" pitchFamily="18" charset="0"/>
+                <a:cs typeface="Times New Roman" panose="02020603050405020304" pitchFamily="18" charset="0"/>
+              </a:rPr>
+              <a:t>” were chosen at random. 15 of them formed the training set and 5 of them formed testing set. The initial annotations were provided in the PASCAL dataset and random annotation were done randomly by me.</a:t>
+            </a:r>
+          </a:p>
+          <a:p>
+            <a:pPr lvl="2" algn="just"/>
+            <a:r>
+              <a:rPr lang="en-US" dirty="0" smtClean="0">
+                <a:latin typeface="Times New Roman" panose="02020603050405020304" pitchFamily="18" charset="0"/>
+                <a:cs typeface="Times New Roman" panose="02020603050405020304" pitchFamily="18" charset="0"/>
+              </a:rPr>
+              <a:t>To the say the least the results were not pretty mainly because of absolute random annotations on the image of choice, stopping the step at 10 and most important is overfitting of neural network because of less amount of data. Below are the average </a:t>
+            </a:r>
+            <a:r>
+              <a:rPr lang="en-US" dirty="0" err="1" smtClean="0">
+                <a:latin typeface="Times New Roman" panose="02020603050405020304" pitchFamily="18" charset="0"/>
+                <a:cs typeface="Times New Roman" panose="02020603050405020304" pitchFamily="18" charset="0"/>
+              </a:rPr>
+              <a:t>IoU</a:t>
+            </a:r>
+            <a:r>
+              <a:rPr lang="en-US" dirty="0" smtClean="0">
+                <a:latin typeface="Times New Roman" panose="02020603050405020304" pitchFamily="18" charset="0"/>
+                <a:cs typeface="Times New Roman" panose="02020603050405020304" pitchFamily="18" charset="0"/>
+              </a:rPr>
+              <a:t> plots of different images.</a:t>
+            </a:r>
+          </a:p>
+          <a:p>
+            <a:pPr lvl="2" algn="just"/>
+            <a:r>
+              <a:rPr lang="en-US" dirty="0" smtClean="0">
+                <a:latin typeface="Times New Roman" panose="02020603050405020304" pitchFamily="18" charset="0"/>
+                <a:cs typeface="Times New Roman" panose="02020603050405020304" pitchFamily="18" charset="0"/>
+              </a:rPr>
+              <a:t>The DQN is a simple 2 layer fully connected architecture containing 500 nodes each and a 9 node output layer for 9 actions namely up, down, left, right, wider, taller, fatter, thinner and stop.</a:t>
+            </a:r>
+            <a:endParaRPr lang="en-US" dirty="0">
+              <a:latin typeface="Times New Roman" panose="02020603050405020304" pitchFamily="18" charset="0"/>
+              <a:cs typeface="Times New Roman" panose="02020603050405020304" pitchFamily="18" charset="0"/>
+            </a:endParaRPr>
+          </a:p>
+        </p:txBody>
+      </p:sp>
+    </p:spTree>
+    <p:extLst>
+      <p:ext uri="{BB962C8B-B14F-4D97-AF65-F5344CB8AC3E}">
+        <p14:creationId xmlns:p14="http://schemas.microsoft.com/office/powerpoint/2010/main" val="744497152"/>
+      </p:ext>
+    </p:extLst>
+  </p:cSld>
+  <p:clrMapOvr>
+    <a:masterClrMapping/>
+  </p:clrMapOvr>
+</p:sld>
+</file>
+
+<file path=ppt/slides/slide33.xml><?xml version="1.0" encoding="utf-8"?>
+<p:sld xmlns:a="http://schemas.openxmlformats.org/drawingml/2006/main" xmlns:r="http://schemas.openxmlformats.org/officeDocument/2006/relationships" xmlns:p="http://schemas.openxmlformats.org/presentationml/2006/main">
+  <p:cSld>
+    <p:spTree>
+      <p:nvGrpSpPr>
+        <p:cNvPr id="1" name=""/>
+        <p:cNvGrpSpPr/>
+        <p:nvPr/>
+      </p:nvGrpSpPr>
+      <p:grpSpPr>
+        <a:xfrm>
+          <a:off x="0" y="0"/>
+          <a:ext cx="0" cy="0"/>
+          <a:chOff x="0" y="0"/>
+          <a:chExt cx="0" cy="0"/>
+        </a:xfrm>
+      </p:grpSpPr>
+      <p:graphicFrame>
+        <p:nvGraphicFramePr>
+          <p:cNvPr id="2" name="Chart 1"/>
+          <p:cNvGraphicFramePr>
+            <a:graphicFrameLocks/>
+          </p:cNvGraphicFramePr>
+          <p:nvPr>
+            <p:extLst>
+              <p:ext uri="{D42A27DB-BD31-4B8C-83A1-F6EECF244321}">
+                <p14:modId xmlns:p14="http://schemas.microsoft.com/office/powerpoint/2010/main" val="3951835690"/>
+              </p:ext>
+            </p:extLst>
+          </p:nvPr>
+        </p:nvGraphicFramePr>
+        <p:xfrm>
+          <a:off x="0" y="0"/>
+          <a:ext cx="4040777" cy="2394857"/>
+        </p:xfrm>
+        <a:graphic>
+          <a:graphicData uri="http://schemas.openxmlformats.org/drawingml/2006/chart">
+            <c:chart xmlns:c="http://schemas.openxmlformats.org/drawingml/2006/chart" xmlns:r="http://schemas.openxmlformats.org/officeDocument/2006/relationships" r:id="rId2"/>
+          </a:graphicData>
+        </a:graphic>
+      </p:graphicFrame>
+      <p:graphicFrame>
+        <p:nvGraphicFramePr>
+          <p:cNvPr id="3" name="Chart 2"/>
+          <p:cNvGraphicFramePr>
+            <a:graphicFrameLocks/>
+          </p:cNvGraphicFramePr>
+          <p:nvPr>
+            <p:extLst>
+              <p:ext uri="{D42A27DB-BD31-4B8C-83A1-F6EECF244321}">
+                <p14:modId xmlns:p14="http://schemas.microsoft.com/office/powerpoint/2010/main" val="1465011052"/>
+              </p:ext>
+            </p:extLst>
+          </p:nvPr>
+        </p:nvGraphicFramePr>
+        <p:xfrm>
+          <a:off x="3879669" y="0"/>
+          <a:ext cx="4097382" cy="2394857"/>
+        </p:xfrm>
+        <a:graphic>
+          <a:graphicData uri="http://schemas.openxmlformats.org/drawingml/2006/chart">
+            <c:chart xmlns:c="http://schemas.openxmlformats.org/drawingml/2006/chart" xmlns:r="http://schemas.openxmlformats.org/officeDocument/2006/relationships" r:id="rId3"/>
+          </a:graphicData>
+        </a:graphic>
+      </p:graphicFrame>
+      <p:pic>
+        <p:nvPicPr>
+          <p:cNvPr id="7" name="Picture 6"/>
+          <p:cNvPicPr>
+            <a:picLocks noChangeAspect="1"/>
+          </p:cNvPicPr>
+          <p:nvPr/>
+        </p:nvPicPr>
+        <p:blipFill>
+          <a:blip r:embed="rId4">
+            <a:extLst>
+              <a:ext uri="{28A0092B-C50C-407E-A947-70E740481C1C}">
+                <a14:useLocalDpi xmlns:a14="http://schemas.microsoft.com/office/drawing/2010/main" val="0"/>
+              </a:ext>
+            </a:extLst>
+          </a:blip>
+          <a:stretch>
+            <a:fillRect/>
+          </a:stretch>
+        </p:blipFill>
+        <p:spPr>
+          <a:xfrm>
+            <a:off x="3879669" y="4755377"/>
+            <a:ext cx="2287542" cy="1523503"/>
+          </a:xfrm>
+          <a:prstGeom prst="rect">
+            <a:avLst/>
+          </a:prstGeom>
+        </p:spPr>
+      </p:pic>
+      <p:pic>
+        <p:nvPicPr>
+          <p:cNvPr id="8" name="Picture 7"/>
+          <p:cNvPicPr>
+            <a:picLocks noChangeAspect="1"/>
+          </p:cNvPicPr>
+          <p:nvPr/>
+        </p:nvPicPr>
+        <p:blipFill>
+          <a:blip r:embed="rId5">
+            <a:extLst>
+              <a:ext uri="{28A0092B-C50C-407E-A947-70E740481C1C}">
+                <a14:useLocalDpi xmlns:a14="http://schemas.microsoft.com/office/drawing/2010/main" val="0"/>
+              </a:ext>
+            </a:extLst>
+          </a:blip>
+          <a:stretch>
+            <a:fillRect/>
+          </a:stretch>
+        </p:blipFill>
+        <p:spPr>
+          <a:xfrm>
+            <a:off x="9953897" y="4755377"/>
+            <a:ext cx="2238103" cy="1490576"/>
+          </a:xfrm>
+          <a:prstGeom prst="rect">
+            <a:avLst/>
+          </a:prstGeom>
+        </p:spPr>
+      </p:pic>
+      <p:pic>
+        <p:nvPicPr>
+          <p:cNvPr id="9" name="Picture 8"/>
+          <p:cNvPicPr>
+            <a:picLocks noChangeAspect="1"/>
+          </p:cNvPicPr>
+          <p:nvPr/>
+        </p:nvPicPr>
+        <p:blipFill>
+          <a:blip r:embed="rId6">
+            <a:extLst>
+              <a:ext uri="{28A0092B-C50C-407E-A947-70E740481C1C}">
+                <a14:useLocalDpi xmlns:a14="http://schemas.microsoft.com/office/drawing/2010/main" val="0"/>
+              </a:ext>
+            </a:extLst>
+          </a:blip>
+          <a:stretch>
+            <a:fillRect/>
+          </a:stretch>
+        </p:blipFill>
+        <p:spPr>
+          <a:xfrm>
+            <a:off x="501658" y="2394857"/>
+            <a:ext cx="2876354" cy="1909899"/>
+          </a:xfrm>
+          <a:prstGeom prst="rect">
+            <a:avLst/>
+          </a:prstGeom>
+        </p:spPr>
+      </p:pic>
+      <p:pic>
+        <p:nvPicPr>
+          <p:cNvPr id="10" name="Picture 9"/>
+          <p:cNvPicPr>
+            <a:picLocks noChangeAspect="1"/>
+          </p:cNvPicPr>
+          <p:nvPr/>
+        </p:nvPicPr>
+        <p:blipFill>
+          <a:blip r:embed="rId7">
+            <a:extLst>
+              <a:ext uri="{28A0092B-C50C-407E-A947-70E740481C1C}">
+                <a14:useLocalDpi xmlns:a14="http://schemas.microsoft.com/office/drawing/2010/main" val="0"/>
+              </a:ext>
+            </a:extLst>
+          </a:blip>
+          <a:stretch>
+            <a:fillRect/>
+          </a:stretch>
+        </p:blipFill>
+        <p:spPr>
+          <a:xfrm>
+            <a:off x="4786604" y="2394856"/>
+            <a:ext cx="2723294" cy="1909899"/>
+          </a:xfrm>
+          <a:prstGeom prst="rect">
+            <a:avLst/>
+          </a:prstGeom>
+        </p:spPr>
+      </p:pic>
+      <p:pic>
+        <p:nvPicPr>
+          <p:cNvPr id="11" name="Picture 10"/>
+          <p:cNvPicPr>
+            <a:picLocks noChangeAspect="1"/>
+          </p:cNvPicPr>
+          <p:nvPr/>
+        </p:nvPicPr>
+        <p:blipFill>
+          <a:blip r:embed="rId8" cstate="print">
+            <a:extLst>
+              <a:ext uri="{28A0092B-C50C-407E-A947-70E740481C1C}">
+                <a14:useLocalDpi xmlns:a14="http://schemas.microsoft.com/office/drawing/2010/main" val="0"/>
+              </a:ext>
+            </a:extLst>
+          </a:blip>
+          <a:stretch>
+            <a:fillRect/>
+          </a:stretch>
+        </p:blipFill>
+        <p:spPr>
+          <a:xfrm>
+            <a:off x="9385643" y="2394856"/>
+            <a:ext cx="1465237" cy="1909899"/>
+          </a:xfrm>
+          <a:prstGeom prst="rect">
+            <a:avLst/>
+          </a:prstGeom>
+        </p:spPr>
+      </p:pic>
+      <p:graphicFrame>
+        <p:nvGraphicFramePr>
+          <p:cNvPr id="12" name="Chart 11"/>
+          <p:cNvGraphicFramePr>
+            <a:graphicFrameLocks/>
+          </p:cNvGraphicFramePr>
+          <p:nvPr>
+            <p:extLst>
+              <p:ext uri="{D42A27DB-BD31-4B8C-83A1-F6EECF244321}">
+                <p14:modId xmlns:p14="http://schemas.microsoft.com/office/powerpoint/2010/main" val="1700175702"/>
+              </p:ext>
+            </p:extLst>
+          </p:nvPr>
+        </p:nvGraphicFramePr>
+        <p:xfrm>
+          <a:off x="7977051" y="0"/>
+          <a:ext cx="4262846" cy="2394856"/>
+        </p:xfrm>
+        <a:graphic>
+          <a:graphicData uri="http://schemas.openxmlformats.org/drawingml/2006/chart">
+            <c:chart xmlns:c="http://schemas.openxmlformats.org/drawingml/2006/chart" xmlns:r="http://schemas.openxmlformats.org/officeDocument/2006/relationships" r:id="rId9"/>
+          </a:graphicData>
+        </a:graphic>
+      </p:graphicFrame>
+      <p:graphicFrame>
+        <p:nvGraphicFramePr>
+          <p:cNvPr id="13" name="Chart 12"/>
+          <p:cNvGraphicFramePr>
+            <a:graphicFrameLocks/>
+          </p:cNvGraphicFramePr>
+          <p:nvPr>
+            <p:extLst>
+              <p:ext uri="{D42A27DB-BD31-4B8C-83A1-F6EECF244321}">
+                <p14:modId xmlns:p14="http://schemas.microsoft.com/office/powerpoint/2010/main" val="784099750"/>
+              </p:ext>
+            </p:extLst>
+          </p:nvPr>
+        </p:nvGraphicFramePr>
+        <p:xfrm>
+          <a:off x="0" y="4539567"/>
+          <a:ext cx="3699898" cy="1955121"/>
+        </p:xfrm>
+        <a:graphic>
+          <a:graphicData uri="http://schemas.openxmlformats.org/drawingml/2006/chart">
+            <c:chart xmlns:c="http://schemas.openxmlformats.org/drawingml/2006/chart" xmlns:r="http://schemas.openxmlformats.org/officeDocument/2006/relationships" r:id="rId10"/>
+          </a:graphicData>
+        </a:graphic>
+      </p:graphicFrame>
+      <p:graphicFrame>
+        <p:nvGraphicFramePr>
+          <p:cNvPr id="14" name="Chart 13"/>
+          <p:cNvGraphicFramePr>
+            <a:graphicFrameLocks/>
+          </p:cNvGraphicFramePr>
+          <p:nvPr>
+            <p:extLst>
+              <p:ext uri="{D42A27DB-BD31-4B8C-83A1-F6EECF244321}">
+                <p14:modId xmlns:p14="http://schemas.microsoft.com/office/powerpoint/2010/main" val="4284547813"/>
+              </p:ext>
+            </p:extLst>
+          </p:nvPr>
+        </p:nvGraphicFramePr>
+        <p:xfrm>
+          <a:off x="6179388" y="4304755"/>
+          <a:ext cx="3774509" cy="2249093"/>
+        </p:xfrm>
+        <a:graphic>
+          <a:graphicData uri="http://schemas.openxmlformats.org/drawingml/2006/chart">
+            <c:chart xmlns:c="http://schemas.openxmlformats.org/drawingml/2006/chart" xmlns:r="http://schemas.openxmlformats.org/officeDocument/2006/relationships" r:id="rId11"/>
+          </a:graphicData>
+        </a:graphic>
+      </p:graphicFrame>
+    </p:spTree>
+    <p:extLst>
+      <p:ext uri="{BB962C8B-B14F-4D97-AF65-F5344CB8AC3E}">
+        <p14:creationId xmlns:p14="http://schemas.microsoft.com/office/powerpoint/2010/main" val="1389224905"/>
+      </p:ext>
+    </p:extLst>
+  </p:cSld>
+  <p:clrMapOvr>
+    <a:masterClrMapping/>
+  </p:clrMapOvr>
+</p:sld>
+</file>
+
+<file path=ppt/slides/slide34.xml><?xml version="1.0" encoding="utf-8"?>
+<p:sld xmlns:a="http://schemas.openxmlformats.org/drawingml/2006/main" xmlns:r="http://schemas.openxmlformats.org/officeDocument/2006/relationships" xmlns:p="http://schemas.openxmlformats.org/presentationml/2006/main">
+  <p:cSld>
+    <p:spTree>
+      <p:nvGrpSpPr>
+        <p:cNvPr id="1" name=""/>
+        <p:cNvGrpSpPr/>
+        <p:nvPr/>
+      </p:nvGrpSpPr>
+      <p:grpSpPr>
+        <a:xfrm>
+          <a:off x="0" y="0"/>
+          <a:ext cx="0" cy="0"/>
+          <a:chOff x="0" y="0"/>
+          <a:chExt cx="0" cy="0"/>
+        </a:xfrm>
+      </p:grpSpPr>
+      <p:sp>
+        <p:nvSpPr>
+          <p:cNvPr id="2" name="Title 1"/>
+          <p:cNvSpPr>
+            <a:spLocks noGrp="1"/>
+          </p:cNvSpPr>
+          <p:nvPr>
+            <p:ph type="title"/>
+          </p:nvPr>
+        </p:nvSpPr>
+        <p:spPr/>
+        <p:txBody>
+          <a:bodyPr>
+            <a:normAutofit/>
+          </a:bodyPr>
+          <a:lstStyle/>
+          <a:p>
+            <a:r>
+              <a:rPr lang="en-US" sz="4000" dirty="0" smtClean="0">
+                <a:latin typeface="Times New Roman" panose="02020603050405020304" pitchFamily="18" charset="0"/>
+                <a:cs typeface="Times New Roman" panose="02020603050405020304" pitchFamily="18" charset="0"/>
+              </a:rPr>
+              <a:t>Future Work	</a:t>
+            </a:r>
+            <a:endParaRPr lang="en-US" sz="4000" dirty="0">
+              <a:latin typeface="Times New Roman" panose="02020603050405020304" pitchFamily="18" charset="0"/>
+              <a:cs typeface="Times New Roman" panose="02020603050405020304" pitchFamily="18" charset="0"/>
+            </a:endParaRPr>
+          </a:p>
+        </p:txBody>
+      </p:sp>
+      <p:sp>
+        <p:nvSpPr>
+          <p:cNvPr id="3" name="Content Placeholder 2"/>
+          <p:cNvSpPr>
+            <a:spLocks noGrp="1"/>
+          </p:cNvSpPr>
+          <p:nvPr>
+            <p:ph idx="1"/>
+          </p:nvPr>
+        </p:nvSpPr>
+        <p:spPr/>
+        <p:txBody>
+          <a:bodyPr>
+            <a:normAutofit/>
+          </a:bodyPr>
+          <a:lstStyle/>
+          <a:p>
+            <a:r>
+              <a:rPr lang="en-US" sz="2000" dirty="0" smtClean="0">
+                <a:latin typeface="Times New Roman" panose="02020603050405020304" pitchFamily="18" charset="0"/>
+                <a:cs typeface="Times New Roman" panose="02020603050405020304" pitchFamily="18" charset="0"/>
+              </a:rPr>
+              <a:t>Future work of the literature is extended to dealing with refining the bounding boxes of multi-object images.</a:t>
+            </a:r>
+          </a:p>
+          <a:p>
+            <a:r>
+              <a:rPr lang="en-US" sz="2000" dirty="0" smtClean="0">
+                <a:latin typeface="Times New Roman" panose="02020603050405020304" pitchFamily="18" charset="0"/>
+                <a:cs typeface="Times New Roman" panose="02020603050405020304" pitchFamily="18" charset="0"/>
+              </a:rPr>
+              <a:t>Future work also deals with using a different DQN altogether. A probable work can be replacing the existing network with a better and deeper CNN.</a:t>
+            </a:r>
+          </a:p>
+          <a:p>
+            <a:r>
+              <a:rPr lang="en-US" sz="2000" dirty="0" smtClean="0">
+                <a:latin typeface="Times New Roman" panose="02020603050405020304" pitchFamily="18" charset="0"/>
+                <a:cs typeface="Times New Roman" panose="02020603050405020304" pitchFamily="18" charset="0"/>
+              </a:rPr>
+              <a:t>Future work also extends to dealing with overlapping objects where bounding box refinement can be tricky.</a:t>
+            </a:r>
+            <a:endParaRPr lang="en-US" sz="2000" dirty="0">
+              <a:latin typeface="Times New Roman" panose="02020603050405020304" pitchFamily="18" charset="0"/>
+              <a:cs typeface="Times New Roman" panose="02020603050405020304" pitchFamily="18" charset="0"/>
+            </a:endParaRPr>
+          </a:p>
+        </p:txBody>
+      </p:sp>
+    </p:spTree>
+    <p:extLst>
+      <p:ext uri="{BB962C8B-B14F-4D97-AF65-F5344CB8AC3E}">
+        <p14:creationId xmlns:p14="http://schemas.microsoft.com/office/powerpoint/2010/main" val="1004083284"/>
+      </p:ext>
+    </p:extLst>
+  </p:cSld>
+  <p:clrMapOvr>
+    <a:masterClrMapping/>
+  </p:clrMapOvr>
+</p:sld>
+</file>
+
+<file path=ppt/slides/slide35.xml><?xml version="1.0" encoding="utf-8"?>
+<p:sld xmlns:a="http://schemas.openxmlformats.org/drawingml/2006/main" xmlns:r="http://schemas.openxmlformats.org/officeDocument/2006/relationships" xmlns:p="http://schemas.openxmlformats.org/presentationml/2006/main">
+  <p:cSld>
+    <p:spTree>
+      <p:nvGrpSpPr>
+        <p:cNvPr id="1" name=""/>
+        <p:cNvGrpSpPr/>
+        <p:nvPr/>
+      </p:nvGrpSpPr>
+      <p:grpSpPr>
+        <a:xfrm>
+          <a:off x="0" y="0"/>
+          <a:ext cx="0" cy="0"/>
+          <a:chOff x="0" y="0"/>
+          <a:chExt cx="0" cy="0"/>
+        </a:xfrm>
+      </p:grpSpPr>
+      <p:sp>
+        <p:nvSpPr>
+          <p:cNvPr id="2" name="Title 1"/>
+          <p:cNvSpPr>
+            <a:spLocks noGrp="1"/>
+          </p:cNvSpPr>
+          <p:nvPr>
+            <p:ph type="title"/>
+          </p:nvPr>
+        </p:nvSpPr>
+        <p:spPr/>
+        <p:txBody>
+          <a:bodyPr>
+            <a:normAutofit/>
+          </a:bodyPr>
+          <a:lstStyle/>
+          <a:p>
+            <a:r>
+              <a:rPr lang="en-US" sz="3600" dirty="0" smtClean="0">
+                <a:latin typeface="Times New Roman" panose="02020603050405020304" pitchFamily="18" charset="0"/>
+                <a:cs typeface="Times New Roman" panose="02020603050405020304" pitchFamily="18" charset="0"/>
+              </a:rPr>
+              <a:t>References</a:t>
+            </a:r>
+            <a:endParaRPr lang="en-US" sz="3600" dirty="0">
+              <a:latin typeface="Times New Roman" panose="02020603050405020304" pitchFamily="18" charset="0"/>
+              <a:cs typeface="Times New Roman" panose="02020603050405020304" pitchFamily="18" charset="0"/>
+            </a:endParaRPr>
+          </a:p>
+        </p:txBody>
+      </p:sp>
+      <p:sp>
+        <p:nvSpPr>
+          <p:cNvPr id="3" name="Content Placeholder 2"/>
+          <p:cNvSpPr>
+            <a:spLocks noGrp="1"/>
+          </p:cNvSpPr>
+          <p:nvPr>
+            <p:ph idx="1"/>
+          </p:nvPr>
+        </p:nvSpPr>
+        <p:spPr/>
+        <p:txBody>
+          <a:bodyPr>
+            <a:normAutofit/>
+          </a:bodyPr>
+          <a:lstStyle/>
+          <a:p>
+            <a:pPr marL="514350" indent="-514350" algn="just">
+              <a:buFont typeface="+mj-lt"/>
+              <a:buAutoNum type="arabicPeriod"/>
+            </a:pPr>
+            <a:r>
+              <a:rPr lang="en-US" sz="2000" dirty="0">
+                <a:latin typeface="Times New Roman" panose="02020603050405020304" pitchFamily="18" charset="0"/>
+                <a:cs typeface="Times New Roman" panose="02020603050405020304" pitchFamily="18" charset="0"/>
+              </a:rPr>
+              <a:t>Le, N., </a:t>
+            </a:r>
+            <a:r>
+              <a:rPr lang="en-US" sz="2000" dirty="0" err="1">
+                <a:latin typeface="Times New Roman" panose="02020603050405020304" pitchFamily="18" charset="0"/>
+                <a:cs typeface="Times New Roman" panose="02020603050405020304" pitchFamily="18" charset="0"/>
+              </a:rPr>
+              <a:t>Rathour</a:t>
+            </a:r>
+            <a:r>
+              <a:rPr lang="en-US" sz="2000" dirty="0">
+                <a:latin typeface="Times New Roman" panose="02020603050405020304" pitchFamily="18" charset="0"/>
+                <a:cs typeface="Times New Roman" panose="02020603050405020304" pitchFamily="18" charset="0"/>
+              </a:rPr>
+              <a:t>, V.S., Yamazaki, K. </a:t>
+            </a:r>
+            <a:r>
+              <a:rPr lang="en-US" sz="2000" i="1" dirty="0">
+                <a:latin typeface="Times New Roman" panose="02020603050405020304" pitchFamily="18" charset="0"/>
+                <a:cs typeface="Times New Roman" panose="02020603050405020304" pitchFamily="18" charset="0"/>
+              </a:rPr>
+              <a:t>et al.</a:t>
+            </a:r>
+            <a:r>
+              <a:rPr lang="en-US" sz="2000" dirty="0">
+                <a:latin typeface="Times New Roman" panose="02020603050405020304" pitchFamily="18" charset="0"/>
+                <a:cs typeface="Times New Roman" panose="02020603050405020304" pitchFamily="18" charset="0"/>
+              </a:rPr>
+              <a:t> Deep reinforcement learning in computer vision: a comprehensive survey. </a:t>
+            </a:r>
+            <a:r>
+              <a:rPr lang="en-US" sz="2000" i="1" dirty="0" err="1">
+                <a:latin typeface="Times New Roman" panose="02020603050405020304" pitchFamily="18" charset="0"/>
+                <a:cs typeface="Times New Roman" panose="02020603050405020304" pitchFamily="18" charset="0"/>
+              </a:rPr>
+              <a:t>Artif</a:t>
+            </a:r>
+            <a:r>
+              <a:rPr lang="en-US" sz="2000" i="1" dirty="0">
+                <a:latin typeface="Times New Roman" panose="02020603050405020304" pitchFamily="18" charset="0"/>
+                <a:cs typeface="Times New Roman" panose="02020603050405020304" pitchFamily="18" charset="0"/>
+              </a:rPr>
+              <a:t> </a:t>
+            </a:r>
+            <a:r>
+              <a:rPr lang="en-US" sz="2000" i="1" dirty="0" err="1">
+                <a:latin typeface="Times New Roman" panose="02020603050405020304" pitchFamily="18" charset="0"/>
+                <a:cs typeface="Times New Roman" panose="02020603050405020304" pitchFamily="18" charset="0"/>
+              </a:rPr>
+              <a:t>Intell</a:t>
+            </a:r>
+            <a:r>
+              <a:rPr lang="en-US" sz="2000" i="1" dirty="0">
+                <a:latin typeface="Times New Roman" panose="02020603050405020304" pitchFamily="18" charset="0"/>
+                <a:cs typeface="Times New Roman" panose="02020603050405020304" pitchFamily="18" charset="0"/>
+              </a:rPr>
+              <a:t> Rev</a:t>
+            </a:r>
+            <a:r>
+              <a:rPr lang="en-US" sz="2000" dirty="0">
+                <a:latin typeface="Times New Roman" panose="02020603050405020304" pitchFamily="18" charset="0"/>
+                <a:cs typeface="Times New Roman" panose="02020603050405020304" pitchFamily="18" charset="0"/>
+              </a:rPr>
+              <a:t> (2021). </a:t>
+            </a:r>
+            <a:r>
+              <a:rPr lang="en-US" sz="2000" dirty="0">
+                <a:latin typeface="Times New Roman" panose="02020603050405020304" pitchFamily="18" charset="0"/>
+                <a:cs typeface="Times New Roman" panose="02020603050405020304" pitchFamily="18" charset="0"/>
+                <a:hlinkClick r:id="rId2"/>
+              </a:rPr>
+              <a:t>https://</a:t>
+            </a:r>
+            <a:r>
+              <a:rPr lang="en-US" sz="2000" dirty="0" smtClean="0">
+                <a:latin typeface="Times New Roman" panose="02020603050405020304" pitchFamily="18" charset="0"/>
+                <a:cs typeface="Times New Roman" panose="02020603050405020304" pitchFamily="18" charset="0"/>
+                <a:hlinkClick r:id="rId2"/>
+              </a:rPr>
+              <a:t>doi.org/10.1007/s10462-021-10061-9</a:t>
+            </a:r>
+            <a:endParaRPr lang="en-US" sz="2000" dirty="0" smtClean="0">
+              <a:latin typeface="Times New Roman" panose="02020603050405020304" pitchFamily="18" charset="0"/>
+              <a:cs typeface="Times New Roman" panose="02020603050405020304" pitchFamily="18" charset="0"/>
+            </a:endParaRPr>
+          </a:p>
+          <a:p>
+            <a:pPr marL="514350" indent="-514350" algn="just">
+              <a:buFont typeface="+mj-lt"/>
+              <a:buAutoNum type="arabicPeriod"/>
+            </a:pPr>
+            <a:r>
+              <a:rPr lang="en-US" sz="2000" dirty="0">
+                <a:latin typeface="Times New Roman" panose="02020603050405020304" pitchFamily="18" charset="0"/>
+                <a:cs typeface="Times New Roman" panose="02020603050405020304" pitchFamily="18" charset="0"/>
+              </a:rPr>
+              <a:t>Sutton, R.S. and </a:t>
+            </a:r>
+            <a:r>
+              <a:rPr lang="en-US" sz="2000" dirty="0" err="1">
+                <a:latin typeface="Times New Roman" panose="02020603050405020304" pitchFamily="18" charset="0"/>
+                <a:cs typeface="Times New Roman" panose="02020603050405020304" pitchFamily="18" charset="0"/>
+              </a:rPr>
+              <a:t>Barto</a:t>
+            </a:r>
+            <a:r>
+              <a:rPr lang="en-US" sz="2000" dirty="0">
+                <a:latin typeface="Times New Roman" panose="02020603050405020304" pitchFamily="18" charset="0"/>
+                <a:cs typeface="Times New Roman" panose="02020603050405020304" pitchFamily="18" charset="0"/>
+              </a:rPr>
+              <a:t>, A.G., 2018. </a:t>
+            </a:r>
+            <a:r>
+              <a:rPr lang="en-US" sz="2000" i="1" dirty="0">
+                <a:latin typeface="Times New Roman" panose="02020603050405020304" pitchFamily="18" charset="0"/>
+                <a:cs typeface="Times New Roman" panose="02020603050405020304" pitchFamily="18" charset="0"/>
+              </a:rPr>
+              <a:t>Reinforcement learning: An introduction</a:t>
+            </a:r>
+            <a:r>
+              <a:rPr lang="en-US" sz="2000" dirty="0">
+                <a:latin typeface="Times New Roman" panose="02020603050405020304" pitchFamily="18" charset="0"/>
+                <a:cs typeface="Times New Roman" panose="02020603050405020304" pitchFamily="18" charset="0"/>
+              </a:rPr>
+              <a:t>. MIT press</a:t>
+            </a:r>
+            <a:r>
+              <a:rPr lang="en-US" sz="2000" dirty="0" smtClean="0">
+                <a:latin typeface="Times New Roman" panose="02020603050405020304" pitchFamily="18" charset="0"/>
+                <a:cs typeface="Times New Roman" panose="02020603050405020304" pitchFamily="18" charset="0"/>
+              </a:rPr>
+              <a:t>.</a:t>
+            </a:r>
+          </a:p>
+          <a:p>
+            <a:pPr marL="514350" indent="-514350" algn="just">
+              <a:buFont typeface="+mj-lt"/>
+              <a:buAutoNum type="arabicPeriod"/>
+            </a:pPr>
+            <a:r>
+              <a:rPr lang="en-US" sz="2000" dirty="0" err="1">
+                <a:latin typeface="Times New Roman" panose="02020603050405020304" pitchFamily="18" charset="0"/>
+                <a:cs typeface="Times New Roman" panose="02020603050405020304" pitchFamily="18" charset="0"/>
+              </a:rPr>
+              <a:t>Ayle</a:t>
+            </a:r>
+            <a:r>
+              <a:rPr lang="en-US" sz="2000" dirty="0">
+                <a:latin typeface="Times New Roman" panose="02020603050405020304" pitchFamily="18" charset="0"/>
+                <a:cs typeface="Times New Roman" panose="02020603050405020304" pitchFamily="18" charset="0"/>
+              </a:rPr>
+              <a:t>, </a:t>
+            </a:r>
+            <a:r>
+              <a:rPr lang="en-US" sz="2000" dirty="0" err="1">
+                <a:latin typeface="Times New Roman" panose="02020603050405020304" pitchFamily="18" charset="0"/>
+                <a:cs typeface="Times New Roman" panose="02020603050405020304" pitchFamily="18" charset="0"/>
+              </a:rPr>
+              <a:t>Morgane</a:t>
+            </a:r>
+            <a:r>
+              <a:rPr lang="en-US" sz="2000" dirty="0">
+                <a:latin typeface="Times New Roman" panose="02020603050405020304" pitchFamily="18" charset="0"/>
+                <a:cs typeface="Times New Roman" panose="02020603050405020304" pitchFamily="18" charset="0"/>
+              </a:rPr>
+              <a:t> et al. “BAR - A Reinforcement Learning Agent for Bounding-Box Automated Refinement.” </a:t>
+            </a:r>
+            <a:r>
+              <a:rPr lang="en-US" sz="2000" i="1" dirty="0">
+                <a:latin typeface="Times New Roman" panose="02020603050405020304" pitchFamily="18" charset="0"/>
+                <a:cs typeface="Times New Roman" panose="02020603050405020304" pitchFamily="18" charset="0"/>
+              </a:rPr>
+              <a:t>AAAI</a:t>
+            </a:r>
+            <a:r>
+              <a:rPr lang="en-US" sz="2000" dirty="0">
+                <a:latin typeface="Times New Roman" panose="02020603050405020304" pitchFamily="18" charset="0"/>
+                <a:cs typeface="Times New Roman" panose="02020603050405020304" pitchFamily="18" charset="0"/>
+              </a:rPr>
+              <a:t> (2020).</a:t>
+            </a:r>
+          </a:p>
+        </p:txBody>
+      </p:sp>
+    </p:spTree>
+    <p:extLst>
+      <p:ext uri="{BB962C8B-B14F-4D97-AF65-F5344CB8AC3E}">
+        <p14:creationId xmlns:p14="http://schemas.microsoft.com/office/powerpoint/2010/main" val="2224258176"/>
+      </p:ext>
+    </p:extLst>
+  </p:cSld>
+  <p:clrMapOvr>
+    <a:masterClrMapping/>
+  </p:clrMapOvr>
+</p:sld>
+</file>
+
+<file path=ppt/slides/slide4.xml><?xml version="1.0" encoding="utf-8"?>
+<p:sld xmlns:a="http://schemas.openxmlformats.org/drawingml/2006/main" xmlns:r="http://schemas.openxmlformats.org/officeDocument/2006/relationships" xmlns:p="http://schemas.openxmlformats.org/presentationml/2006/main">
+  <p:cSld>
+    <p:spTree>
+      <p:nvGrpSpPr>
+        <p:cNvPr id="1" name=""/>
+        <p:cNvGrpSpPr/>
+        <p:nvPr/>
+      </p:nvGrpSpPr>
+      <p:grpSpPr>
+        <a:xfrm>
+          <a:off x="0" y="0"/>
+          <a:ext cx="0" cy="0"/>
+          <a:chOff x="0" y="0"/>
+          <a:chExt cx="0" cy="0"/>
+        </a:xfrm>
+      </p:grpSpPr>
+      <p:sp>
+        <p:nvSpPr>
+          <p:cNvPr id="2" name="Title 1"/>
+          <p:cNvSpPr>
+            <a:spLocks noGrp="1"/>
+          </p:cNvSpPr>
+          <p:nvPr>
+            <p:ph type="title"/>
+          </p:nvPr>
+        </p:nvSpPr>
         <p:spPr>
           <a:xfrm>
             <a:off x="838200" y="156120"/>
@@ -12453,7 +19185,7 @@
 </p:sld>
 </file>
 
-<file path=ppt/slides/slide4.xml><?xml version="1.0" encoding="utf-8"?>
+<file path=ppt/slides/slide5.xml><?xml version="1.0" encoding="utf-8"?>
 <p:sld xmlns:a="http://schemas.openxmlformats.org/drawingml/2006/main" xmlns:r="http://schemas.openxmlformats.org/officeDocument/2006/relationships" xmlns:p="http://schemas.openxmlformats.org/presentationml/2006/main">
   <p:cSld>
     <p:spTree>
@@ -12542,125 +19274,6 @@
 </p:sld>
 </file>
 
-<file path=ppt/slides/slide5.xml><?xml version="1.0" encoding="utf-8"?>
-<p:sld xmlns:a="http://schemas.openxmlformats.org/drawingml/2006/main" xmlns:r="http://schemas.openxmlformats.org/officeDocument/2006/relationships" xmlns:p="http://schemas.openxmlformats.org/presentationml/2006/main">
-  <p:cSld>
-    <p:spTree>
-      <p:nvGrpSpPr>
-        <p:cNvPr id="1" name=""/>
-        <p:cNvGrpSpPr/>
-        <p:nvPr/>
-      </p:nvGrpSpPr>
-      <p:grpSpPr>
-        <a:xfrm>
-          <a:off x="0" y="0"/>
-          <a:ext cx="0" cy="0"/>
-          <a:chOff x="0" y="0"/>
-          <a:chExt cx="0" cy="0"/>
-        </a:xfrm>
-      </p:grpSpPr>
-      <p:sp>
-        <p:nvSpPr>
-          <p:cNvPr id="2" name="Title 1"/>
-          <p:cNvSpPr>
-            <a:spLocks noGrp="1"/>
-          </p:cNvSpPr>
-          <p:nvPr>
-            <p:ph type="title"/>
-          </p:nvPr>
-        </p:nvSpPr>
-        <p:spPr/>
-        <p:txBody>
-          <a:bodyPr/>
-          <a:lstStyle/>
-          <a:p>
-            <a:r>
-              <a:rPr lang="en-US" dirty="0" smtClean="0">
-                <a:latin typeface="Times New Roman" panose="02020603050405020304" pitchFamily="18" charset="0"/>
-                <a:cs typeface="Times New Roman" panose="02020603050405020304" pitchFamily="18" charset="0"/>
-              </a:rPr>
-              <a:t>Supervised Machine Learning</a:t>
-            </a:r>
-            <a:endParaRPr lang="en-US" dirty="0">
-              <a:latin typeface="Times New Roman" panose="02020603050405020304" pitchFamily="18" charset="0"/>
-              <a:cs typeface="Times New Roman" panose="02020603050405020304" pitchFamily="18" charset="0"/>
-            </a:endParaRPr>
-          </a:p>
-        </p:txBody>
-      </p:sp>
-      <p:sp>
-        <p:nvSpPr>
-          <p:cNvPr id="3" name="Content Placeholder 2"/>
-          <p:cNvSpPr>
-            <a:spLocks noGrp="1"/>
-          </p:cNvSpPr>
-          <p:nvPr>
-            <p:ph idx="1"/>
-          </p:nvPr>
-        </p:nvSpPr>
-        <p:spPr/>
-        <p:txBody>
-          <a:bodyPr>
-            <a:normAutofit fontScale="70000" lnSpcReduction="20000"/>
-          </a:bodyPr>
-          <a:lstStyle/>
-          <a:p>
-            <a:r>
-              <a:rPr lang="en-US" dirty="0">
-                <a:latin typeface="Times New Roman" panose="02020603050405020304" pitchFamily="18" charset="0"/>
-                <a:cs typeface="Times New Roman" panose="02020603050405020304" pitchFamily="18" charset="0"/>
-              </a:rPr>
-              <a:t>Supervised learning is one of the most basic types of machine learning. In this type, the machine learning algorithm is trained on labeled data. Even though the data needs to be labeled accurately for this method to work, supervised learning is extremely powerful when used in the right circumstances.</a:t>
-            </a:r>
-          </a:p>
-          <a:p>
-            <a:r>
-              <a:rPr lang="en-US" dirty="0">
-                <a:latin typeface="Times New Roman" panose="02020603050405020304" pitchFamily="18" charset="0"/>
-                <a:cs typeface="Times New Roman" panose="02020603050405020304" pitchFamily="18" charset="0"/>
-              </a:rPr>
-              <a:t>In supervised learning, the ML algorithm is given a small training dataset to work with. This training dataset is a smaller part of the bigger dataset and serves to give the algorithm a basic idea of the problem, solution, and data points to be dealt with. The training dataset is also very similar to the final dataset in its characteristics and provides the algorithm with the labeled parameters required for the problem.</a:t>
-            </a:r>
-          </a:p>
-          <a:p>
-            <a:r>
-              <a:rPr lang="en-US" dirty="0">
-                <a:latin typeface="Times New Roman" panose="02020603050405020304" pitchFamily="18" charset="0"/>
-                <a:cs typeface="Times New Roman" panose="02020603050405020304" pitchFamily="18" charset="0"/>
-              </a:rPr>
-              <a:t>The algorithm then finds relationships between the parameters given, essentially establishing a cause and effect relationship between the variables in the dataset. At the end of the training, the algorithm has an idea of how the data works and the relationship between the input and the output.</a:t>
-            </a:r>
-          </a:p>
-          <a:p>
-            <a:r>
-              <a:rPr lang="en-US" dirty="0">
-                <a:latin typeface="Times New Roman" panose="02020603050405020304" pitchFamily="18" charset="0"/>
-                <a:cs typeface="Times New Roman" panose="02020603050405020304" pitchFamily="18" charset="0"/>
-              </a:rPr>
-              <a:t>This solution is then deployed for use with the final dataset, which it learns from in the same way as the training dataset. This means that supervised machine learning algorithms will continue to improve even after being deployed, discovering new patterns and relationships as it trains itself on new data.</a:t>
-            </a:r>
-          </a:p>
-          <a:p>
-            <a:endParaRPr lang="en-US" dirty="0">
-              <a:latin typeface="Times New Roman" panose="02020603050405020304" pitchFamily="18" charset="0"/>
-              <a:cs typeface="Times New Roman" panose="02020603050405020304" pitchFamily="18" charset="0"/>
-            </a:endParaRPr>
-          </a:p>
-        </p:txBody>
-      </p:sp>
-    </p:spTree>
-    <p:extLst>
-      <p:ext uri="{BB962C8B-B14F-4D97-AF65-F5344CB8AC3E}">
-        <p14:creationId xmlns:p14="http://schemas.microsoft.com/office/powerpoint/2010/main" val="3094838287"/>
-      </p:ext>
-    </p:extLst>
-  </p:cSld>
-  <p:clrMapOvr>
-    <a:masterClrMapping/>
-  </p:clrMapOvr>
-</p:sld>
-</file>
-
 <file path=ppt/slides/slide6.xml><?xml version="1.0" encoding="utf-8"?>
 <p:sld xmlns:a="http://schemas.openxmlformats.org/drawingml/2006/main" xmlns:r="http://schemas.openxmlformats.org/officeDocument/2006/relationships" xmlns:p="http://schemas.openxmlformats.org/presentationml/2006/main">
   <p:cSld>
@@ -12698,7 +19311,7 @@
                 <a:latin typeface="Times New Roman" panose="02020603050405020304" pitchFamily="18" charset="0"/>
                 <a:cs typeface="Times New Roman" panose="02020603050405020304" pitchFamily="18" charset="0"/>
               </a:rPr>
-              <a:t>Unsupervised Machine Learning</a:t>
+              <a:t>Supervised Machine Learning</a:t>
             </a:r>
             <a:endParaRPr lang="en-US" dirty="0">
               <a:latin typeface="Times New Roman" panose="02020603050405020304" pitchFamily="18" charset="0"/>
@@ -12720,85 +19333,57 @@
         <p:spPr/>
         <p:txBody>
           <a:bodyPr>
-            <a:normAutofit fontScale="92500"/>
+            <a:normAutofit fontScale="70000" lnSpcReduction="20000"/>
           </a:bodyPr>
           <a:lstStyle/>
           <a:p>
             <a:r>
-              <a:rPr lang="en-US" sz="2400" dirty="0">
-                <a:latin typeface="Times New Roman" panose="02020603050405020304" pitchFamily="18" charset="0"/>
-                <a:cs typeface="Times New Roman" panose="02020603050405020304" pitchFamily="18" charset="0"/>
-              </a:rPr>
-              <a:t>Unsupervised machine learning holds the advantage of being able to work with unlabeled data. This means that human labor is not required to make the dataset machine-readable, allowing much larger datasets to be worked on by the program.</a:t>
-            </a:r>
-          </a:p>
-          <a:p>
-            <a:r>
-              <a:rPr lang="en-US" sz="2400" dirty="0">
-                <a:latin typeface="Times New Roman" panose="02020603050405020304" pitchFamily="18" charset="0"/>
-                <a:cs typeface="Times New Roman" panose="02020603050405020304" pitchFamily="18" charset="0"/>
-              </a:rPr>
-              <a:t>In supervised learning, the labels allow the algorithm to find the exact nature of the relationship between any two data points. </a:t>
-            </a:r>
-            <a:endParaRPr lang="en-US" sz="2400" dirty="0" smtClean="0">
+              <a:rPr lang="en-US" dirty="0">
+                <a:latin typeface="Times New Roman" panose="02020603050405020304" pitchFamily="18" charset="0"/>
+                <a:cs typeface="Times New Roman" panose="02020603050405020304" pitchFamily="18" charset="0"/>
+              </a:rPr>
+              <a:t>Supervised learning is one of the most basic types of machine learning. In this type, the machine learning algorithm is trained on labeled data. Even though the data needs to be labeled accurately for this method to work, supervised learning is extremely powerful when used in the right circumstances.</a:t>
+            </a:r>
+          </a:p>
+          <a:p>
+            <a:r>
+              <a:rPr lang="en-US" dirty="0">
+                <a:latin typeface="Times New Roman" panose="02020603050405020304" pitchFamily="18" charset="0"/>
+                <a:cs typeface="Times New Roman" panose="02020603050405020304" pitchFamily="18" charset="0"/>
+              </a:rPr>
+              <a:t>In supervised learning, the ML algorithm is given a small training dataset to work with. This training dataset is a smaller part of the bigger dataset and serves to give the algorithm a basic idea of the problem, solution, and data points to be dealt with. The training dataset is also very similar to the final dataset in its characteristics and provides the algorithm with the labeled parameters required for the problem.</a:t>
+            </a:r>
+          </a:p>
+          <a:p>
+            <a:r>
+              <a:rPr lang="en-US" dirty="0">
+                <a:latin typeface="Times New Roman" panose="02020603050405020304" pitchFamily="18" charset="0"/>
+                <a:cs typeface="Times New Roman" panose="02020603050405020304" pitchFamily="18" charset="0"/>
+              </a:rPr>
+              <a:t>The algorithm then finds relationships between the parameters given, essentially establishing a cause and effect relationship between the variables in the dataset. At the end of the training, the algorithm has an idea of how the data works and the relationship between the input and the output.</a:t>
+            </a:r>
+          </a:p>
+          <a:p>
+            <a:r>
+              <a:rPr lang="en-US" dirty="0">
+                <a:latin typeface="Times New Roman" panose="02020603050405020304" pitchFamily="18" charset="0"/>
+                <a:cs typeface="Times New Roman" panose="02020603050405020304" pitchFamily="18" charset="0"/>
+              </a:rPr>
+              <a:t>This solution is then deployed for use with the final dataset, which it learns from in the same way as the training dataset. This means that supervised machine learning algorithms will continue to improve even after being deployed, discovering new patterns and relationships as it trains itself on new data.</a:t>
+            </a:r>
+          </a:p>
+          <a:p>
+            <a:endParaRPr lang="en-US" dirty="0">
               <a:latin typeface="Times New Roman" panose="02020603050405020304" pitchFamily="18" charset="0"/>
               <a:cs typeface="Times New Roman" panose="02020603050405020304" pitchFamily="18" charset="0"/>
             </a:endParaRPr>
-          </a:p>
-          <a:p>
-            <a:r>
-              <a:rPr lang="en-US" sz="2400" dirty="0" smtClean="0">
-                <a:latin typeface="Times New Roman" panose="02020603050405020304" pitchFamily="18" charset="0"/>
-                <a:cs typeface="Times New Roman" panose="02020603050405020304" pitchFamily="18" charset="0"/>
-              </a:rPr>
-              <a:t>However</a:t>
-            </a:r>
-            <a:r>
-              <a:rPr lang="en-US" sz="2400" dirty="0">
-                <a:latin typeface="Times New Roman" panose="02020603050405020304" pitchFamily="18" charset="0"/>
-                <a:cs typeface="Times New Roman" panose="02020603050405020304" pitchFamily="18" charset="0"/>
-              </a:rPr>
-              <a:t>, unsupervised learning does not have labels to work off of, resulting in the creation of hidden structures. Relationships between data points are perceived by the algorithm in an abstract manner, with no input required from human beings.</a:t>
-            </a:r>
-          </a:p>
-          <a:p>
-            <a:r>
-              <a:rPr lang="en-US" sz="2400" dirty="0">
-                <a:latin typeface="Times New Roman" panose="02020603050405020304" pitchFamily="18" charset="0"/>
-                <a:cs typeface="Times New Roman" panose="02020603050405020304" pitchFamily="18" charset="0"/>
-              </a:rPr>
-              <a:t>The creation of these hidden structures is what makes unsupervised learning algorithms versatile. Instead of a defined and set problem statement, unsupervised learning algorithms can adapt to the data by dynamically changing hidden structures. </a:t>
-            </a:r>
-            <a:endParaRPr lang="en-US" sz="2400" dirty="0" smtClean="0">
-              <a:latin typeface="Times New Roman" panose="02020603050405020304" pitchFamily="18" charset="0"/>
-              <a:cs typeface="Times New Roman" panose="02020603050405020304" pitchFamily="18" charset="0"/>
-            </a:endParaRPr>
-          </a:p>
-          <a:p>
-            <a:r>
-              <a:rPr lang="en-US" sz="2400" dirty="0" smtClean="0">
-                <a:latin typeface="Times New Roman" panose="02020603050405020304" pitchFamily="18" charset="0"/>
-                <a:cs typeface="Times New Roman" panose="02020603050405020304" pitchFamily="18" charset="0"/>
-              </a:rPr>
-              <a:t>This </a:t>
-            </a:r>
-            <a:r>
-              <a:rPr lang="en-US" sz="2400" dirty="0">
-                <a:latin typeface="Times New Roman" panose="02020603050405020304" pitchFamily="18" charset="0"/>
-                <a:cs typeface="Times New Roman" panose="02020603050405020304" pitchFamily="18" charset="0"/>
-              </a:rPr>
-              <a:t>offers more post-deployment development than supervised learning algorithms.</a:t>
-            </a:r>
-          </a:p>
-          <a:p>
-            <a:endParaRPr lang="en-US" dirty="0"/>
           </a:p>
         </p:txBody>
       </p:sp>
     </p:spTree>
     <p:extLst>
       <p:ext uri="{BB962C8B-B14F-4D97-AF65-F5344CB8AC3E}">
-        <p14:creationId xmlns:p14="http://schemas.microsoft.com/office/powerpoint/2010/main" val="681486145"/>
+        <p14:creationId xmlns:p14="http://schemas.microsoft.com/office/powerpoint/2010/main" val="3094838287"/>
       </p:ext>
     </p:extLst>
   </p:cSld>
@@ -12845,7 +19430,7 @@
                 <a:latin typeface="Times New Roman" panose="02020603050405020304" pitchFamily="18" charset="0"/>
                 <a:cs typeface="Times New Roman" panose="02020603050405020304" pitchFamily="18" charset="0"/>
               </a:rPr>
-              <a:t>Reinforcement Learning</a:t>
+              <a:t>Unsupervised Machine Learning</a:t>
             </a:r>
             <a:endParaRPr lang="en-US" dirty="0">
               <a:latin typeface="Times New Roman" panose="02020603050405020304" pitchFamily="18" charset="0"/>
@@ -12867,50 +19452,74 @@
         <p:spPr/>
         <p:txBody>
           <a:bodyPr>
-            <a:normAutofit fontScale="70000" lnSpcReduction="20000"/>
+            <a:normAutofit fontScale="92500"/>
           </a:bodyPr>
           <a:lstStyle/>
           <a:p>
             <a:r>
-              <a:rPr lang="en-US" b="1" dirty="0">
-                <a:latin typeface="Times New Roman" panose="02020603050405020304" pitchFamily="18" charset="0"/>
-                <a:cs typeface="Times New Roman" panose="02020603050405020304" pitchFamily="18" charset="0"/>
-              </a:rPr>
-              <a:t>Reinforcement learning</a:t>
-            </a:r>
-            <a:r>
-              <a:rPr lang="en-US" dirty="0">
-                <a:latin typeface="Times New Roman" panose="02020603050405020304" pitchFamily="18" charset="0"/>
-                <a:cs typeface="Times New Roman" panose="02020603050405020304" pitchFamily="18" charset="0"/>
-              </a:rPr>
-              <a:t> directly takes inspiration from how human beings learn from data in their lives. It features an algorithm that improves upon itself and learns from new situations using a trial-and-error method. Favorable outputs are encouraged or ‘reinforced’, and non-favorable outputs are discouraged or ‘punished’.</a:t>
-            </a:r>
-          </a:p>
-          <a:p>
-            <a:r>
-              <a:rPr lang="en-US" dirty="0">
-                <a:latin typeface="Times New Roman" panose="02020603050405020304" pitchFamily="18" charset="0"/>
-                <a:cs typeface="Times New Roman" panose="02020603050405020304" pitchFamily="18" charset="0"/>
-              </a:rPr>
-              <a:t>Based on the psychological concept of conditioning, reinforcement learning works by putting the algorithm in a work environment with an interpreter and a reward system. In every iteration of the algorithm, the output result is given to the interpreter, which decides whether the outcome is favorable or not.</a:t>
-            </a:r>
-          </a:p>
-          <a:p>
-            <a:r>
-              <a:rPr lang="en-US" dirty="0">
-                <a:latin typeface="Times New Roman" panose="02020603050405020304" pitchFamily="18" charset="0"/>
-                <a:cs typeface="Times New Roman" panose="02020603050405020304" pitchFamily="18" charset="0"/>
-              </a:rPr>
-              <a:t>In case of the program finding the correct solution, the interpreter reinforces the solution by providing a reward to the algorithm. If the outcome is not favorable, the algorithm is forced to reiterate until it finds a better result. In most cases, the reward system is directly tied to the effectiveness of the result.</a:t>
-            </a:r>
-          </a:p>
-          <a:p>
-            <a:r>
-              <a:rPr lang="en-US" dirty="0">
-                <a:latin typeface="Times New Roman" panose="02020603050405020304" pitchFamily="18" charset="0"/>
-                <a:cs typeface="Times New Roman" panose="02020603050405020304" pitchFamily="18" charset="0"/>
-              </a:rPr>
-              <a:t>In typical reinforcement learning use-cases, such as finding the shortest route between two points on a map, the solution is not an absolute value. Instead, it takes on a score of effectiveness, expressed in a percentage value. The higher this percentage value is, the more reward is given to the algorithm. Thus, the program is trained to give the best possible solution for the best possible reward.</a:t>
+              <a:rPr lang="en-US" sz="2400" dirty="0">
+                <a:latin typeface="Times New Roman" panose="02020603050405020304" pitchFamily="18" charset="0"/>
+                <a:cs typeface="Times New Roman" panose="02020603050405020304" pitchFamily="18" charset="0"/>
+              </a:rPr>
+              <a:t>Unsupervised machine learning holds the advantage of being able to work with unlabeled data. This means that human labor is not required to make the dataset machine-readable, allowing much larger datasets to be worked on by the program.</a:t>
+            </a:r>
+          </a:p>
+          <a:p>
+            <a:r>
+              <a:rPr lang="en-US" sz="2400" dirty="0">
+                <a:latin typeface="Times New Roman" panose="02020603050405020304" pitchFamily="18" charset="0"/>
+                <a:cs typeface="Times New Roman" panose="02020603050405020304" pitchFamily="18" charset="0"/>
+              </a:rPr>
+              <a:t>In supervised learning, the labels allow the algorithm to find the exact nature of the relationship between any two data points. </a:t>
+            </a:r>
+            <a:endParaRPr lang="en-US" sz="2400" dirty="0" smtClean="0">
+              <a:latin typeface="Times New Roman" panose="02020603050405020304" pitchFamily="18" charset="0"/>
+              <a:cs typeface="Times New Roman" panose="02020603050405020304" pitchFamily="18" charset="0"/>
+            </a:endParaRPr>
+          </a:p>
+          <a:p>
+            <a:r>
+              <a:rPr lang="en-US" sz="2400" dirty="0" smtClean="0">
+                <a:latin typeface="Times New Roman" panose="02020603050405020304" pitchFamily="18" charset="0"/>
+                <a:cs typeface="Times New Roman" panose="02020603050405020304" pitchFamily="18" charset="0"/>
+              </a:rPr>
+              <a:t>However</a:t>
+            </a:r>
+            <a:r>
+              <a:rPr lang="en-US" sz="2400" dirty="0">
+                <a:latin typeface="Times New Roman" panose="02020603050405020304" pitchFamily="18" charset="0"/>
+                <a:cs typeface="Times New Roman" panose="02020603050405020304" pitchFamily="18" charset="0"/>
+              </a:rPr>
+              <a:t>, unsupervised learning does not have labels to work off of, resulting in the creation of hidden structures. Relationships between data points are perceived by the algorithm in an abstract manner, with no input required from human beings.</a:t>
+            </a:r>
+          </a:p>
+          <a:p>
+            <a:r>
+              <a:rPr lang="en-US" sz="2400" dirty="0">
+                <a:latin typeface="Times New Roman" panose="02020603050405020304" pitchFamily="18" charset="0"/>
+                <a:cs typeface="Times New Roman" panose="02020603050405020304" pitchFamily="18" charset="0"/>
+              </a:rPr>
+              <a:t>The creation of these hidden structures is what makes unsupervised learning algorithms versatile. Instead of a defined and set problem statement, unsupervised learning algorithms can adapt to the data by dynamically changing hidden structures. </a:t>
+            </a:r>
+            <a:endParaRPr lang="en-US" sz="2400" dirty="0" smtClean="0">
+              <a:latin typeface="Times New Roman" panose="02020603050405020304" pitchFamily="18" charset="0"/>
+              <a:cs typeface="Times New Roman" panose="02020603050405020304" pitchFamily="18" charset="0"/>
+            </a:endParaRPr>
+          </a:p>
+          <a:p>
+            <a:r>
+              <a:rPr lang="en-US" sz="2400" dirty="0" smtClean="0">
+                <a:latin typeface="Times New Roman" panose="02020603050405020304" pitchFamily="18" charset="0"/>
+                <a:cs typeface="Times New Roman" panose="02020603050405020304" pitchFamily="18" charset="0"/>
+              </a:rPr>
+              <a:t>This </a:t>
+            </a:r>
+            <a:r>
+              <a:rPr lang="en-US" sz="2400" dirty="0">
+                <a:latin typeface="Times New Roman" panose="02020603050405020304" pitchFamily="18" charset="0"/>
+                <a:cs typeface="Times New Roman" panose="02020603050405020304" pitchFamily="18" charset="0"/>
+              </a:rPr>
+              <a:t>offers more post-deployment development than supervised learning algorithms.</a:t>
             </a:r>
           </a:p>
           <a:p>
@@ -12921,7 +19530,7 @@
     </p:spTree>
     <p:extLst>
       <p:ext uri="{BB962C8B-B14F-4D97-AF65-F5344CB8AC3E}">
-        <p14:creationId xmlns:p14="http://schemas.microsoft.com/office/powerpoint/2010/main" val="1337828799"/>
+        <p14:creationId xmlns:p14="http://schemas.microsoft.com/office/powerpoint/2010/main" val="681486145"/>
       </p:ext>
     </p:extLst>
   </p:cSld>
@@ -12968,7 +19577,7 @@
                 <a:latin typeface="Times New Roman" panose="02020603050405020304" pitchFamily="18" charset="0"/>
                 <a:cs typeface="Times New Roman" panose="02020603050405020304" pitchFamily="18" charset="0"/>
               </a:rPr>
-              <a:t>What is Pattern Recognition?</a:t>
+              <a:t>Reinforcement Learning</a:t>
             </a:r>
             <a:endParaRPr lang="en-US" dirty="0">
               <a:latin typeface="Times New Roman" panose="02020603050405020304" pitchFamily="18" charset="0"/>
@@ -12990,156 +19599,61 @@
         <p:spPr/>
         <p:txBody>
           <a:bodyPr>
-            <a:normAutofit/>
+            <a:normAutofit fontScale="70000" lnSpcReduction="20000"/>
           </a:bodyPr>
           <a:lstStyle/>
           <a:p>
-            <a:pPr algn="just"/>
-            <a:r>
-              <a:rPr lang="en-US" sz="1800" b="1" dirty="0">
-                <a:latin typeface="Times New Roman" panose="02020603050405020304" pitchFamily="18" charset="0"/>
-                <a:cs typeface="Times New Roman" panose="02020603050405020304" pitchFamily="18" charset="0"/>
-              </a:rPr>
-              <a:t>Pattern</a:t>
-            </a:r>
-            <a:r>
-              <a:rPr lang="en-US" sz="1800" dirty="0">
-                <a:latin typeface="Times New Roman" panose="02020603050405020304" pitchFamily="18" charset="0"/>
-                <a:cs typeface="Times New Roman" panose="02020603050405020304" pitchFamily="18" charset="0"/>
-              </a:rPr>
-              <a:t> is everything around in this digital world. A pattern can either be seen physically or it can be observed mathematically by applying algorithms. </a:t>
-            </a:r>
-            <a:endParaRPr lang="en-US" sz="1800" dirty="0" smtClean="0">
-              <a:latin typeface="Times New Roman" panose="02020603050405020304" pitchFamily="18" charset="0"/>
-              <a:cs typeface="Times New Roman" panose="02020603050405020304" pitchFamily="18" charset="0"/>
-            </a:endParaRPr>
-          </a:p>
-          <a:p>
-            <a:pPr algn="just"/>
-            <a:r>
-              <a:rPr lang="en-US" sz="1800" b="1" dirty="0">
-                <a:latin typeface="Times New Roman" panose="02020603050405020304" pitchFamily="18" charset="0"/>
-                <a:cs typeface="Times New Roman" panose="02020603050405020304" pitchFamily="18" charset="0"/>
-              </a:rPr>
-              <a:t>Pattern recognition</a:t>
-            </a:r>
-            <a:r>
-              <a:rPr lang="en-US" sz="1800" dirty="0">
-                <a:latin typeface="Times New Roman" panose="02020603050405020304" pitchFamily="18" charset="0"/>
-                <a:cs typeface="Times New Roman" panose="02020603050405020304" pitchFamily="18" charset="0"/>
-              </a:rPr>
-              <a:t> is the process of recognizing patterns by using a machine learning algorithm. Pattern recognition can be defined as the classification of data based on knowledge already gained or on statistical information extracted from patterns and/or their representation. One of the important aspects of pattern recognition is its application potential. </a:t>
-            </a:r>
-            <a:endParaRPr lang="en-US" sz="1800" dirty="0" smtClean="0">
-              <a:latin typeface="Times New Roman" panose="02020603050405020304" pitchFamily="18" charset="0"/>
-              <a:cs typeface="Times New Roman" panose="02020603050405020304" pitchFamily="18" charset="0"/>
-            </a:endParaRPr>
-          </a:p>
-          <a:p>
-            <a:pPr algn="just"/>
-            <a:r>
-              <a:rPr lang="en-US" sz="1800" b="1" dirty="0">
-                <a:latin typeface="Times New Roman" panose="02020603050405020304" pitchFamily="18" charset="0"/>
-                <a:cs typeface="Times New Roman" panose="02020603050405020304" pitchFamily="18" charset="0"/>
-              </a:rPr>
-              <a:t>Examples:</a:t>
-            </a:r>
-            <a:r>
-              <a:rPr lang="en-US" sz="1800" dirty="0">
-                <a:latin typeface="Times New Roman" panose="02020603050405020304" pitchFamily="18" charset="0"/>
-                <a:cs typeface="Times New Roman" panose="02020603050405020304" pitchFamily="18" charset="0"/>
-              </a:rPr>
-              <a:t> Speech recognition, speaker identification, multimedia document recognition (MDR), automatic </a:t>
-            </a:r>
-            <a:r>
-              <a:rPr lang="en-US" sz="1800" dirty="0" smtClean="0">
-                <a:latin typeface="Times New Roman" panose="02020603050405020304" pitchFamily="18" charset="0"/>
-                <a:cs typeface="Times New Roman" panose="02020603050405020304" pitchFamily="18" charset="0"/>
-              </a:rPr>
-              <a:t>medical diagnosis</a:t>
-            </a:r>
-            <a:r>
-              <a:rPr lang="en-US" sz="1800" dirty="0">
-                <a:latin typeface="Times New Roman" panose="02020603050405020304" pitchFamily="18" charset="0"/>
-                <a:cs typeface="Times New Roman" panose="02020603050405020304" pitchFamily="18" charset="0"/>
-              </a:rPr>
-              <a:t>. </a:t>
-            </a:r>
-            <a:br>
-              <a:rPr lang="en-US" sz="1800" dirty="0">
-                <a:latin typeface="Times New Roman" panose="02020603050405020304" pitchFamily="18" charset="0"/>
-                <a:cs typeface="Times New Roman" panose="02020603050405020304" pitchFamily="18" charset="0"/>
-              </a:rPr>
-            </a:br>
-            <a:r>
-              <a:rPr lang="en-US" sz="1800" dirty="0">
-                <a:latin typeface="Times New Roman" panose="02020603050405020304" pitchFamily="18" charset="0"/>
-                <a:cs typeface="Times New Roman" panose="02020603050405020304" pitchFamily="18" charset="0"/>
-              </a:rPr>
-              <a:t>In a typical pattern recognition application, the raw data is processed and converted into a form that is amenable for a machine to use. </a:t>
-            </a:r>
-            <a:endParaRPr lang="en-US" sz="1800" dirty="0" smtClean="0">
-              <a:latin typeface="Times New Roman" panose="02020603050405020304" pitchFamily="18" charset="0"/>
-              <a:cs typeface="Times New Roman" panose="02020603050405020304" pitchFamily="18" charset="0"/>
-            </a:endParaRPr>
-          </a:p>
-          <a:p>
-            <a:pPr algn="just"/>
-            <a:r>
-              <a:rPr lang="en-US" sz="1800" dirty="0" smtClean="0">
-                <a:latin typeface="Times New Roman" panose="02020603050405020304" pitchFamily="18" charset="0"/>
-                <a:cs typeface="Times New Roman" panose="02020603050405020304" pitchFamily="18" charset="0"/>
-              </a:rPr>
-              <a:t>Pattern </a:t>
-            </a:r>
-            <a:r>
-              <a:rPr lang="en-US" sz="1800" dirty="0">
-                <a:latin typeface="Times New Roman" panose="02020603050405020304" pitchFamily="18" charset="0"/>
-                <a:cs typeface="Times New Roman" panose="02020603050405020304" pitchFamily="18" charset="0"/>
-              </a:rPr>
-              <a:t>recognition involves </a:t>
-            </a:r>
-            <a:r>
-              <a:rPr lang="en-US" sz="2000" b="1" dirty="0">
-                <a:latin typeface="Times New Roman" panose="02020603050405020304" pitchFamily="18" charset="0"/>
-                <a:cs typeface="Times New Roman" panose="02020603050405020304" pitchFamily="18" charset="0"/>
-              </a:rPr>
-              <a:t>the classification and cluster of patterns</a:t>
-            </a:r>
-            <a:r>
-              <a:rPr lang="en-US" sz="1800" dirty="0">
-                <a:latin typeface="Times New Roman" panose="02020603050405020304" pitchFamily="18" charset="0"/>
-                <a:cs typeface="Times New Roman" panose="02020603050405020304" pitchFamily="18" charset="0"/>
-              </a:rPr>
-              <a:t>. </a:t>
-            </a:r>
-            <a:endParaRPr lang="en-US" sz="1800" dirty="0" smtClean="0">
-              <a:latin typeface="Times New Roman" panose="02020603050405020304" pitchFamily="18" charset="0"/>
-              <a:cs typeface="Times New Roman" panose="02020603050405020304" pitchFamily="18" charset="0"/>
-            </a:endParaRPr>
-          </a:p>
-          <a:p>
-            <a:pPr marL="0" indent="0">
-              <a:buNone/>
-            </a:pPr>
-            <a:r>
-              <a:rPr lang="en-US" sz="1800" dirty="0" smtClean="0">
-                <a:latin typeface="Times New Roman" panose="02020603050405020304" pitchFamily="18" charset="0"/>
-                <a:cs typeface="Times New Roman" panose="02020603050405020304" pitchFamily="18" charset="0"/>
-              </a:rPr>
-              <a:t>	</a:t>
-            </a:r>
-            <a:endParaRPr lang="en-US" sz="1800" dirty="0">
-              <a:latin typeface="Times New Roman" panose="02020603050405020304" pitchFamily="18" charset="0"/>
-              <a:cs typeface="Times New Roman" panose="02020603050405020304" pitchFamily="18" charset="0"/>
-            </a:endParaRPr>
+            <a:r>
+              <a:rPr lang="en-US" b="1" dirty="0">
+                <a:latin typeface="Times New Roman" panose="02020603050405020304" pitchFamily="18" charset="0"/>
+                <a:cs typeface="Times New Roman" panose="02020603050405020304" pitchFamily="18" charset="0"/>
+              </a:rPr>
+              <a:t>Reinforcement learning</a:t>
+            </a:r>
+            <a:r>
+              <a:rPr lang="en-US" dirty="0">
+                <a:latin typeface="Times New Roman" panose="02020603050405020304" pitchFamily="18" charset="0"/>
+                <a:cs typeface="Times New Roman" panose="02020603050405020304" pitchFamily="18" charset="0"/>
+              </a:rPr>
+              <a:t> directly takes inspiration from how human beings learn from data in their lives. It features an algorithm that improves upon itself and learns from new situations using a trial-and-error method. Favorable outputs are encouraged or ‘reinforced’, and non-favorable outputs are discouraged or ‘punished’.</a:t>
+            </a:r>
+          </a:p>
+          <a:p>
+            <a:r>
+              <a:rPr lang="en-US" dirty="0">
+                <a:latin typeface="Times New Roman" panose="02020603050405020304" pitchFamily="18" charset="0"/>
+                <a:cs typeface="Times New Roman" panose="02020603050405020304" pitchFamily="18" charset="0"/>
+              </a:rPr>
+              <a:t>Based on the psychological concept of conditioning, reinforcement learning works by putting the algorithm in a work environment with an interpreter and a reward system. In every iteration of the algorithm, the output result is given to the interpreter, which decides whether the outcome is favorable or not.</a:t>
+            </a:r>
+          </a:p>
+          <a:p>
+            <a:r>
+              <a:rPr lang="en-US" dirty="0">
+                <a:latin typeface="Times New Roman" panose="02020603050405020304" pitchFamily="18" charset="0"/>
+                <a:cs typeface="Times New Roman" panose="02020603050405020304" pitchFamily="18" charset="0"/>
+              </a:rPr>
+              <a:t>In case of the program finding the correct solution, the interpreter reinforces the solution by providing a reward to the algorithm. If the outcome is not favorable, the algorithm is forced to reiterate until it finds a better result. In most cases, the reward system is directly tied to the effectiveness of the result.</a:t>
+            </a:r>
+          </a:p>
+          <a:p>
+            <a:r>
+              <a:rPr lang="en-US" dirty="0">
+                <a:latin typeface="Times New Roman" panose="02020603050405020304" pitchFamily="18" charset="0"/>
+                <a:cs typeface="Times New Roman" panose="02020603050405020304" pitchFamily="18" charset="0"/>
+              </a:rPr>
+              <a:t>In typical reinforcement learning use-cases, such as finding the shortest route between two points on a map, the solution is not an absolute value. Instead, it takes on a score of effectiveness, expressed in a percentage value. The higher this percentage value is, the more reward is given to the algorithm. Thus, the program is trained to give the best possible solution for the best possible reward.</a:t>
+            </a:r>
+          </a:p>
+          <a:p>
+            <a:endParaRPr lang="en-US" dirty="0"/>
           </a:p>
         </p:txBody>
       </p:sp>
     </p:spTree>
     <p:extLst>
       <p:ext uri="{BB962C8B-B14F-4D97-AF65-F5344CB8AC3E}">
-        <p14:creationId xmlns:p14="http://schemas.microsoft.com/office/powerpoint/2010/main" val="287836779"/>
+        <p14:creationId xmlns:p14="http://schemas.microsoft.com/office/powerpoint/2010/main" val="1337828799"/>
       </p:ext>
     </p:extLst>
   </p:cSld>
@@ -13181,13 +19695,12 @@
           <a:bodyPr/>
           <a:lstStyle/>
           <a:p>
-            <a:pPr algn="ctr"/>
             <a:r>
               <a:rPr lang="en-US" dirty="0" smtClean="0">
                 <a:latin typeface="Times New Roman" panose="02020603050405020304" pitchFamily="18" charset="0"/>
                 <a:cs typeface="Times New Roman" panose="02020603050405020304" pitchFamily="18" charset="0"/>
               </a:rPr>
-              <a:t>Advantages V/s Disadvantages of Pattern Recognition</a:t>
+              <a:t>What is Pattern Recognition?</a:t>
             </a:r>
             <a:endParaRPr lang="en-US" dirty="0">
               <a:latin typeface="Times New Roman" panose="02020603050405020304" pitchFamily="18" charset="0"/>
@@ -13209,159 +19722,157 @@
         <p:spPr/>
         <p:txBody>
           <a:bodyPr>
-            <a:normAutofit fontScale="92500" lnSpcReduction="20000"/>
+            <a:normAutofit/>
           </a:bodyPr>
           <a:lstStyle/>
           <a:p>
-            <a:pPr fontAlgn="base"/>
-            <a:r>
-              <a:rPr lang="en-US" sz="2400" b="1" dirty="0">
-                <a:latin typeface="Times New Roman" panose="02020603050405020304" pitchFamily="18" charset="0"/>
-                <a:cs typeface="Times New Roman" panose="02020603050405020304" pitchFamily="18" charset="0"/>
-              </a:rPr>
-              <a:t>Advantages:</a:t>
-            </a:r>
-            <a:r>
-              <a:rPr lang="en-US" sz="2400" dirty="0">
-                <a:latin typeface="Times New Roman" panose="02020603050405020304" pitchFamily="18" charset="0"/>
-                <a:cs typeface="Times New Roman" panose="02020603050405020304" pitchFamily="18" charset="0"/>
-              </a:rPr>
-              <a:t>  </a:t>
-            </a:r>
-          </a:p>
-          <a:p>
-            <a:pPr fontAlgn="base"/>
-            <a:r>
-              <a:rPr lang="en-US" sz="2400" dirty="0">
-                <a:latin typeface="Times New Roman" panose="02020603050405020304" pitchFamily="18" charset="0"/>
-                <a:cs typeface="Times New Roman" panose="02020603050405020304" pitchFamily="18" charset="0"/>
-              </a:rPr>
-              <a:t>Pattern recognition solves classification problems</a:t>
-            </a:r>
-          </a:p>
-          <a:p>
-            <a:pPr fontAlgn="base"/>
-            <a:r>
-              <a:rPr lang="en-US" sz="2400" dirty="0">
-                <a:latin typeface="Times New Roman" panose="02020603050405020304" pitchFamily="18" charset="0"/>
-                <a:cs typeface="Times New Roman" panose="02020603050405020304" pitchFamily="18" charset="0"/>
-              </a:rPr>
-              <a:t>Pattern recognition solves the problem of fake biometric detection.</a:t>
-            </a:r>
-          </a:p>
-          <a:p>
-            <a:pPr fontAlgn="base"/>
-            <a:r>
-              <a:rPr lang="en-US" sz="2400" dirty="0">
-                <a:latin typeface="Times New Roman" panose="02020603050405020304" pitchFamily="18" charset="0"/>
-                <a:cs typeface="Times New Roman" panose="02020603050405020304" pitchFamily="18" charset="0"/>
-              </a:rPr>
-              <a:t>It is useful for cloth pattern recognition for visually impaired blind people.</a:t>
-            </a:r>
-          </a:p>
-          <a:p>
-            <a:pPr fontAlgn="base"/>
-            <a:r>
-              <a:rPr lang="en-US" sz="2400" dirty="0">
-                <a:latin typeface="Times New Roman" panose="02020603050405020304" pitchFamily="18" charset="0"/>
-                <a:cs typeface="Times New Roman" panose="02020603050405020304" pitchFamily="18" charset="0"/>
-              </a:rPr>
-              <a:t>It helps in speaker </a:t>
-            </a:r>
-            <a:r>
-              <a:rPr lang="en-US" sz="2400" dirty="0" err="1" smtClean="0">
-                <a:latin typeface="Times New Roman" panose="02020603050405020304" pitchFamily="18" charset="0"/>
-                <a:cs typeface="Times New Roman" panose="02020603050405020304" pitchFamily="18" charset="0"/>
-              </a:rPr>
-              <a:t>diarisation</a:t>
-            </a:r>
-            <a:r>
-              <a:rPr lang="en-US" sz="2400" dirty="0">
-                <a:latin typeface="Times New Roman" panose="02020603050405020304" pitchFamily="18" charset="0"/>
-                <a:cs typeface="Times New Roman" panose="02020603050405020304" pitchFamily="18" charset="0"/>
-              </a:rPr>
-              <a:t>.</a:t>
-            </a:r>
-          </a:p>
-          <a:p>
-            <a:pPr fontAlgn="base"/>
-            <a:r>
-              <a:rPr lang="en-US" sz="2400" dirty="0">
-                <a:latin typeface="Times New Roman" panose="02020603050405020304" pitchFamily="18" charset="0"/>
-                <a:cs typeface="Times New Roman" panose="02020603050405020304" pitchFamily="18" charset="0"/>
-              </a:rPr>
-              <a:t>We can recognize particular objects from different angles.</a:t>
-            </a:r>
-          </a:p>
-          <a:p>
-            <a:pPr fontAlgn="base"/>
-            <a:r>
-              <a:rPr lang="en-US" sz="2400" b="1" dirty="0">
-                <a:latin typeface="Times New Roman" panose="02020603050405020304" pitchFamily="18" charset="0"/>
-                <a:cs typeface="Times New Roman" panose="02020603050405020304" pitchFamily="18" charset="0"/>
-              </a:rPr>
-              <a:t>Disadvantages:</a:t>
-            </a:r>
-            <a:r>
-              <a:rPr lang="en-US" sz="2400" dirty="0">
-                <a:latin typeface="Times New Roman" panose="02020603050405020304" pitchFamily="18" charset="0"/>
-                <a:cs typeface="Times New Roman" panose="02020603050405020304" pitchFamily="18" charset="0"/>
-              </a:rPr>
-              <a:t>  </a:t>
-            </a:r>
-          </a:p>
-          <a:p>
-            <a:pPr fontAlgn="base"/>
-            <a:r>
-              <a:rPr lang="en-US" sz="2400" dirty="0">
-                <a:latin typeface="Times New Roman" panose="02020603050405020304" pitchFamily="18" charset="0"/>
-                <a:cs typeface="Times New Roman" panose="02020603050405020304" pitchFamily="18" charset="0"/>
-              </a:rPr>
-              <a:t>The syntactic pattern recognition approach is complex to implement and it is a very slow process.</a:t>
-            </a:r>
-          </a:p>
-          <a:p>
-            <a:pPr fontAlgn="base"/>
-            <a:r>
-              <a:rPr lang="en-US" sz="2400" dirty="0">
-                <a:latin typeface="Times New Roman" panose="02020603050405020304" pitchFamily="18" charset="0"/>
-                <a:cs typeface="Times New Roman" panose="02020603050405020304" pitchFamily="18" charset="0"/>
-              </a:rPr>
-              <a:t>Sometimes to get better accuracy, a larger dataset is required.</a:t>
-            </a:r>
-          </a:p>
-          <a:p>
-            <a:pPr fontAlgn="base"/>
-            <a:r>
-              <a:rPr lang="en-US" sz="2400" dirty="0">
-                <a:latin typeface="Times New Roman" panose="02020603050405020304" pitchFamily="18" charset="0"/>
-                <a:cs typeface="Times New Roman" panose="02020603050405020304" pitchFamily="18" charset="0"/>
-              </a:rPr>
-              <a:t>It cannot explain why a particular object is recognized. </a:t>
-            </a:r>
-            <a:br>
-              <a:rPr lang="en-US" sz="2400" dirty="0">
-                <a:latin typeface="Times New Roman" panose="02020603050405020304" pitchFamily="18" charset="0"/>
-                <a:cs typeface="Times New Roman" panose="02020603050405020304" pitchFamily="18" charset="0"/>
-              </a:rPr>
-            </a:br>
-            <a:r>
-              <a:rPr lang="en-US" sz="2400" dirty="0">
-                <a:latin typeface="Times New Roman" panose="02020603050405020304" pitchFamily="18" charset="0"/>
-                <a:cs typeface="Times New Roman" panose="02020603050405020304" pitchFamily="18" charset="0"/>
-              </a:rPr>
-              <a:t>Example: my face vs my friend’s face.</a:t>
-            </a:r>
-          </a:p>
-          <a:p>
-            <a:endParaRPr lang="en-US" dirty="0"/>
+            <a:pPr algn="just"/>
+            <a:r>
+              <a:rPr lang="en-US" sz="1800" b="1" dirty="0">
+                <a:latin typeface="Times New Roman" panose="02020603050405020304" pitchFamily="18" charset="0"/>
+                <a:cs typeface="Times New Roman" panose="02020603050405020304" pitchFamily="18" charset="0"/>
+              </a:rPr>
+              <a:t>Pattern</a:t>
+            </a:r>
+            <a:r>
+              <a:rPr lang="en-US" sz="1800" dirty="0">
+                <a:latin typeface="Times New Roman" panose="02020603050405020304" pitchFamily="18" charset="0"/>
+                <a:cs typeface="Times New Roman" panose="02020603050405020304" pitchFamily="18" charset="0"/>
+              </a:rPr>
+              <a:t> is everything around in this digital world. A pattern can either be seen physically or it can be observed mathematically by applying algorithms. </a:t>
+            </a:r>
+            <a:endParaRPr lang="en-US" sz="1800" dirty="0" smtClean="0">
+              <a:latin typeface="Times New Roman" panose="02020603050405020304" pitchFamily="18" charset="0"/>
+              <a:cs typeface="Times New Roman" panose="02020603050405020304" pitchFamily="18" charset="0"/>
+            </a:endParaRPr>
+          </a:p>
+          <a:p>
+            <a:pPr algn="just"/>
+            <a:r>
+              <a:rPr lang="en-US" sz="1800" b="1" dirty="0">
+                <a:latin typeface="Times New Roman" panose="02020603050405020304" pitchFamily="18" charset="0"/>
+                <a:cs typeface="Times New Roman" panose="02020603050405020304" pitchFamily="18" charset="0"/>
+              </a:rPr>
+              <a:t>Pattern recognition</a:t>
+            </a:r>
+            <a:r>
+              <a:rPr lang="en-US" sz="1800" dirty="0">
+                <a:latin typeface="Times New Roman" panose="02020603050405020304" pitchFamily="18" charset="0"/>
+                <a:cs typeface="Times New Roman" panose="02020603050405020304" pitchFamily="18" charset="0"/>
+              </a:rPr>
+              <a:t> is the process of recognizing patterns by using a machine learning algorithm. Pattern recognition can be defined as the classification of data based on knowledge already gained or on statistical information extracted from patterns and/or their representation. One of the important aspects of pattern recognition is its application potential. </a:t>
+            </a:r>
+            <a:endParaRPr lang="en-US" sz="1800" dirty="0" smtClean="0">
+              <a:latin typeface="Times New Roman" panose="02020603050405020304" pitchFamily="18" charset="0"/>
+              <a:cs typeface="Times New Roman" panose="02020603050405020304" pitchFamily="18" charset="0"/>
+            </a:endParaRPr>
+          </a:p>
+          <a:p>
+            <a:pPr algn="just"/>
+            <a:r>
+              <a:rPr lang="en-US" sz="1800" b="1" dirty="0">
+                <a:latin typeface="Times New Roman" panose="02020603050405020304" pitchFamily="18" charset="0"/>
+                <a:cs typeface="Times New Roman" panose="02020603050405020304" pitchFamily="18" charset="0"/>
+              </a:rPr>
+              <a:t>Examples:</a:t>
+            </a:r>
+            <a:r>
+              <a:rPr lang="en-US" sz="1800" dirty="0">
+                <a:latin typeface="Times New Roman" panose="02020603050405020304" pitchFamily="18" charset="0"/>
+                <a:cs typeface="Times New Roman" panose="02020603050405020304" pitchFamily="18" charset="0"/>
+              </a:rPr>
+              <a:t> Speech recognition, speaker identification, multimedia document recognition (MDR), automatic </a:t>
+            </a:r>
+            <a:r>
+              <a:rPr lang="en-US" sz="1800" dirty="0" smtClean="0">
+                <a:latin typeface="Times New Roman" panose="02020603050405020304" pitchFamily="18" charset="0"/>
+                <a:cs typeface="Times New Roman" panose="02020603050405020304" pitchFamily="18" charset="0"/>
+              </a:rPr>
+              <a:t>medical diagnosis</a:t>
+            </a:r>
+            <a:r>
+              <a:rPr lang="en-US" sz="1800" dirty="0">
+                <a:latin typeface="Times New Roman" panose="02020603050405020304" pitchFamily="18" charset="0"/>
+                <a:cs typeface="Times New Roman" panose="02020603050405020304" pitchFamily="18" charset="0"/>
+              </a:rPr>
+              <a:t>. </a:t>
+            </a:r>
+            <a:r>
+              <a:rPr lang="en-US" sz="1800" dirty="0" smtClean="0">
+                <a:latin typeface="Times New Roman" panose="02020603050405020304" pitchFamily="18" charset="0"/>
+                <a:cs typeface="Times New Roman" panose="02020603050405020304" pitchFamily="18" charset="0"/>
+              </a:rPr>
+              <a:t>In </a:t>
+            </a:r>
+            <a:r>
+              <a:rPr lang="en-US" sz="1800" dirty="0">
+                <a:latin typeface="Times New Roman" panose="02020603050405020304" pitchFamily="18" charset="0"/>
+                <a:cs typeface="Times New Roman" panose="02020603050405020304" pitchFamily="18" charset="0"/>
+              </a:rPr>
+              <a:t>a typical pattern recognition application, the raw data is processed and converted into a form that is amenable for a machine to use. </a:t>
+            </a:r>
+            <a:endParaRPr lang="en-US" sz="1800" dirty="0" smtClean="0">
+              <a:latin typeface="Times New Roman" panose="02020603050405020304" pitchFamily="18" charset="0"/>
+              <a:cs typeface="Times New Roman" panose="02020603050405020304" pitchFamily="18" charset="0"/>
+            </a:endParaRPr>
+          </a:p>
+          <a:p>
+            <a:pPr algn="just"/>
+            <a:r>
+              <a:rPr lang="en-US" sz="1800" dirty="0" smtClean="0">
+                <a:latin typeface="Times New Roman" panose="02020603050405020304" pitchFamily="18" charset="0"/>
+                <a:cs typeface="Times New Roman" panose="02020603050405020304" pitchFamily="18" charset="0"/>
+              </a:rPr>
+              <a:t>Pattern </a:t>
+            </a:r>
+            <a:r>
+              <a:rPr lang="en-US" sz="1800" dirty="0">
+                <a:latin typeface="Times New Roman" panose="02020603050405020304" pitchFamily="18" charset="0"/>
+                <a:cs typeface="Times New Roman" panose="02020603050405020304" pitchFamily="18" charset="0"/>
+              </a:rPr>
+              <a:t>recognition involves </a:t>
+            </a:r>
+            <a:r>
+              <a:rPr lang="en-US" sz="2000" b="1" dirty="0">
+                <a:latin typeface="Times New Roman" panose="02020603050405020304" pitchFamily="18" charset="0"/>
+                <a:cs typeface="Times New Roman" panose="02020603050405020304" pitchFamily="18" charset="0"/>
+              </a:rPr>
+              <a:t>the classification and cluster of patterns</a:t>
+            </a:r>
+            <a:r>
+              <a:rPr lang="en-US" sz="1800" dirty="0">
+                <a:latin typeface="Times New Roman" panose="02020603050405020304" pitchFamily="18" charset="0"/>
+                <a:cs typeface="Times New Roman" panose="02020603050405020304" pitchFamily="18" charset="0"/>
+              </a:rPr>
+              <a:t>. </a:t>
+            </a:r>
+            <a:endParaRPr lang="en-US" sz="1800" dirty="0" smtClean="0">
+              <a:latin typeface="Times New Roman" panose="02020603050405020304" pitchFamily="18" charset="0"/>
+              <a:cs typeface="Times New Roman" panose="02020603050405020304" pitchFamily="18" charset="0"/>
+            </a:endParaRPr>
+          </a:p>
+          <a:p>
+            <a:pPr marL="0" indent="0">
+              <a:buNone/>
+            </a:pPr>
+            <a:r>
+              <a:rPr lang="en-US" sz="1800" dirty="0" smtClean="0">
+                <a:latin typeface="Times New Roman" panose="02020603050405020304" pitchFamily="18" charset="0"/>
+                <a:cs typeface="Times New Roman" panose="02020603050405020304" pitchFamily="18" charset="0"/>
+              </a:rPr>
+              <a:t>	</a:t>
+            </a:r>
+            <a:endParaRPr lang="en-US" sz="1800" dirty="0">
+              <a:latin typeface="Times New Roman" panose="02020603050405020304" pitchFamily="18" charset="0"/>
+              <a:cs typeface="Times New Roman" panose="02020603050405020304" pitchFamily="18" charset="0"/>
+            </a:endParaRPr>
           </a:p>
         </p:txBody>
       </p:sp>
     </p:spTree>
     <p:extLst>
       <p:ext uri="{BB962C8B-B14F-4D97-AF65-F5344CB8AC3E}">
-        <p14:creationId xmlns:p14="http://schemas.microsoft.com/office/powerpoint/2010/main" val="101397604"/>
+        <p14:creationId xmlns:p14="http://schemas.microsoft.com/office/powerpoint/2010/main" val="287836779"/>
       </p:ext>
     </p:extLst>
   </p:cSld>

--- a/Phase_I/Dissertation_Phase1.pptx
+++ b/Phase_I/Dissertation_Phase1.pptx
@@ -8,38 +8,37 @@
     <p:sldId id="291" r:id="rId2"/>
     <p:sldId id="257" r:id="rId3"/>
     <p:sldId id="261" r:id="rId4"/>
-    <p:sldId id="260" r:id="rId5"/>
-    <p:sldId id="262" r:id="rId6"/>
-    <p:sldId id="263" r:id="rId7"/>
-    <p:sldId id="264" r:id="rId8"/>
-    <p:sldId id="265" r:id="rId9"/>
-    <p:sldId id="258" r:id="rId10"/>
-    <p:sldId id="267" r:id="rId11"/>
-    <p:sldId id="292" r:id="rId12"/>
-    <p:sldId id="268" r:id="rId13"/>
-    <p:sldId id="269" r:id="rId14"/>
-    <p:sldId id="271" r:id="rId15"/>
-    <p:sldId id="272" r:id="rId16"/>
-    <p:sldId id="273" r:id="rId17"/>
-    <p:sldId id="274" r:id="rId18"/>
-    <p:sldId id="275" r:id="rId19"/>
-    <p:sldId id="276" r:id="rId20"/>
-    <p:sldId id="277" r:id="rId21"/>
-    <p:sldId id="270" r:id="rId22"/>
-    <p:sldId id="278" r:id="rId23"/>
-    <p:sldId id="279" r:id="rId24"/>
-    <p:sldId id="280" r:id="rId25"/>
-    <p:sldId id="281" r:id="rId26"/>
-    <p:sldId id="282" r:id="rId27"/>
-    <p:sldId id="283" r:id="rId28"/>
-    <p:sldId id="284" r:id="rId29"/>
-    <p:sldId id="285" r:id="rId30"/>
-    <p:sldId id="256" r:id="rId31"/>
-    <p:sldId id="286" r:id="rId32"/>
-    <p:sldId id="287" r:id="rId33"/>
-    <p:sldId id="290" r:id="rId34"/>
-    <p:sldId id="288" r:id="rId35"/>
-    <p:sldId id="289" r:id="rId36"/>
+    <p:sldId id="262" r:id="rId5"/>
+    <p:sldId id="263" r:id="rId6"/>
+    <p:sldId id="264" r:id="rId7"/>
+    <p:sldId id="265" r:id="rId8"/>
+    <p:sldId id="258" r:id="rId9"/>
+    <p:sldId id="267" r:id="rId10"/>
+    <p:sldId id="292" r:id="rId11"/>
+    <p:sldId id="268" r:id="rId12"/>
+    <p:sldId id="269" r:id="rId13"/>
+    <p:sldId id="271" r:id="rId14"/>
+    <p:sldId id="272" r:id="rId15"/>
+    <p:sldId id="273" r:id="rId16"/>
+    <p:sldId id="274" r:id="rId17"/>
+    <p:sldId id="275" r:id="rId18"/>
+    <p:sldId id="276" r:id="rId19"/>
+    <p:sldId id="277" r:id="rId20"/>
+    <p:sldId id="270" r:id="rId21"/>
+    <p:sldId id="278" r:id="rId22"/>
+    <p:sldId id="279" r:id="rId23"/>
+    <p:sldId id="280" r:id="rId24"/>
+    <p:sldId id="281" r:id="rId25"/>
+    <p:sldId id="282" r:id="rId26"/>
+    <p:sldId id="283" r:id="rId27"/>
+    <p:sldId id="284" r:id="rId28"/>
+    <p:sldId id="285" r:id="rId29"/>
+    <p:sldId id="256" r:id="rId30"/>
+    <p:sldId id="286" r:id="rId31"/>
+    <p:sldId id="287" r:id="rId32"/>
+    <p:sldId id="290" r:id="rId33"/>
+    <p:sldId id="288" r:id="rId34"/>
+    <p:sldId id="289" r:id="rId35"/>
   </p:sldIdLst>
   <p:sldSz cx="12192000" cy="6858000"/>
   <p:notesSz cx="6858000" cy="9144000"/>
@@ -5538,7 +5537,7 @@
           <a:p>
             <a:fld id="{2C38DC1F-B3A0-4880-B390-B7047C16692A}" type="datetimeFigureOut">
               <a:rPr lang="en-US" smtClean="0"/>
-              <a:t>12/3/2021</a:t>
+              <a:t>12/4/2021</a:t>
             </a:fld>
             <a:endParaRPr lang="en-US"/>
           </a:p>
@@ -5708,7 +5707,7 @@
           <a:p>
             <a:fld id="{2C38DC1F-B3A0-4880-B390-B7047C16692A}" type="datetimeFigureOut">
               <a:rPr lang="en-US" smtClean="0"/>
-              <a:t>12/3/2021</a:t>
+              <a:t>12/4/2021</a:t>
             </a:fld>
             <a:endParaRPr lang="en-US"/>
           </a:p>
@@ -5888,7 +5887,7 @@
           <a:p>
             <a:fld id="{2C38DC1F-B3A0-4880-B390-B7047C16692A}" type="datetimeFigureOut">
               <a:rPr lang="en-US" smtClean="0"/>
-              <a:t>12/3/2021</a:t>
+              <a:t>12/4/2021</a:t>
             </a:fld>
             <a:endParaRPr lang="en-US"/>
           </a:p>
@@ -6058,7 +6057,7 @@
           <a:p>
             <a:fld id="{2C38DC1F-B3A0-4880-B390-B7047C16692A}" type="datetimeFigureOut">
               <a:rPr lang="en-US" smtClean="0"/>
-              <a:t>12/3/2021</a:t>
+              <a:t>12/4/2021</a:t>
             </a:fld>
             <a:endParaRPr lang="en-US"/>
           </a:p>
@@ -6304,7 +6303,7 @@
           <a:p>
             <a:fld id="{2C38DC1F-B3A0-4880-B390-B7047C16692A}" type="datetimeFigureOut">
               <a:rPr lang="en-US" smtClean="0"/>
-              <a:t>12/3/2021</a:t>
+              <a:t>12/4/2021</a:t>
             </a:fld>
             <a:endParaRPr lang="en-US"/>
           </a:p>
@@ -6536,7 +6535,7 @@
           <a:p>
             <a:fld id="{2C38DC1F-B3A0-4880-B390-B7047C16692A}" type="datetimeFigureOut">
               <a:rPr lang="en-US" smtClean="0"/>
-              <a:t>12/3/2021</a:t>
+              <a:t>12/4/2021</a:t>
             </a:fld>
             <a:endParaRPr lang="en-US"/>
           </a:p>
@@ -6903,7 +6902,7 @@
           <a:p>
             <a:fld id="{2C38DC1F-B3A0-4880-B390-B7047C16692A}" type="datetimeFigureOut">
               <a:rPr lang="en-US" smtClean="0"/>
-              <a:t>12/3/2021</a:t>
+              <a:t>12/4/2021</a:t>
             </a:fld>
             <a:endParaRPr lang="en-US"/>
           </a:p>
@@ -7021,7 +7020,7 @@
           <a:p>
             <a:fld id="{2C38DC1F-B3A0-4880-B390-B7047C16692A}" type="datetimeFigureOut">
               <a:rPr lang="en-US" smtClean="0"/>
-              <a:t>12/3/2021</a:t>
+              <a:t>12/4/2021</a:t>
             </a:fld>
             <a:endParaRPr lang="en-US"/>
           </a:p>
@@ -7116,7 +7115,7 @@
           <a:p>
             <a:fld id="{2C38DC1F-B3A0-4880-B390-B7047C16692A}" type="datetimeFigureOut">
               <a:rPr lang="en-US" smtClean="0"/>
-              <a:t>12/3/2021</a:t>
+              <a:t>12/4/2021</a:t>
             </a:fld>
             <a:endParaRPr lang="en-US"/>
           </a:p>
@@ -7393,7 +7392,7 @@
           <a:p>
             <a:fld id="{2C38DC1F-B3A0-4880-B390-B7047C16692A}" type="datetimeFigureOut">
               <a:rPr lang="en-US" smtClean="0"/>
-              <a:t>12/3/2021</a:t>
+              <a:t>12/4/2021</a:t>
             </a:fld>
             <a:endParaRPr lang="en-US"/>
           </a:p>
@@ -7646,7 +7645,7 @@
           <a:p>
             <a:fld id="{2C38DC1F-B3A0-4880-B390-B7047C16692A}" type="datetimeFigureOut">
               <a:rPr lang="en-US" smtClean="0"/>
-              <a:t>12/3/2021</a:t>
+              <a:t>12/4/2021</a:t>
             </a:fld>
             <a:endParaRPr lang="en-US"/>
           </a:p>
@@ -7859,7 +7858,7 @@
           <a:p>
             <a:fld id="{2C38DC1F-B3A0-4880-B390-B7047C16692A}" type="datetimeFigureOut">
               <a:rPr lang="en-US" smtClean="0"/>
-              <a:t>12/3/2021</a:t>
+              <a:t>12/4/2021</a:t>
             </a:fld>
             <a:endParaRPr lang="en-US"/>
           </a:p>
@@ -8481,10 +8480,6 @@
               </a:rPr>
               <a:t>(Formerly NSIT) NEW DELHI-110078</a:t>
             </a:r>
-            <a:endParaRPr lang="en-US" sz="2000" dirty="0">
-              <a:latin typeface="Times New Roman" panose="02020603050405020304" pitchFamily="18" charset="0"/>
-              <a:cs typeface="Times New Roman" panose="02020603050405020304" pitchFamily="18" charset="0"/>
-            </a:endParaRPr>
           </a:p>
         </p:txBody>
       </p:sp>
@@ -8498,6 +8493,13 @@
   <p:clrMapOvr>
     <a:masterClrMapping/>
   </p:clrMapOvr>
+  <p:timing>
+    <p:tnLst>
+      <p:par>
+        <p:cTn id="1" dur="indefinite" restart="never" nodeType="tmRoot"/>
+      </p:par>
+    </p:tnLst>
+  </p:timing>
 </p:sld>
 </file>
 
@@ -8530,17 +8532,20 @@
         </p:nvSpPr>
         <p:spPr/>
         <p:txBody>
-          <a:bodyPr/>
+          <a:bodyPr>
+            <a:normAutofit/>
+          </a:bodyPr>
           <a:lstStyle/>
           <a:p>
-            <a:r>
-              <a:rPr lang="en-US" dirty="0" smtClean="0">
-                <a:latin typeface="Times New Roman" panose="02020603050405020304" pitchFamily="18" charset="0"/>
-                <a:cs typeface="Times New Roman" panose="02020603050405020304" pitchFamily="18" charset="0"/>
-              </a:rPr>
-              <a:t>Some Terminologies:</a:t>
-            </a:r>
-            <a:endParaRPr lang="en-US" dirty="0">
+            <a:pPr algn="ctr"/>
+            <a:r>
+              <a:rPr lang="en-US" sz="3200" dirty="0" smtClean="0">
+                <a:latin typeface="Times New Roman" panose="02020603050405020304" pitchFamily="18" charset="0"/>
+                <a:cs typeface="Times New Roman" panose="02020603050405020304" pitchFamily="18" charset="0"/>
+              </a:rPr>
+              <a:t>How is Reinforcement Learning different from traditional machine learning algorithms?</a:t>
+            </a:r>
+            <a:endParaRPr lang="en-US" sz="3200" dirty="0">
               <a:latin typeface="Times New Roman" panose="02020603050405020304" pitchFamily="18" charset="0"/>
               <a:cs typeface="Times New Roman" panose="02020603050405020304" pitchFamily="18" charset="0"/>
             </a:endParaRPr>
@@ -8560,166 +8565,131 @@
         <p:spPr/>
         <p:txBody>
           <a:bodyPr>
-            <a:normAutofit fontScale="55000" lnSpcReduction="20000"/>
+            <a:normAutofit/>
           </a:bodyPr>
           <a:lstStyle/>
           <a:p>
-            <a:r>
-              <a:rPr lang="en-US" sz="3200" b="1" dirty="0">
-                <a:latin typeface="Times New Roman" panose="02020603050405020304" pitchFamily="18" charset="0"/>
-                <a:cs typeface="Times New Roman" panose="02020603050405020304" pitchFamily="18" charset="0"/>
-              </a:rPr>
-              <a:t>Model</a:t>
-            </a:r>
-            <a:r>
-              <a:rPr lang="en-US" sz="3200" dirty="0">
-                <a:latin typeface="Times New Roman" panose="02020603050405020304" pitchFamily="18" charset="0"/>
-                <a:cs typeface="Times New Roman" panose="02020603050405020304" pitchFamily="18" charset="0"/>
-              </a:rPr>
-              <a:t>: Also known as “hypothesis”, a machine learning model is the mathematical representation of a real-world process. A machine learning algorithm along with the training data builds a machine learning model.</a:t>
-            </a:r>
-          </a:p>
-          <a:p>
-            <a:r>
-              <a:rPr lang="en-US" sz="3200" b="1" dirty="0">
-                <a:latin typeface="Times New Roman" panose="02020603050405020304" pitchFamily="18" charset="0"/>
-                <a:cs typeface="Times New Roman" panose="02020603050405020304" pitchFamily="18" charset="0"/>
-              </a:rPr>
-              <a:t>Feature</a:t>
-            </a:r>
-            <a:r>
-              <a:rPr lang="en-US" sz="3200" dirty="0">
-                <a:latin typeface="Times New Roman" panose="02020603050405020304" pitchFamily="18" charset="0"/>
-                <a:cs typeface="Times New Roman" panose="02020603050405020304" pitchFamily="18" charset="0"/>
-              </a:rPr>
-              <a:t>: A feature is a measurable property or parameter of the data-set.</a:t>
-            </a:r>
-          </a:p>
-          <a:p>
-            <a:r>
-              <a:rPr lang="en-US" sz="3200" b="1" dirty="0">
-                <a:latin typeface="Times New Roman" panose="02020603050405020304" pitchFamily="18" charset="0"/>
-                <a:cs typeface="Times New Roman" panose="02020603050405020304" pitchFamily="18" charset="0"/>
-              </a:rPr>
-              <a:t>Feature Vector</a:t>
-            </a:r>
-            <a:r>
-              <a:rPr lang="en-US" sz="3200" dirty="0">
-                <a:latin typeface="Times New Roman" panose="02020603050405020304" pitchFamily="18" charset="0"/>
-                <a:cs typeface="Times New Roman" panose="02020603050405020304" pitchFamily="18" charset="0"/>
-              </a:rPr>
-              <a:t>: It is a set of multiple numeric features. We use it as an input to the machine learning model for training and prediction purposes.</a:t>
-            </a:r>
-          </a:p>
-          <a:p>
-            <a:r>
-              <a:rPr lang="en-US" sz="3200" b="1" dirty="0">
-                <a:latin typeface="Times New Roman" panose="02020603050405020304" pitchFamily="18" charset="0"/>
-                <a:cs typeface="Times New Roman" panose="02020603050405020304" pitchFamily="18" charset="0"/>
-              </a:rPr>
-              <a:t>Training</a:t>
-            </a:r>
-            <a:r>
-              <a:rPr lang="en-US" sz="3200" dirty="0">
-                <a:latin typeface="Times New Roman" panose="02020603050405020304" pitchFamily="18" charset="0"/>
-                <a:cs typeface="Times New Roman" panose="02020603050405020304" pitchFamily="18" charset="0"/>
-              </a:rPr>
-              <a:t>: An algorithm takes a set of data known as “training data” as input. The learning algorithm finds patterns in the input data and trains the model for expected results (target). The output of the training process is the machine learning model.</a:t>
-            </a:r>
-          </a:p>
-          <a:p>
-            <a:r>
-              <a:rPr lang="en-US" sz="3200" b="1" dirty="0">
-                <a:latin typeface="Times New Roman" panose="02020603050405020304" pitchFamily="18" charset="0"/>
-                <a:cs typeface="Times New Roman" panose="02020603050405020304" pitchFamily="18" charset="0"/>
-              </a:rPr>
-              <a:t>Prediction</a:t>
-            </a:r>
-            <a:r>
-              <a:rPr lang="en-US" sz="3200" dirty="0">
-                <a:latin typeface="Times New Roman" panose="02020603050405020304" pitchFamily="18" charset="0"/>
-                <a:cs typeface="Times New Roman" panose="02020603050405020304" pitchFamily="18" charset="0"/>
-              </a:rPr>
-              <a:t>: Once the machine learning model is ready, it can be fed with input data to provide a predicted output.</a:t>
-            </a:r>
-          </a:p>
-          <a:p>
-            <a:r>
-              <a:rPr lang="en-US" sz="3200" b="1" dirty="0">
-                <a:latin typeface="Times New Roman" panose="02020603050405020304" pitchFamily="18" charset="0"/>
-                <a:cs typeface="Times New Roman" panose="02020603050405020304" pitchFamily="18" charset="0"/>
-              </a:rPr>
-              <a:t>Target (Label)</a:t>
-            </a:r>
-            <a:r>
-              <a:rPr lang="en-US" sz="3200" dirty="0">
-                <a:latin typeface="Times New Roman" panose="02020603050405020304" pitchFamily="18" charset="0"/>
-                <a:cs typeface="Times New Roman" panose="02020603050405020304" pitchFamily="18" charset="0"/>
-              </a:rPr>
-              <a:t>: The value that the machine learning model has to predict is called the target or label.</a:t>
-            </a:r>
-          </a:p>
-          <a:p>
-            <a:r>
-              <a:rPr lang="en-US" sz="3200" b="1" dirty="0">
-                <a:latin typeface="Times New Roman" panose="02020603050405020304" pitchFamily="18" charset="0"/>
-                <a:cs typeface="Times New Roman" panose="02020603050405020304" pitchFamily="18" charset="0"/>
-              </a:rPr>
-              <a:t>Overfitting</a:t>
-            </a:r>
-            <a:r>
-              <a:rPr lang="en-US" sz="3200" dirty="0">
-                <a:latin typeface="Times New Roman" panose="02020603050405020304" pitchFamily="18" charset="0"/>
-                <a:cs typeface="Times New Roman" panose="02020603050405020304" pitchFamily="18" charset="0"/>
-              </a:rPr>
-              <a:t>: When a massive amount of data trains a machine learning model, it tends to learn from the noise and inaccurate data entries. Here the model fails to </a:t>
-            </a:r>
-            <a:r>
-              <a:rPr lang="en-US" sz="3200" dirty="0" smtClean="0">
-                <a:latin typeface="Times New Roman" panose="02020603050405020304" pitchFamily="18" charset="0"/>
-                <a:cs typeface="Times New Roman" panose="02020603050405020304" pitchFamily="18" charset="0"/>
-              </a:rPr>
-              <a:t>characterize </a:t>
-            </a:r>
-            <a:r>
-              <a:rPr lang="en-US" sz="3200" dirty="0">
-                <a:latin typeface="Times New Roman" panose="02020603050405020304" pitchFamily="18" charset="0"/>
-                <a:cs typeface="Times New Roman" panose="02020603050405020304" pitchFamily="18" charset="0"/>
-              </a:rPr>
-              <a:t>the data correctly.</a:t>
-            </a:r>
-          </a:p>
-          <a:p>
-            <a:r>
-              <a:rPr lang="en-US" sz="3200" b="1" dirty="0" err="1">
-                <a:latin typeface="Times New Roman" panose="02020603050405020304" pitchFamily="18" charset="0"/>
-                <a:cs typeface="Times New Roman" panose="02020603050405020304" pitchFamily="18" charset="0"/>
-              </a:rPr>
-              <a:t>Underfitting</a:t>
-            </a:r>
-            <a:r>
-              <a:rPr lang="en-US" sz="3200" dirty="0">
-                <a:latin typeface="Times New Roman" panose="02020603050405020304" pitchFamily="18" charset="0"/>
-                <a:cs typeface="Times New Roman" panose="02020603050405020304" pitchFamily="18" charset="0"/>
-              </a:rPr>
-              <a:t>: It is the scenario when the model fails to decipher the underlying trend in the input data. It destroys the accuracy of the machine learning model. In simple terms, the model or the algorithm does not fit the data well enough.</a:t>
-            </a:r>
-          </a:p>
-          <a:p>
-            <a:endParaRPr lang="en-US" dirty="0"/>
+            <a:pPr algn="just"/>
+            <a:r>
+              <a:rPr lang="en-US" sz="2000" dirty="0" smtClean="0">
+                <a:latin typeface="Times New Roman" panose="02020603050405020304" pitchFamily="18" charset="0"/>
+                <a:cs typeface="Times New Roman" panose="02020603050405020304" pitchFamily="18" charset="0"/>
+              </a:rPr>
+              <a:t>Unsupervised </a:t>
+            </a:r>
+            <a:r>
+              <a:rPr lang="en-US" sz="2000" dirty="0">
+                <a:latin typeface="Times New Roman" panose="02020603050405020304" pitchFamily="18" charset="0"/>
+                <a:cs typeface="Times New Roman" panose="02020603050405020304" pitchFamily="18" charset="0"/>
+              </a:rPr>
+              <a:t>learning </a:t>
+            </a:r>
+            <a:r>
+              <a:rPr lang="en-US" sz="2000" dirty="0" smtClean="0">
+                <a:latin typeface="Times New Roman" panose="02020603050405020304" pitchFamily="18" charset="0"/>
+                <a:cs typeface="Times New Roman" panose="02020603050405020304" pitchFamily="18" charset="0"/>
+              </a:rPr>
+              <a:t>is </a:t>
+            </a:r>
+            <a:r>
+              <a:rPr lang="en-US" sz="2000" dirty="0">
+                <a:latin typeface="Times New Roman" panose="02020603050405020304" pitchFamily="18" charset="0"/>
+                <a:cs typeface="Times New Roman" panose="02020603050405020304" pitchFamily="18" charset="0"/>
+              </a:rPr>
+              <a:t>a geometric problem. Meaning, it tries to understand the structure of the problem in order to discover how to partition the data meaningfully.</a:t>
+            </a:r>
+          </a:p>
+          <a:p>
+            <a:pPr algn="just"/>
+            <a:r>
+              <a:rPr lang="en-US" sz="2000" dirty="0">
+                <a:latin typeface="Times New Roman" panose="02020603050405020304" pitchFamily="18" charset="0"/>
+                <a:cs typeface="Times New Roman" panose="02020603050405020304" pitchFamily="18" charset="0"/>
+              </a:rPr>
+              <a:t>Supervised learning </a:t>
+            </a:r>
+            <a:r>
+              <a:rPr lang="en-US" sz="2000" dirty="0" smtClean="0">
+                <a:latin typeface="Times New Roman" panose="02020603050405020304" pitchFamily="18" charset="0"/>
+                <a:cs typeface="Times New Roman" panose="02020603050405020304" pitchFamily="18" charset="0"/>
+              </a:rPr>
+              <a:t>is </a:t>
+            </a:r>
+            <a:r>
+              <a:rPr lang="en-US" sz="2000" dirty="0">
+                <a:latin typeface="Times New Roman" panose="02020603050405020304" pitchFamily="18" charset="0"/>
+                <a:cs typeface="Times New Roman" panose="02020603050405020304" pitchFamily="18" charset="0"/>
+              </a:rPr>
+              <a:t>all about how to partition the data based on labels. In a sense, the structure is much less important, and the labels are the critical hints of how we should partition the data.</a:t>
+            </a:r>
+          </a:p>
+          <a:p>
+            <a:pPr algn="just"/>
+            <a:r>
+              <a:rPr lang="en-US" sz="2000" dirty="0" smtClean="0">
+                <a:latin typeface="Times New Roman" panose="02020603050405020304" pitchFamily="18" charset="0"/>
+                <a:cs typeface="Times New Roman" panose="02020603050405020304" pitchFamily="18" charset="0"/>
+              </a:rPr>
+              <a:t>Reinforcement </a:t>
+            </a:r>
+            <a:r>
+              <a:rPr lang="en-US" sz="2000" dirty="0">
+                <a:latin typeface="Times New Roman" panose="02020603050405020304" pitchFamily="18" charset="0"/>
+                <a:cs typeface="Times New Roman" panose="02020603050405020304" pitchFamily="18" charset="0"/>
+              </a:rPr>
+              <a:t>learning (RL) is something different. It involves feedback from the environment, depend on the previous states. It doesn’t necessarily involves labels, and you may get the reward well after the actions were taken</a:t>
+            </a:r>
+            <a:r>
+              <a:rPr lang="en-US" sz="2000" dirty="0" smtClean="0">
+                <a:latin typeface="Times New Roman" panose="02020603050405020304" pitchFamily="18" charset="0"/>
+                <a:cs typeface="Times New Roman" panose="02020603050405020304" pitchFamily="18" charset="0"/>
+              </a:rPr>
+              <a:t>.</a:t>
+            </a:r>
+          </a:p>
+          <a:p>
+            <a:pPr algn="just"/>
+            <a:r>
+              <a:rPr lang="en-US" sz="2000" dirty="0" smtClean="0">
+                <a:latin typeface="Times New Roman" panose="02020603050405020304" pitchFamily="18" charset="0"/>
+                <a:cs typeface="Times New Roman" panose="02020603050405020304" pitchFamily="18" charset="0"/>
+              </a:rPr>
+              <a:t>These points differentiate reinforcement learning totally from run of the mill supervised and unsupervised learning:</a:t>
+            </a:r>
+          </a:p>
+          <a:p>
+            <a:pPr lvl="2" algn="just"/>
+            <a:r>
+              <a:rPr lang="en-US" dirty="0" smtClean="0">
+                <a:latin typeface="Times New Roman" panose="02020603050405020304" pitchFamily="18" charset="0"/>
+                <a:cs typeface="Times New Roman" panose="02020603050405020304" pitchFamily="18" charset="0"/>
+              </a:rPr>
+              <a:t>It works on interacting with the environment, no predefined data, Exploration V/s Exploitation, no supervision, with the aim of learning a series of action.</a:t>
+            </a:r>
+            <a:endParaRPr lang="en-US" dirty="0">
+              <a:latin typeface="Times New Roman" panose="02020603050405020304" pitchFamily="18" charset="0"/>
+              <a:cs typeface="Times New Roman" panose="02020603050405020304" pitchFamily="18" charset="0"/>
+            </a:endParaRPr>
           </a:p>
         </p:txBody>
       </p:sp>
     </p:spTree>
     <p:extLst>
       <p:ext uri="{BB962C8B-B14F-4D97-AF65-F5344CB8AC3E}">
-        <p14:creationId xmlns:p14="http://schemas.microsoft.com/office/powerpoint/2010/main" val="212948309"/>
+        <p14:creationId xmlns:p14="http://schemas.microsoft.com/office/powerpoint/2010/main" val="952739204"/>
       </p:ext>
     </p:extLst>
   </p:cSld>
   <p:clrMapOvr>
     <a:masterClrMapping/>
   </p:clrMapOvr>
+  <p:timing>
+    <p:tnLst>
+      <p:par>
+        <p:cTn id="1" dur="indefinite" restart="never" nodeType="tmRoot"/>
+      </p:par>
+    </p:tnLst>
+  </p:timing>
 </p:sld>
 </file>
 
@@ -8752,19 +8722,17 @@
         </p:nvSpPr>
         <p:spPr/>
         <p:txBody>
-          <a:bodyPr>
-            <a:normAutofit/>
-          </a:bodyPr>
+          <a:bodyPr/>
           <a:lstStyle/>
           <a:p>
             <a:r>
-              <a:rPr lang="en-US" sz="3200" dirty="0" smtClean="0">
-                <a:latin typeface="Times New Roman" panose="02020603050405020304" pitchFamily="18" charset="0"/>
-                <a:cs typeface="Times New Roman" panose="02020603050405020304" pitchFamily="18" charset="0"/>
-              </a:rPr>
-              <a:t>How is Reinforcement Learning different from traditional machine learning algorithms?</a:t>
-            </a:r>
-            <a:endParaRPr lang="en-US" sz="3200" dirty="0">
+              <a:rPr lang="en-US" dirty="0" smtClean="0">
+                <a:latin typeface="Times New Roman" panose="02020603050405020304" pitchFamily="18" charset="0"/>
+                <a:cs typeface="Times New Roman" panose="02020603050405020304" pitchFamily="18" charset="0"/>
+              </a:rPr>
+              <a:t>Reinforcement Learning in Depth:</a:t>
+            </a:r>
+            <a:endParaRPr lang="en-US" dirty="0">
               <a:latin typeface="Times New Roman" panose="02020603050405020304" pitchFamily="18" charset="0"/>
               <a:cs typeface="Times New Roman" panose="02020603050405020304" pitchFamily="18" charset="0"/>
             </a:endParaRPr>
@@ -8788,186 +8756,6 @@
           </a:bodyPr>
           <a:lstStyle/>
           <a:p>
-            <a:pPr algn="just"/>
-            <a:r>
-              <a:rPr lang="en-US" sz="2000" dirty="0" smtClean="0">
-                <a:latin typeface="Times New Roman" panose="02020603050405020304" pitchFamily="18" charset="0"/>
-                <a:cs typeface="Times New Roman" panose="02020603050405020304" pitchFamily="18" charset="0"/>
-              </a:rPr>
-              <a:t>Unsupervised </a:t>
-            </a:r>
-            <a:r>
-              <a:rPr lang="en-US" sz="2000" dirty="0">
-                <a:latin typeface="Times New Roman" panose="02020603050405020304" pitchFamily="18" charset="0"/>
-                <a:cs typeface="Times New Roman" panose="02020603050405020304" pitchFamily="18" charset="0"/>
-              </a:rPr>
-              <a:t>learning </a:t>
-            </a:r>
-            <a:r>
-              <a:rPr lang="en-US" sz="2000" dirty="0" smtClean="0">
-                <a:latin typeface="Times New Roman" panose="02020603050405020304" pitchFamily="18" charset="0"/>
-                <a:cs typeface="Times New Roman" panose="02020603050405020304" pitchFamily="18" charset="0"/>
-              </a:rPr>
-              <a:t>is </a:t>
-            </a:r>
-            <a:r>
-              <a:rPr lang="en-US" sz="2000" dirty="0">
-                <a:latin typeface="Times New Roman" panose="02020603050405020304" pitchFamily="18" charset="0"/>
-                <a:cs typeface="Times New Roman" panose="02020603050405020304" pitchFamily="18" charset="0"/>
-              </a:rPr>
-              <a:t>a geometric problem. Meaning, it tries to understand the structure of the problem in order to discover how to partition the data meaningfully.</a:t>
-            </a:r>
-          </a:p>
-          <a:p>
-            <a:pPr algn="just"/>
-            <a:r>
-              <a:rPr lang="en-US" sz="2000" dirty="0">
-                <a:latin typeface="Times New Roman" panose="02020603050405020304" pitchFamily="18" charset="0"/>
-                <a:cs typeface="Times New Roman" panose="02020603050405020304" pitchFamily="18" charset="0"/>
-              </a:rPr>
-              <a:t>Supervised learning </a:t>
-            </a:r>
-            <a:r>
-              <a:rPr lang="en-US" sz="2000" dirty="0" smtClean="0">
-                <a:latin typeface="Times New Roman" panose="02020603050405020304" pitchFamily="18" charset="0"/>
-                <a:cs typeface="Times New Roman" panose="02020603050405020304" pitchFamily="18" charset="0"/>
-              </a:rPr>
-              <a:t>is </a:t>
-            </a:r>
-            <a:r>
-              <a:rPr lang="en-US" sz="2000" dirty="0">
-                <a:latin typeface="Times New Roman" panose="02020603050405020304" pitchFamily="18" charset="0"/>
-                <a:cs typeface="Times New Roman" panose="02020603050405020304" pitchFamily="18" charset="0"/>
-              </a:rPr>
-              <a:t>all about how to partition the data based on labels. In a sense, the structure is much less important, and the labels are the critical hints of how we should partition the data.</a:t>
-            </a:r>
-          </a:p>
-          <a:p>
-            <a:pPr algn="just"/>
-            <a:r>
-              <a:rPr lang="en-US" sz="2000" dirty="0" smtClean="0">
-                <a:latin typeface="Times New Roman" panose="02020603050405020304" pitchFamily="18" charset="0"/>
-                <a:cs typeface="Times New Roman" panose="02020603050405020304" pitchFamily="18" charset="0"/>
-              </a:rPr>
-              <a:t>Reinforcement </a:t>
-            </a:r>
-            <a:r>
-              <a:rPr lang="en-US" sz="2000" dirty="0">
-                <a:latin typeface="Times New Roman" panose="02020603050405020304" pitchFamily="18" charset="0"/>
-                <a:cs typeface="Times New Roman" panose="02020603050405020304" pitchFamily="18" charset="0"/>
-              </a:rPr>
-              <a:t>learning (RL) is something different. It involves feedback from the environment, depend on the previous states. It doesn’t necessarily involves labels, and you may get the reward well after the actions were taken</a:t>
-            </a:r>
-            <a:r>
-              <a:rPr lang="en-US" sz="2000" dirty="0" smtClean="0">
-                <a:latin typeface="Times New Roman" panose="02020603050405020304" pitchFamily="18" charset="0"/>
-                <a:cs typeface="Times New Roman" panose="02020603050405020304" pitchFamily="18" charset="0"/>
-              </a:rPr>
-              <a:t>.</a:t>
-            </a:r>
-          </a:p>
-          <a:p>
-            <a:pPr algn="just"/>
-            <a:r>
-              <a:rPr lang="en-US" sz="2000" dirty="0" smtClean="0">
-                <a:latin typeface="Times New Roman" panose="02020603050405020304" pitchFamily="18" charset="0"/>
-                <a:cs typeface="Times New Roman" panose="02020603050405020304" pitchFamily="18" charset="0"/>
-              </a:rPr>
-              <a:t>These points differentiate reinforcement learning totally from run of the mill supervised and unsupervised learning:</a:t>
-            </a:r>
-          </a:p>
-          <a:p>
-            <a:pPr lvl="2" algn="just"/>
-            <a:r>
-              <a:rPr lang="en-US" dirty="0" smtClean="0">
-                <a:latin typeface="Times New Roman" panose="02020603050405020304" pitchFamily="18" charset="0"/>
-                <a:cs typeface="Times New Roman" panose="02020603050405020304" pitchFamily="18" charset="0"/>
-              </a:rPr>
-              <a:t>It works on interacting with the environment, no predefined data, Exploration V/s Exploitation, no supervision, with the aim of learning a series of action.</a:t>
-            </a:r>
-            <a:endParaRPr lang="en-US" dirty="0">
-              <a:latin typeface="Times New Roman" panose="02020603050405020304" pitchFamily="18" charset="0"/>
-              <a:cs typeface="Times New Roman" panose="02020603050405020304" pitchFamily="18" charset="0"/>
-            </a:endParaRPr>
-          </a:p>
-        </p:txBody>
-      </p:sp>
-    </p:spTree>
-    <p:extLst>
-      <p:ext uri="{BB962C8B-B14F-4D97-AF65-F5344CB8AC3E}">
-        <p14:creationId xmlns:p14="http://schemas.microsoft.com/office/powerpoint/2010/main" val="952739204"/>
-      </p:ext>
-    </p:extLst>
-  </p:cSld>
-  <p:clrMapOvr>
-    <a:masterClrMapping/>
-  </p:clrMapOvr>
-</p:sld>
-</file>
-
-<file path=ppt/slides/slide12.xml><?xml version="1.0" encoding="utf-8"?>
-<p:sld xmlns:a="http://schemas.openxmlformats.org/drawingml/2006/main" xmlns:r="http://schemas.openxmlformats.org/officeDocument/2006/relationships" xmlns:p="http://schemas.openxmlformats.org/presentationml/2006/main">
-  <p:cSld>
-    <p:spTree>
-      <p:nvGrpSpPr>
-        <p:cNvPr id="1" name=""/>
-        <p:cNvGrpSpPr/>
-        <p:nvPr/>
-      </p:nvGrpSpPr>
-      <p:grpSpPr>
-        <a:xfrm>
-          <a:off x="0" y="0"/>
-          <a:ext cx="0" cy="0"/>
-          <a:chOff x="0" y="0"/>
-          <a:chExt cx="0" cy="0"/>
-        </a:xfrm>
-      </p:grpSpPr>
-      <p:sp>
-        <p:nvSpPr>
-          <p:cNvPr id="2" name="Title 1"/>
-          <p:cNvSpPr>
-            <a:spLocks noGrp="1"/>
-          </p:cNvSpPr>
-          <p:nvPr>
-            <p:ph type="title"/>
-          </p:nvPr>
-        </p:nvSpPr>
-        <p:spPr/>
-        <p:txBody>
-          <a:bodyPr/>
-          <a:lstStyle/>
-          <a:p>
-            <a:r>
-              <a:rPr lang="en-US" dirty="0" smtClean="0">
-                <a:latin typeface="Times New Roman" panose="02020603050405020304" pitchFamily="18" charset="0"/>
-                <a:cs typeface="Times New Roman" panose="02020603050405020304" pitchFamily="18" charset="0"/>
-              </a:rPr>
-              <a:t>Reinforcement Learning in Depth:</a:t>
-            </a:r>
-            <a:endParaRPr lang="en-US" dirty="0">
-              <a:latin typeface="Times New Roman" panose="02020603050405020304" pitchFamily="18" charset="0"/>
-              <a:cs typeface="Times New Roman" panose="02020603050405020304" pitchFamily="18" charset="0"/>
-            </a:endParaRPr>
-          </a:p>
-        </p:txBody>
-      </p:sp>
-      <p:sp>
-        <p:nvSpPr>
-          <p:cNvPr id="3" name="Content Placeholder 2"/>
-          <p:cNvSpPr>
-            <a:spLocks noGrp="1"/>
-          </p:cNvSpPr>
-          <p:nvPr>
-            <p:ph idx="1"/>
-          </p:nvPr>
-        </p:nvSpPr>
-        <p:spPr/>
-        <p:txBody>
-          <a:bodyPr>
-            <a:normAutofit/>
-          </a:bodyPr>
-          <a:lstStyle/>
-          <a:p>
             <a:r>
               <a:rPr lang="en-US" sz="2000" dirty="0" smtClean="0">
                 <a:latin typeface="Times New Roman" panose="02020603050405020304" pitchFamily="18" charset="0"/>
@@ -9130,10 +8918,17 @@
   <p:clrMapOvr>
     <a:masterClrMapping/>
   </p:clrMapOvr>
+  <p:timing>
+    <p:tnLst>
+      <p:par>
+        <p:cTn id="1" dur="indefinite" restart="never" nodeType="tmRoot"/>
+      </p:par>
+    </p:tnLst>
+  </p:timing>
 </p:sld>
 </file>
 
-<file path=ppt/slides/slide13.xml><?xml version="1.0" encoding="utf-8"?>
+<file path=ppt/slides/slide12.xml><?xml version="1.0" encoding="utf-8"?>
 <p:sld xmlns:a="http://schemas.openxmlformats.org/drawingml/2006/main" xmlns:r="http://schemas.openxmlformats.org/officeDocument/2006/relationships" xmlns:p="http://schemas.openxmlformats.org/presentationml/2006/main">
   <p:cSld>
     <p:spTree>
@@ -9295,6 +9090,24 @@
             </a:r>
           </a:p>
           <a:p>
+            <a:r>
+              <a:rPr lang="en-US" dirty="0" smtClean="0"/>
+              <a:t>	</a:t>
+            </a:r>
+            <a:r>
+              <a:rPr lang="en-US" b="1" dirty="0" smtClean="0">
+                <a:latin typeface="Times New Roman" panose="02020603050405020304" pitchFamily="18" charset="0"/>
+                <a:cs typeface="Times New Roman" panose="02020603050405020304" pitchFamily="18" charset="0"/>
+              </a:rPr>
+              <a:t>Agent — </a:t>
+            </a:r>
+            <a:r>
+              <a:rPr lang="en-US" dirty="0" smtClean="0">
+                <a:latin typeface="Times New Roman" panose="02020603050405020304" pitchFamily="18" charset="0"/>
+                <a:cs typeface="Times New Roman" panose="02020603050405020304" pitchFamily="18" charset="0"/>
+              </a:rPr>
+              <a:t>The main working entity of the reinforcement learning paradigm</a:t>
+            </a:r>
             <a:endParaRPr lang="en-US" dirty="0"/>
           </a:p>
         </p:txBody>
@@ -9309,10 +9122,17 @@
   <p:clrMapOvr>
     <a:masterClrMapping/>
   </p:clrMapOvr>
+  <p:timing>
+    <p:tnLst>
+      <p:par>
+        <p:cTn id="1" dur="indefinite" restart="never" nodeType="tmRoot"/>
+      </p:par>
+    </p:tnLst>
+  </p:timing>
 </p:sld>
 </file>
 
-<file path=ppt/slides/slide14.xml><?xml version="1.0" encoding="utf-8"?>
+<file path=ppt/slides/slide13.xml><?xml version="1.0" encoding="utf-8"?>
 <p:sld xmlns:a="http://schemas.openxmlformats.org/drawingml/2006/main" xmlns:r="http://schemas.openxmlformats.org/officeDocument/2006/relationships" xmlns:p="http://schemas.openxmlformats.org/presentationml/2006/main">
   <p:cSld>
     <p:spTree>
@@ -10105,10 +9925,17 @@
   <p:clrMapOvr>
     <a:masterClrMapping/>
   </p:clrMapOvr>
+  <p:timing>
+    <p:tnLst>
+      <p:par>
+        <p:cTn id="1" dur="indefinite" restart="never" nodeType="tmRoot"/>
+      </p:par>
+    </p:tnLst>
+  </p:timing>
 </p:sld>
 </file>
 
-<file path=ppt/slides/slide15.xml><?xml version="1.0" encoding="utf-8"?>
+<file path=ppt/slides/slide14.xml><?xml version="1.0" encoding="utf-8"?>
 <p:sld xmlns:a="http://schemas.openxmlformats.org/drawingml/2006/main" xmlns:r="http://schemas.openxmlformats.org/officeDocument/2006/relationships" xmlns:p="http://schemas.openxmlformats.org/presentationml/2006/main">
   <p:cSld>
     <p:spTree>
@@ -10125,8 +9952,8 @@
           <a:chExt cx="0" cy="0"/>
         </a:xfrm>
       </p:grpSpPr>
-      <mc:AlternateContent xmlns:mc="http://schemas.openxmlformats.org/markup-compatibility/2006" xmlns:a14="http://schemas.microsoft.com/office/drawing/2010/main">
-        <mc:Choice Requires="a14">
+      <mc:AlternateContent xmlns:mc="http://schemas.openxmlformats.org/markup-compatibility/2006">
+        <mc:Choice xmlns:a14="http://schemas.microsoft.com/office/drawing/2010/main" Requires="a14">
           <p:sp>
             <p:nvSpPr>
               <p:cNvPr id="3" name="Content Placeholder 2"/>
@@ -10383,7 +10210,28 @@
                     <a:latin typeface="Times New Roman" panose="02020603050405020304" pitchFamily="18" charset="0"/>
                     <a:cs typeface="Times New Roman" panose="02020603050405020304" pitchFamily="18" charset="0"/>
                   </a:rPr>
-                  <a:t>Notably, agent's algorithm for choosing action a given </a:t>
+                  <a:t>Notably, agent's algorithm for choosing action </a:t>
+                </a:r>
+                <a:r>
+                  <a:rPr lang="en-US" sz="2000" i="1" dirty="0" smtClean="0">
+                    <a:latin typeface="Times New Roman" panose="02020603050405020304" pitchFamily="18" charset="0"/>
+                    <a:cs typeface="Times New Roman" panose="02020603050405020304" pitchFamily="18" charset="0"/>
+                  </a:rPr>
+                  <a:t>a,</a:t>
+                </a:r>
+                <a:r>
+                  <a:rPr lang="en-US" sz="2000" dirty="0" smtClean="0">
+                    <a:latin typeface="Times New Roman" panose="02020603050405020304" pitchFamily="18" charset="0"/>
+                    <a:cs typeface="Times New Roman" panose="02020603050405020304" pitchFamily="18" charset="0"/>
+                  </a:rPr>
+                  <a:t> </a:t>
+                </a:r>
+                <a:r>
+                  <a:rPr lang="en-US" sz="2000" dirty="0">
+                    <a:latin typeface="Times New Roman" panose="02020603050405020304" pitchFamily="18" charset="0"/>
+                    <a:cs typeface="Times New Roman" panose="02020603050405020304" pitchFamily="18" charset="0"/>
+                  </a:rPr>
+                  <a:t>given </a:t>
                 </a:r>
                 <a:r>
                   <a:rPr lang="en-US" sz="2000" dirty="0" smtClean="0">
@@ -10951,12 +10799,22 @@
                   <a:rPr lang="en-US" dirty="0"/>
                   <a:t> </a:t>
                 </a:r>
+                <a:endParaRPr lang="en-US" dirty="0" smtClean="0"/>
+              </a:p>
+              <a:p>
+                <a:r>
+                  <a:rPr lang="en-US" sz="2000" dirty="0" smtClean="0">
+                    <a:latin typeface="Times New Roman" panose="02020603050405020304" pitchFamily="18" charset="0"/>
+                    <a:cs typeface="Times New Roman" panose="02020603050405020304" pitchFamily="18" charset="0"/>
+                  </a:rPr>
+                  <a:t>Theoretically</a:t>
+                </a:r>
                 <a:r>
                   <a:rPr lang="en-US" sz="2000" dirty="0">
                     <a:latin typeface="Times New Roman" panose="02020603050405020304" pitchFamily="18" charset="0"/>
                     <a:cs typeface="Times New Roman" panose="02020603050405020304" pitchFamily="18" charset="0"/>
                   </a:rPr>
-                  <a:t>Theoretically, </a:t>
+                  <a:t>, </a:t>
                 </a:r>
                 <a:r>
                   <a:rPr lang="en-US" sz="2000" dirty="0" smtClean="0">
@@ -11200,7 +11058,7 @@
             </p:txBody>
           </p:sp>
         </mc:Choice>
-        <mc:Fallback xmlns="">
+        <mc:Fallback>
           <p:sp>
             <p:nvSpPr>
               <p:cNvPr id="3" name="Content Placeholder 2"/>
@@ -11219,7 +11077,7 @@
               <a:blipFill>
                 <a:blip r:embed="rId2"/>
                 <a:stretch>
-                  <a:fillRect l="-447"/>
+                  <a:fillRect l="-447" r="-279"/>
                 </a:stretch>
               </a:blipFill>
             </p:spPr>
@@ -11272,10 +11130,17 @@
   <p:clrMapOvr>
     <a:masterClrMapping/>
   </p:clrMapOvr>
+  <p:timing>
+    <p:tnLst>
+      <p:par>
+        <p:cTn id="1" dur="indefinite" restart="never" nodeType="tmRoot"/>
+      </p:par>
+    </p:tnLst>
+  </p:timing>
 </p:sld>
 </file>
 
-<file path=ppt/slides/slide16.xml><?xml version="1.0" encoding="utf-8"?>
+<file path=ppt/slides/slide15.xml><?xml version="1.0" encoding="utf-8"?>
 <p:sld xmlns:a="http://schemas.openxmlformats.org/drawingml/2006/main" xmlns:r="http://schemas.openxmlformats.org/officeDocument/2006/relationships" xmlns:p="http://schemas.openxmlformats.org/presentationml/2006/main">
   <p:cSld>
     <p:spTree>
@@ -11794,6 +11659,36 @@
           </a:p>
         </p:txBody>
       </p:sp>
+      <p:pic>
+        <p:nvPicPr>
+          <p:cNvPr id="2" name="Picture 1"/>
+          <p:cNvPicPr>
+            <a:picLocks noChangeAspect="1"/>
+          </p:cNvPicPr>
+          <p:nvPr/>
+        </p:nvPicPr>
+        <p:blipFill>
+          <a:blip r:embed="rId6">
+            <a:extLst>
+              <a:ext uri="{28A0092B-C50C-407E-A947-70E740481C1C}">
+                <a14:useLocalDpi xmlns:a14="http://schemas.microsoft.com/office/drawing/2010/main" val="0"/>
+              </a:ext>
+            </a:extLst>
+          </a:blip>
+          <a:stretch>
+            <a:fillRect/>
+          </a:stretch>
+        </p:blipFill>
+        <p:spPr>
+          <a:xfrm>
+            <a:off x="8851176" y="2052497"/>
+            <a:ext cx="3340824" cy="1544343"/>
+          </a:xfrm>
+          <a:prstGeom prst="rect">
+            <a:avLst/>
+          </a:prstGeom>
+        </p:spPr>
+      </p:pic>
     </p:spTree>
     <p:extLst>
       <p:ext uri="{BB962C8B-B14F-4D97-AF65-F5344CB8AC3E}">
@@ -11804,10 +11699,17 @@
   <p:clrMapOvr>
     <a:masterClrMapping/>
   </p:clrMapOvr>
+  <p:timing>
+    <p:tnLst>
+      <p:par>
+        <p:cTn id="1" dur="indefinite" restart="never" nodeType="tmRoot"/>
+      </p:par>
+    </p:tnLst>
+  </p:timing>
 </p:sld>
 </file>
 
-<file path=ppt/slides/slide17.xml><?xml version="1.0" encoding="utf-8"?>
+<file path=ppt/slides/slide16.xml><?xml version="1.0" encoding="utf-8"?>
 <p:sld xmlns:a="http://schemas.openxmlformats.org/drawingml/2006/main" xmlns:r="http://schemas.openxmlformats.org/officeDocument/2006/relationships" xmlns:p="http://schemas.openxmlformats.org/presentationml/2006/main">
   <p:cSld>
     <p:spTree>
@@ -11836,7 +11738,7 @@
         </p:nvSpPr>
         <p:spPr>
           <a:xfrm>
-            <a:off x="838200" y="365125"/>
+            <a:off x="838200" y="0"/>
             <a:ext cx="9594669" cy="697321"/>
           </a:xfrm>
         </p:spPr>
@@ -11856,8 +11758,8 @@
           </a:p>
         </p:txBody>
       </p:sp>
-      <mc:AlternateContent xmlns:mc="http://schemas.openxmlformats.org/markup-compatibility/2006" xmlns:a14="http://schemas.microsoft.com/office/drawing/2010/main">
-        <mc:Choice Requires="a14">
+      <mc:AlternateContent xmlns:mc="http://schemas.openxmlformats.org/markup-compatibility/2006">
+        <mc:Choice xmlns:a14="http://schemas.microsoft.com/office/drawing/2010/main" Requires="a14">
           <p:sp>
             <p:nvSpPr>
               <p:cNvPr id="3" name="Content Placeholder 2"/>
@@ -11870,7 +11772,7 @@
             </p:nvSpPr>
             <p:spPr>
               <a:xfrm>
-                <a:off x="838200" y="1062446"/>
+                <a:off x="838200" y="600892"/>
                 <a:ext cx="10515600" cy="5547360"/>
               </a:xfrm>
             </p:spPr>
@@ -11880,6 +11782,11 @@
               </a:bodyPr>
               <a:lstStyle/>
               <a:p>
+                <a:pPr>
+                  <a:lnSpc>
+                    <a:spcPct val="100000"/>
+                  </a:lnSpc>
+                </a:pPr>
                 <a:r>
                   <a:rPr lang="en-US" sz="2000" dirty="0">
                     <a:latin typeface="Times New Roman" panose="02020603050405020304" pitchFamily="18" charset="0"/>
@@ -11962,10 +11869,121 @@
                     <a:latin typeface="Times New Roman" panose="02020603050405020304" pitchFamily="18" charset="0"/>
                     <a:cs typeface="Times New Roman" panose="02020603050405020304" pitchFamily="18" charset="0"/>
                   </a:rPr>
-                  <a:t>follows:</a:t>
-                </a:r>
+                  <a:t>follows</a:t>
+                </a:r>
+                <a:r>
+                  <a:rPr lang="en-US" sz="2000" dirty="0" smtClean="0">
+                    <a:latin typeface="Times New Roman" panose="02020603050405020304" pitchFamily="18" charset="0"/>
+                    <a:cs typeface="Times New Roman" panose="02020603050405020304" pitchFamily="18" charset="0"/>
+                  </a:rPr>
+                  <a:t>:</a:t>
+                </a:r>
+                <a:r>
+                  <a:rPr lang="en-US" dirty="0"/>
+                  <a:t> </a:t>
+                </a:r>
+                <a:r>
+                  <a:rPr lang="en-US" sz="2000" dirty="0">
+                    <a:latin typeface="Times New Roman" panose="02020603050405020304" pitchFamily="18" charset="0"/>
+                    <a:cs typeface="Times New Roman" panose="02020603050405020304" pitchFamily="18" charset="0"/>
+                  </a:rPr>
+                  <a:t>The optimal V-value function is the expected discounted reward when in a given state</a:t>
+                </a:r>
+                <a:r>
+                  <a:rPr lang="en-US" sz="2000" b="1" dirty="0">
+                    <a:latin typeface="Times New Roman" panose="02020603050405020304" pitchFamily="18" charset="0"/>
+                    <a:cs typeface="Times New Roman" panose="02020603050405020304" pitchFamily="18" charset="0"/>
+                  </a:rPr>
+                  <a:t> </a:t>
+                </a:r>
+                <a:r>
+                  <a:rPr lang="en-US" sz="2000" b="1" i="1" dirty="0">
+                    <a:latin typeface="Times New Roman" panose="02020603050405020304" pitchFamily="18" charset="0"/>
+                    <a:cs typeface="Times New Roman" panose="02020603050405020304" pitchFamily="18" charset="0"/>
+                  </a:rPr>
+                  <a:t>s</a:t>
+                </a:r>
+                <a:r>
+                  <a:rPr lang="en-US" sz="2000" i="1" dirty="0">
+                    <a:latin typeface="Times New Roman" panose="02020603050405020304" pitchFamily="18" charset="0"/>
+                    <a:cs typeface="Times New Roman" panose="02020603050405020304" pitchFamily="18" charset="0"/>
+                  </a:rPr>
+                  <a:t> </a:t>
+                </a:r>
+                <a:r>
+                  <a:rPr lang="en-US" sz="2000" dirty="0">
+                    <a:latin typeface="Times New Roman" panose="02020603050405020304" pitchFamily="18" charset="0"/>
+                    <a:cs typeface="Times New Roman" panose="02020603050405020304" pitchFamily="18" charset="0"/>
+                  </a:rPr>
+                  <a:t>the agent follows the policy</a:t>
+                </a:r>
+                <a:r>
+                  <a:rPr lang="en-US" sz="2000" i="1" dirty="0">
+                    <a:latin typeface="Times New Roman" panose="02020603050405020304" pitchFamily="18" charset="0"/>
+                    <a:cs typeface="Times New Roman" panose="02020603050405020304" pitchFamily="18" charset="0"/>
+                  </a:rPr>
+                  <a:t> </a:t>
+                </a:r>
+                <a:r>
+                  <a:rPr lang="en-US" sz="2000" dirty="0"/>
+                  <a:t> </a:t>
+                </a:r>
+                <a14:m>
+                  <m:oMath xmlns:m="http://schemas.openxmlformats.org/officeDocument/2006/math">
+                    <m:r>
+                      <a:rPr lang="en-US" sz="2000" i="1" dirty="0">
+                        <a:latin typeface="Cambria Math" panose="02040503050406030204" pitchFamily="18" charset="0"/>
+                      </a:rPr>
+                      <m:t>𝜋</m:t>
+                    </m:r>
+                    <m:r>
+                      <a:rPr lang="en-US" sz="2000" i="1" dirty="0">
+                        <a:latin typeface="Cambria Math" panose="02040503050406030204" pitchFamily="18" charset="0"/>
+                      </a:rPr>
+                      <m:t> </m:t>
+                    </m:r>
+                  </m:oMath>
+                </a14:m>
+                <a:r>
+                  <a:rPr lang="en-US" sz="2000" b="1" i="1" dirty="0">
+                    <a:latin typeface="Times New Roman" panose="02020603050405020304" pitchFamily="18" charset="0"/>
+                    <a:cs typeface="Times New Roman" panose="02020603050405020304" pitchFamily="18" charset="0"/>
+                  </a:rPr>
+                  <a:t>*</a:t>
+                </a:r>
+                <a:r>
+                  <a:rPr lang="en-US" sz="2000" dirty="0">
+                    <a:latin typeface="Times New Roman" panose="02020603050405020304" pitchFamily="18" charset="0"/>
+                    <a:cs typeface="Times New Roman" panose="02020603050405020304" pitchFamily="18" charset="0"/>
+                  </a:rPr>
+                  <a:t> thereafter</a:t>
+                </a:r>
+                <a:r>
+                  <a:rPr lang="en-US" dirty="0"/>
+                  <a:t>.</a:t>
+                </a:r>
+                <a:endParaRPr lang="en-US" sz="2000" dirty="0" smtClean="0">
+                  <a:latin typeface="Times New Roman" panose="02020603050405020304" pitchFamily="18" charset="0"/>
+                  <a:cs typeface="Times New Roman" panose="02020603050405020304" pitchFamily="18" charset="0"/>
+                </a:endParaRPr>
               </a:p>
               <a:p>
+                <a:pPr>
+                  <a:lnSpc>
+                    <a:spcPct val="100000"/>
+                  </a:lnSpc>
+                </a:pPr>
+                <a:endParaRPr lang="en-US" sz="2000" dirty="0" smtClean="0">
+                  <a:latin typeface="Times New Roman" panose="02020603050405020304" pitchFamily="18" charset="0"/>
+                  <a:cs typeface="Times New Roman" panose="02020603050405020304" pitchFamily="18" charset="0"/>
+                </a:endParaRPr>
+              </a:p>
+              <a:p>
+                <a:pPr>
+                  <a:lnSpc>
+                    <a:spcPct val="100000"/>
+                  </a:lnSpc>
+                </a:pPr>
                 <a:endParaRPr lang="en-US" sz="2000" dirty="0">
                   <a:latin typeface="Times New Roman" panose="02020603050405020304" pitchFamily="18" charset="0"/>
                   <a:cs typeface="Times New Roman" panose="02020603050405020304" pitchFamily="18" charset="0"/>
@@ -12194,7 +12212,7 @@
             </p:txBody>
           </p:sp>
         </mc:Choice>
-        <mc:Fallback xmlns="">
+        <mc:Fallback>
           <p:sp>
             <p:nvSpPr>
               <p:cNvPr id="3" name="Content Placeholder 2"/>
@@ -12207,13 +12225,13 @@
             </p:nvSpPr>
             <p:spPr>
               <a:xfrm>
-                <a:off x="838200" y="1062446"/>
+                <a:off x="838200" y="600892"/>
                 <a:ext cx="10515600" cy="5547360"/>
               </a:xfrm>
               <a:blipFill>
                 <a:blip r:embed="rId2"/>
                 <a:stretch>
-                  <a:fillRect l="-522" t="-1099" r="-928"/>
+                  <a:fillRect l="-522" t="-659" r="-928" b="-330"/>
                 </a:stretch>
               </a:blipFill>
             </p:spPr>
@@ -12234,7 +12252,7 @@
       </mc:AlternateContent>
       <p:pic>
         <p:nvPicPr>
-          <p:cNvPr id="4" name="Picture 3"/>
+          <p:cNvPr id="5" name="Picture 4"/>
           <p:cNvPicPr>
             <a:picLocks noChangeAspect="1"/>
           </p:cNvPicPr>
@@ -12248,31 +12266,7 @@
         </p:blipFill>
         <p:spPr>
           <a:xfrm>
-            <a:off x="3879728" y="2280766"/>
-            <a:ext cx="3844776" cy="570617"/>
-          </a:xfrm>
-          <a:prstGeom prst="rect">
-            <a:avLst/>
-          </a:prstGeom>
-        </p:spPr>
-      </p:pic>
-      <p:pic>
-        <p:nvPicPr>
-          <p:cNvPr id="5" name="Picture 4"/>
-          <p:cNvPicPr>
-            <a:picLocks noChangeAspect="1"/>
-          </p:cNvPicPr>
-          <p:nvPr/>
-        </p:nvPicPr>
-        <p:blipFill>
-          <a:blip r:embed="rId4"/>
-          <a:stretch>
-            <a:fillRect/>
-          </a:stretch>
-        </p:blipFill>
-        <p:spPr>
-          <a:xfrm>
-            <a:off x="2929882" y="3619704"/>
+            <a:off x="2929880" y="4266626"/>
             <a:ext cx="6332235" cy="666269"/>
           </a:xfrm>
           <a:prstGeom prst="rect">
@@ -12289,14 +12283,14 @@
           <p:nvPr/>
         </p:nvPicPr>
         <p:blipFill>
-          <a:blip r:embed="rId5"/>
+          <a:blip r:embed="rId4"/>
           <a:stretch>
             <a:fillRect/>
           </a:stretch>
         </p:blipFill>
         <p:spPr>
           <a:xfrm>
-            <a:off x="2929881" y="5233341"/>
+            <a:off x="2469416" y="5947450"/>
             <a:ext cx="6332235" cy="655348"/>
           </a:xfrm>
           <a:prstGeom prst="rect">
@@ -12313,15 +12307,75 @@
           <p:nvPr/>
         </p:nvPicPr>
         <p:blipFill>
-          <a:blip r:embed="rId6"/>
+          <a:blip r:embed="rId5"/>
           <a:stretch>
             <a:fillRect/>
           </a:stretch>
         </p:blipFill>
         <p:spPr>
           <a:xfrm>
-            <a:off x="3978970" y="5972103"/>
+            <a:off x="9166152" y="5947450"/>
             <a:ext cx="1823146" cy="554288"/>
+          </a:xfrm>
+          <a:prstGeom prst="rect">
+            <a:avLst/>
+          </a:prstGeom>
+        </p:spPr>
+      </p:pic>
+      <p:pic>
+        <p:nvPicPr>
+          <p:cNvPr id="8" name="Picture 7"/>
+          <p:cNvPicPr>
+            <a:picLocks noChangeAspect="1"/>
+          </p:cNvPicPr>
+          <p:nvPr/>
+        </p:nvPicPr>
+        <p:blipFill>
+          <a:blip r:embed="rId6">
+            <a:extLst>
+              <a:ext uri="{28A0092B-C50C-407E-A947-70E740481C1C}">
+                <a14:useLocalDpi xmlns:a14="http://schemas.microsoft.com/office/drawing/2010/main" val="0"/>
+              </a:ext>
+            </a:extLst>
+          </a:blip>
+          <a:stretch>
+            <a:fillRect/>
+          </a:stretch>
+        </p:blipFill>
+        <p:spPr>
+          <a:xfrm>
+            <a:off x="2469416" y="2786799"/>
+            <a:ext cx="3147876" cy="751732"/>
+          </a:xfrm>
+          <a:prstGeom prst="rect">
+            <a:avLst/>
+          </a:prstGeom>
+        </p:spPr>
+      </p:pic>
+      <p:pic>
+        <p:nvPicPr>
+          <p:cNvPr id="9" name="Picture 8"/>
+          <p:cNvPicPr>
+            <a:picLocks noChangeAspect="1"/>
+          </p:cNvPicPr>
+          <p:nvPr/>
+        </p:nvPicPr>
+        <p:blipFill>
+          <a:blip r:embed="rId7">
+            <a:extLst>
+              <a:ext uri="{28A0092B-C50C-407E-A947-70E740481C1C}">
+                <a14:useLocalDpi xmlns:a14="http://schemas.microsoft.com/office/drawing/2010/main" val="0"/>
+              </a:ext>
+            </a:extLst>
+          </a:blip>
+          <a:stretch>
+            <a:fillRect/>
+          </a:stretch>
+        </p:blipFill>
+        <p:spPr>
+          <a:xfrm>
+            <a:off x="6635085" y="2880556"/>
+            <a:ext cx="2438400" cy="581025"/>
           </a:xfrm>
           <a:prstGeom prst="rect">
             <a:avLst/>
@@ -12338,10 +12392,17 @@
   <p:clrMapOvr>
     <a:masterClrMapping/>
   </p:clrMapOvr>
+  <p:timing>
+    <p:tnLst>
+      <p:par>
+        <p:cTn id="1" dur="indefinite" restart="never" nodeType="tmRoot"/>
+      </p:par>
+    </p:tnLst>
+  </p:timing>
 </p:sld>
 </file>
 
-<file path=ppt/slides/slide18.xml><?xml version="1.0" encoding="utf-8"?>
+<file path=ppt/slides/slide17.xml><?xml version="1.0" encoding="utf-8"?>
 <p:sld xmlns:a="http://schemas.openxmlformats.org/drawingml/2006/main" xmlns:r="http://schemas.openxmlformats.org/officeDocument/2006/relationships" xmlns:p="http://schemas.openxmlformats.org/presentationml/2006/main">
   <p:cSld>
     <p:spTree>
@@ -12358,8 +12419,8 @@
           <a:chExt cx="0" cy="0"/>
         </a:xfrm>
       </p:grpSpPr>
-      <mc:AlternateContent xmlns:mc="http://schemas.openxmlformats.org/markup-compatibility/2006" xmlns:a14="http://schemas.microsoft.com/office/drawing/2010/main">
-        <mc:Choice Requires="a14">
+      <mc:AlternateContent xmlns:mc="http://schemas.openxmlformats.org/markup-compatibility/2006">
+        <mc:Choice xmlns:a14="http://schemas.microsoft.com/office/drawing/2010/main" Requires="a14">
           <p:sp>
             <p:nvSpPr>
               <p:cNvPr id="3" name="Content Placeholder 2"/>
@@ -12623,7 +12684,84 @@
                     <a:latin typeface="Times New Roman" panose="02020603050405020304" pitchFamily="18" charset="0"/>
                     <a:cs typeface="Times New Roman" panose="02020603050405020304" pitchFamily="18" charset="0"/>
                   </a:rPr>
-                  <a:t>state.</a:t>
+                  <a:t>state. </a:t>
+                </a:r>
+                <a:r>
+                  <a:rPr lang="en-US" sz="2000" dirty="0">
+                    <a:latin typeface="Times New Roman" panose="02020603050405020304" pitchFamily="18" charset="0"/>
+                    <a:cs typeface="Times New Roman" panose="02020603050405020304" pitchFamily="18" charset="0"/>
+                  </a:rPr>
+                  <a:t>The optimal </a:t>
+                </a:r>
+                <a:r>
+                  <a:rPr lang="en-US" sz="2000" b="1" i="1" dirty="0">
+                    <a:latin typeface="Times New Roman" panose="02020603050405020304" pitchFamily="18" charset="0"/>
+                    <a:cs typeface="Times New Roman" panose="02020603050405020304" pitchFamily="18" charset="0"/>
+                  </a:rPr>
+                  <a:t>Q</a:t>
+                </a:r>
+                <a:r>
+                  <a:rPr lang="en-US" sz="2000" dirty="0">
+                    <a:latin typeface="Times New Roman" panose="02020603050405020304" pitchFamily="18" charset="0"/>
+                    <a:cs typeface="Times New Roman" panose="02020603050405020304" pitchFamily="18" charset="0"/>
+                  </a:rPr>
+                  <a:t>-value is the expected discounted return when in a given state s and for a given action, </a:t>
+                </a:r>
+                <a:r>
+                  <a:rPr lang="en-US" sz="2000" b="1" i="1" dirty="0">
+                    <a:latin typeface="Times New Roman" panose="02020603050405020304" pitchFamily="18" charset="0"/>
+                    <a:cs typeface="Times New Roman" panose="02020603050405020304" pitchFamily="18" charset="0"/>
+                  </a:rPr>
+                  <a:t>a,</a:t>
+                </a:r>
+                <a:r>
+                  <a:rPr lang="en-US" sz="2000" i="1" dirty="0">
+                    <a:latin typeface="Times New Roman" panose="02020603050405020304" pitchFamily="18" charset="0"/>
+                    <a:cs typeface="Times New Roman" panose="02020603050405020304" pitchFamily="18" charset="0"/>
+                  </a:rPr>
+                  <a:t> </a:t>
+                </a:r>
+                <a:r>
+                  <a:rPr lang="en-US" sz="2000" dirty="0">
+                    <a:latin typeface="Times New Roman" panose="02020603050405020304" pitchFamily="18" charset="0"/>
+                    <a:cs typeface="Times New Roman" panose="02020603050405020304" pitchFamily="18" charset="0"/>
+                  </a:rPr>
+                  <a:t>the agent follows the policy </a:t>
+                </a:r>
+                <a:r>
+                  <a:rPr lang="en-US" sz="2000" dirty="0"/>
+                  <a:t> </a:t>
+                </a:r>
+                <a14:m>
+                  <m:oMath xmlns:m="http://schemas.openxmlformats.org/officeDocument/2006/math">
+                    <m:r>
+                      <a:rPr lang="en-US" sz="2000" i="1" dirty="0">
+                        <a:latin typeface="Cambria Math" panose="02040503050406030204" pitchFamily="18" charset="0"/>
+                      </a:rPr>
+                      <m:t>𝜋</m:t>
+                    </m:r>
+                  </m:oMath>
+                </a14:m>
+                <a:r>
+                  <a:rPr lang="en-US" sz="2000" b="1" i="1" dirty="0">
+                    <a:latin typeface="Times New Roman" panose="02020603050405020304" pitchFamily="18" charset="0"/>
+                    <a:cs typeface="Times New Roman" panose="02020603050405020304" pitchFamily="18" charset="0"/>
+                  </a:rPr>
+                  <a:t>* </a:t>
+                </a:r>
+                <a:r>
+                  <a:rPr lang="en-US" sz="2000" dirty="0">
+                    <a:latin typeface="Times New Roman" panose="02020603050405020304" pitchFamily="18" charset="0"/>
+                    <a:cs typeface="Times New Roman" panose="02020603050405020304" pitchFamily="18" charset="0"/>
+                  </a:rPr>
+                  <a:t>thereafter. The optimal policy can be obtained directly from this optimal value</a:t>
+                </a:r>
+                <a:r>
+                  <a:rPr lang="en-US" sz="2000" dirty="0" smtClean="0">
+                    <a:latin typeface="Times New Roman" panose="02020603050405020304" pitchFamily="18" charset="0"/>
+                    <a:cs typeface="Times New Roman" panose="02020603050405020304" pitchFamily="18" charset="0"/>
+                  </a:rPr>
+                  <a:t>:</a:t>
                 </a:r>
                 <a:endParaRPr lang="en-US" sz="2000" dirty="0">
                   <a:latin typeface="Times New Roman" panose="02020603050405020304" pitchFamily="18" charset="0"/>
@@ -12633,7 +12771,7 @@
             </p:txBody>
           </p:sp>
         </mc:Choice>
-        <mc:Fallback xmlns="">
+        <mc:Fallback>
           <p:sp>
             <p:nvSpPr>
               <p:cNvPr id="3" name="Content Placeholder 2"/>
@@ -12695,6 +12833,96 @@
           </a:prstGeom>
         </p:spPr>
       </p:pic>
+      <p:pic>
+        <p:nvPicPr>
+          <p:cNvPr id="2" name="Picture 1"/>
+          <p:cNvPicPr>
+            <a:picLocks noChangeAspect="1"/>
+          </p:cNvPicPr>
+          <p:nvPr/>
+        </p:nvPicPr>
+        <p:blipFill>
+          <a:blip r:embed="rId4">
+            <a:extLst>
+              <a:ext uri="{28A0092B-C50C-407E-A947-70E740481C1C}">
+                <a14:useLocalDpi xmlns:a14="http://schemas.microsoft.com/office/drawing/2010/main" val="0"/>
+              </a:ext>
+            </a:extLst>
+          </a:blip>
+          <a:stretch>
+            <a:fillRect/>
+          </a:stretch>
+        </p:blipFill>
+        <p:spPr>
+          <a:xfrm>
+            <a:off x="4600575" y="5371061"/>
+            <a:ext cx="2990850" cy="556225"/>
+          </a:xfrm>
+          <a:prstGeom prst="rect">
+            <a:avLst/>
+          </a:prstGeom>
+        </p:spPr>
+      </p:pic>
+      <p:pic>
+        <p:nvPicPr>
+          <p:cNvPr id="5" name="Picture 4"/>
+          <p:cNvPicPr>
+            <a:picLocks noChangeAspect="1"/>
+          </p:cNvPicPr>
+          <p:nvPr/>
+        </p:nvPicPr>
+        <p:blipFill>
+          <a:blip r:embed="rId5">
+            <a:extLst>
+              <a:ext uri="{28A0092B-C50C-407E-A947-70E740481C1C}">
+                <a14:useLocalDpi xmlns:a14="http://schemas.microsoft.com/office/drawing/2010/main" val="0"/>
+              </a:ext>
+            </a:extLst>
+          </a:blip>
+          <a:stretch>
+            <a:fillRect/>
+          </a:stretch>
+        </p:blipFill>
+        <p:spPr>
+          <a:xfrm>
+            <a:off x="1181100" y="4216510"/>
+            <a:ext cx="4914900" cy="904875"/>
+          </a:xfrm>
+          <a:prstGeom prst="rect">
+            <a:avLst/>
+          </a:prstGeom>
+        </p:spPr>
+      </p:pic>
+      <p:pic>
+        <p:nvPicPr>
+          <p:cNvPr id="6" name="Picture 5"/>
+          <p:cNvPicPr>
+            <a:picLocks noChangeAspect="1"/>
+          </p:cNvPicPr>
+          <p:nvPr/>
+        </p:nvPicPr>
+        <p:blipFill>
+          <a:blip r:embed="rId6">
+            <a:extLst>
+              <a:ext uri="{28A0092B-C50C-407E-A947-70E740481C1C}">
+                <a14:useLocalDpi xmlns:a14="http://schemas.microsoft.com/office/drawing/2010/main" val="0"/>
+              </a:ext>
+            </a:extLst>
+          </a:blip>
+          <a:stretch>
+            <a:fillRect/>
+          </a:stretch>
+        </p:blipFill>
+        <p:spPr>
+          <a:xfrm>
+            <a:off x="6925764" y="4378434"/>
+            <a:ext cx="2990850" cy="581025"/>
+          </a:xfrm>
+          <a:prstGeom prst="rect">
+            <a:avLst/>
+          </a:prstGeom>
+        </p:spPr>
+      </p:pic>
     </p:spTree>
     <p:extLst>
       <p:ext uri="{BB962C8B-B14F-4D97-AF65-F5344CB8AC3E}">
@@ -12705,10 +12933,17 @@
   <p:clrMapOvr>
     <a:masterClrMapping/>
   </p:clrMapOvr>
+  <p:timing>
+    <p:tnLst>
+      <p:par>
+        <p:cTn id="1" dur="indefinite" restart="never" nodeType="tmRoot"/>
+      </p:par>
+    </p:tnLst>
+  </p:timing>
 </p:sld>
 </file>
 
-<file path=ppt/slides/slide19.xml><?xml version="1.0" encoding="utf-8"?>
+<file path=ppt/slides/slide18.xml><?xml version="1.0" encoding="utf-8"?>
 <p:sld xmlns:a="http://schemas.openxmlformats.org/drawingml/2006/main" xmlns:r="http://schemas.openxmlformats.org/officeDocument/2006/relationships" xmlns:p="http://schemas.openxmlformats.org/presentationml/2006/main">
   <p:cSld>
     <p:spTree>
@@ -13377,117 +13612,17 @@
   <p:clrMapOvr>
     <a:masterClrMapping/>
   </p:clrMapOvr>
+  <p:timing>
+    <p:tnLst>
+      <p:par>
+        <p:cTn id="1" dur="indefinite" restart="never" nodeType="tmRoot"/>
+      </p:par>
+    </p:tnLst>
+  </p:timing>
 </p:sld>
 </file>
 
-<file path=ppt/slides/slide2.xml><?xml version="1.0" encoding="utf-8"?>
-<p:sld xmlns:a="http://schemas.openxmlformats.org/drawingml/2006/main" xmlns:r="http://schemas.openxmlformats.org/officeDocument/2006/relationships" xmlns:p="http://schemas.openxmlformats.org/presentationml/2006/main">
-  <p:cSld>
-    <p:spTree>
-      <p:nvGrpSpPr>
-        <p:cNvPr id="1" name=""/>
-        <p:cNvGrpSpPr/>
-        <p:nvPr/>
-      </p:nvGrpSpPr>
-      <p:grpSpPr>
-        <a:xfrm>
-          <a:off x="0" y="0"/>
-          <a:ext cx="0" cy="0"/>
-          <a:chOff x="0" y="0"/>
-          <a:chExt cx="0" cy="0"/>
-        </a:xfrm>
-      </p:grpSpPr>
-      <p:sp>
-        <p:nvSpPr>
-          <p:cNvPr id="2" name="Title 1"/>
-          <p:cNvSpPr>
-            <a:spLocks noGrp="1"/>
-          </p:cNvSpPr>
-          <p:nvPr>
-            <p:ph type="title"/>
-          </p:nvPr>
-        </p:nvSpPr>
-        <p:spPr>
-          <a:xfrm>
-            <a:off x="994954" y="2315845"/>
-            <a:ext cx="10515600" cy="1325563"/>
-          </a:xfrm>
-        </p:spPr>
-        <p:txBody>
-          <a:bodyPr>
-            <a:noAutofit/>
-          </a:bodyPr>
-          <a:lstStyle/>
-          <a:p>
-            <a:pPr algn="ctr"/>
-            <a:r>
-              <a:rPr lang="en-US" sz="3600" dirty="0" smtClean="0">
-                <a:latin typeface="Times New Roman" panose="02020603050405020304" pitchFamily="18" charset="0"/>
-                <a:cs typeface="Times New Roman" panose="02020603050405020304" pitchFamily="18" charset="0"/>
-              </a:rPr>
-              <a:t>Pattern Recognition and Machine Learning</a:t>
-            </a:r>
-            <a:br>
-              <a:rPr lang="en-US" sz="3600" dirty="0" smtClean="0">
-                <a:latin typeface="Times New Roman" panose="02020603050405020304" pitchFamily="18" charset="0"/>
-                <a:cs typeface="Times New Roman" panose="02020603050405020304" pitchFamily="18" charset="0"/>
-              </a:rPr>
-            </a:br>
-            <a:r>
-              <a:rPr lang="en-US" sz="3600" dirty="0">
-                <a:latin typeface="Times New Roman" panose="02020603050405020304" pitchFamily="18" charset="0"/>
-                <a:cs typeface="Times New Roman" panose="02020603050405020304" pitchFamily="18" charset="0"/>
-              </a:rPr>
-              <a:t/>
-            </a:r>
-            <a:br>
-              <a:rPr lang="en-US" sz="3600" dirty="0">
-                <a:latin typeface="Times New Roman" panose="02020603050405020304" pitchFamily="18" charset="0"/>
-                <a:cs typeface="Times New Roman" panose="02020603050405020304" pitchFamily="18" charset="0"/>
-              </a:rPr>
-            </a:br>
-            <a:r>
-              <a:rPr lang="en-US" sz="3600" dirty="0" smtClean="0">
-                <a:latin typeface="Times New Roman" panose="02020603050405020304" pitchFamily="18" charset="0"/>
-                <a:cs typeface="Times New Roman" panose="02020603050405020304" pitchFamily="18" charset="0"/>
-              </a:rPr>
-              <a:t>Proposed Topic :</a:t>
-            </a:r>
-            <a:r>
-              <a:rPr lang="en-US" sz="3600" dirty="0">
-                <a:latin typeface="Times New Roman" panose="02020603050405020304" pitchFamily="18" charset="0"/>
-                <a:cs typeface="Times New Roman" panose="02020603050405020304" pitchFamily="18" charset="0"/>
-              </a:rPr>
-              <a:t>Bounding Box Refinement Agent for Overlapping </a:t>
-            </a:r>
-            <a:r>
-              <a:rPr lang="en-US" sz="3600" dirty="0" smtClean="0">
-                <a:latin typeface="Times New Roman" panose="02020603050405020304" pitchFamily="18" charset="0"/>
-                <a:cs typeface="Times New Roman" panose="02020603050405020304" pitchFamily="18" charset="0"/>
-              </a:rPr>
-              <a:t>Objects</a:t>
-            </a:r>
-            <a:endParaRPr lang="en-US" sz="3600" dirty="0">
-              <a:latin typeface="Times New Roman" panose="02020603050405020304" pitchFamily="18" charset="0"/>
-              <a:cs typeface="Times New Roman" panose="02020603050405020304" pitchFamily="18" charset="0"/>
-            </a:endParaRPr>
-          </a:p>
-        </p:txBody>
-      </p:sp>
-    </p:spTree>
-    <p:extLst>
-      <p:ext uri="{BB962C8B-B14F-4D97-AF65-F5344CB8AC3E}">
-        <p14:creationId xmlns:p14="http://schemas.microsoft.com/office/powerpoint/2010/main" val="744190618"/>
-      </p:ext>
-    </p:extLst>
-  </p:cSld>
-  <p:clrMapOvr>
-    <a:masterClrMapping/>
-  </p:clrMapOvr>
-</p:sld>
-</file>
-
-<file path=ppt/slides/slide20.xml><?xml version="1.0" encoding="utf-8"?>
+<file path=ppt/slides/slide19.xml><?xml version="1.0" encoding="utf-8"?>
 <p:sld xmlns:a="http://schemas.openxmlformats.org/drawingml/2006/main" xmlns:r="http://schemas.openxmlformats.org/officeDocument/2006/relationships" xmlns:p="http://schemas.openxmlformats.org/presentationml/2006/main">
   <p:cSld>
     <p:spTree>
@@ -13961,10 +14096,131 @@
   <p:clrMapOvr>
     <a:masterClrMapping/>
   </p:clrMapOvr>
+  <p:timing>
+    <p:tnLst>
+      <p:par>
+        <p:cTn id="1" dur="indefinite" restart="never" nodeType="tmRoot"/>
+      </p:par>
+    </p:tnLst>
+  </p:timing>
 </p:sld>
 </file>
 
-<file path=ppt/slides/slide21.xml><?xml version="1.0" encoding="utf-8"?>
+<file path=ppt/slides/slide2.xml><?xml version="1.0" encoding="utf-8"?>
+<p:sld xmlns:a="http://schemas.openxmlformats.org/drawingml/2006/main" xmlns:r="http://schemas.openxmlformats.org/officeDocument/2006/relationships" xmlns:p="http://schemas.openxmlformats.org/presentationml/2006/main">
+  <p:cSld>
+    <p:spTree>
+      <p:nvGrpSpPr>
+        <p:cNvPr id="1" name=""/>
+        <p:cNvGrpSpPr/>
+        <p:nvPr/>
+      </p:nvGrpSpPr>
+      <p:grpSpPr>
+        <a:xfrm>
+          <a:off x="0" y="0"/>
+          <a:ext cx="0" cy="0"/>
+          <a:chOff x="0" y="0"/>
+          <a:chExt cx="0" cy="0"/>
+        </a:xfrm>
+      </p:grpSpPr>
+      <p:sp>
+        <p:nvSpPr>
+          <p:cNvPr id="2" name="Title 1"/>
+          <p:cNvSpPr>
+            <a:spLocks noGrp="1"/>
+          </p:cNvSpPr>
+          <p:nvPr>
+            <p:ph type="title"/>
+          </p:nvPr>
+        </p:nvSpPr>
+        <p:spPr>
+          <a:xfrm>
+            <a:off x="994954" y="2315845"/>
+            <a:ext cx="10515600" cy="1325563"/>
+          </a:xfrm>
+        </p:spPr>
+        <p:txBody>
+          <a:bodyPr>
+            <a:noAutofit/>
+          </a:bodyPr>
+          <a:lstStyle/>
+          <a:p>
+            <a:pPr algn="ctr"/>
+            <a:r>
+              <a:rPr lang="en-US" sz="3600" dirty="0" smtClean="0">
+                <a:latin typeface="Times New Roman" panose="02020603050405020304" pitchFamily="18" charset="0"/>
+                <a:cs typeface="Times New Roman" panose="02020603050405020304" pitchFamily="18" charset="0"/>
+              </a:rPr>
+              <a:t/>
+            </a:r>
+            <a:br>
+              <a:rPr lang="en-US" sz="3600" dirty="0" smtClean="0">
+                <a:latin typeface="Times New Roman" panose="02020603050405020304" pitchFamily="18" charset="0"/>
+                <a:cs typeface="Times New Roman" panose="02020603050405020304" pitchFamily="18" charset="0"/>
+              </a:rPr>
+            </a:br>
+            <a:r>
+              <a:rPr lang="en-US" sz="3600" dirty="0">
+                <a:latin typeface="Times New Roman" panose="02020603050405020304" pitchFamily="18" charset="0"/>
+                <a:cs typeface="Times New Roman" panose="02020603050405020304" pitchFamily="18" charset="0"/>
+              </a:rPr>
+              <a:t/>
+            </a:r>
+            <a:br>
+              <a:rPr lang="en-US" sz="3600" dirty="0">
+                <a:latin typeface="Times New Roman" panose="02020603050405020304" pitchFamily="18" charset="0"/>
+                <a:cs typeface="Times New Roman" panose="02020603050405020304" pitchFamily="18" charset="0"/>
+              </a:rPr>
+            </a:br>
+            <a:r>
+              <a:rPr lang="en-US" sz="3600" dirty="0" smtClean="0">
+                <a:latin typeface="Times New Roman" panose="02020603050405020304" pitchFamily="18" charset="0"/>
+                <a:cs typeface="Times New Roman" panose="02020603050405020304" pitchFamily="18" charset="0"/>
+              </a:rPr>
+              <a:t>Proposed Topic :</a:t>
+            </a:r>
+            <a:r>
+              <a:rPr lang="en-US" sz="3600" dirty="0">
+                <a:latin typeface="Times New Roman" panose="02020603050405020304" pitchFamily="18" charset="0"/>
+                <a:cs typeface="Times New Roman" panose="02020603050405020304" pitchFamily="18" charset="0"/>
+              </a:rPr>
+              <a:t>Bounding Box Refinement Agent for Overlapping </a:t>
+            </a:r>
+            <a:r>
+              <a:rPr lang="en-US" sz="3600" dirty="0" smtClean="0">
+                <a:latin typeface="Times New Roman" panose="02020603050405020304" pitchFamily="18" charset="0"/>
+                <a:cs typeface="Times New Roman" panose="02020603050405020304" pitchFamily="18" charset="0"/>
+              </a:rPr>
+              <a:t>Objects</a:t>
+            </a:r>
+            <a:endParaRPr lang="en-US" sz="3600" dirty="0">
+              <a:latin typeface="Times New Roman" panose="02020603050405020304" pitchFamily="18" charset="0"/>
+              <a:cs typeface="Times New Roman" panose="02020603050405020304" pitchFamily="18" charset="0"/>
+            </a:endParaRPr>
+          </a:p>
+        </p:txBody>
+      </p:sp>
+    </p:spTree>
+    <p:extLst>
+      <p:ext uri="{BB962C8B-B14F-4D97-AF65-F5344CB8AC3E}">
+        <p14:creationId xmlns:p14="http://schemas.microsoft.com/office/powerpoint/2010/main" val="744190618"/>
+      </p:ext>
+    </p:extLst>
+  </p:cSld>
+  <p:clrMapOvr>
+    <a:masterClrMapping/>
+  </p:clrMapOvr>
+  <p:timing>
+    <p:tnLst>
+      <p:par>
+        <p:cTn id="1" dur="indefinite" restart="never" nodeType="tmRoot"/>
+      </p:par>
+    </p:tnLst>
+  </p:timing>
+</p:sld>
+</file>
+
+<file path=ppt/slides/slide20.xml><?xml version="1.0" encoding="utf-8"?>
 <p:sld xmlns:a="http://schemas.openxmlformats.org/drawingml/2006/main" xmlns:r="http://schemas.openxmlformats.org/officeDocument/2006/relationships" xmlns:p="http://schemas.openxmlformats.org/presentationml/2006/main">
   <p:cSld>
     <p:spTree>
@@ -14355,10 +14611,17 @@
   <p:clrMapOvr>
     <a:masterClrMapping/>
   </p:clrMapOvr>
+  <p:timing>
+    <p:tnLst>
+      <p:par>
+        <p:cTn id="1" dur="indefinite" restart="never" nodeType="tmRoot"/>
+      </p:par>
+    </p:tnLst>
+  </p:timing>
 </p:sld>
 </file>
 
-<file path=ppt/slides/slide22.xml><?xml version="1.0" encoding="utf-8"?>
+<file path=ppt/slides/slide21.xml><?xml version="1.0" encoding="utf-8"?>
 <p:sld xmlns:a="http://schemas.openxmlformats.org/drawingml/2006/main" xmlns:r="http://schemas.openxmlformats.org/officeDocument/2006/relationships" xmlns:p="http://schemas.openxmlformats.org/presentationml/2006/main">
   <p:cSld>
     <p:spTree>
@@ -14402,7 +14665,7 @@
                 <a:latin typeface="Times New Roman" panose="02020603050405020304" pitchFamily="18" charset="0"/>
                 <a:cs typeface="Times New Roman" panose="02020603050405020304" pitchFamily="18" charset="0"/>
               </a:rPr>
-              <a:t>1. Model-Free </a:t>
+              <a:t>Model-Free </a:t>
             </a:r>
             <a:r>
               <a:rPr lang="en-US" sz="4000" dirty="0">
@@ -15072,10 +15335,17 @@
   <p:clrMapOvr>
     <a:masterClrMapping/>
   </p:clrMapOvr>
+  <p:timing>
+    <p:tnLst>
+      <p:par>
+        <p:cTn id="1" dur="indefinite" restart="never" nodeType="tmRoot"/>
+      </p:par>
+    </p:tnLst>
+  </p:timing>
 </p:sld>
 </file>
 
-<file path=ppt/slides/slide23.xml><?xml version="1.0" encoding="utf-8"?>
+<file path=ppt/slides/slide22.xml><?xml version="1.0" encoding="utf-8"?>
 <p:sld xmlns:a="http://schemas.openxmlformats.org/drawingml/2006/main" xmlns:r="http://schemas.openxmlformats.org/officeDocument/2006/relationships" xmlns:p="http://schemas.openxmlformats.org/presentationml/2006/main">
   <p:cSld>
     <p:spTree>
@@ -15271,10 +15541,17 @@
   <p:clrMapOvr>
     <a:masterClrMapping/>
   </p:clrMapOvr>
+  <p:timing>
+    <p:tnLst>
+      <p:par>
+        <p:cTn id="1" dur="indefinite" restart="never" nodeType="tmRoot"/>
+      </p:par>
+    </p:tnLst>
+  </p:timing>
 </p:sld>
 </file>
 
-<file path=ppt/slides/slide24.xml><?xml version="1.0" encoding="utf-8"?>
+<file path=ppt/slides/slide23.xml><?xml version="1.0" encoding="utf-8"?>
 <p:sld xmlns:a="http://schemas.openxmlformats.org/drawingml/2006/main" xmlns:r="http://schemas.openxmlformats.org/officeDocument/2006/relationships" xmlns:p="http://schemas.openxmlformats.org/presentationml/2006/main">
   <p:cSld>
     <p:spTree>
@@ -15857,10 +16134,17 @@
   <p:clrMapOvr>
     <a:masterClrMapping/>
   </p:clrMapOvr>
+  <p:timing>
+    <p:tnLst>
+      <p:par>
+        <p:cTn id="1" dur="indefinite" restart="never" nodeType="tmRoot"/>
+      </p:par>
+    </p:tnLst>
+  </p:timing>
 </p:sld>
 </file>
 
-<file path=ppt/slides/slide25.xml><?xml version="1.0" encoding="utf-8"?>
+<file path=ppt/slides/slide24.xml><?xml version="1.0" encoding="utf-8"?>
 <p:sld xmlns:a="http://schemas.openxmlformats.org/drawingml/2006/main" xmlns:r="http://schemas.openxmlformats.org/officeDocument/2006/relationships" xmlns:p="http://schemas.openxmlformats.org/presentationml/2006/main">
   <p:cSld>
     <p:spTree>
@@ -15900,21 +16184,21 @@
           <a:lstStyle/>
           <a:p>
             <a:r>
-              <a:rPr lang="en-US" sz="3600" dirty="0" smtClean="0">
-                <a:latin typeface="Times New Roman" panose="02020603050405020304" pitchFamily="18" charset="0"/>
-                <a:cs typeface="Times New Roman" panose="02020603050405020304" pitchFamily="18" charset="0"/>
-              </a:rPr>
-              <a:t>2. Model Free Algorithm</a:t>
-            </a:r>
-            <a:endParaRPr lang="en-US" sz="3600" dirty="0">
+              <a:rPr lang="en-US" sz="2800" b="1" dirty="0" smtClean="0">
+                <a:latin typeface="Times New Roman" panose="02020603050405020304" pitchFamily="18" charset="0"/>
+                <a:cs typeface="Times New Roman" panose="02020603050405020304" pitchFamily="18" charset="0"/>
+              </a:rPr>
+              <a:t>Policy Gradient DRL Methods</a:t>
+            </a:r>
+            <a:endParaRPr lang="en-US" sz="2800" b="1" dirty="0">
               <a:latin typeface="Times New Roman" panose="02020603050405020304" pitchFamily="18" charset="0"/>
               <a:cs typeface="Times New Roman" panose="02020603050405020304" pitchFamily="18" charset="0"/>
             </a:endParaRPr>
           </a:p>
         </p:txBody>
       </p:sp>
-      <mc:AlternateContent xmlns:mc="http://schemas.openxmlformats.org/markup-compatibility/2006" xmlns:a14="http://schemas.microsoft.com/office/drawing/2010/main">
-        <mc:Choice Requires="a14">
+      <mc:AlternateContent xmlns:mc="http://schemas.openxmlformats.org/markup-compatibility/2006">
+        <mc:Choice xmlns:a14="http://schemas.microsoft.com/office/drawing/2010/main" Requires="a14">
           <p:sp>
             <p:nvSpPr>
               <p:cNvPr id="3" name="Content Placeholder 2"/>
@@ -16158,68 +16442,17 @@
                     <a:latin typeface="Times New Roman" panose="02020603050405020304" pitchFamily="18" charset="0"/>
                     <a:cs typeface="Times New Roman" panose="02020603050405020304" pitchFamily="18" charset="0"/>
                   </a:rPr>
-                  <a:t>by using Monte-Carlo estimation. In REINFORCE approximate </a:t>
-                </a:r>
-                <a:r>
-                  <a:rPr lang="en-US" sz="2000" dirty="0" smtClean="0">
-                    <a:latin typeface="Times New Roman" panose="02020603050405020304" pitchFamily="18" charset="0"/>
-                    <a:cs typeface="Times New Roman" panose="02020603050405020304" pitchFamily="18" charset="0"/>
-                  </a:rPr>
-                  <a:t>estimator, above equation is </a:t>
-                </a:r>
-                <a:r>
-                  <a:rPr lang="en-US" sz="2000" dirty="0">
-                    <a:latin typeface="Times New Roman" panose="02020603050405020304" pitchFamily="18" charset="0"/>
-                    <a:cs typeface="Times New Roman" panose="02020603050405020304" pitchFamily="18" charset="0"/>
-                  </a:rPr>
-                  <a:t>reformulated as</a:t>
-                </a:r>
-                <a:r>
-                  <a:rPr lang="en-US" sz="2000" dirty="0" smtClean="0">
-                    <a:latin typeface="Times New Roman" panose="02020603050405020304" pitchFamily="18" charset="0"/>
-                    <a:cs typeface="Times New Roman" panose="02020603050405020304" pitchFamily="18" charset="0"/>
-                  </a:rPr>
-                  <a:t>:</a:t>
-                </a:r>
-              </a:p>
-              <a:p>
+                  <a:t>by using Monte-Carlo estimation. </a:t>
+                </a:r>
                 <a:endParaRPr lang="en-US" sz="2000" dirty="0" smtClean="0">
                   <a:latin typeface="Times New Roman" panose="02020603050405020304" pitchFamily="18" charset="0"/>
                   <a:cs typeface="Times New Roman" panose="02020603050405020304" pitchFamily="18" charset="0"/>
                 </a:endParaRPr>
               </a:p>
               <a:p>
-                <a:pPr lvl="6"/>
-                <a:r>
-                  <a:rPr lang="en-US" dirty="0">
-                    <a:latin typeface="Times New Roman" panose="02020603050405020304" pitchFamily="18" charset="0"/>
-                    <a:cs typeface="Times New Roman" panose="02020603050405020304" pitchFamily="18" charset="0"/>
-                  </a:rPr>
-                  <a:t>where </a:t>
-                </a:r>
-                <a:r>
-                  <a:rPr lang="en-US" i="1" dirty="0" smtClean="0">
-                    <a:latin typeface="Times New Roman" panose="02020603050405020304" pitchFamily="18" charset="0"/>
-                    <a:cs typeface="Times New Roman" panose="02020603050405020304" pitchFamily="18" charset="0"/>
-                  </a:rPr>
-                  <a:t>T </a:t>
-                </a:r>
-                <a:r>
-                  <a:rPr lang="en-US" dirty="0" smtClean="0">
-                    <a:latin typeface="Times New Roman" panose="02020603050405020304" pitchFamily="18" charset="0"/>
-                    <a:cs typeface="Times New Roman" panose="02020603050405020304" pitchFamily="18" charset="0"/>
-                  </a:rPr>
-                  <a:t>is </a:t>
-                </a:r>
-                <a:r>
-                  <a:rPr lang="en-US" dirty="0">
-                    <a:latin typeface="Times New Roman" panose="02020603050405020304" pitchFamily="18" charset="0"/>
-                    <a:cs typeface="Times New Roman" panose="02020603050405020304" pitchFamily="18" charset="0"/>
-                  </a:rPr>
-                  <a:t>trajectory distribution</a:t>
-                </a:r>
-              </a:p>
-              <a:p>
+                <a:pPr marL="0" indent="0">
+                  <a:buNone/>
+                </a:pPr>
                 <a:endParaRPr lang="en-US" sz="2000" dirty="0" smtClean="0">
                   <a:latin typeface="Times New Roman" panose="02020603050405020304" pitchFamily="18" charset="0"/>
                   <a:cs typeface="Times New Roman" panose="02020603050405020304" pitchFamily="18" charset="0"/>
@@ -16255,7 +16488,7 @@
             </p:txBody>
           </p:sp>
         </mc:Choice>
-        <mc:Fallback xmlns="">
+        <mc:Fallback>
           <p:sp>
             <p:nvSpPr>
               <p:cNvPr id="3" name="Content Placeholder 2"/>
@@ -16274,7 +16507,7 @@
               <a:blipFill>
                 <a:blip r:embed="rId2"/>
                 <a:stretch>
-                  <a:fillRect l="-464" t="-1294" r="-928"/>
+                  <a:fillRect l="-464" t="-1294"/>
                 </a:stretch>
               </a:blipFill>
             </p:spPr>
@@ -16341,30 +16574,6 @@
           </a:prstGeom>
         </p:spPr>
       </p:pic>
-      <p:pic>
-        <p:nvPicPr>
-          <p:cNvPr id="6" name="Picture 5"/>
-          <p:cNvPicPr>
-            <a:picLocks noChangeAspect="1"/>
-          </p:cNvPicPr>
-          <p:nvPr/>
-        </p:nvPicPr>
-        <p:blipFill>
-          <a:blip r:embed="rId5"/>
-          <a:stretch>
-            <a:fillRect/>
-          </a:stretch>
-        </p:blipFill>
-        <p:spPr>
-          <a:xfrm>
-            <a:off x="3652040" y="4334202"/>
-            <a:ext cx="4891068" cy="673806"/>
-          </a:xfrm>
-          <a:prstGeom prst="rect">
-            <a:avLst/>
-          </a:prstGeom>
-        </p:spPr>
-      </p:pic>
     </p:spTree>
     <p:extLst>
       <p:ext uri="{BB962C8B-B14F-4D97-AF65-F5344CB8AC3E}">
@@ -16375,10 +16584,17 @@
   <p:clrMapOvr>
     <a:masterClrMapping/>
   </p:clrMapOvr>
+  <p:timing>
+    <p:tnLst>
+      <p:par>
+        <p:cTn id="1" dur="indefinite" restart="never" nodeType="tmRoot"/>
+      </p:par>
+    </p:tnLst>
+  </p:timing>
 </p:sld>
 </file>
 
-<file path=ppt/slides/slide26.xml><?xml version="1.0" encoding="utf-8"?>
+<file path=ppt/slides/slide25.xml><?xml version="1.0" encoding="utf-8"?>
 <p:sld xmlns:a="http://schemas.openxmlformats.org/drawingml/2006/main" xmlns:r="http://schemas.openxmlformats.org/officeDocument/2006/relationships" xmlns:p="http://schemas.openxmlformats.org/presentationml/2006/main">
   <p:cSld>
     <p:spTree>
@@ -16418,13 +16634,20 @@
           <a:lstStyle/>
           <a:p>
             <a:r>
-              <a:rPr lang="en-US" sz="3600" dirty="0" smtClean="0">
-                <a:latin typeface="Times New Roman" panose="02020603050405020304" pitchFamily="18" charset="0"/>
-                <a:cs typeface="Times New Roman" panose="02020603050405020304" pitchFamily="18" charset="0"/>
-              </a:rPr>
-              <a:t>3. Actor Critic Method:</a:t>
-            </a:r>
-            <a:endParaRPr lang="en-US" sz="3600" dirty="0">
+              <a:rPr lang="en-US" sz="2800" b="1" dirty="0" smtClean="0">
+                <a:latin typeface="Times New Roman" panose="02020603050405020304" pitchFamily="18" charset="0"/>
+                <a:cs typeface="Times New Roman" panose="02020603050405020304" pitchFamily="18" charset="0"/>
+              </a:rPr>
+              <a:t>Actor </a:t>
+            </a:r>
+            <a:r>
+              <a:rPr lang="en-US" sz="2800" b="1" dirty="0" smtClean="0">
+                <a:latin typeface="Times New Roman" panose="02020603050405020304" pitchFamily="18" charset="0"/>
+                <a:cs typeface="Times New Roman" panose="02020603050405020304" pitchFamily="18" charset="0"/>
+              </a:rPr>
+              <a:t>Critic Method:</a:t>
+            </a:r>
+            <a:endParaRPr lang="en-US" sz="2800" b="1" dirty="0">
               <a:latin typeface="Times New Roman" panose="02020603050405020304" pitchFamily="18" charset="0"/>
               <a:cs typeface="Times New Roman" panose="02020603050405020304" pitchFamily="18" charset="0"/>
             </a:endParaRPr>
@@ -16732,10 +16955,17 @@
   <p:clrMapOvr>
     <a:masterClrMapping/>
   </p:clrMapOvr>
+  <p:timing>
+    <p:tnLst>
+      <p:par>
+        <p:cTn id="1" dur="indefinite" restart="never" nodeType="tmRoot"/>
+      </p:par>
+    </p:tnLst>
+  </p:timing>
 </p:sld>
 </file>
 
-<file path=ppt/slides/slide27.xml><?xml version="1.0" encoding="utf-8"?>
+<file path=ppt/slides/slide26.xml><?xml version="1.0" encoding="utf-8"?>
 <p:sld xmlns:a="http://schemas.openxmlformats.org/drawingml/2006/main" xmlns:r="http://schemas.openxmlformats.org/officeDocument/2006/relationships" xmlns:p="http://schemas.openxmlformats.org/presentationml/2006/main">
   <p:cSld>
     <p:spTree>
@@ -16877,10 +17107,17 @@
   <p:clrMapOvr>
     <a:masterClrMapping/>
   </p:clrMapOvr>
+  <p:timing>
+    <p:tnLst>
+      <p:par>
+        <p:cTn id="1" dur="indefinite" restart="never" nodeType="tmRoot"/>
+      </p:par>
+    </p:tnLst>
+  </p:timing>
 </p:sld>
 </file>
 
-<file path=ppt/slides/slide28.xml><?xml version="1.0" encoding="utf-8"?>
+<file path=ppt/slides/slide27.xml><?xml version="1.0" encoding="utf-8"?>
 <p:sld xmlns:a="http://schemas.openxmlformats.org/drawingml/2006/main" xmlns:r="http://schemas.openxmlformats.org/officeDocument/2006/relationships" xmlns:p="http://schemas.openxmlformats.org/presentationml/2006/main">
   <p:cSld>
     <p:spTree>
@@ -17455,10 +17692,17 @@
   <p:clrMapOvr>
     <a:masterClrMapping/>
   </p:clrMapOvr>
+  <p:timing>
+    <p:tnLst>
+      <p:par>
+        <p:cTn id="1" dur="indefinite" restart="never" nodeType="tmRoot"/>
+      </p:par>
+    </p:tnLst>
+  </p:timing>
 </p:sld>
 </file>
 
-<file path=ppt/slides/slide29.xml><?xml version="1.0" encoding="utf-8"?>
+<file path=ppt/slides/slide28.xml><?xml version="1.0" encoding="utf-8"?>
 <p:sld xmlns:a="http://schemas.openxmlformats.org/drawingml/2006/main" xmlns:r="http://schemas.openxmlformats.org/officeDocument/2006/relationships" xmlns:p="http://schemas.openxmlformats.org/presentationml/2006/main">
   <p:cSld>
     <p:spTree>
@@ -17677,222 +17921,17 @@
   <p:clrMapOvr>
     <a:masterClrMapping/>
   </p:clrMapOvr>
+  <p:timing>
+    <p:tnLst>
+      <p:par>
+        <p:cTn id="1" dur="indefinite" restart="never" nodeType="tmRoot"/>
+      </p:par>
+    </p:tnLst>
+  </p:timing>
 </p:sld>
 </file>
 
-<file path=ppt/slides/slide3.xml><?xml version="1.0" encoding="utf-8"?>
-<p:sld xmlns:a="http://schemas.openxmlformats.org/drawingml/2006/main" xmlns:r="http://schemas.openxmlformats.org/officeDocument/2006/relationships" xmlns:p="http://schemas.openxmlformats.org/presentationml/2006/main">
-  <p:cSld>
-    <p:spTree>
-      <p:nvGrpSpPr>
-        <p:cNvPr id="1" name=""/>
-        <p:cNvGrpSpPr/>
-        <p:nvPr/>
-      </p:nvGrpSpPr>
-      <p:grpSpPr>
-        <a:xfrm>
-          <a:off x="0" y="0"/>
-          <a:ext cx="0" cy="0"/>
-          <a:chOff x="0" y="0"/>
-          <a:chExt cx="0" cy="0"/>
-        </a:xfrm>
-      </p:grpSpPr>
-      <p:sp>
-        <p:nvSpPr>
-          <p:cNvPr id="2" name="Title 1"/>
-          <p:cNvSpPr>
-            <a:spLocks noGrp="1"/>
-          </p:cNvSpPr>
-          <p:nvPr>
-            <p:ph type="title"/>
-          </p:nvPr>
-        </p:nvSpPr>
-        <p:spPr/>
-        <p:txBody>
-          <a:bodyPr/>
-          <a:lstStyle/>
-          <a:p>
-            <a:r>
-              <a:rPr lang="en-US" dirty="0" smtClean="0">
-                <a:latin typeface="Times New Roman" panose="02020603050405020304" pitchFamily="18" charset="0"/>
-                <a:cs typeface="Times New Roman" panose="02020603050405020304" pitchFamily="18" charset="0"/>
-              </a:rPr>
-              <a:t>What is Machine Learning?</a:t>
-            </a:r>
-            <a:endParaRPr lang="en-US" dirty="0">
-              <a:latin typeface="Times New Roman" panose="02020603050405020304" pitchFamily="18" charset="0"/>
-              <a:cs typeface="Times New Roman" panose="02020603050405020304" pitchFamily="18" charset="0"/>
-            </a:endParaRPr>
-          </a:p>
-        </p:txBody>
-      </p:sp>
-      <p:pic>
-        <p:nvPicPr>
-          <p:cNvPr id="4" name="Content Placeholder 3"/>
-          <p:cNvPicPr>
-            <a:picLocks noGrp="1" noChangeAspect="1"/>
-          </p:cNvPicPr>
-          <p:nvPr>
-            <p:ph idx="1"/>
-          </p:nvPr>
-        </p:nvPicPr>
-        <p:blipFill>
-          <a:blip r:embed="rId2">
-            <a:extLst>
-              <a:ext uri="{28A0092B-C50C-407E-A947-70E740481C1C}">
-                <a14:useLocalDpi xmlns:a14="http://schemas.microsoft.com/office/drawing/2010/main" val="0"/>
-              </a:ext>
-            </a:extLst>
-          </a:blip>
-          <a:stretch>
-            <a:fillRect/>
-          </a:stretch>
-        </p:blipFill>
-        <p:spPr>
-          <a:xfrm>
-            <a:off x="838200" y="1690688"/>
-            <a:ext cx="4351338" cy="4351338"/>
-          </a:xfrm>
-        </p:spPr>
-      </p:pic>
-      <p:sp>
-        <p:nvSpPr>
-          <p:cNvPr id="5" name="TextBox 4"/>
-          <p:cNvSpPr txBox="1"/>
-          <p:nvPr/>
-        </p:nvSpPr>
-        <p:spPr>
-          <a:xfrm>
-            <a:off x="5495109" y="2158197"/>
-            <a:ext cx="6392091" cy="3416320"/>
-          </a:xfrm>
-          <a:prstGeom prst="rect">
-            <a:avLst/>
-          </a:prstGeom>
-          <a:noFill/>
-        </p:spPr>
-        <p:txBody>
-          <a:bodyPr wrap="square" rtlCol="0">
-            <a:spAutoFit/>
-          </a:bodyPr>
-          <a:lstStyle/>
-          <a:p>
-            <a:pPr marL="285750" indent="-285750">
-              <a:buFont typeface="Arial" panose="020B0604020202020204" pitchFamily="34" charset="0"/>
-              <a:buChar char="•"/>
-            </a:pPr>
-            <a:r>
-              <a:rPr lang="en-US" dirty="0">
-                <a:latin typeface="Times New Roman" panose="02020603050405020304" pitchFamily="18" charset="0"/>
-                <a:cs typeface="Times New Roman" panose="02020603050405020304" pitchFamily="18" charset="0"/>
-              </a:rPr>
-              <a:t>Machine Learning is an application of Artificial Intelligence (AI) it gives devices the ability to learn from their experiences and improve their self without doing any coding. </a:t>
-            </a:r>
-            <a:endParaRPr lang="en-US" dirty="0" smtClean="0">
-              <a:latin typeface="Times New Roman" panose="02020603050405020304" pitchFamily="18" charset="0"/>
-              <a:cs typeface="Times New Roman" panose="02020603050405020304" pitchFamily="18" charset="0"/>
-            </a:endParaRPr>
-          </a:p>
-          <a:p>
-            <a:pPr marL="285750" indent="-285750">
-              <a:buFont typeface="Arial" panose="020B0604020202020204" pitchFamily="34" charset="0"/>
-              <a:buChar char="•"/>
-            </a:pPr>
-            <a:r>
-              <a:rPr lang="en-US" dirty="0" smtClean="0">
-                <a:latin typeface="Times New Roman" panose="02020603050405020304" pitchFamily="18" charset="0"/>
-                <a:cs typeface="Times New Roman" panose="02020603050405020304" pitchFamily="18" charset="0"/>
-              </a:rPr>
-              <a:t>For </a:t>
-            </a:r>
-            <a:r>
-              <a:rPr lang="en-US" dirty="0">
-                <a:latin typeface="Times New Roman" panose="02020603050405020304" pitchFamily="18" charset="0"/>
-                <a:cs typeface="Times New Roman" panose="02020603050405020304" pitchFamily="18" charset="0"/>
-              </a:rPr>
-              <a:t>Example, when you shop from any website it’s shows related search like:- People who bought also saw this.</a:t>
-            </a:r>
-          </a:p>
-          <a:p>
-            <a:pPr marL="285750" indent="-285750">
-              <a:buFont typeface="Arial" panose="020B0604020202020204" pitchFamily="34" charset="0"/>
-              <a:buChar char="•"/>
-            </a:pPr>
-            <a:r>
-              <a:rPr lang="en-US" dirty="0">
-                <a:latin typeface="Times New Roman" panose="02020603050405020304" pitchFamily="18" charset="0"/>
-                <a:cs typeface="Times New Roman" panose="02020603050405020304" pitchFamily="18" charset="0"/>
-              </a:rPr>
-              <a:t>Arthur Samuel coined the term Machine Learning in the year 1959. </a:t>
-            </a:r>
-            <a:endParaRPr lang="en-US" dirty="0" smtClean="0">
-              <a:latin typeface="Times New Roman" panose="02020603050405020304" pitchFamily="18" charset="0"/>
-              <a:cs typeface="Times New Roman" panose="02020603050405020304" pitchFamily="18" charset="0"/>
-            </a:endParaRPr>
-          </a:p>
-          <a:p>
-            <a:pPr marL="285750" indent="-285750">
-              <a:buFont typeface="Arial" panose="020B0604020202020204" pitchFamily="34" charset="0"/>
-              <a:buChar char="•"/>
-            </a:pPr>
-            <a:r>
-              <a:rPr lang="en-US" dirty="0" smtClean="0">
-                <a:latin typeface="Times New Roman" panose="02020603050405020304" pitchFamily="18" charset="0"/>
-                <a:cs typeface="Times New Roman" panose="02020603050405020304" pitchFamily="18" charset="0"/>
-              </a:rPr>
-              <a:t>He </a:t>
-            </a:r>
-            <a:r>
-              <a:rPr lang="en-US" dirty="0">
-                <a:latin typeface="Times New Roman" panose="02020603050405020304" pitchFamily="18" charset="0"/>
-                <a:cs typeface="Times New Roman" panose="02020603050405020304" pitchFamily="18" charset="0"/>
-              </a:rPr>
-              <a:t>defined Machine Learning as “</a:t>
-            </a:r>
-            <a:r>
-              <a:rPr lang="en-US" b="1" dirty="0">
-                <a:latin typeface="Times New Roman" panose="02020603050405020304" pitchFamily="18" charset="0"/>
-                <a:cs typeface="Times New Roman" panose="02020603050405020304" pitchFamily="18" charset="0"/>
-              </a:rPr>
-              <a:t>Field of study that gives computers the capability to learn without being explicitly programmed</a:t>
-            </a:r>
-            <a:r>
-              <a:rPr lang="en-US" b="1" dirty="0" smtClean="0">
-                <a:latin typeface="Times New Roman" panose="02020603050405020304" pitchFamily="18" charset="0"/>
-                <a:cs typeface="Times New Roman" panose="02020603050405020304" pitchFamily="18" charset="0"/>
-              </a:rPr>
-              <a:t>”.</a:t>
-            </a:r>
-          </a:p>
-          <a:p>
-            <a:endParaRPr lang="en-US" b="1" dirty="0">
-              <a:latin typeface="Times New Roman" panose="02020603050405020304" pitchFamily="18" charset="0"/>
-              <a:cs typeface="Times New Roman" panose="02020603050405020304" pitchFamily="18" charset="0"/>
-            </a:endParaRPr>
-          </a:p>
-          <a:p>
-            <a:pPr marL="285750" indent="-285750">
-              <a:buFont typeface="Arial" panose="020B0604020202020204" pitchFamily="34" charset="0"/>
-              <a:buChar char="•"/>
-            </a:pPr>
-            <a:endParaRPr lang="en-US" dirty="0"/>
-          </a:p>
-        </p:txBody>
-      </p:sp>
-    </p:spTree>
-    <p:extLst>
-      <p:ext uri="{BB962C8B-B14F-4D97-AF65-F5344CB8AC3E}">
-        <p14:creationId xmlns:p14="http://schemas.microsoft.com/office/powerpoint/2010/main" val="3479745172"/>
-      </p:ext>
-    </p:extLst>
-  </p:cSld>
-  <p:clrMapOvr>
-    <a:masterClrMapping/>
-  </p:clrMapOvr>
-</p:sld>
-</file>
-
-<file path=ppt/slides/slide30.xml><?xml version="1.0" encoding="utf-8"?>
+<file path=ppt/slides/slide29.xml><?xml version="1.0" encoding="utf-8"?>
 <p:sld xmlns:a="http://schemas.openxmlformats.org/drawingml/2006/main" xmlns:r="http://schemas.openxmlformats.org/officeDocument/2006/relationships" xmlns:p="http://schemas.openxmlformats.org/presentationml/2006/main">
   <p:cSld>
     <p:spTree>
@@ -18009,10 +18048,236 @@
   <p:clrMapOvr>
     <a:masterClrMapping/>
   </p:clrMapOvr>
+  <p:timing>
+    <p:tnLst>
+      <p:par>
+        <p:cTn id="1" dur="indefinite" restart="never" nodeType="tmRoot"/>
+      </p:par>
+    </p:tnLst>
+  </p:timing>
 </p:sld>
 </file>
 
-<file path=ppt/slides/slide31.xml><?xml version="1.0" encoding="utf-8"?>
+<file path=ppt/slides/slide3.xml><?xml version="1.0" encoding="utf-8"?>
+<p:sld xmlns:a="http://schemas.openxmlformats.org/drawingml/2006/main" xmlns:r="http://schemas.openxmlformats.org/officeDocument/2006/relationships" xmlns:p="http://schemas.openxmlformats.org/presentationml/2006/main">
+  <p:cSld>
+    <p:spTree>
+      <p:nvGrpSpPr>
+        <p:cNvPr id="1" name=""/>
+        <p:cNvGrpSpPr/>
+        <p:nvPr/>
+      </p:nvGrpSpPr>
+      <p:grpSpPr>
+        <a:xfrm>
+          <a:off x="0" y="0"/>
+          <a:ext cx="0" cy="0"/>
+          <a:chOff x="0" y="0"/>
+          <a:chExt cx="0" cy="0"/>
+        </a:xfrm>
+      </p:grpSpPr>
+      <p:sp>
+        <p:nvSpPr>
+          <p:cNvPr id="2" name="Title 1"/>
+          <p:cNvSpPr>
+            <a:spLocks noGrp="1"/>
+          </p:cNvSpPr>
+          <p:nvPr>
+            <p:ph type="title"/>
+          </p:nvPr>
+        </p:nvSpPr>
+        <p:spPr/>
+        <p:txBody>
+          <a:bodyPr/>
+          <a:lstStyle/>
+          <a:p>
+            <a:r>
+              <a:rPr lang="en-US" dirty="0" smtClean="0">
+                <a:latin typeface="Times New Roman" panose="02020603050405020304" pitchFamily="18" charset="0"/>
+                <a:cs typeface="Times New Roman" panose="02020603050405020304" pitchFamily="18" charset="0"/>
+              </a:rPr>
+              <a:t>What is Machine Learning?</a:t>
+            </a:r>
+            <a:endParaRPr lang="en-US" dirty="0">
+              <a:latin typeface="Times New Roman" panose="02020603050405020304" pitchFamily="18" charset="0"/>
+              <a:cs typeface="Times New Roman" panose="02020603050405020304" pitchFamily="18" charset="0"/>
+            </a:endParaRPr>
+          </a:p>
+        </p:txBody>
+      </p:sp>
+      <p:pic>
+        <p:nvPicPr>
+          <p:cNvPr id="4" name="Content Placeholder 3"/>
+          <p:cNvPicPr>
+            <a:picLocks noGrp="1" noChangeAspect="1"/>
+          </p:cNvPicPr>
+          <p:nvPr>
+            <p:ph idx="1"/>
+          </p:nvPr>
+        </p:nvPicPr>
+        <p:blipFill>
+          <a:blip r:embed="rId2">
+            <a:extLst>
+              <a:ext uri="{28A0092B-C50C-407E-A947-70E740481C1C}">
+                <a14:useLocalDpi xmlns:a14="http://schemas.microsoft.com/office/drawing/2010/main" val="0"/>
+              </a:ext>
+            </a:extLst>
+          </a:blip>
+          <a:stretch>
+            <a:fillRect/>
+          </a:stretch>
+        </p:blipFill>
+        <p:spPr>
+          <a:xfrm>
+            <a:off x="838200" y="1690688"/>
+            <a:ext cx="4351338" cy="4351338"/>
+          </a:xfrm>
+        </p:spPr>
+      </p:pic>
+      <p:sp>
+        <p:nvSpPr>
+          <p:cNvPr id="5" name="TextBox 4"/>
+          <p:cNvSpPr txBox="1"/>
+          <p:nvPr/>
+        </p:nvSpPr>
+        <p:spPr>
+          <a:xfrm>
+            <a:off x="5495109" y="2158197"/>
+            <a:ext cx="6392091" cy="3416320"/>
+          </a:xfrm>
+          <a:prstGeom prst="rect">
+            <a:avLst/>
+          </a:prstGeom>
+          <a:noFill/>
+        </p:spPr>
+        <p:txBody>
+          <a:bodyPr wrap="square" rtlCol="0">
+            <a:spAutoFit/>
+          </a:bodyPr>
+          <a:lstStyle/>
+          <a:p>
+            <a:pPr marL="285750" indent="-285750">
+              <a:buFont typeface="Arial" panose="020B0604020202020204" pitchFamily="34" charset="0"/>
+              <a:buChar char="•"/>
+            </a:pPr>
+            <a:r>
+              <a:rPr lang="en-US" dirty="0">
+                <a:latin typeface="Times New Roman" panose="02020603050405020304" pitchFamily="18" charset="0"/>
+                <a:cs typeface="Times New Roman" panose="02020603050405020304" pitchFamily="18" charset="0"/>
+              </a:rPr>
+              <a:t>Machine Learning is an application of Artificial Intelligence (AI) it gives devices the ability to learn from their experiences and improve their self without doing any coding. </a:t>
+            </a:r>
+            <a:endParaRPr lang="en-US" dirty="0" smtClean="0">
+              <a:latin typeface="Times New Roman" panose="02020603050405020304" pitchFamily="18" charset="0"/>
+              <a:cs typeface="Times New Roman" panose="02020603050405020304" pitchFamily="18" charset="0"/>
+            </a:endParaRPr>
+          </a:p>
+          <a:p>
+            <a:pPr marL="285750" indent="-285750">
+              <a:buFont typeface="Arial" panose="020B0604020202020204" pitchFamily="34" charset="0"/>
+              <a:buChar char="•"/>
+            </a:pPr>
+            <a:r>
+              <a:rPr lang="en-US" dirty="0" smtClean="0">
+                <a:latin typeface="Times New Roman" panose="02020603050405020304" pitchFamily="18" charset="0"/>
+                <a:cs typeface="Times New Roman" panose="02020603050405020304" pitchFamily="18" charset="0"/>
+              </a:rPr>
+              <a:t>For </a:t>
+            </a:r>
+            <a:r>
+              <a:rPr lang="en-US" dirty="0">
+                <a:latin typeface="Times New Roman" panose="02020603050405020304" pitchFamily="18" charset="0"/>
+                <a:cs typeface="Times New Roman" panose="02020603050405020304" pitchFamily="18" charset="0"/>
+              </a:rPr>
+              <a:t>Example, when you shop from any website it’s shows related search like:- People who bought also saw this.</a:t>
+            </a:r>
+          </a:p>
+          <a:p>
+            <a:pPr marL="285750" indent="-285750">
+              <a:buFont typeface="Arial" panose="020B0604020202020204" pitchFamily="34" charset="0"/>
+              <a:buChar char="•"/>
+            </a:pPr>
+            <a:r>
+              <a:rPr lang="en-US" dirty="0">
+                <a:latin typeface="Times New Roman" panose="02020603050405020304" pitchFamily="18" charset="0"/>
+                <a:cs typeface="Times New Roman" panose="02020603050405020304" pitchFamily="18" charset="0"/>
+              </a:rPr>
+              <a:t>Arthur Samuel coined the term Machine Learning in the year 1959. </a:t>
+            </a:r>
+            <a:endParaRPr lang="en-US" dirty="0" smtClean="0">
+              <a:latin typeface="Times New Roman" panose="02020603050405020304" pitchFamily="18" charset="0"/>
+              <a:cs typeface="Times New Roman" panose="02020603050405020304" pitchFamily="18" charset="0"/>
+            </a:endParaRPr>
+          </a:p>
+          <a:p>
+            <a:pPr marL="285750" indent="-285750">
+              <a:buFont typeface="Arial" panose="020B0604020202020204" pitchFamily="34" charset="0"/>
+              <a:buChar char="•"/>
+            </a:pPr>
+            <a:r>
+              <a:rPr lang="en-US" dirty="0" smtClean="0">
+                <a:latin typeface="Times New Roman" panose="02020603050405020304" pitchFamily="18" charset="0"/>
+                <a:cs typeface="Times New Roman" panose="02020603050405020304" pitchFamily="18" charset="0"/>
+              </a:rPr>
+              <a:t>He </a:t>
+            </a:r>
+            <a:r>
+              <a:rPr lang="en-US" dirty="0">
+                <a:latin typeface="Times New Roman" panose="02020603050405020304" pitchFamily="18" charset="0"/>
+                <a:cs typeface="Times New Roman" panose="02020603050405020304" pitchFamily="18" charset="0"/>
+              </a:rPr>
+              <a:t>defined Machine Learning as “</a:t>
+            </a:r>
+            <a:r>
+              <a:rPr lang="en-US" b="1" dirty="0">
+                <a:latin typeface="Times New Roman" panose="02020603050405020304" pitchFamily="18" charset="0"/>
+                <a:cs typeface="Times New Roman" panose="02020603050405020304" pitchFamily="18" charset="0"/>
+              </a:rPr>
+              <a:t>Field of study that gives computers the capability to learn without being explicitly programmed</a:t>
+            </a:r>
+            <a:r>
+              <a:rPr lang="en-US" b="1" dirty="0" smtClean="0">
+                <a:latin typeface="Times New Roman" panose="02020603050405020304" pitchFamily="18" charset="0"/>
+                <a:cs typeface="Times New Roman" panose="02020603050405020304" pitchFamily="18" charset="0"/>
+              </a:rPr>
+              <a:t>”.</a:t>
+            </a:r>
+          </a:p>
+          <a:p>
+            <a:endParaRPr lang="en-US" b="1" dirty="0">
+              <a:latin typeface="Times New Roman" panose="02020603050405020304" pitchFamily="18" charset="0"/>
+              <a:cs typeface="Times New Roman" panose="02020603050405020304" pitchFamily="18" charset="0"/>
+            </a:endParaRPr>
+          </a:p>
+          <a:p>
+            <a:pPr marL="285750" indent="-285750">
+              <a:buFont typeface="Arial" panose="020B0604020202020204" pitchFamily="34" charset="0"/>
+              <a:buChar char="•"/>
+            </a:pPr>
+            <a:endParaRPr lang="en-US" dirty="0"/>
+          </a:p>
+        </p:txBody>
+      </p:sp>
+    </p:spTree>
+    <p:extLst>
+      <p:ext uri="{BB962C8B-B14F-4D97-AF65-F5344CB8AC3E}">
+        <p14:creationId xmlns:p14="http://schemas.microsoft.com/office/powerpoint/2010/main" val="3479745172"/>
+      </p:ext>
+    </p:extLst>
+  </p:cSld>
+  <p:clrMapOvr>
+    <a:masterClrMapping/>
+  </p:clrMapOvr>
+  <p:timing>
+    <p:tnLst>
+      <p:par>
+        <p:cTn id="1" dur="indefinite" restart="never" nodeType="tmRoot"/>
+      </p:par>
+    </p:tnLst>
+  </p:timing>
+</p:sld>
+</file>
+
+<file path=ppt/slides/slide30.xml><?xml version="1.0" encoding="utf-8"?>
 <p:sld xmlns:a="http://schemas.openxmlformats.org/drawingml/2006/main" xmlns:r="http://schemas.openxmlformats.org/officeDocument/2006/relationships" xmlns:p="http://schemas.openxmlformats.org/presentationml/2006/main">
   <p:cSld>
     <p:spTree>
@@ -18120,10 +18385,17 @@
   <p:clrMapOvr>
     <a:masterClrMapping/>
   </p:clrMapOvr>
+  <p:timing>
+    <p:tnLst>
+      <p:par>
+        <p:cTn id="1" dur="indefinite" restart="never" nodeType="tmRoot"/>
+      </p:par>
+    </p:tnLst>
+  </p:timing>
 </p:sld>
 </file>
 
-<file path=ppt/slides/slide32.xml><?xml version="1.0" encoding="utf-8"?>
+<file path=ppt/slides/slide31.xml><?xml version="1.0" encoding="utf-8"?>
 <p:sld xmlns:a="http://schemas.openxmlformats.org/drawingml/2006/main" xmlns:r="http://schemas.openxmlformats.org/officeDocument/2006/relationships" xmlns:p="http://schemas.openxmlformats.org/presentationml/2006/main">
   <p:cSld>
     <p:spTree>
@@ -18290,10 +18562,17 @@
   <p:clrMapOvr>
     <a:masterClrMapping/>
   </p:clrMapOvr>
+  <p:timing>
+    <p:tnLst>
+      <p:par>
+        <p:cTn id="1" dur="indefinite" restart="never" nodeType="tmRoot"/>
+      </p:par>
+    </p:tnLst>
+  </p:timing>
 </p:sld>
 </file>
 
-<file path=ppt/slides/slide33.xml><?xml version="1.0" encoding="utf-8"?>
+<file path=ppt/slides/slide32.xml><?xml version="1.0" encoding="utf-8"?>
 <p:sld xmlns:a="http://schemas.openxmlformats.org/drawingml/2006/main" xmlns:r="http://schemas.openxmlformats.org/officeDocument/2006/relationships" xmlns:p="http://schemas.openxmlformats.org/presentationml/2006/main">
   <p:cSld>
     <p:spTree>
@@ -18590,6 +18869,130 @@
   <p:clrMapOvr>
     <a:masterClrMapping/>
   </p:clrMapOvr>
+  <p:timing>
+    <p:tnLst>
+      <p:par>
+        <p:cTn id="1" dur="indefinite" restart="never" nodeType="tmRoot"/>
+      </p:par>
+    </p:tnLst>
+  </p:timing>
+</p:sld>
+</file>
+
+<file path=ppt/slides/slide33.xml><?xml version="1.0" encoding="utf-8"?>
+<p:sld xmlns:a="http://schemas.openxmlformats.org/drawingml/2006/main" xmlns:r="http://schemas.openxmlformats.org/officeDocument/2006/relationships" xmlns:p="http://schemas.openxmlformats.org/presentationml/2006/main">
+  <p:cSld>
+    <p:spTree>
+      <p:nvGrpSpPr>
+        <p:cNvPr id="1" name=""/>
+        <p:cNvGrpSpPr/>
+        <p:nvPr/>
+      </p:nvGrpSpPr>
+      <p:grpSpPr>
+        <a:xfrm>
+          <a:off x="0" y="0"/>
+          <a:ext cx="0" cy="0"/>
+          <a:chOff x="0" y="0"/>
+          <a:chExt cx="0" cy="0"/>
+        </a:xfrm>
+      </p:grpSpPr>
+      <p:sp>
+        <p:nvSpPr>
+          <p:cNvPr id="2" name="Title 1"/>
+          <p:cNvSpPr>
+            <a:spLocks noGrp="1"/>
+          </p:cNvSpPr>
+          <p:nvPr>
+            <p:ph type="title"/>
+          </p:nvPr>
+        </p:nvSpPr>
+        <p:spPr/>
+        <p:txBody>
+          <a:bodyPr>
+            <a:normAutofit/>
+          </a:bodyPr>
+          <a:lstStyle/>
+          <a:p>
+            <a:r>
+              <a:rPr lang="en-US" sz="4000" dirty="0" smtClean="0">
+                <a:latin typeface="Times New Roman" panose="02020603050405020304" pitchFamily="18" charset="0"/>
+                <a:cs typeface="Times New Roman" panose="02020603050405020304" pitchFamily="18" charset="0"/>
+              </a:rPr>
+              <a:t>Future Work	</a:t>
+            </a:r>
+            <a:endParaRPr lang="en-US" sz="4000" dirty="0">
+              <a:latin typeface="Times New Roman" panose="02020603050405020304" pitchFamily="18" charset="0"/>
+              <a:cs typeface="Times New Roman" panose="02020603050405020304" pitchFamily="18" charset="0"/>
+            </a:endParaRPr>
+          </a:p>
+        </p:txBody>
+      </p:sp>
+      <p:sp>
+        <p:nvSpPr>
+          <p:cNvPr id="3" name="Content Placeholder 2"/>
+          <p:cNvSpPr>
+            <a:spLocks noGrp="1"/>
+          </p:cNvSpPr>
+          <p:nvPr>
+            <p:ph idx="1"/>
+          </p:nvPr>
+        </p:nvSpPr>
+        <p:spPr/>
+        <p:txBody>
+          <a:bodyPr>
+            <a:normAutofit/>
+          </a:bodyPr>
+          <a:lstStyle/>
+          <a:p>
+            <a:r>
+              <a:rPr lang="en-US" sz="2000" dirty="0" smtClean="0">
+                <a:latin typeface="Times New Roman" panose="02020603050405020304" pitchFamily="18" charset="0"/>
+                <a:cs typeface="Times New Roman" panose="02020603050405020304" pitchFamily="18" charset="0"/>
+              </a:rPr>
+              <a:t>Future work of the literature is extended to dealing with refining the bounding boxes of multi-object images.</a:t>
+            </a:r>
+          </a:p>
+          <a:p>
+            <a:r>
+              <a:rPr lang="en-US" sz="2000" dirty="0" smtClean="0">
+                <a:latin typeface="Times New Roman" panose="02020603050405020304" pitchFamily="18" charset="0"/>
+                <a:cs typeface="Times New Roman" panose="02020603050405020304" pitchFamily="18" charset="0"/>
+              </a:rPr>
+              <a:t>Future work also deals with using a different DQN altogether. A probable work can be replacing the existing network with a better and deeper CNN.</a:t>
+            </a:r>
+          </a:p>
+          <a:p>
+            <a:r>
+              <a:rPr lang="en-US" sz="2000" dirty="0" smtClean="0">
+                <a:latin typeface="Times New Roman" panose="02020603050405020304" pitchFamily="18" charset="0"/>
+                <a:cs typeface="Times New Roman" panose="02020603050405020304" pitchFamily="18" charset="0"/>
+              </a:rPr>
+              <a:t>Future work also extends to dealing with overlapping objects where bounding box refinement can be tricky.</a:t>
+            </a:r>
+            <a:endParaRPr lang="en-US" sz="2000" dirty="0">
+              <a:latin typeface="Times New Roman" panose="02020603050405020304" pitchFamily="18" charset="0"/>
+              <a:cs typeface="Times New Roman" panose="02020603050405020304" pitchFamily="18" charset="0"/>
+            </a:endParaRPr>
+          </a:p>
+        </p:txBody>
+      </p:sp>
+    </p:spTree>
+    <p:extLst>
+      <p:ext uri="{BB962C8B-B14F-4D97-AF65-F5344CB8AC3E}">
+        <p14:creationId xmlns:p14="http://schemas.microsoft.com/office/powerpoint/2010/main" val="1004083284"/>
+      </p:ext>
+    </p:extLst>
+  </p:cSld>
+  <p:clrMapOvr>
+    <a:masterClrMapping/>
+  </p:clrMapOvr>
+  <p:timing>
+    <p:tnLst>
+      <p:par>
+        <p:cTn id="1" dur="indefinite" restart="never" nodeType="tmRoot"/>
+      </p:par>
+    </p:tnLst>
+  </p:timing>
 </p:sld>
 </file>
 
@@ -18628,13 +19031,13 @@
           <a:lstStyle/>
           <a:p>
             <a:r>
-              <a:rPr lang="en-US" sz="4000" dirty="0" smtClean="0">
-                <a:latin typeface="Times New Roman" panose="02020603050405020304" pitchFamily="18" charset="0"/>
-                <a:cs typeface="Times New Roman" panose="02020603050405020304" pitchFamily="18" charset="0"/>
-              </a:rPr>
-              <a:t>Future Work	</a:t>
-            </a:r>
-            <a:endParaRPr lang="en-US" sz="4000" dirty="0">
+              <a:rPr lang="en-US" sz="3600" dirty="0" smtClean="0">
+                <a:latin typeface="Times New Roman" panose="02020603050405020304" pitchFamily="18" charset="0"/>
+                <a:cs typeface="Times New Roman" panose="02020603050405020304" pitchFamily="18" charset="0"/>
+              </a:rPr>
+              <a:t>References</a:t>
+            </a:r>
+            <a:endParaRPr lang="en-US" sz="3600" dirty="0">
               <a:latin typeface="Times New Roman" panose="02020603050405020304" pitchFamily="18" charset="0"/>
               <a:cs typeface="Times New Roman" panose="02020603050405020304" pitchFamily="18" charset="0"/>
             </a:endParaRPr>
@@ -18658,306 +19061,363 @@
           </a:bodyPr>
           <a:lstStyle/>
           <a:p>
+            <a:pPr marL="514350" indent="-514350" algn="just">
+              <a:buFont typeface="+mj-lt"/>
+              <a:buAutoNum type="arabicPeriod"/>
+            </a:pPr>
+            <a:r>
+              <a:rPr lang="en-US" sz="2000" dirty="0">
+                <a:latin typeface="Times New Roman" panose="02020603050405020304" pitchFamily="18" charset="0"/>
+                <a:cs typeface="Times New Roman" panose="02020603050405020304" pitchFamily="18" charset="0"/>
+              </a:rPr>
+              <a:t>Le, N., </a:t>
+            </a:r>
+            <a:r>
+              <a:rPr lang="en-US" sz="2000" dirty="0" err="1">
+                <a:latin typeface="Times New Roman" panose="02020603050405020304" pitchFamily="18" charset="0"/>
+                <a:cs typeface="Times New Roman" panose="02020603050405020304" pitchFamily="18" charset="0"/>
+              </a:rPr>
+              <a:t>Rathour</a:t>
+            </a:r>
+            <a:r>
+              <a:rPr lang="en-US" sz="2000" dirty="0">
+                <a:latin typeface="Times New Roman" panose="02020603050405020304" pitchFamily="18" charset="0"/>
+                <a:cs typeface="Times New Roman" panose="02020603050405020304" pitchFamily="18" charset="0"/>
+              </a:rPr>
+              <a:t>, V.S., Yamazaki, K. </a:t>
+            </a:r>
+            <a:r>
+              <a:rPr lang="en-US" sz="2000" i="1" dirty="0">
+                <a:latin typeface="Times New Roman" panose="02020603050405020304" pitchFamily="18" charset="0"/>
+                <a:cs typeface="Times New Roman" panose="02020603050405020304" pitchFamily="18" charset="0"/>
+              </a:rPr>
+              <a:t>et al.</a:t>
+            </a:r>
+            <a:r>
+              <a:rPr lang="en-US" sz="2000" dirty="0">
+                <a:latin typeface="Times New Roman" panose="02020603050405020304" pitchFamily="18" charset="0"/>
+                <a:cs typeface="Times New Roman" panose="02020603050405020304" pitchFamily="18" charset="0"/>
+              </a:rPr>
+              <a:t> Deep reinforcement learning in computer vision: a comprehensive survey. </a:t>
+            </a:r>
+            <a:r>
+              <a:rPr lang="en-US" sz="2000" i="1" dirty="0" err="1">
+                <a:latin typeface="Times New Roman" panose="02020603050405020304" pitchFamily="18" charset="0"/>
+                <a:cs typeface="Times New Roman" panose="02020603050405020304" pitchFamily="18" charset="0"/>
+              </a:rPr>
+              <a:t>Artif</a:t>
+            </a:r>
+            <a:r>
+              <a:rPr lang="en-US" sz="2000" i="1" dirty="0">
+                <a:latin typeface="Times New Roman" panose="02020603050405020304" pitchFamily="18" charset="0"/>
+                <a:cs typeface="Times New Roman" panose="02020603050405020304" pitchFamily="18" charset="0"/>
+              </a:rPr>
+              <a:t> </a:t>
+            </a:r>
+            <a:r>
+              <a:rPr lang="en-US" sz="2000" i="1" dirty="0" err="1">
+                <a:latin typeface="Times New Roman" panose="02020603050405020304" pitchFamily="18" charset="0"/>
+                <a:cs typeface="Times New Roman" panose="02020603050405020304" pitchFamily="18" charset="0"/>
+              </a:rPr>
+              <a:t>Intell</a:t>
+            </a:r>
+            <a:r>
+              <a:rPr lang="en-US" sz="2000" i="1" dirty="0">
+                <a:latin typeface="Times New Roman" panose="02020603050405020304" pitchFamily="18" charset="0"/>
+                <a:cs typeface="Times New Roman" panose="02020603050405020304" pitchFamily="18" charset="0"/>
+              </a:rPr>
+              <a:t> Rev</a:t>
+            </a:r>
+            <a:r>
+              <a:rPr lang="en-US" sz="2000" dirty="0">
+                <a:latin typeface="Times New Roman" panose="02020603050405020304" pitchFamily="18" charset="0"/>
+                <a:cs typeface="Times New Roman" panose="02020603050405020304" pitchFamily="18" charset="0"/>
+              </a:rPr>
+              <a:t> (2021). </a:t>
+            </a:r>
+            <a:r>
+              <a:rPr lang="en-US" sz="2000" dirty="0">
+                <a:latin typeface="Times New Roman" panose="02020603050405020304" pitchFamily="18" charset="0"/>
+                <a:cs typeface="Times New Roman" panose="02020603050405020304" pitchFamily="18" charset="0"/>
+                <a:hlinkClick r:id="rId2"/>
+              </a:rPr>
+              <a:t>https://</a:t>
+            </a:r>
             <a:r>
               <a:rPr lang="en-US" sz="2000" dirty="0" smtClean="0">
                 <a:latin typeface="Times New Roman" panose="02020603050405020304" pitchFamily="18" charset="0"/>
                 <a:cs typeface="Times New Roman" panose="02020603050405020304" pitchFamily="18" charset="0"/>
-              </a:rPr>
-              <a:t>Future work of the literature is extended to dealing with refining the bounding boxes of multi-object images.</a:t>
-            </a:r>
-          </a:p>
-          <a:p>
+                <a:hlinkClick r:id="rId2"/>
+              </a:rPr>
+              <a:t>doi.org/10.1007/s10462-021-10061-9</a:t>
+            </a:r>
+            <a:endParaRPr lang="en-US" sz="2000" dirty="0" smtClean="0">
+              <a:latin typeface="Times New Roman" panose="02020603050405020304" pitchFamily="18" charset="0"/>
+              <a:cs typeface="Times New Roman" panose="02020603050405020304" pitchFamily="18" charset="0"/>
+            </a:endParaRPr>
+          </a:p>
+          <a:p>
+            <a:pPr marL="514350" indent="-514350" algn="just">
+              <a:buFont typeface="+mj-lt"/>
+              <a:buAutoNum type="arabicPeriod"/>
+            </a:pPr>
+            <a:r>
+              <a:rPr lang="en-US" sz="2000" dirty="0">
+                <a:latin typeface="Times New Roman" panose="02020603050405020304" pitchFamily="18" charset="0"/>
+                <a:cs typeface="Times New Roman" panose="02020603050405020304" pitchFamily="18" charset="0"/>
+              </a:rPr>
+              <a:t>Sutton, R.S. and </a:t>
+            </a:r>
+            <a:r>
+              <a:rPr lang="en-US" sz="2000" dirty="0" err="1">
+                <a:latin typeface="Times New Roman" panose="02020603050405020304" pitchFamily="18" charset="0"/>
+                <a:cs typeface="Times New Roman" panose="02020603050405020304" pitchFamily="18" charset="0"/>
+              </a:rPr>
+              <a:t>Barto</a:t>
+            </a:r>
+            <a:r>
+              <a:rPr lang="en-US" sz="2000" dirty="0">
+                <a:latin typeface="Times New Roman" panose="02020603050405020304" pitchFamily="18" charset="0"/>
+                <a:cs typeface="Times New Roman" panose="02020603050405020304" pitchFamily="18" charset="0"/>
+              </a:rPr>
+              <a:t>, A.G., 2018. </a:t>
+            </a:r>
+            <a:r>
+              <a:rPr lang="en-US" sz="2000" i="1" dirty="0">
+                <a:latin typeface="Times New Roman" panose="02020603050405020304" pitchFamily="18" charset="0"/>
+                <a:cs typeface="Times New Roman" panose="02020603050405020304" pitchFamily="18" charset="0"/>
+              </a:rPr>
+              <a:t>Reinforcement learning: An introduction</a:t>
+            </a:r>
+            <a:r>
+              <a:rPr lang="en-US" sz="2000" dirty="0">
+                <a:latin typeface="Times New Roman" panose="02020603050405020304" pitchFamily="18" charset="0"/>
+                <a:cs typeface="Times New Roman" panose="02020603050405020304" pitchFamily="18" charset="0"/>
+              </a:rPr>
+              <a:t>. MIT press</a:t>
+            </a:r>
             <a:r>
               <a:rPr lang="en-US" sz="2000" dirty="0" smtClean="0">
                 <a:latin typeface="Times New Roman" panose="02020603050405020304" pitchFamily="18" charset="0"/>
                 <a:cs typeface="Times New Roman" panose="02020603050405020304" pitchFamily="18" charset="0"/>
               </a:rPr>
-              <a:t>Future work also deals with using a different DQN altogether. A probable work can be replacing the existing network with a better and deeper CNN.</a:t>
-            </a:r>
-          </a:p>
-          <a:p>
+              <a:t>.</a:t>
+            </a:r>
+          </a:p>
+          <a:p>
+            <a:pPr marL="514350" indent="-514350" algn="just">
+              <a:buFont typeface="+mj-lt"/>
+              <a:buAutoNum type="arabicPeriod"/>
+            </a:pPr>
+            <a:r>
+              <a:rPr lang="en-US" sz="2000" dirty="0" err="1">
+                <a:latin typeface="Times New Roman" panose="02020603050405020304" pitchFamily="18" charset="0"/>
+                <a:cs typeface="Times New Roman" panose="02020603050405020304" pitchFamily="18" charset="0"/>
+              </a:rPr>
+              <a:t>Ayle</a:t>
+            </a:r>
+            <a:r>
+              <a:rPr lang="en-US" sz="2000" dirty="0">
+                <a:latin typeface="Times New Roman" panose="02020603050405020304" pitchFamily="18" charset="0"/>
+                <a:cs typeface="Times New Roman" panose="02020603050405020304" pitchFamily="18" charset="0"/>
+              </a:rPr>
+              <a:t>, </a:t>
+            </a:r>
+            <a:r>
+              <a:rPr lang="en-US" sz="2000" dirty="0" err="1">
+                <a:latin typeface="Times New Roman" panose="02020603050405020304" pitchFamily="18" charset="0"/>
+                <a:cs typeface="Times New Roman" panose="02020603050405020304" pitchFamily="18" charset="0"/>
+              </a:rPr>
+              <a:t>Morgane</a:t>
+            </a:r>
+            <a:r>
+              <a:rPr lang="en-US" sz="2000" dirty="0">
+                <a:latin typeface="Times New Roman" panose="02020603050405020304" pitchFamily="18" charset="0"/>
+                <a:cs typeface="Times New Roman" panose="02020603050405020304" pitchFamily="18" charset="0"/>
+              </a:rPr>
+              <a:t> et al. “BAR - A Reinforcement Learning Agent for Bounding-Box Automated Refinement.” </a:t>
+            </a:r>
+            <a:r>
+              <a:rPr lang="en-US" sz="2000" i="1" dirty="0">
+                <a:latin typeface="Times New Roman" panose="02020603050405020304" pitchFamily="18" charset="0"/>
+                <a:cs typeface="Times New Roman" panose="02020603050405020304" pitchFamily="18" charset="0"/>
+              </a:rPr>
+              <a:t>AAAI</a:t>
+            </a:r>
+            <a:r>
+              <a:rPr lang="en-US" sz="2000" dirty="0">
+                <a:latin typeface="Times New Roman" panose="02020603050405020304" pitchFamily="18" charset="0"/>
+                <a:cs typeface="Times New Roman" panose="02020603050405020304" pitchFamily="18" charset="0"/>
+              </a:rPr>
+              <a:t> (2020</a:t>
+            </a:r>
             <a:r>
               <a:rPr lang="en-US" sz="2000" dirty="0" smtClean="0">
                 <a:latin typeface="Times New Roman" panose="02020603050405020304" pitchFamily="18" charset="0"/>
                 <a:cs typeface="Times New Roman" panose="02020603050405020304" pitchFamily="18" charset="0"/>
               </a:rPr>
-              <a:t>Future work also extends to dealing with overlapping objects where bounding box refinement can be tricky.</a:t>
-            </a:r>
+              <a:t>).</a:t>
+            </a:r>
+          </a:p>
+          <a:p>
+            <a:pPr marL="514350" indent="-514350" algn="just">
+              <a:buFont typeface="+mj-lt"/>
+              <a:buAutoNum type="arabicPeriod"/>
+            </a:pPr>
+            <a:r>
+              <a:rPr lang="en-US" sz="2000" dirty="0" err="1">
+                <a:latin typeface="Times New Roman" panose="02020603050405020304" pitchFamily="18" charset="0"/>
+                <a:cs typeface="Times New Roman" panose="02020603050405020304" pitchFamily="18" charset="0"/>
+              </a:rPr>
+              <a:t>Mnih</a:t>
+            </a:r>
+            <a:r>
+              <a:rPr lang="en-US" sz="2000" dirty="0">
+                <a:latin typeface="Times New Roman" panose="02020603050405020304" pitchFamily="18" charset="0"/>
+                <a:cs typeface="Times New Roman" panose="02020603050405020304" pitchFamily="18" charset="0"/>
+              </a:rPr>
+              <a:t>, V., </a:t>
+            </a:r>
+            <a:r>
+              <a:rPr lang="en-US" sz="2000" dirty="0" err="1">
+                <a:latin typeface="Times New Roman" panose="02020603050405020304" pitchFamily="18" charset="0"/>
+                <a:cs typeface="Times New Roman" panose="02020603050405020304" pitchFamily="18" charset="0"/>
+              </a:rPr>
+              <a:t>Kavukcuoglu</a:t>
+            </a:r>
+            <a:r>
+              <a:rPr lang="en-US" sz="2000" dirty="0">
+                <a:latin typeface="Times New Roman" panose="02020603050405020304" pitchFamily="18" charset="0"/>
+                <a:cs typeface="Times New Roman" panose="02020603050405020304" pitchFamily="18" charset="0"/>
+              </a:rPr>
+              <a:t>, K., Silver, D., </a:t>
+            </a:r>
+            <a:r>
+              <a:rPr lang="en-US" sz="2000" dirty="0" err="1">
+                <a:latin typeface="Times New Roman" panose="02020603050405020304" pitchFamily="18" charset="0"/>
+                <a:cs typeface="Times New Roman" panose="02020603050405020304" pitchFamily="18" charset="0"/>
+              </a:rPr>
+              <a:t>Rusu</a:t>
+            </a:r>
+            <a:r>
+              <a:rPr lang="en-US" sz="2000" dirty="0">
+                <a:latin typeface="Times New Roman" panose="02020603050405020304" pitchFamily="18" charset="0"/>
+                <a:cs typeface="Times New Roman" panose="02020603050405020304" pitchFamily="18" charset="0"/>
+              </a:rPr>
+              <a:t>, A.A., </a:t>
+            </a:r>
+            <a:r>
+              <a:rPr lang="en-US" sz="2000" dirty="0" err="1">
+                <a:latin typeface="Times New Roman" panose="02020603050405020304" pitchFamily="18" charset="0"/>
+                <a:cs typeface="Times New Roman" panose="02020603050405020304" pitchFamily="18" charset="0"/>
+              </a:rPr>
+              <a:t>Veness</a:t>
+            </a:r>
+            <a:r>
+              <a:rPr lang="en-US" sz="2000" dirty="0">
+                <a:latin typeface="Times New Roman" panose="02020603050405020304" pitchFamily="18" charset="0"/>
+                <a:cs typeface="Times New Roman" panose="02020603050405020304" pitchFamily="18" charset="0"/>
+              </a:rPr>
+              <a:t>, J., </a:t>
+            </a:r>
+            <a:r>
+              <a:rPr lang="en-US" sz="2000" dirty="0" err="1">
+                <a:latin typeface="Times New Roman" panose="02020603050405020304" pitchFamily="18" charset="0"/>
+                <a:cs typeface="Times New Roman" panose="02020603050405020304" pitchFamily="18" charset="0"/>
+              </a:rPr>
+              <a:t>Bellemare</a:t>
+            </a:r>
+            <a:r>
+              <a:rPr lang="en-US" sz="2000" dirty="0">
+                <a:latin typeface="Times New Roman" panose="02020603050405020304" pitchFamily="18" charset="0"/>
+                <a:cs typeface="Times New Roman" panose="02020603050405020304" pitchFamily="18" charset="0"/>
+              </a:rPr>
+              <a:t>, M.G., Graves, A., </a:t>
+            </a:r>
+            <a:r>
+              <a:rPr lang="en-US" sz="2000" dirty="0" err="1">
+                <a:latin typeface="Times New Roman" panose="02020603050405020304" pitchFamily="18" charset="0"/>
+                <a:cs typeface="Times New Roman" panose="02020603050405020304" pitchFamily="18" charset="0"/>
+              </a:rPr>
+              <a:t>Riedmiller</a:t>
+            </a:r>
+            <a:r>
+              <a:rPr lang="en-US" sz="2000" dirty="0">
+                <a:latin typeface="Times New Roman" panose="02020603050405020304" pitchFamily="18" charset="0"/>
+                <a:cs typeface="Times New Roman" panose="02020603050405020304" pitchFamily="18" charset="0"/>
+              </a:rPr>
+              <a:t>, M., </a:t>
+            </a:r>
+            <a:r>
+              <a:rPr lang="en-US" sz="2000" dirty="0" err="1">
+                <a:latin typeface="Times New Roman" panose="02020603050405020304" pitchFamily="18" charset="0"/>
+                <a:cs typeface="Times New Roman" panose="02020603050405020304" pitchFamily="18" charset="0"/>
+              </a:rPr>
+              <a:t>Fidjeland</a:t>
+            </a:r>
+            <a:r>
+              <a:rPr lang="en-US" sz="2000" dirty="0">
+                <a:latin typeface="Times New Roman" panose="02020603050405020304" pitchFamily="18" charset="0"/>
+                <a:cs typeface="Times New Roman" panose="02020603050405020304" pitchFamily="18" charset="0"/>
+              </a:rPr>
+              <a:t>, A.K., </a:t>
+            </a:r>
+            <a:r>
+              <a:rPr lang="en-US" sz="2000" dirty="0" err="1">
+                <a:latin typeface="Times New Roman" panose="02020603050405020304" pitchFamily="18" charset="0"/>
+                <a:cs typeface="Times New Roman" panose="02020603050405020304" pitchFamily="18" charset="0"/>
+              </a:rPr>
+              <a:t>Ostrovski</a:t>
+            </a:r>
+            <a:r>
+              <a:rPr lang="en-US" sz="2000" dirty="0">
+                <a:latin typeface="Times New Roman" panose="02020603050405020304" pitchFamily="18" charset="0"/>
+                <a:cs typeface="Times New Roman" panose="02020603050405020304" pitchFamily="18" charset="0"/>
+              </a:rPr>
+              <a:t>, G. and Petersen, S., 2015. Human-level control through deep reinforcement learning. </a:t>
+            </a:r>
+            <a:r>
+              <a:rPr lang="en-US" sz="2000" i="1" dirty="0">
+                <a:latin typeface="Times New Roman" panose="02020603050405020304" pitchFamily="18" charset="0"/>
+                <a:cs typeface="Times New Roman" panose="02020603050405020304" pitchFamily="18" charset="0"/>
+              </a:rPr>
+              <a:t>nature</a:t>
+            </a:r>
+            <a:r>
+              <a:rPr lang="en-US" sz="2000" dirty="0">
+                <a:latin typeface="Times New Roman" panose="02020603050405020304" pitchFamily="18" charset="0"/>
+                <a:cs typeface="Times New Roman" panose="02020603050405020304" pitchFamily="18" charset="0"/>
+              </a:rPr>
+              <a:t>, </a:t>
+            </a:r>
+            <a:r>
+              <a:rPr lang="en-US" sz="2000" i="1" dirty="0">
+                <a:latin typeface="Times New Roman" panose="02020603050405020304" pitchFamily="18" charset="0"/>
+                <a:cs typeface="Times New Roman" panose="02020603050405020304" pitchFamily="18" charset="0"/>
+              </a:rPr>
+              <a:t>518</a:t>
+            </a:r>
+            <a:r>
+              <a:rPr lang="en-US" sz="2000" dirty="0">
+                <a:latin typeface="Times New Roman" panose="02020603050405020304" pitchFamily="18" charset="0"/>
+                <a:cs typeface="Times New Roman" panose="02020603050405020304" pitchFamily="18" charset="0"/>
+              </a:rPr>
+              <a:t>(7540), pp.529-533</a:t>
+            </a:r>
+            <a:endParaRPr lang="en-US" sz="2000" dirty="0" smtClean="0">
+              <a:latin typeface="Times New Roman" panose="02020603050405020304" pitchFamily="18" charset="0"/>
+              <a:cs typeface="Times New Roman" panose="02020603050405020304" pitchFamily="18" charset="0"/>
+            </a:endParaRPr>
+          </a:p>
+          <a:p>
+            <a:pPr marL="514350" indent="-514350" algn="just">
+              <a:buFont typeface="+mj-lt"/>
+              <a:buAutoNum type="arabicPeriod"/>
+            </a:pPr>
             <a:endParaRPr lang="en-US" sz="2000" dirty="0">
               <a:latin typeface="Times New Roman" panose="02020603050405020304" pitchFamily="18" charset="0"/>
               <a:cs typeface="Times New Roman" panose="02020603050405020304" pitchFamily="18" charset="0"/>
             </a:endParaRPr>
-          </a:p>
-        </p:txBody>
-      </p:sp>
-    </p:spTree>
-    <p:extLst>
-      <p:ext uri="{BB962C8B-B14F-4D97-AF65-F5344CB8AC3E}">
-        <p14:creationId xmlns:p14="http://schemas.microsoft.com/office/powerpoint/2010/main" val="1004083284"/>
-      </p:ext>
-    </p:extLst>
-  </p:cSld>
-  <p:clrMapOvr>
-    <a:masterClrMapping/>
-  </p:clrMapOvr>
-</p:sld>
-</file>
-
-<file path=ppt/slides/slide35.xml><?xml version="1.0" encoding="utf-8"?>
-<p:sld xmlns:a="http://schemas.openxmlformats.org/drawingml/2006/main" xmlns:r="http://schemas.openxmlformats.org/officeDocument/2006/relationships" xmlns:p="http://schemas.openxmlformats.org/presentationml/2006/main">
-  <p:cSld>
-    <p:spTree>
-      <p:nvGrpSpPr>
-        <p:cNvPr id="1" name=""/>
-        <p:cNvGrpSpPr/>
-        <p:nvPr/>
-      </p:nvGrpSpPr>
-      <p:grpSpPr>
-        <a:xfrm>
-          <a:off x="0" y="0"/>
-          <a:ext cx="0" cy="0"/>
-          <a:chOff x="0" y="0"/>
-          <a:chExt cx="0" cy="0"/>
-        </a:xfrm>
-      </p:grpSpPr>
-      <p:sp>
-        <p:nvSpPr>
-          <p:cNvPr id="2" name="Title 1"/>
-          <p:cNvSpPr>
-            <a:spLocks noGrp="1"/>
-          </p:cNvSpPr>
-          <p:nvPr>
-            <p:ph type="title"/>
-          </p:nvPr>
-        </p:nvSpPr>
-        <p:spPr/>
-        <p:txBody>
-          <a:bodyPr>
-            <a:normAutofit/>
-          </a:bodyPr>
-          <a:lstStyle/>
-          <a:p>
-            <a:r>
-              <a:rPr lang="en-US" sz="3600" dirty="0" smtClean="0">
-                <a:latin typeface="Times New Roman" panose="02020603050405020304" pitchFamily="18" charset="0"/>
-                <a:cs typeface="Times New Roman" panose="02020603050405020304" pitchFamily="18" charset="0"/>
-              </a:rPr>
-              <a:t>References</a:t>
-            </a:r>
-            <a:endParaRPr lang="en-US" sz="3600" dirty="0">
-              <a:latin typeface="Times New Roman" panose="02020603050405020304" pitchFamily="18" charset="0"/>
-              <a:cs typeface="Times New Roman" panose="02020603050405020304" pitchFamily="18" charset="0"/>
-            </a:endParaRPr>
-          </a:p>
-        </p:txBody>
-      </p:sp>
-      <p:sp>
-        <p:nvSpPr>
-          <p:cNvPr id="3" name="Content Placeholder 2"/>
-          <p:cNvSpPr>
-            <a:spLocks noGrp="1"/>
-          </p:cNvSpPr>
-          <p:nvPr>
-            <p:ph idx="1"/>
-          </p:nvPr>
-        </p:nvSpPr>
-        <p:spPr/>
-        <p:txBody>
-          <a:bodyPr>
-            <a:normAutofit/>
-          </a:bodyPr>
-          <a:lstStyle/>
-          <a:p>
-            <a:pPr marL="514350" indent="-514350" algn="just">
-              <a:buFont typeface="+mj-lt"/>
-              <a:buAutoNum type="arabicPeriod"/>
-            </a:pPr>
-            <a:r>
-              <a:rPr lang="en-US" sz="2000" dirty="0">
-                <a:latin typeface="Times New Roman" panose="02020603050405020304" pitchFamily="18" charset="0"/>
-                <a:cs typeface="Times New Roman" panose="02020603050405020304" pitchFamily="18" charset="0"/>
-              </a:rPr>
-              <a:t>Le, N., </a:t>
-            </a:r>
-            <a:r>
-              <a:rPr lang="en-US" sz="2000" dirty="0" err="1">
-                <a:latin typeface="Times New Roman" panose="02020603050405020304" pitchFamily="18" charset="0"/>
-                <a:cs typeface="Times New Roman" panose="02020603050405020304" pitchFamily="18" charset="0"/>
-              </a:rPr>
-              <a:t>Rathour</a:t>
-            </a:r>
-            <a:r>
-              <a:rPr lang="en-US" sz="2000" dirty="0">
-                <a:latin typeface="Times New Roman" panose="02020603050405020304" pitchFamily="18" charset="0"/>
-                <a:cs typeface="Times New Roman" panose="02020603050405020304" pitchFamily="18" charset="0"/>
-              </a:rPr>
-              <a:t>, V.S., Yamazaki, K. </a:t>
-            </a:r>
-            <a:r>
-              <a:rPr lang="en-US" sz="2000" i="1" dirty="0">
-                <a:latin typeface="Times New Roman" panose="02020603050405020304" pitchFamily="18" charset="0"/>
-                <a:cs typeface="Times New Roman" panose="02020603050405020304" pitchFamily="18" charset="0"/>
-              </a:rPr>
-              <a:t>et al.</a:t>
-            </a:r>
-            <a:r>
-              <a:rPr lang="en-US" sz="2000" dirty="0">
-                <a:latin typeface="Times New Roman" panose="02020603050405020304" pitchFamily="18" charset="0"/>
-                <a:cs typeface="Times New Roman" panose="02020603050405020304" pitchFamily="18" charset="0"/>
-              </a:rPr>
-              <a:t> Deep reinforcement learning in computer vision: a comprehensive survey. </a:t>
-            </a:r>
-            <a:r>
-              <a:rPr lang="en-US" sz="2000" i="1" dirty="0" err="1">
-                <a:latin typeface="Times New Roman" panose="02020603050405020304" pitchFamily="18" charset="0"/>
-                <a:cs typeface="Times New Roman" panose="02020603050405020304" pitchFamily="18" charset="0"/>
-              </a:rPr>
-              <a:t>Artif</a:t>
-            </a:r>
-            <a:r>
-              <a:rPr lang="en-US" sz="2000" i="1" dirty="0">
-                <a:latin typeface="Times New Roman" panose="02020603050405020304" pitchFamily="18" charset="0"/>
-                <a:cs typeface="Times New Roman" panose="02020603050405020304" pitchFamily="18" charset="0"/>
-              </a:rPr>
-              <a:t> </a:t>
-            </a:r>
-            <a:r>
-              <a:rPr lang="en-US" sz="2000" i="1" dirty="0" err="1">
-                <a:latin typeface="Times New Roman" panose="02020603050405020304" pitchFamily="18" charset="0"/>
-                <a:cs typeface="Times New Roman" panose="02020603050405020304" pitchFamily="18" charset="0"/>
-              </a:rPr>
-              <a:t>Intell</a:t>
-            </a:r>
-            <a:r>
-              <a:rPr lang="en-US" sz="2000" i="1" dirty="0">
-                <a:latin typeface="Times New Roman" panose="02020603050405020304" pitchFamily="18" charset="0"/>
-                <a:cs typeface="Times New Roman" panose="02020603050405020304" pitchFamily="18" charset="0"/>
-              </a:rPr>
-              <a:t> Rev</a:t>
-            </a:r>
-            <a:r>
-              <a:rPr lang="en-US" sz="2000" dirty="0">
-                <a:latin typeface="Times New Roman" panose="02020603050405020304" pitchFamily="18" charset="0"/>
-                <a:cs typeface="Times New Roman" panose="02020603050405020304" pitchFamily="18" charset="0"/>
-              </a:rPr>
-              <a:t> (2021). </a:t>
-            </a:r>
-            <a:r>
-              <a:rPr lang="en-US" sz="2000" dirty="0">
-                <a:latin typeface="Times New Roman" panose="02020603050405020304" pitchFamily="18" charset="0"/>
-                <a:cs typeface="Times New Roman" panose="02020603050405020304" pitchFamily="18" charset="0"/>
-                <a:hlinkClick r:id="rId2"/>
-              </a:rPr>
-              <a:t>https://</a:t>
-            </a:r>
-            <a:r>
-              <a:rPr lang="en-US" sz="2000" dirty="0" smtClean="0">
-                <a:latin typeface="Times New Roman" panose="02020603050405020304" pitchFamily="18" charset="0"/>
-                <a:cs typeface="Times New Roman" panose="02020603050405020304" pitchFamily="18" charset="0"/>
-                <a:hlinkClick r:id="rId2"/>
-              </a:rPr>
-              <a:t>doi.org/10.1007/s10462-021-10061-9</a:t>
-            </a:r>
-            <a:endParaRPr lang="en-US" sz="2000" dirty="0" smtClean="0">
-              <a:latin typeface="Times New Roman" panose="02020603050405020304" pitchFamily="18" charset="0"/>
-              <a:cs typeface="Times New Roman" panose="02020603050405020304" pitchFamily="18" charset="0"/>
-            </a:endParaRPr>
-          </a:p>
-          <a:p>
-            <a:pPr marL="514350" indent="-514350" algn="just">
-              <a:buFont typeface="+mj-lt"/>
-              <a:buAutoNum type="arabicPeriod"/>
-            </a:pPr>
-            <a:r>
-              <a:rPr lang="en-US" sz="2000" dirty="0">
-                <a:latin typeface="Times New Roman" panose="02020603050405020304" pitchFamily="18" charset="0"/>
-                <a:cs typeface="Times New Roman" panose="02020603050405020304" pitchFamily="18" charset="0"/>
-              </a:rPr>
-              <a:t>Sutton, R.S. and </a:t>
-            </a:r>
-            <a:r>
-              <a:rPr lang="en-US" sz="2000" dirty="0" err="1">
-                <a:latin typeface="Times New Roman" panose="02020603050405020304" pitchFamily="18" charset="0"/>
-                <a:cs typeface="Times New Roman" panose="02020603050405020304" pitchFamily="18" charset="0"/>
-              </a:rPr>
-              <a:t>Barto</a:t>
-            </a:r>
-            <a:r>
-              <a:rPr lang="en-US" sz="2000" dirty="0">
-                <a:latin typeface="Times New Roman" panose="02020603050405020304" pitchFamily="18" charset="0"/>
-                <a:cs typeface="Times New Roman" panose="02020603050405020304" pitchFamily="18" charset="0"/>
-              </a:rPr>
-              <a:t>, A.G., 2018. </a:t>
-            </a:r>
-            <a:r>
-              <a:rPr lang="en-US" sz="2000" i="1" dirty="0">
-                <a:latin typeface="Times New Roman" panose="02020603050405020304" pitchFamily="18" charset="0"/>
-                <a:cs typeface="Times New Roman" panose="02020603050405020304" pitchFamily="18" charset="0"/>
-              </a:rPr>
-              <a:t>Reinforcement learning: An introduction</a:t>
-            </a:r>
-            <a:r>
-              <a:rPr lang="en-US" sz="2000" dirty="0">
-                <a:latin typeface="Times New Roman" panose="02020603050405020304" pitchFamily="18" charset="0"/>
-                <a:cs typeface="Times New Roman" panose="02020603050405020304" pitchFamily="18" charset="0"/>
-              </a:rPr>
-              <a:t>. MIT press</a:t>
-            </a:r>
-            <a:r>
-              <a:rPr lang="en-US" sz="2000" dirty="0" smtClean="0">
-                <a:latin typeface="Times New Roman" panose="02020603050405020304" pitchFamily="18" charset="0"/>
-                <a:cs typeface="Times New Roman" panose="02020603050405020304" pitchFamily="18" charset="0"/>
-              </a:rPr>
-              <a:t>.</a:t>
-            </a:r>
-          </a:p>
-          <a:p>
-            <a:pPr marL="514350" indent="-514350" algn="just">
-              <a:buFont typeface="+mj-lt"/>
-              <a:buAutoNum type="arabicPeriod"/>
-            </a:pPr>
-            <a:r>
-              <a:rPr lang="en-US" sz="2000" dirty="0" err="1">
-                <a:latin typeface="Times New Roman" panose="02020603050405020304" pitchFamily="18" charset="0"/>
-                <a:cs typeface="Times New Roman" panose="02020603050405020304" pitchFamily="18" charset="0"/>
-              </a:rPr>
-              <a:t>Ayle</a:t>
-            </a:r>
-            <a:r>
-              <a:rPr lang="en-US" sz="2000" dirty="0">
-                <a:latin typeface="Times New Roman" panose="02020603050405020304" pitchFamily="18" charset="0"/>
-                <a:cs typeface="Times New Roman" panose="02020603050405020304" pitchFamily="18" charset="0"/>
-              </a:rPr>
-              <a:t>, </a:t>
-            </a:r>
-            <a:r>
-              <a:rPr lang="en-US" sz="2000" dirty="0" err="1">
-                <a:latin typeface="Times New Roman" panose="02020603050405020304" pitchFamily="18" charset="0"/>
-                <a:cs typeface="Times New Roman" panose="02020603050405020304" pitchFamily="18" charset="0"/>
-              </a:rPr>
-              <a:t>Morgane</a:t>
-            </a:r>
-            <a:r>
-              <a:rPr lang="en-US" sz="2000" dirty="0">
-                <a:latin typeface="Times New Roman" panose="02020603050405020304" pitchFamily="18" charset="0"/>
-                <a:cs typeface="Times New Roman" panose="02020603050405020304" pitchFamily="18" charset="0"/>
-              </a:rPr>
-              <a:t> et al. “BAR - A Reinforcement Learning Agent for Bounding-Box Automated Refinement.” </a:t>
-            </a:r>
-            <a:r>
-              <a:rPr lang="en-US" sz="2000" i="1" dirty="0">
-                <a:latin typeface="Times New Roman" panose="02020603050405020304" pitchFamily="18" charset="0"/>
-                <a:cs typeface="Times New Roman" panose="02020603050405020304" pitchFamily="18" charset="0"/>
-              </a:rPr>
-              <a:t>AAAI</a:t>
-            </a:r>
-            <a:r>
-              <a:rPr lang="en-US" sz="2000" dirty="0">
-                <a:latin typeface="Times New Roman" panose="02020603050405020304" pitchFamily="18" charset="0"/>
-                <a:cs typeface="Times New Roman" panose="02020603050405020304" pitchFamily="18" charset="0"/>
-              </a:rPr>
-              <a:t> (2020).</a:t>
-            </a:r>
           </a:p>
         </p:txBody>
       </p:sp>
@@ -18971,221 +19431,17 @@
   <p:clrMapOvr>
     <a:masterClrMapping/>
   </p:clrMapOvr>
+  <p:timing>
+    <p:tnLst>
+      <p:par>
+        <p:cTn id="1" dur="indefinite" restart="never" nodeType="tmRoot"/>
+      </p:par>
+    </p:tnLst>
+  </p:timing>
 </p:sld>
 </file>
 
 <file path=ppt/slides/slide4.xml><?xml version="1.0" encoding="utf-8"?>
-<p:sld xmlns:a="http://schemas.openxmlformats.org/drawingml/2006/main" xmlns:r="http://schemas.openxmlformats.org/officeDocument/2006/relationships" xmlns:p="http://schemas.openxmlformats.org/presentationml/2006/main">
-  <p:cSld>
-    <p:spTree>
-      <p:nvGrpSpPr>
-        <p:cNvPr id="1" name=""/>
-        <p:cNvGrpSpPr/>
-        <p:nvPr/>
-      </p:nvGrpSpPr>
-      <p:grpSpPr>
-        <a:xfrm>
-          <a:off x="0" y="0"/>
-          <a:ext cx="0" cy="0"/>
-          <a:chOff x="0" y="0"/>
-          <a:chExt cx="0" cy="0"/>
-        </a:xfrm>
-      </p:grpSpPr>
-      <p:sp>
-        <p:nvSpPr>
-          <p:cNvPr id="2" name="Title 1"/>
-          <p:cNvSpPr>
-            <a:spLocks noGrp="1"/>
-          </p:cNvSpPr>
-          <p:nvPr>
-            <p:ph type="title"/>
-          </p:nvPr>
-        </p:nvSpPr>
-        <p:spPr>
-          <a:xfrm>
-            <a:off x="838200" y="156120"/>
-            <a:ext cx="10515600" cy="1325563"/>
-          </a:xfrm>
-        </p:spPr>
-        <p:txBody>
-          <a:bodyPr/>
-          <a:lstStyle/>
-          <a:p>
-            <a:pPr algn="ctr"/>
-            <a:r>
-              <a:rPr lang="en-US" dirty="0" smtClean="0">
-                <a:latin typeface="Times New Roman" panose="02020603050405020304" pitchFamily="18" charset="0"/>
-                <a:cs typeface="Times New Roman" panose="02020603050405020304" pitchFamily="18" charset="0"/>
-              </a:rPr>
-              <a:t>AI v/s ML</a:t>
-            </a:r>
-            <a:endParaRPr lang="en-US" dirty="0">
-              <a:latin typeface="Times New Roman" panose="02020603050405020304" pitchFamily="18" charset="0"/>
-              <a:cs typeface="Times New Roman" panose="02020603050405020304" pitchFamily="18" charset="0"/>
-            </a:endParaRPr>
-          </a:p>
-        </p:txBody>
-      </p:sp>
-      <p:sp>
-        <p:nvSpPr>
-          <p:cNvPr id="3" name="Content Placeholder 2"/>
-          <p:cNvSpPr>
-            <a:spLocks noGrp="1"/>
-          </p:cNvSpPr>
-          <p:nvPr>
-            <p:ph idx="1"/>
-          </p:nvPr>
-        </p:nvSpPr>
-        <p:spPr>
-          <a:xfrm>
-            <a:off x="838200" y="1407614"/>
-            <a:ext cx="10515600" cy="4351338"/>
-          </a:xfrm>
-        </p:spPr>
-        <p:txBody>
-          <a:bodyPr>
-            <a:noAutofit/>
-          </a:bodyPr>
-          <a:lstStyle/>
-          <a:p>
-            <a:r>
-              <a:rPr lang="en-US" sz="2000" dirty="0">
-                <a:latin typeface="Times New Roman" panose="02020603050405020304" pitchFamily="18" charset="0"/>
-                <a:cs typeface="Times New Roman" panose="02020603050405020304" pitchFamily="18" charset="0"/>
-              </a:rPr>
-              <a:t>Artificial intelligence is a technology that enables a machine to simulate human behavior. Machine learning is a subset of AI which allows a machine to automatically learn from past data without programming explicitly</a:t>
-            </a:r>
-            <a:r>
-              <a:rPr lang="en-US" sz="2000" dirty="0" smtClean="0">
-                <a:latin typeface="Times New Roman" panose="02020603050405020304" pitchFamily="18" charset="0"/>
-                <a:cs typeface="Times New Roman" panose="02020603050405020304" pitchFamily="18" charset="0"/>
-              </a:rPr>
-              <a:t>.</a:t>
-            </a:r>
-          </a:p>
-          <a:p>
-            <a:r>
-              <a:rPr lang="en-US" sz="2000" dirty="0">
-                <a:latin typeface="Times New Roman" panose="02020603050405020304" pitchFamily="18" charset="0"/>
-                <a:cs typeface="Times New Roman" panose="02020603050405020304" pitchFamily="18" charset="0"/>
-              </a:rPr>
-              <a:t>The goal of AI is to make a smart computer system like humans to solve complex problems. The goal of ML is to allow machines to learn from data so that they can give accurate output</a:t>
-            </a:r>
-            <a:r>
-              <a:rPr lang="en-US" sz="2000" dirty="0" smtClean="0">
-                <a:latin typeface="Times New Roman" panose="02020603050405020304" pitchFamily="18" charset="0"/>
-                <a:cs typeface="Times New Roman" panose="02020603050405020304" pitchFamily="18" charset="0"/>
-              </a:rPr>
-              <a:t>.</a:t>
-            </a:r>
-          </a:p>
-          <a:p>
-            <a:r>
-              <a:rPr lang="en-US" sz="2000" dirty="0">
-                <a:latin typeface="Times New Roman" panose="02020603050405020304" pitchFamily="18" charset="0"/>
-                <a:cs typeface="Times New Roman" panose="02020603050405020304" pitchFamily="18" charset="0"/>
-              </a:rPr>
-              <a:t>In AI, we make intelligent systems to perform any task like a human. In ML, we teach machines with data to perform a particular task and give an accurate </a:t>
-            </a:r>
-            <a:r>
-              <a:rPr lang="en-US" sz="2000" dirty="0" smtClean="0">
-                <a:latin typeface="Times New Roman" panose="02020603050405020304" pitchFamily="18" charset="0"/>
-                <a:cs typeface="Times New Roman" panose="02020603050405020304" pitchFamily="18" charset="0"/>
-              </a:rPr>
-              <a:t>result</a:t>
-            </a:r>
-          </a:p>
-          <a:p>
-            <a:r>
-              <a:rPr lang="en-US" sz="2000" dirty="0">
-                <a:latin typeface="Times New Roman" panose="02020603050405020304" pitchFamily="18" charset="0"/>
-                <a:cs typeface="Times New Roman" panose="02020603050405020304" pitchFamily="18" charset="0"/>
-              </a:rPr>
-              <a:t>Machine learning and deep learning are the two main subsets of </a:t>
-            </a:r>
-            <a:r>
-              <a:rPr lang="en-US" sz="2000" dirty="0" smtClean="0">
-                <a:latin typeface="Times New Roman" panose="02020603050405020304" pitchFamily="18" charset="0"/>
-                <a:cs typeface="Times New Roman" panose="02020603050405020304" pitchFamily="18" charset="0"/>
-              </a:rPr>
-              <a:t>AI. Deep </a:t>
-            </a:r>
-            <a:r>
-              <a:rPr lang="en-US" sz="2000" dirty="0">
-                <a:latin typeface="Times New Roman" panose="02020603050405020304" pitchFamily="18" charset="0"/>
-                <a:cs typeface="Times New Roman" panose="02020603050405020304" pitchFamily="18" charset="0"/>
-              </a:rPr>
-              <a:t>learning is the main subset of machine learning. </a:t>
-            </a:r>
-            <a:endParaRPr lang="en-US" sz="2000" dirty="0" smtClean="0">
-              <a:latin typeface="Times New Roman" panose="02020603050405020304" pitchFamily="18" charset="0"/>
-              <a:cs typeface="Times New Roman" panose="02020603050405020304" pitchFamily="18" charset="0"/>
-            </a:endParaRPr>
-          </a:p>
-          <a:p>
-            <a:r>
-              <a:rPr lang="en-US" sz="2000" dirty="0">
-                <a:latin typeface="Times New Roman" panose="02020603050405020304" pitchFamily="18" charset="0"/>
-                <a:cs typeface="Times New Roman" panose="02020603050405020304" pitchFamily="18" charset="0"/>
-              </a:rPr>
-              <a:t>AI has a very wide range of scope. Machine learning has a limited scope</a:t>
-            </a:r>
-            <a:r>
-              <a:rPr lang="en-US" sz="2000" dirty="0" smtClean="0">
-                <a:latin typeface="Times New Roman" panose="02020603050405020304" pitchFamily="18" charset="0"/>
-                <a:cs typeface="Times New Roman" panose="02020603050405020304" pitchFamily="18" charset="0"/>
-              </a:rPr>
-              <a:t>.</a:t>
-            </a:r>
-          </a:p>
-          <a:p>
-            <a:r>
-              <a:rPr lang="en-US" sz="2000" dirty="0" smtClean="0">
-                <a:latin typeface="Times New Roman" panose="02020603050405020304" pitchFamily="18" charset="0"/>
-                <a:cs typeface="Times New Roman" panose="02020603050405020304" pitchFamily="18" charset="0"/>
-              </a:rPr>
-              <a:t>AI </a:t>
-            </a:r>
-            <a:r>
-              <a:rPr lang="en-US" sz="2000" dirty="0">
-                <a:latin typeface="Times New Roman" panose="02020603050405020304" pitchFamily="18" charset="0"/>
-                <a:cs typeface="Times New Roman" panose="02020603050405020304" pitchFamily="18" charset="0"/>
-              </a:rPr>
-              <a:t>is working to create an intelligent system that can perform various complex tasks. Machine learning is working to create machines that can perform only those specific tasks for which they are trained</a:t>
-            </a:r>
-            <a:r>
-              <a:rPr lang="en-US" sz="2000" dirty="0" smtClean="0">
-                <a:latin typeface="Times New Roman" panose="02020603050405020304" pitchFamily="18" charset="0"/>
-                <a:cs typeface="Times New Roman" panose="02020603050405020304" pitchFamily="18" charset="0"/>
-              </a:rPr>
-              <a:t>.</a:t>
-            </a:r>
-          </a:p>
-          <a:p>
-            <a:r>
-              <a:rPr lang="en-US" sz="2000" dirty="0">
-                <a:latin typeface="Times New Roman" panose="02020603050405020304" pitchFamily="18" charset="0"/>
-                <a:cs typeface="Times New Roman" panose="02020603050405020304" pitchFamily="18" charset="0"/>
-              </a:rPr>
-              <a:t>AI system is concerned about maximizing the chances of success. Machine learning is mainly concerned with accuracy and patterns.</a:t>
-            </a:r>
-          </a:p>
-        </p:txBody>
-      </p:sp>
-    </p:spTree>
-    <p:extLst>
-      <p:ext uri="{BB962C8B-B14F-4D97-AF65-F5344CB8AC3E}">
-        <p14:creationId xmlns:p14="http://schemas.microsoft.com/office/powerpoint/2010/main" val="170890148"/>
-      </p:ext>
-    </p:extLst>
-  </p:cSld>
-  <p:clrMapOvr>
-    <a:masterClrMapping/>
-  </p:clrMapOvr>
-</p:sld>
-</file>
-
-<file path=ppt/slides/slide5.xml><?xml version="1.0" encoding="utf-8"?>
 <p:sld xmlns:a="http://schemas.openxmlformats.org/drawingml/2006/main" xmlns:r="http://schemas.openxmlformats.org/officeDocument/2006/relationships" xmlns:p="http://schemas.openxmlformats.org/presentationml/2006/main">
   <p:cSld>
     <p:spTree>
@@ -19271,6 +19527,139 @@
   <p:clrMapOvr>
     <a:masterClrMapping/>
   </p:clrMapOvr>
+  <p:timing>
+    <p:tnLst>
+      <p:par>
+        <p:cTn id="1" dur="indefinite" restart="never" nodeType="tmRoot"/>
+      </p:par>
+    </p:tnLst>
+  </p:timing>
+</p:sld>
+</file>
+
+<file path=ppt/slides/slide5.xml><?xml version="1.0" encoding="utf-8"?>
+<p:sld xmlns:a="http://schemas.openxmlformats.org/drawingml/2006/main" xmlns:r="http://schemas.openxmlformats.org/officeDocument/2006/relationships" xmlns:p="http://schemas.openxmlformats.org/presentationml/2006/main">
+  <p:cSld>
+    <p:spTree>
+      <p:nvGrpSpPr>
+        <p:cNvPr id="1" name=""/>
+        <p:cNvGrpSpPr/>
+        <p:nvPr/>
+      </p:nvGrpSpPr>
+      <p:grpSpPr>
+        <a:xfrm>
+          <a:off x="0" y="0"/>
+          <a:ext cx="0" cy="0"/>
+          <a:chOff x="0" y="0"/>
+          <a:chExt cx="0" cy="0"/>
+        </a:xfrm>
+      </p:grpSpPr>
+      <p:sp>
+        <p:nvSpPr>
+          <p:cNvPr id="2" name="Title 1"/>
+          <p:cNvSpPr>
+            <a:spLocks noGrp="1"/>
+          </p:cNvSpPr>
+          <p:nvPr>
+            <p:ph type="title"/>
+          </p:nvPr>
+        </p:nvSpPr>
+        <p:spPr/>
+        <p:txBody>
+          <a:bodyPr/>
+          <a:lstStyle/>
+          <a:p>
+            <a:r>
+              <a:rPr lang="en-US" dirty="0" smtClean="0">
+                <a:latin typeface="Times New Roman" panose="02020603050405020304" pitchFamily="18" charset="0"/>
+                <a:cs typeface="Times New Roman" panose="02020603050405020304" pitchFamily="18" charset="0"/>
+              </a:rPr>
+              <a:t>Supervised Machine Learning</a:t>
+            </a:r>
+            <a:endParaRPr lang="en-US" dirty="0">
+              <a:latin typeface="Times New Roman" panose="02020603050405020304" pitchFamily="18" charset="0"/>
+              <a:cs typeface="Times New Roman" panose="02020603050405020304" pitchFamily="18" charset="0"/>
+            </a:endParaRPr>
+          </a:p>
+        </p:txBody>
+      </p:sp>
+      <p:sp>
+        <p:nvSpPr>
+          <p:cNvPr id="3" name="Content Placeholder 2"/>
+          <p:cNvSpPr>
+            <a:spLocks noGrp="1"/>
+          </p:cNvSpPr>
+          <p:nvPr>
+            <p:ph idx="1"/>
+          </p:nvPr>
+        </p:nvSpPr>
+        <p:spPr/>
+        <p:txBody>
+          <a:bodyPr>
+            <a:normAutofit fontScale="70000" lnSpcReduction="20000"/>
+          </a:bodyPr>
+          <a:lstStyle/>
+          <a:p>
+            <a:r>
+              <a:rPr lang="en-US" dirty="0">
+                <a:latin typeface="Times New Roman" panose="02020603050405020304" pitchFamily="18" charset="0"/>
+                <a:cs typeface="Times New Roman" panose="02020603050405020304" pitchFamily="18" charset="0"/>
+              </a:rPr>
+              <a:t>Supervised learning is one of the most basic types of machine learning. In this type, the machine learning algorithm is trained on labeled data. Even though the data needs to be labeled accurately for this method to work, supervised learning is extremely powerful when used in the right circumstances.</a:t>
+            </a:r>
+          </a:p>
+          <a:p>
+            <a:r>
+              <a:rPr lang="en-US" dirty="0">
+                <a:latin typeface="Times New Roman" panose="02020603050405020304" pitchFamily="18" charset="0"/>
+                <a:cs typeface="Times New Roman" panose="02020603050405020304" pitchFamily="18" charset="0"/>
+              </a:rPr>
+              <a:t>In supervised learning, the ML algorithm is given a small training dataset to work with. This training dataset is a smaller part of the bigger dataset and serves to give the algorithm a basic idea of the problem, solution, and data points to be dealt with. The training dataset is also very similar to the final dataset in its characteristics and provides the algorithm with the labeled parameters required for the problem.</a:t>
+            </a:r>
+          </a:p>
+          <a:p>
+            <a:r>
+              <a:rPr lang="en-US" dirty="0">
+                <a:latin typeface="Times New Roman" panose="02020603050405020304" pitchFamily="18" charset="0"/>
+                <a:cs typeface="Times New Roman" panose="02020603050405020304" pitchFamily="18" charset="0"/>
+              </a:rPr>
+              <a:t>The algorithm then finds relationships between the parameters given, essentially establishing a cause and effect relationship between the variables in the dataset. At the end of the training, the algorithm has an idea of how the data works and the relationship between the input and the output.</a:t>
+            </a:r>
+          </a:p>
+          <a:p>
+            <a:r>
+              <a:rPr lang="en-US" dirty="0">
+                <a:latin typeface="Times New Roman" panose="02020603050405020304" pitchFamily="18" charset="0"/>
+                <a:cs typeface="Times New Roman" panose="02020603050405020304" pitchFamily="18" charset="0"/>
+              </a:rPr>
+              <a:t>This solution is then deployed for use with the final dataset, which it learns from in the same way as the training dataset. This means that supervised machine learning algorithms will continue to improve even after being deployed, discovering new patterns and relationships as it trains itself on new data.</a:t>
+            </a:r>
+          </a:p>
+          <a:p>
+            <a:endParaRPr lang="en-US" dirty="0">
+              <a:latin typeface="Times New Roman" panose="02020603050405020304" pitchFamily="18" charset="0"/>
+              <a:cs typeface="Times New Roman" panose="02020603050405020304" pitchFamily="18" charset="0"/>
+            </a:endParaRPr>
+          </a:p>
+        </p:txBody>
+      </p:sp>
+    </p:spTree>
+    <p:extLst>
+      <p:ext uri="{BB962C8B-B14F-4D97-AF65-F5344CB8AC3E}">
+        <p14:creationId xmlns:p14="http://schemas.microsoft.com/office/powerpoint/2010/main" val="3094838287"/>
+      </p:ext>
+    </p:extLst>
+  </p:cSld>
+  <p:clrMapOvr>
+    <a:masterClrMapping/>
+  </p:clrMapOvr>
+  <p:timing>
+    <p:tnLst>
+      <p:par>
+        <p:cTn id="1" dur="indefinite" restart="never" nodeType="tmRoot"/>
+      </p:par>
+    </p:tnLst>
+  </p:timing>
 </p:sld>
 </file>
 
@@ -19311,7 +19700,7 @@
                 <a:latin typeface="Times New Roman" panose="02020603050405020304" pitchFamily="18" charset="0"/>
                 <a:cs typeface="Times New Roman" panose="02020603050405020304" pitchFamily="18" charset="0"/>
               </a:rPr>
-              <a:t>Supervised Machine Learning</a:t>
+              <a:t>Unsupervised Machine Learning</a:t>
             </a:r>
             <a:endParaRPr lang="en-US" dirty="0">
               <a:latin typeface="Times New Roman" panose="02020603050405020304" pitchFamily="18" charset="0"/>
@@ -19333,63 +19722,98 @@
         <p:spPr/>
         <p:txBody>
           <a:bodyPr>
-            <a:normAutofit fontScale="70000" lnSpcReduction="20000"/>
+            <a:normAutofit fontScale="92500"/>
           </a:bodyPr>
           <a:lstStyle/>
           <a:p>
             <a:r>
-              <a:rPr lang="en-US" dirty="0">
-                <a:latin typeface="Times New Roman" panose="02020603050405020304" pitchFamily="18" charset="0"/>
-                <a:cs typeface="Times New Roman" panose="02020603050405020304" pitchFamily="18" charset="0"/>
-              </a:rPr>
-              <a:t>Supervised learning is one of the most basic types of machine learning. In this type, the machine learning algorithm is trained on labeled data. Even though the data needs to be labeled accurately for this method to work, supervised learning is extremely powerful when used in the right circumstances.</a:t>
-            </a:r>
-          </a:p>
-          <a:p>
-            <a:r>
-              <a:rPr lang="en-US" dirty="0">
-                <a:latin typeface="Times New Roman" panose="02020603050405020304" pitchFamily="18" charset="0"/>
-                <a:cs typeface="Times New Roman" panose="02020603050405020304" pitchFamily="18" charset="0"/>
-              </a:rPr>
-              <a:t>In supervised learning, the ML algorithm is given a small training dataset to work with. This training dataset is a smaller part of the bigger dataset and serves to give the algorithm a basic idea of the problem, solution, and data points to be dealt with. The training dataset is also very similar to the final dataset in its characteristics and provides the algorithm with the labeled parameters required for the problem.</a:t>
-            </a:r>
-          </a:p>
-          <a:p>
-            <a:r>
-              <a:rPr lang="en-US" dirty="0">
-                <a:latin typeface="Times New Roman" panose="02020603050405020304" pitchFamily="18" charset="0"/>
-                <a:cs typeface="Times New Roman" panose="02020603050405020304" pitchFamily="18" charset="0"/>
-              </a:rPr>
-              <a:t>The algorithm then finds relationships between the parameters given, essentially establishing a cause and effect relationship between the variables in the dataset. At the end of the training, the algorithm has an idea of how the data works and the relationship between the input and the output.</a:t>
-            </a:r>
-          </a:p>
-          <a:p>
-            <a:r>
-              <a:rPr lang="en-US" dirty="0">
-                <a:latin typeface="Times New Roman" panose="02020603050405020304" pitchFamily="18" charset="0"/>
-                <a:cs typeface="Times New Roman" panose="02020603050405020304" pitchFamily="18" charset="0"/>
-              </a:rPr>
-              <a:t>This solution is then deployed for use with the final dataset, which it learns from in the same way as the training dataset. This means that supervised machine learning algorithms will continue to improve even after being deployed, discovering new patterns and relationships as it trains itself on new data.</a:t>
-            </a:r>
-          </a:p>
-          <a:p>
-            <a:endParaRPr lang="en-US" dirty="0">
+              <a:rPr lang="en-US" sz="2400" dirty="0">
+                <a:latin typeface="Times New Roman" panose="02020603050405020304" pitchFamily="18" charset="0"/>
+                <a:cs typeface="Times New Roman" panose="02020603050405020304" pitchFamily="18" charset="0"/>
+              </a:rPr>
+              <a:t>Unsupervised machine learning holds the advantage of being able to work with unlabeled data. This means that human labor is not required to make the dataset machine-readable, allowing much larger datasets to be worked on by the program.</a:t>
+            </a:r>
+          </a:p>
+          <a:p>
+            <a:r>
+              <a:rPr lang="en-US" sz="2400" dirty="0">
+                <a:latin typeface="Times New Roman" panose="02020603050405020304" pitchFamily="18" charset="0"/>
+                <a:cs typeface="Times New Roman" panose="02020603050405020304" pitchFamily="18" charset="0"/>
+              </a:rPr>
+              <a:t>In supervised learning, the labels allow the algorithm to find the exact nature of the relationship between any two data points. </a:t>
+            </a:r>
+            <a:endParaRPr lang="en-US" sz="2400" dirty="0" smtClean="0">
               <a:latin typeface="Times New Roman" panose="02020603050405020304" pitchFamily="18" charset="0"/>
               <a:cs typeface="Times New Roman" panose="02020603050405020304" pitchFamily="18" charset="0"/>
             </a:endParaRPr>
+          </a:p>
+          <a:p>
+            <a:r>
+              <a:rPr lang="en-US" sz="2400" dirty="0" smtClean="0">
+                <a:latin typeface="Times New Roman" panose="02020603050405020304" pitchFamily="18" charset="0"/>
+                <a:cs typeface="Times New Roman" panose="02020603050405020304" pitchFamily="18" charset="0"/>
+              </a:rPr>
+              <a:t>However</a:t>
+            </a:r>
+            <a:r>
+              <a:rPr lang="en-US" sz="2400" dirty="0">
+                <a:latin typeface="Times New Roman" panose="02020603050405020304" pitchFamily="18" charset="0"/>
+                <a:cs typeface="Times New Roman" panose="02020603050405020304" pitchFamily="18" charset="0"/>
+              </a:rPr>
+              <a:t>, unsupervised learning does not have labels to work off of, resulting in the creation of hidden structures. Relationships between data points are perceived by the algorithm in an abstract manner, with no input required from human beings.</a:t>
+            </a:r>
+          </a:p>
+          <a:p>
+            <a:r>
+              <a:rPr lang="en-US" sz="2400" dirty="0">
+                <a:latin typeface="Times New Roman" panose="02020603050405020304" pitchFamily="18" charset="0"/>
+                <a:cs typeface="Times New Roman" panose="02020603050405020304" pitchFamily="18" charset="0"/>
+              </a:rPr>
+              <a:t>The creation of these hidden structures is what makes unsupervised learning algorithms versatile. Instead of a defined and set problem statement, unsupervised learning algorithms can adapt to the data by dynamically changing hidden structures. </a:t>
+            </a:r>
+            <a:endParaRPr lang="en-US" sz="2400" dirty="0" smtClean="0">
+              <a:latin typeface="Times New Roman" panose="02020603050405020304" pitchFamily="18" charset="0"/>
+              <a:cs typeface="Times New Roman" panose="02020603050405020304" pitchFamily="18" charset="0"/>
+            </a:endParaRPr>
+          </a:p>
+          <a:p>
+            <a:r>
+              <a:rPr lang="en-US" sz="2400" dirty="0" smtClean="0">
+                <a:latin typeface="Times New Roman" panose="02020603050405020304" pitchFamily="18" charset="0"/>
+                <a:cs typeface="Times New Roman" panose="02020603050405020304" pitchFamily="18" charset="0"/>
+              </a:rPr>
+              <a:t>This </a:t>
+            </a:r>
+            <a:r>
+              <a:rPr lang="en-US" sz="2400" dirty="0">
+                <a:latin typeface="Times New Roman" panose="02020603050405020304" pitchFamily="18" charset="0"/>
+                <a:cs typeface="Times New Roman" panose="02020603050405020304" pitchFamily="18" charset="0"/>
+              </a:rPr>
+              <a:t>offers more post-deployment development than supervised learning algorithms.</a:t>
+            </a:r>
+          </a:p>
+          <a:p>
+            <a:endParaRPr lang="en-US" dirty="0"/>
           </a:p>
         </p:txBody>
       </p:sp>
     </p:spTree>
     <p:extLst>
       <p:ext uri="{BB962C8B-B14F-4D97-AF65-F5344CB8AC3E}">
-        <p14:creationId xmlns:p14="http://schemas.microsoft.com/office/powerpoint/2010/main" val="3094838287"/>
+        <p14:creationId xmlns:p14="http://schemas.microsoft.com/office/powerpoint/2010/main" val="681486145"/>
       </p:ext>
     </p:extLst>
   </p:cSld>
   <p:clrMapOvr>
     <a:masterClrMapping/>
   </p:clrMapOvr>
+  <p:timing>
+    <p:tnLst>
+      <p:par>
+        <p:cTn id="1" dur="indefinite" restart="never" nodeType="tmRoot"/>
+      </p:par>
+    </p:tnLst>
+  </p:timing>
 </p:sld>
 </file>
 
@@ -19430,7 +19854,7 @@
                 <a:latin typeface="Times New Roman" panose="02020603050405020304" pitchFamily="18" charset="0"/>
                 <a:cs typeface="Times New Roman" panose="02020603050405020304" pitchFamily="18" charset="0"/>
               </a:rPr>
-              <a:t>Unsupervised Machine Learning</a:t>
+              <a:t>Reinforcement Learning</a:t>
             </a:r>
             <a:endParaRPr lang="en-US" dirty="0">
               <a:latin typeface="Times New Roman" panose="02020603050405020304" pitchFamily="18" charset="0"/>
@@ -19452,74 +19876,50 @@
         <p:spPr/>
         <p:txBody>
           <a:bodyPr>
-            <a:normAutofit fontScale="92500"/>
+            <a:normAutofit fontScale="70000" lnSpcReduction="20000"/>
           </a:bodyPr>
           <a:lstStyle/>
           <a:p>
             <a:r>
-              <a:rPr lang="en-US" sz="2400" dirty="0">
-                <a:latin typeface="Times New Roman" panose="02020603050405020304" pitchFamily="18" charset="0"/>
-                <a:cs typeface="Times New Roman" panose="02020603050405020304" pitchFamily="18" charset="0"/>
-              </a:rPr>
-              <a:t>Unsupervised machine learning holds the advantage of being able to work with unlabeled data. This means that human labor is not required to make the dataset machine-readable, allowing much larger datasets to be worked on by the program.</a:t>
-            </a:r>
-          </a:p>
-          <a:p>
-            <a:r>
-              <a:rPr lang="en-US" sz="2400" dirty="0">
-                <a:latin typeface="Times New Roman" panose="02020603050405020304" pitchFamily="18" charset="0"/>
-                <a:cs typeface="Times New Roman" panose="02020603050405020304" pitchFamily="18" charset="0"/>
-              </a:rPr>
-              <a:t>In supervised learning, the labels allow the algorithm to find the exact nature of the relationship between any two data points. </a:t>
-            </a:r>
-            <a:endParaRPr lang="en-US" sz="2400" dirty="0" smtClean="0">
-              <a:latin typeface="Times New Roman" panose="02020603050405020304" pitchFamily="18" charset="0"/>
-              <a:cs typeface="Times New Roman" panose="02020603050405020304" pitchFamily="18" charset="0"/>
-            </a:endParaRPr>
-          </a:p>
-          <a:p>
-            <a:r>
-              <a:rPr lang="en-US" sz="2400" dirty="0" smtClean="0">
-                <a:latin typeface="Times New Roman" panose="02020603050405020304" pitchFamily="18" charset="0"/>
-                <a:cs typeface="Times New Roman" panose="02020603050405020304" pitchFamily="18" charset="0"/>
-              </a:rPr>
-              <a:t>However</a:t>
-            </a:r>
-            <a:r>
-              <a:rPr lang="en-US" sz="2400" dirty="0">
-                <a:latin typeface="Times New Roman" panose="02020603050405020304" pitchFamily="18" charset="0"/>
-                <a:cs typeface="Times New Roman" panose="02020603050405020304" pitchFamily="18" charset="0"/>
-              </a:rPr>
-              <a:t>, unsupervised learning does not have labels to work off of, resulting in the creation of hidden structures. Relationships between data points are perceived by the algorithm in an abstract manner, with no input required from human beings.</a:t>
-            </a:r>
-          </a:p>
-          <a:p>
-            <a:r>
-              <a:rPr lang="en-US" sz="2400" dirty="0">
-                <a:latin typeface="Times New Roman" panose="02020603050405020304" pitchFamily="18" charset="0"/>
-                <a:cs typeface="Times New Roman" panose="02020603050405020304" pitchFamily="18" charset="0"/>
-              </a:rPr>
-              <a:t>The creation of these hidden structures is what makes unsupervised learning algorithms versatile. Instead of a defined and set problem statement, unsupervised learning algorithms can adapt to the data by dynamically changing hidden structures. </a:t>
-            </a:r>
-            <a:endParaRPr lang="en-US" sz="2400" dirty="0" smtClean="0">
-              <a:latin typeface="Times New Roman" panose="02020603050405020304" pitchFamily="18" charset="0"/>
-              <a:cs typeface="Times New Roman" panose="02020603050405020304" pitchFamily="18" charset="0"/>
-            </a:endParaRPr>
-          </a:p>
-          <a:p>
-            <a:r>
-              <a:rPr lang="en-US" sz="2400" dirty="0" smtClean="0">
-                <a:latin typeface="Times New Roman" panose="02020603050405020304" pitchFamily="18" charset="0"/>
-                <a:cs typeface="Times New Roman" panose="02020603050405020304" pitchFamily="18" charset="0"/>
-              </a:rPr>
-              <a:t>This </a:t>
-            </a:r>
-            <a:r>
-              <a:rPr lang="en-US" sz="2400" dirty="0">
-                <a:latin typeface="Times New Roman" panose="02020603050405020304" pitchFamily="18" charset="0"/>
-                <a:cs typeface="Times New Roman" panose="02020603050405020304" pitchFamily="18" charset="0"/>
-              </a:rPr>
-              <a:t>offers more post-deployment development than supervised learning algorithms.</a:t>
+              <a:rPr lang="en-US" b="1" dirty="0">
+                <a:latin typeface="Times New Roman" panose="02020603050405020304" pitchFamily="18" charset="0"/>
+                <a:cs typeface="Times New Roman" panose="02020603050405020304" pitchFamily="18" charset="0"/>
+              </a:rPr>
+              <a:t>Reinforcement learning</a:t>
+            </a:r>
+            <a:r>
+              <a:rPr lang="en-US" dirty="0">
+                <a:latin typeface="Times New Roman" panose="02020603050405020304" pitchFamily="18" charset="0"/>
+                <a:cs typeface="Times New Roman" panose="02020603050405020304" pitchFamily="18" charset="0"/>
+              </a:rPr>
+              <a:t> directly takes inspiration from how human beings learn from data in their lives. It features an algorithm that improves upon itself and learns from new situations using a trial-and-error method. Favorable outputs are encouraged or ‘reinforced’, and non-favorable outputs are discouraged or ‘punished’.</a:t>
+            </a:r>
+          </a:p>
+          <a:p>
+            <a:r>
+              <a:rPr lang="en-US" dirty="0">
+                <a:latin typeface="Times New Roman" panose="02020603050405020304" pitchFamily="18" charset="0"/>
+                <a:cs typeface="Times New Roman" panose="02020603050405020304" pitchFamily="18" charset="0"/>
+              </a:rPr>
+              <a:t>Based on the psychological concept of conditioning, reinforcement learning works by putting the algorithm in a work environment with an interpreter and a reward system. In every iteration of the algorithm, the output result is given to the interpreter, which decides whether the outcome is favorable or not.</a:t>
+            </a:r>
+          </a:p>
+          <a:p>
+            <a:r>
+              <a:rPr lang="en-US" dirty="0">
+                <a:latin typeface="Times New Roman" panose="02020603050405020304" pitchFamily="18" charset="0"/>
+                <a:cs typeface="Times New Roman" panose="02020603050405020304" pitchFamily="18" charset="0"/>
+              </a:rPr>
+              <a:t>In case of the program finding the correct solution, the interpreter reinforces the solution by providing a reward to the algorithm. If the outcome is not favorable, the algorithm is forced to reiterate until it finds a better result. In most cases, the reward system is directly tied to the effectiveness of the result.</a:t>
+            </a:r>
+          </a:p>
+          <a:p>
+            <a:r>
+              <a:rPr lang="en-US" dirty="0">
+                <a:latin typeface="Times New Roman" panose="02020603050405020304" pitchFamily="18" charset="0"/>
+                <a:cs typeface="Times New Roman" panose="02020603050405020304" pitchFamily="18" charset="0"/>
+              </a:rPr>
+              <a:t>In typical reinforcement learning use-cases, such as finding the shortest route between two points on a map, the solution is not an absolute value. Instead, it takes on a score of effectiveness, expressed in a percentage value. The higher this percentage value is, the more reward is given to the algorithm. Thus, the program is trained to give the best possible solution for the best possible reward.</a:t>
             </a:r>
           </a:p>
           <a:p>
@@ -19530,13 +19930,20 @@
     </p:spTree>
     <p:extLst>
       <p:ext uri="{BB962C8B-B14F-4D97-AF65-F5344CB8AC3E}">
-        <p14:creationId xmlns:p14="http://schemas.microsoft.com/office/powerpoint/2010/main" val="681486145"/>
+        <p14:creationId xmlns:p14="http://schemas.microsoft.com/office/powerpoint/2010/main" val="1337828799"/>
       </p:ext>
     </p:extLst>
   </p:cSld>
   <p:clrMapOvr>
     <a:masterClrMapping/>
   </p:clrMapOvr>
+  <p:timing>
+    <p:tnLst>
+      <p:par>
+        <p:cTn id="1" dur="indefinite" restart="never" nodeType="tmRoot"/>
+      </p:par>
+    </p:tnLst>
+  </p:timing>
 </p:sld>
 </file>
 
@@ -19577,7 +19984,7 @@
                 <a:latin typeface="Times New Roman" panose="02020603050405020304" pitchFamily="18" charset="0"/>
                 <a:cs typeface="Times New Roman" panose="02020603050405020304" pitchFamily="18" charset="0"/>
               </a:rPr>
-              <a:t>Reinforcement Learning</a:t>
+              <a:t>What is Pattern Recognition?</a:t>
             </a:r>
             <a:endParaRPr lang="en-US" dirty="0">
               <a:latin typeface="Times New Roman" panose="02020603050405020304" pitchFamily="18" charset="0"/>
@@ -19599,67 +20006,170 @@
         <p:spPr/>
         <p:txBody>
           <a:bodyPr>
-            <a:normAutofit fontScale="70000" lnSpcReduction="20000"/>
+            <a:normAutofit/>
           </a:bodyPr>
           <a:lstStyle/>
           <a:p>
-            <a:r>
-              <a:rPr lang="en-US" b="1" dirty="0">
-                <a:latin typeface="Times New Roman" panose="02020603050405020304" pitchFamily="18" charset="0"/>
-                <a:cs typeface="Times New Roman" panose="02020603050405020304" pitchFamily="18" charset="0"/>
-              </a:rPr>
-              <a:t>Reinforcement learning</a:t>
-            </a:r>
-            <a:r>
-              <a:rPr lang="en-US" dirty="0">
-                <a:latin typeface="Times New Roman" panose="02020603050405020304" pitchFamily="18" charset="0"/>
-                <a:cs typeface="Times New Roman" panose="02020603050405020304" pitchFamily="18" charset="0"/>
-              </a:rPr>
-              <a:t> directly takes inspiration from how human beings learn from data in their lives. It features an algorithm that improves upon itself and learns from new situations using a trial-and-error method. Favorable outputs are encouraged or ‘reinforced’, and non-favorable outputs are discouraged or ‘punished’.</a:t>
-            </a:r>
-          </a:p>
-          <a:p>
-            <a:r>
-              <a:rPr lang="en-US" dirty="0">
-                <a:latin typeface="Times New Roman" panose="02020603050405020304" pitchFamily="18" charset="0"/>
-                <a:cs typeface="Times New Roman" panose="02020603050405020304" pitchFamily="18" charset="0"/>
-              </a:rPr>
-              <a:t>Based on the psychological concept of conditioning, reinforcement learning works by putting the algorithm in a work environment with an interpreter and a reward system. In every iteration of the algorithm, the output result is given to the interpreter, which decides whether the outcome is favorable or not.</a:t>
-            </a:r>
-          </a:p>
-          <a:p>
-            <a:r>
-              <a:rPr lang="en-US" dirty="0">
-                <a:latin typeface="Times New Roman" panose="02020603050405020304" pitchFamily="18" charset="0"/>
-                <a:cs typeface="Times New Roman" panose="02020603050405020304" pitchFamily="18" charset="0"/>
-              </a:rPr>
-              <a:t>In case of the program finding the correct solution, the interpreter reinforces the solution by providing a reward to the algorithm. If the outcome is not favorable, the algorithm is forced to reiterate until it finds a better result. In most cases, the reward system is directly tied to the effectiveness of the result.</a:t>
-            </a:r>
-          </a:p>
-          <a:p>
-            <a:r>
-              <a:rPr lang="en-US" dirty="0">
-                <a:latin typeface="Times New Roman" panose="02020603050405020304" pitchFamily="18" charset="0"/>
-                <a:cs typeface="Times New Roman" panose="02020603050405020304" pitchFamily="18" charset="0"/>
-              </a:rPr>
-              <a:t>In typical reinforcement learning use-cases, such as finding the shortest route between two points on a map, the solution is not an absolute value. Instead, it takes on a score of effectiveness, expressed in a percentage value. The higher this percentage value is, the more reward is given to the algorithm. Thus, the program is trained to give the best possible solution for the best possible reward.</a:t>
-            </a:r>
-          </a:p>
-          <a:p>
-            <a:endParaRPr lang="en-US" dirty="0"/>
+            <a:pPr algn="just"/>
+            <a:r>
+              <a:rPr lang="en-US" sz="1800" b="1" dirty="0">
+                <a:latin typeface="Times New Roman" panose="02020603050405020304" pitchFamily="18" charset="0"/>
+                <a:cs typeface="Times New Roman" panose="02020603050405020304" pitchFamily="18" charset="0"/>
+              </a:rPr>
+              <a:t>Pattern</a:t>
+            </a:r>
+            <a:r>
+              <a:rPr lang="en-US" sz="1800" dirty="0">
+                <a:latin typeface="Times New Roman" panose="02020603050405020304" pitchFamily="18" charset="0"/>
+                <a:cs typeface="Times New Roman" panose="02020603050405020304" pitchFamily="18" charset="0"/>
+              </a:rPr>
+              <a:t> is everything around in this digital world. A pattern can either be seen physically or it can be observed mathematically by applying algorithms. </a:t>
+            </a:r>
+            <a:endParaRPr lang="en-US" sz="1800" dirty="0" smtClean="0">
+              <a:latin typeface="Times New Roman" panose="02020603050405020304" pitchFamily="18" charset="0"/>
+              <a:cs typeface="Times New Roman" panose="02020603050405020304" pitchFamily="18" charset="0"/>
+            </a:endParaRPr>
+          </a:p>
+          <a:p>
+            <a:pPr algn="just"/>
+            <a:r>
+              <a:rPr lang="en-US" sz="1800" b="1" dirty="0">
+                <a:latin typeface="Times New Roman" panose="02020603050405020304" pitchFamily="18" charset="0"/>
+                <a:cs typeface="Times New Roman" panose="02020603050405020304" pitchFamily="18" charset="0"/>
+              </a:rPr>
+              <a:t>Pattern recognition</a:t>
+            </a:r>
+            <a:r>
+              <a:rPr lang="en-US" sz="1800" dirty="0">
+                <a:latin typeface="Times New Roman" panose="02020603050405020304" pitchFamily="18" charset="0"/>
+                <a:cs typeface="Times New Roman" panose="02020603050405020304" pitchFamily="18" charset="0"/>
+              </a:rPr>
+              <a:t> is the process of recognizing patterns by using a machine learning algorithm. Pattern recognition can be defined as the classification of data based on knowledge already gained or on statistical information extracted from patterns and/or their representation. One of the important aspects of pattern recognition is its application potential. </a:t>
+            </a:r>
+            <a:endParaRPr lang="en-US" sz="1800" dirty="0" smtClean="0">
+              <a:latin typeface="Times New Roman" panose="02020603050405020304" pitchFamily="18" charset="0"/>
+              <a:cs typeface="Times New Roman" panose="02020603050405020304" pitchFamily="18" charset="0"/>
+            </a:endParaRPr>
+          </a:p>
+          <a:p>
+            <a:pPr algn="just"/>
+            <a:r>
+              <a:rPr lang="en-US" sz="1800" b="1" dirty="0">
+                <a:latin typeface="Times New Roman" panose="02020603050405020304" pitchFamily="18" charset="0"/>
+                <a:cs typeface="Times New Roman" panose="02020603050405020304" pitchFamily="18" charset="0"/>
+              </a:rPr>
+              <a:t>Examples:</a:t>
+            </a:r>
+            <a:r>
+              <a:rPr lang="en-US" sz="1800" dirty="0">
+                <a:latin typeface="Times New Roman" panose="02020603050405020304" pitchFamily="18" charset="0"/>
+                <a:cs typeface="Times New Roman" panose="02020603050405020304" pitchFamily="18" charset="0"/>
+              </a:rPr>
+              <a:t> Speech recognition, speaker identification, multimedia document recognition (MDR), automatic </a:t>
+            </a:r>
+            <a:r>
+              <a:rPr lang="en-US" sz="1800" dirty="0" smtClean="0">
+                <a:latin typeface="Times New Roman" panose="02020603050405020304" pitchFamily="18" charset="0"/>
+                <a:cs typeface="Times New Roman" panose="02020603050405020304" pitchFamily="18" charset="0"/>
+              </a:rPr>
+              <a:t>medical diagnosis</a:t>
+            </a:r>
+            <a:r>
+              <a:rPr lang="en-US" sz="1800" dirty="0">
+                <a:latin typeface="Times New Roman" panose="02020603050405020304" pitchFamily="18" charset="0"/>
+                <a:cs typeface="Times New Roman" panose="02020603050405020304" pitchFamily="18" charset="0"/>
+              </a:rPr>
+              <a:t>. </a:t>
+            </a:r>
+            <a:r>
+              <a:rPr lang="en-US" sz="1800" dirty="0" smtClean="0">
+                <a:latin typeface="Times New Roman" panose="02020603050405020304" pitchFamily="18" charset="0"/>
+                <a:cs typeface="Times New Roman" panose="02020603050405020304" pitchFamily="18" charset="0"/>
+              </a:rPr>
+              <a:t>In </a:t>
+            </a:r>
+            <a:r>
+              <a:rPr lang="en-US" sz="1800" dirty="0">
+                <a:latin typeface="Times New Roman" panose="02020603050405020304" pitchFamily="18" charset="0"/>
+                <a:cs typeface="Times New Roman" panose="02020603050405020304" pitchFamily="18" charset="0"/>
+              </a:rPr>
+              <a:t>a typical pattern recognition application, the raw data is processed and converted into a form that is amenable for a machine to use. </a:t>
+            </a:r>
+            <a:endParaRPr lang="en-US" sz="1800" dirty="0" smtClean="0">
+              <a:latin typeface="Times New Roman" panose="02020603050405020304" pitchFamily="18" charset="0"/>
+              <a:cs typeface="Times New Roman" panose="02020603050405020304" pitchFamily="18" charset="0"/>
+            </a:endParaRPr>
+          </a:p>
+          <a:p>
+            <a:pPr algn="just"/>
+            <a:r>
+              <a:rPr lang="en-US" sz="1800" dirty="0" smtClean="0">
+                <a:latin typeface="Times New Roman" panose="02020603050405020304" pitchFamily="18" charset="0"/>
+                <a:cs typeface="Times New Roman" panose="02020603050405020304" pitchFamily="18" charset="0"/>
+              </a:rPr>
+              <a:t>Pattern </a:t>
+            </a:r>
+            <a:r>
+              <a:rPr lang="en-US" sz="1800" dirty="0">
+                <a:latin typeface="Times New Roman" panose="02020603050405020304" pitchFamily="18" charset="0"/>
+                <a:cs typeface="Times New Roman" panose="02020603050405020304" pitchFamily="18" charset="0"/>
+              </a:rPr>
+              <a:t>recognition involves </a:t>
+            </a:r>
+            <a:r>
+              <a:rPr lang="en-US" sz="2000" b="1" dirty="0">
+                <a:latin typeface="Times New Roman" panose="02020603050405020304" pitchFamily="18" charset="0"/>
+                <a:cs typeface="Times New Roman" panose="02020603050405020304" pitchFamily="18" charset="0"/>
+              </a:rPr>
+              <a:t>the classification and cluster of patterns</a:t>
+            </a:r>
+            <a:r>
+              <a:rPr lang="en-US" sz="1800" dirty="0">
+                <a:latin typeface="Times New Roman" panose="02020603050405020304" pitchFamily="18" charset="0"/>
+                <a:cs typeface="Times New Roman" panose="02020603050405020304" pitchFamily="18" charset="0"/>
+              </a:rPr>
+              <a:t>. </a:t>
+            </a:r>
+            <a:endParaRPr lang="en-US" sz="1800" dirty="0" smtClean="0">
+              <a:latin typeface="Times New Roman" panose="02020603050405020304" pitchFamily="18" charset="0"/>
+              <a:cs typeface="Times New Roman" panose="02020603050405020304" pitchFamily="18" charset="0"/>
+            </a:endParaRPr>
+          </a:p>
+          <a:p>
+            <a:pPr marL="0" indent="0">
+              <a:buNone/>
+            </a:pPr>
+            <a:r>
+              <a:rPr lang="en-US" sz="1800" dirty="0" smtClean="0">
+                <a:latin typeface="Times New Roman" panose="02020603050405020304" pitchFamily="18" charset="0"/>
+                <a:cs typeface="Times New Roman" panose="02020603050405020304" pitchFamily="18" charset="0"/>
+              </a:rPr>
+              <a:t>	</a:t>
+            </a:r>
+            <a:endParaRPr lang="en-US" sz="1800" dirty="0">
+              <a:latin typeface="Times New Roman" panose="02020603050405020304" pitchFamily="18" charset="0"/>
+              <a:cs typeface="Times New Roman" panose="02020603050405020304" pitchFamily="18" charset="0"/>
+            </a:endParaRPr>
           </a:p>
         </p:txBody>
       </p:sp>
     </p:spTree>
     <p:extLst>
       <p:ext uri="{BB962C8B-B14F-4D97-AF65-F5344CB8AC3E}">
-        <p14:creationId xmlns:p14="http://schemas.microsoft.com/office/powerpoint/2010/main" val="1337828799"/>
+        <p14:creationId xmlns:p14="http://schemas.microsoft.com/office/powerpoint/2010/main" val="287836779"/>
       </p:ext>
     </p:extLst>
   </p:cSld>
   <p:clrMapOvr>
     <a:masterClrMapping/>
   </p:clrMapOvr>
+  <p:timing>
+    <p:tnLst>
+      <p:par>
+        <p:cTn id="1" dur="indefinite" restart="never" nodeType="tmRoot"/>
+      </p:par>
+    </p:tnLst>
+  </p:timing>
 </p:sld>
 </file>
 
@@ -19700,7 +20210,7 @@
                 <a:latin typeface="Times New Roman" panose="02020603050405020304" pitchFamily="18" charset="0"/>
                 <a:cs typeface="Times New Roman" panose="02020603050405020304" pitchFamily="18" charset="0"/>
               </a:rPr>
-              <a:t>What is Pattern Recognition?</a:t>
+              <a:t>Some Terminologies:</a:t>
             </a:r>
             <a:endParaRPr lang="en-US" dirty="0">
               <a:latin typeface="Times New Roman" panose="02020603050405020304" pitchFamily="18" charset="0"/>
@@ -19722,163 +20232,173 @@
         <p:spPr/>
         <p:txBody>
           <a:bodyPr>
-            <a:normAutofit/>
+            <a:normAutofit fontScale="55000" lnSpcReduction="20000"/>
           </a:bodyPr>
           <a:lstStyle/>
           <a:p>
-            <a:pPr algn="just"/>
-            <a:r>
-              <a:rPr lang="en-US" sz="1800" b="1" dirty="0">
-                <a:latin typeface="Times New Roman" panose="02020603050405020304" pitchFamily="18" charset="0"/>
-                <a:cs typeface="Times New Roman" panose="02020603050405020304" pitchFamily="18" charset="0"/>
-              </a:rPr>
-              <a:t>Pattern</a:t>
-            </a:r>
-            <a:r>
-              <a:rPr lang="en-US" sz="1800" dirty="0">
-                <a:latin typeface="Times New Roman" panose="02020603050405020304" pitchFamily="18" charset="0"/>
-                <a:cs typeface="Times New Roman" panose="02020603050405020304" pitchFamily="18" charset="0"/>
-              </a:rPr>
-              <a:t> is everything around in this digital world. A pattern can either be seen physically or it can be observed mathematically by applying algorithms. </a:t>
-            </a:r>
-            <a:endParaRPr lang="en-US" sz="1800" dirty="0" smtClean="0">
-              <a:latin typeface="Times New Roman" panose="02020603050405020304" pitchFamily="18" charset="0"/>
-              <a:cs typeface="Times New Roman" panose="02020603050405020304" pitchFamily="18" charset="0"/>
-            </a:endParaRPr>
-          </a:p>
-          <a:p>
-            <a:pPr algn="just"/>
-            <a:r>
-              <a:rPr lang="en-US" sz="1800" b="1" dirty="0">
-                <a:latin typeface="Times New Roman" panose="02020603050405020304" pitchFamily="18" charset="0"/>
-                <a:cs typeface="Times New Roman" panose="02020603050405020304" pitchFamily="18" charset="0"/>
-              </a:rPr>
-              <a:t>Pattern recognition</a:t>
-            </a:r>
-            <a:r>
-              <a:rPr lang="en-US" sz="1800" dirty="0">
-                <a:latin typeface="Times New Roman" panose="02020603050405020304" pitchFamily="18" charset="0"/>
-                <a:cs typeface="Times New Roman" panose="02020603050405020304" pitchFamily="18" charset="0"/>
-              </a:rPr>
-              <a:t> is the process of recognizing patterns by using a machine learning algorithm. Pattern recognition can be defined as the classification of data based on knowledge already gained or on statistical information extracted from patterns and/or their representation. One of the important aspects of pattern recognition is its application potential. </a:t>
-            </a:r>
-            <a:endParaRPr lang="en-US" sz="1800" dirty="0" smtClean="0">
-              <a:latin typeface="Times New Roman" panose="02020603050405020304" pitchFamily="18" charset="0"/>
-              <a:cs typeface="Times New Roman" panose="02020603050405020304" pitchFamily="18" charset="0"/>
-            </a:endParaRPr>
-          </a:p>
-          <a:p>
-            <a:pPr algn="just"/>
-            <a:r>
-              <a:rPr lang="en-US" sz="1800" b="1" dirty="0">
-                <a:latin typeface="Times New Roman" panose="02020603050405020304" pitchFamily="18" charset="0"/>
-                <a:cs typeface="Times New Roman" panose="02020603050405020304" pitchFamily="18" charset="0"/>
-              </a:rPr>
-              <a:t>Examples:</a:t>
-            </a:r>
-            <a:r>
-              <a:rPr lang="en-US" sz="1800" dirty="0">
-                <a:latin typeface="Times New Roman" panose="02020603050405020304" pitchFamily="18" charset="0"/>
-                <a:cs typeface="Times New Roman" panose="02020603050405020304" pitchFamily="18" charset="0"/>
-              </a:rPr>
-              <a:t> Speech recognition, speaker identification, multimedia document recognition (MDR), automatic </a:t>
-            </a:r>
-            <a:r>
-              <a:rPr lang="en-US" sz="1800" dirty="0" smtClean="0">
-                <a:latin typeface="Times New Roman" panose="02020603050405020304" pitchFamily="18" charset="0"/>
-                <a:cs typeface="Times New Roman" panose="02020603050405020304" pitchFamily="18" charset="0"/>
-              </a:rPr>
-              <a:t>medical diagnosis</a:t>
-            </a:r>
-            <a:r>
-              <a:rPr lang="en-US" sz="1800" dirty="0">
-                <a:latin typeface="Times New Roman" panose="02020603050405020304" pitchFamily="18" charset="0"/>
-                <a:cs typeface="Times New Roman" panose="02020603050405020304" pitchFamily="18" charset="0"/>
-              </a:rPr>
-              <a:t>. </a:t>
-            </a:r>
-            <a:r>
-              <a:rPr lang="en-US" sz="1800" dirty="0" smtClean="0">
-                <a:latin typeface="Times New Roman" panose="02020603050405020304" pitchFamily="18" charset="0"/>
-                <a:cs typeface="Times New Roman" panose="02020603050405020304" pitchFamily="18" charset="0"/>
-              </a:rPr>
-              <a:t>In </a:t>
-            </a:r>
-            <a:r>
-              <a:rPr lang="en-US" sz="1800" dirty="0">
-                <a:latin typeface="Times New Roman" panose="02020603050405020304" pitchFamily="18" charset="0"/>
-                <a:cs typeface="Times New Roman" panose="02020603050405020304" pitchFamily="18" charset="0"/>
-              </a:rPr>
-              <a:t>a typical pattern recognition application, the raw data is processed and converted into a form that is amenable for a machine to use. </a:t>
-            </a:r>
-            <a:endParaRPr lang="en-US" sz="1800" dirty="0" smtClean="0">
-              <a:latin typeface="Times New Roman" panose="02020603050405020304" pitchFamily="18" charset="0"/>
-              <a:cs typeface="Times New Roman" panose="02020603050405020304" pitchFamily="18" charset="0"/>
-            </a:endParaRPr>
-          </a:p>
-          <a:p>
-            <a:pPr algn="just"/>
-            <a:r>
-              <a:rPr lang="en-US" sz="1800" dirty="0" smtClean="0">
-                <a:latin typeface="Times New Roman" panose="02020603050405020304" pitchFamily="18" charset="0"/>
-                <a:cs typeface="Times New Roman" panose="02020603050405020304" pitchFamily="18" charset="0"/>
-              </a:rPr>
-              <a:t>Pattern </a:t>
-            </a:r>
-            <a:r>
-              <a:rPr lang="en-US" sz="1800" dirty="0">
-                <a:latin typeface="Times New Roman" panose="02020603050405020304" pitchFamily="18" charset="0"/>
-                <a:cs typeface="Times New Roman" panose="02020603050405020304" pitchFamily="18" charset="0"/>
-              </a:rPr>
-              <a:t>recognition involves </a:t>
-            </a:r>
-            <a:r>
-              <a:rPr lang="en-US" sz="2000" b="1" dirty="0">
-                <a:latin typeface="Times New Roman" panose="02020603050405020304" pitchFamily="18" charset="0"/>
-                <a:cs typeface="Times New Roman" panose="02020603050405020304" pitchFamily="18" charset="0"/>
-              </a:rPr>
-              <a:t>the classification and cluster of patterns</a:t>
-            </a:r>
-            <a:r>
-              <a:rPr lang="en-US" sz="1800" dirty="0">
-                <a:latin typeface="Times New Roman" panose="02020603050405020304" pitchFamily="18" charset="0"/>
-                <a:cs typeface="Times New Roman" panose="02020603050405020304" pitchFamily="18" charset="0"/>
-              </a:rPr>
-              <a:t>. </a:t>
-            </a:r>
-            <a:endParaRPr lang="en-US" sz="1800" dirty="0" smtClean="0">
-              <a:latin typeface="Times New Roman" panose="02020603050405020304" pitchFamily="18" charset="0"/>
-              <a:cs typeface="Times New Roman" panose="02020603050405020304" pitchFamily="18" charset="0"/>
-            </a:endParaRPr>
-          </a:p>
-          <a:p>
-            <a:pPr marL="0" indent="0">
-              <a:buNone/>
-            </a:pPr>
-            <a:r>
-              <a:rPr lang="en-US" sz="1800" dirty="0" smtClean="0">
-                <a:latin typeface="Times New Roman" panose="02020603050405020304" pitchFamily="18" charset="0"/>
-                <a:cs typeface="Times New Roman" panose="02020603050405020304" pitchFamily="18" charset="0"/>
-              </a:rPr>
-              <a:t>	</a:t>
-            </a:r>
-            <a:endParaRPr lang="en-US" sz="1800" dirty="0">
-              <a:latin typeface="Times New Roman" panose="02020603050405020304" pitchFamily="18" charset="0"/>
-              <a:cs typeface="Times New Roman" panose="02020603050405020304" pitchFamily="18" charset="0"/>
-            </a:endParaRPr>
+            <a:r>
+              <a:rPr lang="en-US" sz="3200" b="1" dirty="0">
+                <a:latin typeface="Times New Roman" panose="02020603050405020304" pitchFamily="18" charset="0"/>
+                <a:cs typeface="Times New Roman" panose="02020603050405020304" pitchFamily="18" charset="0"/>
+              </a:rPr>
+              <a:t>Model</a:t>
+            </a:r>
+            <a:r>
+              <a:rPr lang="en-US" sz="3200" dirty="0">
+                <a:latin typeface="Times New Roman" panose="02020603050405020304" pitchFamily="18" charset="0"/>
+                <a:cs typeface="Times New Roman" panose="02020603050405020304" pitchFamily="18" charset="0"/>
+              </a:rPr>
+              <a:t>: Also known as “hypothesis”, a machine learning model is the mathematical representation of a real-world process. A machine learning algorithm along with the training data builds a machine learning model.</a:t>
+            </a:r>
+          </a:p>
+          <a:p>
+            <a:r>
+              <a:rPr lang="en-US" sz="3200" b="1" dirty="0">
+                <a:latin typeface="Times New Roman" panose="02020603050405020304" pitchFamily="18" charset="0"/>
+                <a:cs typeface="Times New Roman" panose="02020603050405020304" pitchFamily="18" charset="0"/>
+              </a:rPr>
+              <a:t>Feature</a:t>
+            </a:r>
+            <a:r>
+              <a:rPr lang="en-US" sz="3200" dirty="0">
+                <a:latin typeface="Times New Roman" panose="02020603050405020304" pitchFamily="18" charset="0"/>
+                <a:cs typeface="Times New Roman" panose="02020603050405020304" pitchFamily="18" charset="0"/>
+              </a:rPr>
+              <a:t>: A feature is a measurable property or parameter of the data-set.</a:t>
+            </a:r>
+          </a:p>
+          <a:p>
+            <a:r>
+              <a:rPr lang="en-US" sz="3200" b="1" dirty="0">
+                <a:latin typeface="Times New Roman" panose="02020603050405020304" pitchFamily="18" charset="0"/>
+                <a:cs typeface="Times New Roman" panose="02020603050405020304" pitchFamily="18" charset="0"/>
+              </a:rPr>
+              <a:t>Feature Vector</a:t>
+            </a:r>
+            <a:r>
+              <a:rPr lang="en-US" sz="3200" dirty="0">
+                <a:latin typeface="Times New Roman" panose="02020603050405020304" pitchFamily="18" charset="0"/>
+                <a:cs typeface="Times New Roman" panose="02020603050405020304" pitchFamily="18" charset="0"/>
+              </a:rPr>
+              <a:t>: It is a set of multiple numeric features. We use it as an input to the machine learning model for training and prediction purposes.</a:t>
+            </a:r>
+          </a:p>
+          <a:p>
+            <a:r>
+              <a:rPr lang="en-US" sz="3200" b="1" dirty="0">
+                <a:latin typeface="Times New Roman" panose="02020603050405020304" pitchFamily="18" charset="0"/>
+                <a:cs typeface="Times New Roman" panose="02020603050405020304" pitchFamily="18" charset="0"/>
+              </a:rPr>
+              <a:t>Training</a:t>
+            </a:r>
+            <a:r>
+              <a:rPr lang="en-US" sz="3200" dirty="0">
+                <a:latin typeface="Times New Roman" panose="02020603050405020304" pitchFamily="18" charset="0"/>
+                <a:cs typeface="Times New Roman" panose="02020603050405020304" pitchFamily="18" charset="0"/>
+              </a:rPr>
+              <a:t>: An algorithm takes a set of data known as “training data” as input. The learning algorithm finds patterns in the input data and trains the model for expected results (target). The output of the training process is the machine learning model.</a:t>
+            </a:r>
+          </a:p>
+          <a:p>
+            <a:r>
+              <a:rPr lang="en-US" sz="3200" b="1" dirty="0">
+                <a:latin typeface="Times New Roman" panose="02020603050405020304" pitchFamily="18" charset="0"/>
+                <a:cs typeface="Times New Roman" panose="02020603050405020304" pitchFamily="18" charset="0"/>
+              </a:rPr>
+              <a:t>Prediction</a:t>
+            </a:r>
+            <a:r>
+              <a:rPr lang="en-US" sz="3200" dirty="0">
+                <a:latin typeface="Times New Roman" panose="02020603050405020304" pitchFamily="18" charset="0"/>
+                <a:cs typeface="Times New Roman" panose="02020603050405020304" pitchFamily="18" charset="0"/>
+              </a:rPr>
+              <a:t>: Once the machine learning model is ready, it can be fed with input data to provide a predicted output.</a:t>
+            </a:r>
+          </a:p>
+          <a:p>
+            <a:r>
+              <a:rPr lang="en-US" sz="3200" b="1" dirty="0">
+                <a:latin typeface="Times New Roman" panose="02020603050405020304" pitchFamily="18" charset="0"/>
+                <a:cs typeface="Times New Roman" panose="02020603050405020304" pitchFamily="18" charset="0"/>
+              </a:rPr>
+              <a:t>Target (Label)</a:t>
+            </a:r>
+            <a:r>
+              <a:rPr lang="en-US" sz="3200" dirty="0">
+                <a:latin typeface="Times New Roman" panose="02020603050405020304" pitchFamily="18" charset="0"/>
+                <a:cs typeface="Times New Roman" panose="02020603050405020304" pitchFamily="18" charset="0"/>
+              </a:rPr>
+              <a:t>: The value that the machine learning model has to predict is called the target or label.</a:t>
+            </a:r>
+          </a:p>
+          <a:p>
+            <a:r>
+              <a:rPr lang="en-US" sz="3200" b="1" dirty="0">
+                <a:latin typeface="Times New Roman" panose="02020603050405020304" pitchFamily="18" charset="0"/>
+                <a:cs typeface="Times New Roman" panose="02020603050405020304" pitchFamily="18" charset="0"/>
+              </a:rPr>
+              <a:t>Overfitting</a:t>
+            </a:r>
+            <a:r>
+              <a:rPr lang="en-US" sz="3200" dirty="0">
+                <a:latin typeface="Times New Roman" panose="02020603050405020304" pitchFamily="18" charset="0"/>
+                <a:cs typeface="Times New Roman" panose="02020603050405020304" pitchFamily="18" charset="0"/>
+              </a:rPr>
+              <a:t>: When a massive amount of data trains a machine learning model, it tends to learn from the noise and inaccurate data entries. Here the model fails to </a:t>
+            </a:r>
+            <a:r>
+              <a:rPr lang="en-US" sz="3200" dirty="0" smtClean="0">
+                <a:latin typeface="Times New Roman" panose="02020603050405020304" pitchFamily="18" charset="0"/>
+                <a:cs typeface="Times New Roman" panose="02020603050405020304" pitchFamily="18" charset="0"/>
+              </a:rPr>
+              <a:t>characterize </a:t>
+            </a:r>
+            <a:r>
+              <a:rPr lang="en-US" sz="3200" dirty="0">
+                <a:latin typeface="Times New Roman" panose="02020603050405020304" pitchFamily="18" charset="0"/>
+                <a:cs typeface="Times New Roman" panose="02020603050405020304" pitchFamily="18" charset="0"/>
+              </a:rPr>
+              <a:t>the data correctly.</a:t>
+            </a:r>
+          </a:p>
+          <a:p>
+            <a:r>
+              <a:rPr lang="en-US" sz="3200" b="1" dirty="0" err="1">
+                <a:latin typeface="Times New Roman" panose="02020603050405020304" pitchFamily="18" charset="0"/>
+                <a:cs typeface="Times New Roman" panose="02020603050405020304" pitchFamily="18" charset="0"/>
+              </a:rPr>
+              <a:t>Underfitting</a:t>
+            </a:r>
+            <a:r>
+              <a:rPr lang="en-US" sz="3200" dirty="0">
+                <a:latin typeface="Times New Roman" panose="02020603050405020304" pitchFamily="18" charset="0"/>
+                <a:cs typeface="Times New Roman" panose="02020603050405020304" pitchFamily="18" charset="0"/>
+              </a:rPr>
+              <a:t>: It is the scenario when the model fails to decipher the underlying trend in the input data. It destroys the accuracy of the machine learning model. In simple terms, the model or the algorithm does not fit the data well enough.</a:t>
+            </a:r>
+          </a:p>
+          <a:p>
+            <a:endParaRPr lang="en-US" dirty="0"/>
           </a:p>
         </p:txBody>
       </p:sp>
     </p:spTree>
     <p:extLst>
       <p:ext uri="{BB962C8B-B14F-4D97-AF65-F5344CB8AC3E}">
-        <p14:creationId xmlns:p14="http://schemas.microsoft.com/office/powerpoint/2010/main" val="287836779"/>
+        <p14:creationId xmlns:p14="http://schemas.microsoft.com/office/powerpoint/2010/main" val="212948309"/>
       </p:ext>
     </p:extLst>
   </p:cSld>
   <p:clrMapOvr>
     <a:masterClrMapping/>
   </p:clrMapOvr>
+  <p:timing>
+    <p:tnLst>
+      <p:par>
+        <p:cTn id="1" dur="indefinite" restart="never" nodeType="tmRoot"/>
+      </p:par>
+    </p:tnLst>
+  </p:timing>
 </p:sld>
 </file>
 
